--- a/포트폴리오/C#/주소록 관리 프로그램/주소록 관리 프로그램 - 양화영.pptx
+++ b/포트폴리오/C#/주소록 관리 프로그램/주소록 관리 프로그램 - 양화영.pptx
@@ -14,9 +14,12 @@
     <p:sldId id="267" r:id="rId8"/>
     <p:sldId id="268" r:id="rId9"/>
     <p:sldId id="260" r:id="rId10"/>
-    <p:sldId id="261" r:id="rId11"/>
-    <p:sldId id="262" r:id="rId12"/>
-    <p:sldId id="263" r:id="rId13"/>
+    <p:sldId id="271" r:id="rId11"/>
+    <p:sldId id="270" r:id="rId12"/>
+    <p:sldId id="272" r:id="rId13"/>
+    <p:sldId id="269" r:id="rId14"/>
+    <p:sldId id="261" r:id="rId15"/>
+    <p:sldId id="263" r:id="rId16"/>
   </p:sldIdLst>
   <p:sldSz cx="12192000" cy="6858000"/>
   <p:notesSz cx="6858000" cy="9144000"/>
@@ -115,6 +118,22 @@
       </a:defRPr>
     </a:lvl9pPr>
   </p:defaultTextStyle>
+  <p:extLst>
+    <p:ext uri="{EFAFB233-063F-42B5-8137-9DF3F51BA10A}">
+      <p15:sldGuideLst xmlns:p15="http://schemas.microsoft.com/office/powerpoint/2012/main">
+        <p15:guide id="1" orient="horz" pos="2047">
+          <p15:clr>
+            <a:srgbClr val="A4A3A4"/>
+          </p15:clr>
+        </p15:guide>
+        <p15:guide id="2" pos="3840">
+          <p15:clr>
+            <a:srgbClr val="A4A3A4"/>
+          </p15:clr>
+        </p15:guide>
+      </p15:sldGuideLst>
+    </p:ext>
+  </p:extLst>
 </p:presentation>
 </file>
 
@@ -140,7 +159,7 @@
           <p:cNvPr id="2" name="제목 1">
             <a:extLst>
               <a:ext uri="{FF2B5EF4-FFF2-40B4-BE49-F238E27FC236}">
-                <a16:creationId xmlns="" xmlns:a16="http://schemas.microsoft.com/office/drawing/2014/main" id="{22112318-F619-4488-8B6E-2F5F2426A69A}"/>
+                <a16:creationId xmlns:a16="http://schemas.microsoft.com/office/drawing/2014/main" id="{22112318-F619-4488-8B6E-2F5F2426A69A}"/>
               </a:ext>
             </a:extLst>
           </p:cNvPr>
@@ -177,7 +196,7 @@
           <p:cNvPr id="3" name="부제목 2">
             <a:extLst>
               <a:ext uri="{FF2B5EF4-FFF2-40B4-BE49-F238E27FC236}">
-                <a16:creationId xmlns="" xmlns:a16="http://schemas.microsoft.com/office/drawing/2014/main" id="{E8BEE6BB-9A5F-4E9F-9F1C-6D46BE01A313}"/>
+                <a16:creationId xmlns:a16="http://schemas.microsoft.com/office/drawing/2014/main" id="{E8BEE6BB-9A5F-4E9F-9F1C-6D46BE01A313}"/>
               </a:ext>
             </a:extLst>
           </p:cNvPr>
@@ -247,7 +266,7 @@
           <p:cNvPr id="4" name="날짜 개체 틀 3">
             <a:extLst>
               <a:ext uri="{FF2B5EF4-FFF2-40B4-BE49-F238E27FC236}">
-                <a16:creationId xmlns="" xmlns:a16="http://schemas.microsoft.com/office/drawing/2014/main" id="{D2D9A51D-A948-4CB8-A9EB-5A26520C8EF0}"/>
+                <a16:creationId xmlns:a16="http://schemas.microsoft.com/office/drawing/2014/main" id="{D2D9A51D-A948-4CB8-A9EB-5A26520C8EF0}"/>
               </a:ext>
             </a:extLst>
           </p:cNvPr>
@@ -272,7 +291,7 @@
                 </a:solidFill>
               </a:rPr>
               <a:pPr/>
-              <a:t>2021-05-05</a:t>
+              <a:t>2021-05-06</a:t>
             </a:fld>
             <a:endParaRPr lang="ko-KR" altLang="en-US">
               <a:solidFill>
@@ -289,7 +308,7 @@
           <p:cNvPr id="5" name="바닥글 개체 틀 4">
             <a:extLst>
               <a:ext uri="{FF2B5EF4-FFF2-40B4-BE49-F238E27FC236}">
-                <a16:creationId xmlns="" xmlns:a16="http://schemas.microsoft.com/office/drawing/2014/main" id="{84374BBD-0B82-4658-B13D-088F0E4D078E}"/>
+                <a16:creationId xmlns:a16="http://schemas.microsoft.com/office/drawing/2014/main" id="{84374BBD-0B82-4658-B13D-088F0E4D078E}"/>
               </a:ext>
             </a:extLst>
           </p:cNvPr>
@@ -320,7 +339,7 @@
           <p:cNvPr id="6" name="슬라이드 번호 개체 틀 5">
             <a:extLst>
               <a:ext uri="{FF2B5EF4-FFF2-40B4-BE49-F238E27FC236}">
-                <a16:creationId xmlns="" xmlns:a16="http://schemas.microsoft.com/office/drawing/2014/main" id="{AB1AAA67-696A-4836-A10B-FF164C3AF889}"/>
+                <a16:creationId xmlns:a16="http://schemas.microsoft.com/office/drawing/2014/main" id="{AB1AAA67-696A-4836-A10B-FF164C3AF889}"/>
               </a:ext>
             </a:extLst>
           </p:cNvPr>
@@ -392,7 +411,7 @@
           <p:cNvPr id="2" name="제목 1">
             <a:extLst>
               <a:ext uri="{FF2B5EF4-FFF2-40B4-BE49-F238E27FC236}">
-                <a16:creationId xmlns="" xmlns:a16="http://schemas.microsoft.com/office/drawing/2014/main" id="{3C43AEE1-28CA-46D2-81F5-CD34E4F9E583}"/>
+                <a16:creationId xmlns:a16="http://schemas.microsoft.com/office/drawing/2014/main" id="{3C43AEE1-28CA-46D2-81F5-CD34E4F9E583}"/>
               </a:ext>
             </a:extLst>
           </p:cNvPr>
@@ -420,7 +439,7 @@
           <p:cNvPr id="3" name="세로 텍스트 개체 틀 2">
             <a:extLst>
               <a:ext uri="{FF2B5EF4-FFF2-40B4-BE49-F238E27FC236}">
-                <a16:creationId xmlns="" xmlns:a16="http://schemas.microsoft.com/office/drawing/2014/main" id="{C738FEC2-4BF0-4A45-9297-EE9B2E45E5CC}"/>
+                <a16:creationId xmlns:a16="http://schemas.microsoft.com/office/drawing/2014/main" id="{C738FEC2-4BF0-4A45-9297-EE9B2E45E5CC}"/>
               </a:ext>
             </a:extLst>
           </p:cNvPr>
@@ -477,7 +496,7 @@
           <p:cNvPr id="4" name="날짜 개체 틀 3">
             <a:extLst>
               <a:ext uri="{FF2B5EF4-FFF2-40B4-BE49-F238E27FC236}">
-                <a16:creationId xmlns="" xmlns:a16="http://schemas.microsoft.com/office/drawing/2014/main" id="{2BEDBAD0-D342-4544-94B8-122B3BDBF705}"/>
+                <a16:creationId xmlns:a16="http://schemas.microsoft.com/office/drawing/2014/main" id="{2BEDBAD0-D342-4544-94B8-122B3BDBF705}"/>
               </a:ext>
             </a:extLst>
           </p:cNvPr>
@@ -502,7 +521,7 @@
                 </a:solidFill>
               </a:rPr>
               <a:pPr/>
-              <a:t>2021-05-05</a:t>
+              <a:t>2021-05-06</a:t>
             </a:fld>
             <a:endParaRPr lang="ko-KR" altLang="en-US">
               <a:solidFill>
@@ -519,7 +538,7 @@
           <p:cNvPr id="5" name="바닥글 개체 틀 4">
             <a:extLst>
               <a:ext uri="{FF2B5EF4-FFF2-40B4-BE49-F238E27FC236}">
-                <a16:creationId xmlns="" xmlns:a16="http://schemas.microsoft.com/office/drawing/2014/main" id="{1D70FE0D-ACBA-4806-9F35-4EB786E865FE}"/>
+                <a16:creationId xmlns:a16="http://schemas.microsoft.com/office/drawing/2014/main" id="{1D70FE0D-ACBA-4806-9F35-4EB786E865FE}"/>
               </a:ext>
             </a:extLst>
           </p:cNvPr>
@@ -550,7 +569,7 @@
           <p:cNvPr id="6" name="슬라이드 번호 개체 틀 5">
             <a:extLst>
               <a:ext uri="{FF2B5EF4-FFF2-40B4-BE49-F238E27FC236}">
-                <a16:creationId xmlns="" xmlns:a16="http://schemas.microsoft.com/office/drawing/2014/main" id="{A7F3119A-4AE1-408F-B8AD-4428B0060B24}"/>
+                <a16:creationId xmlns:a16="http://schemas.microsoft.com/office/drawing/2014/main" id="{A7F3119A-4AE1-408F-B8AD-4428B0060B24}"/>
               </a:ext>
             </a:extLst>
           </p:cNvPr>
@@ -622,7 +641,7 @@
           <p:cNvPr id="2" name="세로 제목 1">
             <a:extLst>
               <a:ext uri="{FF2B5EF4-FFF2-40B4-BE49-F238E27FC236}">
-                <a16:creationId xmlns="" xmlns:a16="http://schemas.microsoft.com/office/drawing/2014/main" id="{F0B3D2AB-E650-41C2-B6FB-5398A5C19680}"/>
+                <a16:creationId xmlns:a16="http://schemas.microsoft.com/office/drawing/2014/main" id="{F0B3D2AB-E650-41C2-B6FB-5398A5C19680}"/>
               </a:ext>
             </a:extLst>
           </p:cNvPr>
@@ -655,7 +674,7 @@
           <p:cNvPr id="3" name="세로 텍스트 개체 틀 2">
             <a:extLst>
               <a:ext uri="{FF2B5EF4-FFF2-40B4-BE49-F238E27FC236}">
-                <a16:creationId xmlns="" xmlns:a16="http://schemas.microsoft.com/office/drawing/2014/main" id="{992D6516-8F93-4221-97F7-E01D89EE517D}"/>
+                <a16:creationId xmlns:a16="http://schemas.microsoft.com/office/drawing/2014/main" id="{992D6516-8F93-4221-97F7-E01D89EE517D}"/>
               </a:ext>
             </a:extLst>
           </p:cNvPr>
@@ -717,7 +736,7 @@
           <p:cNvPr id="4" name="날짜 개체 틀 3">
             <a:extLst>
               <a:ext uri="{FF2B5EF4-FFF2-40B4-BE49-F238E27FC236}">
-                <a16:creationId xmlns="" xmlns:a16="http://schemas.microsoft.com/office/drawing/2014/main" id="{8D86CB26-A349-496A-B48B-A7B891172236}"/>
+                <a16:creationId xmlns:a16="http://schemas.microsoft.com/office/drawing/2014/main" id="{8D86CB26-A349-496A-B48B-A7B891172236}"/>
               </a:ext>
             </a:extLst>
           </p:cNvPr>
@@ -742,7 +761,7 @@
                 </a:solidFill>
               </a:rPr>
               <a:pPr/>
-              <a:t>2021-05-05</a:t>
+              <a:t>2021-05-06</a:t>
             </a:fld>
             <a:endParaRPr lang="ko-KR" altLang="en-US">
               <a:solidFill>
@@ -759,7 +778,7 @@
           <p:cNvPr id="5" name="바닥글 개체 틀 4">
             <a:extLst>
               <a:ext uri="{FF2B5EF4-FFF2-40B4-BE49-F238E27FC236}">
-                <a16:creationId xmlns="" xmlns:a16="http://schemas.microsoft.com/office/drawing/2014/main" id="{C2E726FD-A739-41D5-96BA-4670363928CF}"/>
+                <a16:creationId xmlns:a16="http://schemas.microsoft.com/office/drawing/2014/main" id="{C2E726FD-A739-41D5-96BA-4670363928CF}"/>
               </a:ext>
             </a:extLst>
           </p:cNvPr>
@@ -790,7 +809,7 @@
           <p:cNvPr id="6" name="슬라이드 번호 개체 틀 5">
             <a:extLst>
               <a:ext uri="{FF2B5EF4-FFF2-40B4-BE49-F238E27FC236}">
-                <a16:creationId xmlns="" xmlns:a16="http://schemas.microsoft.com/office/drawing/2014/main" id="{60FAE18D-FED5-4070-8B76-811D76CCECC9}"/>
+                <a16:creationId xmlns:a16="http://schemas.microsoft.com/office/drawing/2014/main" id="{60FAE18D-FED5-4070-8B76-811D76CCECC9}"/>
               </a:ext>
             </a:extLst>
           </p:cNvPr>
@@ -862,7 +881,7 @@
           <p:cNvPr id="2" name="제목 1">
             <a:extLst>
               <a:ext uri="{FF2B5EF4-FFF2-40B4-BE49-F238E27FC236}">
-                <a16:creationId xmlns="" xmlns:a16="http://schemas.microsoft.com/office/drawing/2014/main" id="{5CC6958D-28E5-4CC8-8C48-52A02A1BC426}"/>
+                <a16:creationId xmlns:a16="http://schemas.microsoft.com/office/drawing/2014/main" id="{5CC6958D-28E5-4CC8-8C48-52A02A1BC426}"/>
               </a:ext>
             </a:extLst>
           </p:cNvPr>
@@ -890,7 +909,7 @@
           <p:cNvPr id="3" name="내용 개체 틀 2">
             <a:extLst>
               <a:ext uri="{FF2B5EF4-FFF2-40B4-BE49-F238E27FC236}">
-                <a16:creationId xmlns="" xmlns:a16="http://schemas.microsoft.com/office/drawing/2014/main" id="{E8E03031-827B-4AC7-B564-384C16177476}"/>
+                <a16:creationId xmlns:a16="http://schemas.microsoft.com/office/drawing/2014/main" id="{E8E03031-827B-4AC7-B564-384C16177476}"/>
               </a:ext>
             </a:extLst>
           </p:cNvPr>
@@ -947,7 +966,7 @@
           <p:cNvPr id="4" name="날짜 개체 틀 3">
             <a:extLst>
               <a:ext uri="{FF2B5EF4-FFF2-40B4-BE49-F238E27FC236}">
-                <a16:creationId xmlns="" xmlns:a16="http://schemas.microsoft.com/office/drawing/2014/main" id="{11C19838-69C9-49EB-9B51-549106E9B8DE}"/>
+                <a16:creationId xmlns:a16="http://schemas.microsoft.com/office/drawing/2014/main" id="{11C19838-69C9-49EB-9B51-549106E9B8DE}"/>
               </a:ext>
             </a:extLst>
           </p:cNvPr>
@@ -972,7 +991,7 @@
                 </a:solidFill>
               </a:rPr>
               <a:pPr/>
-              <a:t>2021-05-05</a:t>
+              <a:t>2021-05-06</a:t>
             </a:fld>
             <a:endParaRPr lang="ko-KR" altLang="en-US">
               <a:solidFill>
@@ -989,7 +1008,7 @@
           <p:cNvPr id="5" name="바닥글 개체 틀 4">
             <a:extLst>
               <a:ext uri="{FF2B5EF4-FFF2-40B4-BE49-F238E27FC236}">
-                <a16:creationId xmlns="" xmlns:a16="http://schemas.microsoft.com/office/drawing/2014/main" id="{3C26852C-90C9-4502-A697-363CF824CFD0}"/>
+                <a16:creationId xmlns:a16="http://schemas.microsoft.com/office/drawing/2014/main" id="{3C26852C-90C9-4502-A697-363CF824CFD0}"/>
               </a:ext>
             </a:extLst>
           </p:cNvPr>
@@ -1020,7 +1039,7 @@
           <p:cNvPr id="6" name="슬라이드 번호 개체 틀 5">
             <a:extLst>
               <a:ext uri="{FF2B5EF4-FFF2-40B4-BE49-F238E27FC236}">
-                <a16:creationId xmlns="" xmlns:a16="http://schemas.microsoft.com/office/drawing/2014/main" id="{DF7509D0-CCBD-406A-9D4E-6845657BBAED}"/>
+                <a16:creationId xmlns:a16="http://schemas.microsoft.com/office/drawing/2014/main" id="{DF7509D0-CCBD-406A-9D4E-6845657BBAED}"/>
               </a:ext>
             </a:extLst>
           </p:cNvPr>
@@ -1092,7 +1111,7 @@
           <p:cNvPr id="2" name="제목 1">
             <a:extLst>
               <a:ext uri="{FF2B5EF4-FFF2-40B4-BE49-F238E27FC236}">
-                <a16:creationId xmlns="" xmlns:a16="http://schemas.microsoft.com/office/drawing/2014/main" id="{6CEF73EF-188B-4B17-B08F-D30E80C308D0}"/>
+                <a16:creationId xmlns:a16="http://schemas.microsoft.com/office/drawing/2014/main" id="{6CEF73EF-188B-4B17-B08F-D30E80C308D0}"/>
               </a:ext>
             </a:extLst>
           </p:cNvPr>
@@ -1129,7 +1148,7 @@
           <p:cNvPr id="3" name="텍스트 개체 틀 2">
             <a:extLst>
               <a:ext uri="{FF2B5EF4-FFF2-40B4-BE49-F238E27FC236}">
-                <a16:creationId xmlns="" xmlns:a16="http://schemas.microsoft.com/office/drawing/2014/main" id="{DD7DD2CA-F9BF-47A8-9D27-757556FD1CEE}"/>
+                <a16:creationId xmlns:a16="http://schemas.microsoft.com/office/drawing/2014/main" id="{DD7DD2CA-F9BF-47A8-9D27-757556FD1CEE}"/>
               </a:ext>
             </a:extLst>
           </p:cNvPr>
@@ -1254,7 +1273,7 @@
           <p:cNvPr id="4" name="날짜 개체 틀 3">
             <a:extLst>
               <a:ext uri="{FF2B5EF4-FFF2-40B4-BE49-F238E27FC236}">
-                <a16:creationId xmlns="" xmlns:a16="http://schemas.microsoft.com/office/drawing/2014/main" id="{DE78A1FB-ABBF-480D-AC6C-9BB1AEF9789B}"/>
+                <a16:creationId xmlns:a16="http://schemas.microsoft.com/office/drawing/2014/main" id="{DE78A1FB-ABBF-480D-AC6C-9BB1AEF9789B}"/>
               </a:ext>
             </a:extLst>
           </p:cNvPr>
@@ -1279,7 +1298,7 @@
                 </a:solidFill>
               </a:rPr>
               <a:pPr/>
-              <a:t>2021-05-05</a:t>
+              <a:t>2021-05-06</a:t>
             </a:fld>
             <a:endParaRPr lang="ko-KR" altLang="en-US">
               <a:solidFill>
@@ -1296,7 +1315,7 @@
           <p:cNvPr id="5" name="바닥글 개체 틀 4">
             <a:extLst>
               <a:ext uri="{FF2B5EF4-FFF2-40B4-BE49-F238E27FC236}">
-                <a16:creationId xmlns="" xmlns:a16="http://schemas.microsoft.com/office/drawing/2014/main" id="{6384247E-1D11-4A19-BDDF-E157A205B45F}"/>
+                <a16:creationId xmlns:a16="http://schemas.microsoft.com/office/drawing/2014/main" id="{6384247E-1D11-4A19-BDDF-E157A205B45F}"/>
               </a:ext>
             </a:extLst>
           </p:cNvPr>
@@ -1327,7 +1346,7 @@
           <p:cNvPr id="6" name="슬라이드 번호 개체 틀 5">
             <a:extLst>
               <a:ext uri="{FF2B5EF4-FFF2-40B4-BE49-F238E27FC236}">
-                <a16:creationId xmlns="" xmlns:a16="http://schemas.microsoft.com/office/drawing/2014/main" id="{124EC815-B6FC-4BDE-910C-F8015ED4AD75}"/>
+                <a16:creationId xmlns:a16="http://schemas.microsoft.com/office/drawing/2014/main" id="{124EC815-B6FC-4BDE-910C-F8015ED4AD75}"/>
               </a:ext>
             </a:extLst>
           </p:cNvPr>
@@ -1399,7 +1418,7 @@
           <p:cNvPr id="2" name="제목 1">
             <a:extLst>
               <a:ext uri="{FF2B5EF4-FFF2-40B4-BE49-F238E27FC236}">
-                <a16:creationId xmlns="" xmlns:a16="http://schemas.microsoft.com/office/drawing/2014/main" id="{B4DAEB91-29AA-4ACC-BDCF-960470FCA5A1}"/>
+                <a16:creationId xmlns:a16="http://schemas.microsoft.com/office/drawing/2014/main" id="{B4DAEB91-29AA-4ACC-BDCF-960470FCA5A1}"/>
               </a:ext>
             </a:extLst>
           </p:cNvPr>
@@ -1427,7 +1446,7 @@
           <p:cNvPr id="3" name="내용 개체 틀 2">
             <a:extLst>
               <a:ext uri="{FF2B5EF4-FFF2-40B4-BE49-F238E27FC236}">
-                <a16:creationId xmlns="" xmlns:a16="http://schemas.microsoft.com/office/drawing/2014/main" id="{256B0E51-7DC0-45B6-8306-D8167F5CB7C8}"/>
+                <a16:creationId xmlns:a16="http://schemas.microsoft.com/office/drawing/2014/main" id="{256B0E51-7DC0-45B6-8306-D8167F5CB7C8}"/>
               </a:ext>
             </a:extLst>
           </p:cNvPr>
@@ -1489,7 +1508,7 @@
           <p:cNvPr id="4" name="내용 개체 틀 3">
             <a:extLst>
               <a:ext uri="{FF2B5EF4-FFF2-40B4-BE49-F238E27FC236}">
-                <a16:creationId xmlns="" xmlns:a16="http://schemas.microsoft.com/office/drawing/2014/main" id="{F7CB78CC-8798-4261-B4B1-60B4C54377A7}"/>
+                <a16:creationId xmlns:a16="http://schemas.microsoft.com/office/drawing/2014/main" id="{F7CB78CC-8798-4261-B4B1-60B4C54377A7}"/>
               </a:ext>
             </a:extLst>
           </p:cNvPr>
@@ -1551,7 +1570,7 @@
           <p:cNvPr id="5" name="날짜 개체 틀 4">
             <a:extLst>
               <a:ext uri="{FF2B5EF4-FFF2-40B4-BE49-F238E27FC236}">
-                <a16:creationId xmlns="" xmlns:a16="http://schemas.microsoft.com/office/drawing/2014/main" id="{79594384-5734-4FC8-928A-E1641354A126}"/>
+                <a16:creationId xmlns:a16="http://schemas.microsoft.com/office/drawing/2014/main" id="{79594384-5734-4FC8-928A-E1641354A126}"/>
               </a:ext>
             </a:extLst>
           </p:cNvPr>
@@ -1576,7 +1595,7 @@
                 </a:solidFill>
               </a:rPr>
               <a:pPr/>
-              <a:t>2021-05-05</a:t>
+              <a:t>2021-05-06</a:t>
             </a:fld>
             <a:endParaRPr lang="ko-KR" altLang="en-US">
               <a:solidFill>
@@ -1593,7 +1612,7 @@
           <p:cNvPr id="6" name="바닥글 개체 틀 5">
             <a:extLst>
               <a:ext uri="{FF2B5EF4-FFF2-40B4-BE49-F238E27FC236}">
-                <a16:creationId xmlns="" xmlns:a16="http://schemas.microsoft.com/office/drawing/2014/main" id="{282301C0-6908-48C0-8957-C8B3F4594C5A}"/>
+                <a16:creationId xmlns:a16="http://schemas.microsoft.com/office/drawing/2014/main" id="{282301C0-6908-48C0-8957-C8B3F4594C5A}"/>
               </a:ext>
             </a:extLst>
           </p:cNvPr>
@@ -1624,7 +1643,7 @@
           <p:cNvPr id="7" name="슬라이드 번호 개체 틀 6">
             <a:extLst>
               <a:ext uri="{FF2B5EF4-FFF2-40B4-BE49-F238E27FC236}">
-                <a16:creationId xmlns="" xmlns:a16="http://schemas.microsoft.com/office/drawing/2014/main" id="{507DD8FE-7741-412F-947D-7A7079F48607}"/>
+                <a16:creationId xmlns:a16="http://schemas.microsoft.com/office/drawing/2014/main" id="{507DD8FE-7741-412F-947D-7A7079F48607}"/>
               </a:ext>
             </a:extLst>
           </p:cNvPr>
@@ -1696,7 +1715,7 @@
           <p:cNvPr id="2" name="제목 1">
             <a:extLst>
               <a:ext uri="{FF2B5EF4-FFF2-40B4-BE49-F238E27FC236}">
-                <a16:creationId xmlns="" xmlns:a16="http://schemas.microsoft.com/office/drawing/2014/main" id="{BBD6DFD1-B640-4CC6-A759-6C7981C5CD61}"/>
+                <a16:creationId xmlns:a16="http://schemas.microsoft.com/office/drawing/2014/main" id="{BBD6DFD1-B640-4CC6-A759-6C7981C5CD61}"/>
               </a:ext>
             </a:extLst>
           </p:cNvPr>
@@ -1729,7 +1748,7 @@
           <p:cNvPr id="3" name="텍스트 개체 틀 2">
             <a:extLst>
               <a:ext uri="{FF2B5EF4-FFF2-40B4-BE49-F238E27FC236}">
-                <a16:creationId xmlns="" xmlns:a16="http://schemas.microsoft.com/office/drawing/2014/main" id="{25B2A237-7572-46BD-9502-829F6C0AD4F8}"/>
+                <a16:creationId xmlns:a16="http://schemas.microsoft.com/office/drawing/2014/main" id="{25B2A237-7572-46BD-9502-829F6C0AD4F8}"/>
               </a:ext>
             </a:extLst>
           </p:cNvPr>
@@ -1800,7 +1819,7 @@
           <p:cNvPr id="4" name="내용 개체 틀 3">
             <a:extLst>
               <a:ext uri="{FF2B5EF4-FFF2-40B4-BE49-F238E27FC236}">
-                <a16:creationId xmlns="" xmlns:a16="http://schemas.microsoft.com/office/drawing/2014/main" id="{81AE9732-B570-4506-BDA6-0AB39D453684}"/>
+                <a16:creationId xmlns:a16="http://schemas.microsoft.com/office/drawing/2014/main" id="{81AE9732-B570-4506-BDA6-0AB39D453684}"/>
               </a:ext>
             </a:extLst>
           </p:cNvPr>
@@ -1862,7 +1881,7 @@
           <p:cNvPr id="5" name="텍스트 개체 틀 4">
             <a:extLst>
               <a:ext uri="{FF2B5EF4-FFF2-40B4-BE49-F238E27FC236}">
-                <a16:creationId xmlns="" xmlns:a16="http://schemas.microsoft.com/office/drawing/2014/main" id="{A289407D-7DA6-4293-A426-38DF9B21160E}"/>
+                <a16:creationId xmlns:a16="http://schemas.microsoft.com/office/drawing/2014/main" id="{A289407D-7DA6-4293-A426-38DF9B21160E}"/>
               </a:ext>
             </a:extLst>
           </p:cNvPr>
@@ -1933,7 +1952,7 @@
           <p:cNvPr id="6" name="내용 개체 틀 5">
             <a:extLst>
               <a:ext uri="{FF2B5EF4-FFF2-40B4-BE49-F238E27FC236}">
-                <a16:creationId xmlns="" xmlns:a16="http://schemas.microsoft.com/office/drawing/2014/main" id="{F239549F-370A-4671-B1BB-79655CC6CB8C}"/>
+                <a16:creationId xmlns:a16="http://schemas.microsoft.com/office/drawing/2014/main" id="{F239549F-370A-4671-B1BB-79655CC6CB8C}"/>
               </a:ext>
             </a:extLst>
           </p:cNvPr>
@@ -1995,7 +2014,7 @@
           <p:cNvPr id="7" name="날짜 개체 틀 6">
             <a:extLst>
               <a:ext uri="{FF2B5EF4-FFF2-40B4-BE49-F238E27FC236}">
-                <a16:creationId xmlns="" xmlns:a16="http://schemas.microsoft.com/office/drawing/2014/main" id="{A86D9E62-97AA-41F8-B69B-6CD691CF0E2A}"/>
+                <a16:creationId xmlns:a16="http://schemas.microsoft.com/office/drawing/2014/main" id="{A86D9E62-97AA-41F8-B69B-6CD691CF0E2A}"/>
               </a:ext>
             </a:extLst>
           </p:cNvPr>
@@ -2020,7 +2039,7 @@
                 </a:solidFill>
               </a:rPr>
               <a:pPr/>
-              <a:t>2021-05-05</a:t>
+              <a:t>2021-05-06</a:t>
             </a:fld>
             <a:endParaRPr lang="ko-KR" altLang="en-US">
               <a:solidFill>
@@ -2037,7 +2056,7 @@
           <p:cNvPr id="8" name="바닥글 개체 틀 7">
             <a:extLst>
               <a:ext uri="{FF2B5EF4-FFF2-40B4-BE49-F238E27FC236}">
-                <a16:creationId xmlns="" xmlns:a16="http://schemas.microsoft.com/office/drawing/2014/main" id="{F41D3FC0-561B-4DE4-AA99-9DB56EC6B344}"/>
+                <a16:creationId xmlns:a16="http://schemas.microsoft.com/office/drawing/2014/main" id="{F41D3FC0-561B-4DE4-AA99-9DB56EC6B344}"/>
               </a:ext>
             </a:extLst>
           </p:cNvPr>
@@ -2068,7 +2087,7 @@
           <p:cNvPr id="9" name="슬라이드 번호 개체 틀 8">
             <a:extLst>
               <a:ext uri="{FF2B5EF4-FFF2-40B4-BE49-F238E27FC236}">
-                <a16:creationId xmlns="" xmlns:a16="http://schemas.microsoft.com/office/drawing/2014/main" id="{AD0040F2-99C5-450C-9966-5D00290EBF69}"/>
+                <a16:creationId xmlns:a16="http://schemas.microsoft.com/office/drawing/2014/main" id="{AD0040F2-99C5-450C-9966-5D00290EBF69}"/>
               </a:ext>
             </a:extLst>
           </p:cNvPr>
@@ -2140,7 +2159,7 @@
           <p:cNvPr id="2" name="제목 1">
             <a:extLst>
               <a:ext uri="{FF2B5EF4-FFF2-40B4-BE49-F238E27FC236}">
-                <a16:creationId xmlns="" xmlns:a16="http://schemas.microsoft.com/office/drawing/2014/main" id="{C6E337C1-8281-4F6E-9A31-EBE388C3C82F}"/>
+                <a16:creationId xmlns:a16="http://schemas.microsoft.com/office/drawing/2014/main" id="{C6E337C1-8281-4F6E-9A31-EBE388C3C82F}"/>
               </a:ext>
             </a:extLst>
           </p:cNvPr>
@@ -2168,7 +2187,7 @@
           <p:cNvPr id="3" name="날짜 개체 틀 2">
             <a:extLst>
               <a:ext uri="{FF2B5EF4-FFF2-40B4-BE49-F238E27FC236}">
-                <a16:creationId xmlns="" xmlns:a16="http://schemas.microsoft.com/office/drawing/2014/main" id="{00EA4B32-9135-4223-8DE6-887D2743405B}"/>
+                <a16:creationId xmlns:a16="http://schemas.microsoft.com/office/drawing/2014/main" id="{00EA4B32-9135-4223-8DE6-887D2743405B}"/>
               </a:ext>
             </a:extLst>
           </p:cNvPr>
@@ -2193,7 +2212,7 @@
                 </a:solidFill>
               </a:rPr>
               <a:pPr/>
-              <a:t>2021-05-05</a:t>
+              <a:t>2021-05-06</a:t>
             </a:fld>
             <a:endParaRPr lang="ko-KR" altLang="en-US">
               <a:solidFill>
@@ -2210,7 +2229,7 @@
           <p:cNvPr id="4" name="바닥글 개체 틀 3">
             <a:extLst>
               <a:ext uri="{FF2B5EF4-FFF2-40B4-BE49-F238E27FC236}">
-                <a16:creationId xmlns="" xmlns:a16="http://schemas.microsoft.com/office/drawing/2014/main" id="{9407FC83-8D70-48DB-8681-08CFD9C0DA58}"/>
+                <a16:creationId xmlns:a16="http://schemas.microsoft.com/office/drawing/2014/main" id="{9407FC83-8D70-48DB-8681-08CFD9C0DA58}"/>
               </a:ext>
             </a:extLst>
           </p:cNvPr>
@@ -2241,7 +2260,7 @@
           <p:cNvPr id="5" name="슬라이드 번호 개체 틀 4">
             <a:extLst>
               <a:ext uri="{FF2B5EF4-FFF2-40B4-BE49-F238E27FC236}">
-                <a16:creationId xmlns="" xmlns:a16="http://schemas.microsoft.com/office/drawing/2014/main" id="{A8FC15EC-BCCB-4B82-A94C-FABC63DF674F}"/>
+                <a16:creationId xmlns:a16="http://schemas.microsoft.com/office/drawing/2014/main" id="{A8FC15EC-BCCB-4B82-A94C-FABC63DF674F}"/>
               </a:ext>
             </a:extLst>
           </p:cNvPr>
@@ -2313,7 +2332,7 @@
           <p:cNvPr id="2" name="날짜 개체 틀 1">
             <a:extLst>
               <a:ext uri="{FF2B5EF4-FFF2-40B4-BE49-F238E27FC236}">
-                <a16:creationId xmlns="" xmlns:a16="http://schemas.microsoft.com/office/drawing/2014/main" id="{2B9F9692-5462-4439-80C8-B7E337FC9AC3}"/>
+                <a16:creationId xmlns:a16="http://schemas.microsoft.com/office/drawing/2014/main" id="{2B9F9692-5462-4439-80C8-B7E337FC9AC3}"/>
               </a:ext>
             </a:extLst>
           </p:cNvPr>
@@ -2338,7 +2357,7 @@
                 </a:solidFill>
               </a:rPr>
               <a:pPr/>
-              <a:t>2021-05-05</a:t>
+              <a:t>2021-05-06</a:t>
             </a:fld>
             <a:endParaRPr lang="ko-KR" altLang="en-US">
               <a:solidFill>
@@ -2355,7 +2374,7 @@
           <p:cNvPr id="3" name="바닥글 개체 틀 2">
             <a:extLst>
               <a:ext uri="{FF2B5EF4-FFF2-40B4-BE49-F238E27FC236}">
-                <a16:creationId xmlns="" xmlns:a16="http://schemas.microsoft.com/office/drawing/2014/main" id="{94CA042D-EBC0-437C-A819-521611A545F2}"/>
+                <a16:creationId xmlns:a16="http://schemas.microsoft.com/office/drawing/2014/main" id="{94CA042D-EBC0-437C-A819-521611A545F2}"/>
               </a:ext>
             </a:extLst>
           </p:cNvPr>
@@ -2386,7 +2405,7 @@
           <p:cNvPr id="4" name="슬라이드 번호 개체 틀 3">
             <a:extLst>
               <a:ext uri="{FF2B5EF4-FFF2-40B4-BE49-F238E27FC236}">
-                <a16:creationId xmlns="" xmlns:a16="http://schemas.microsoft.com/office/drawing/2014/main" id="{A2415CDA-0D1F-49BD-8381-21C3BEFD5A98}"/>
+                <a16:creationId xmlns:a16="http://schemas.microsoft.com/office/drawing/2014/main" id="{A2415CDA-0D1F-49BD-8381-21C3BEFD5A98}"/>
               </a:ext>
             </a:extLst>
           </p:cNvPr>
@@ -2458,7 +2477,7 @@
           <p:cNvPr id="2" name="제목 1">
             <a:extLst>
               <a:ext uri="{FF2B5EF4-FFF2-40B4-BE49-F238E27FC236}">
-                <a16:creationId xmlns="" xmlns:a16="http://schemas.microsoft.com/office/drawing/2014/main" id="{2A6F10D4-8D29-48C2-ADF0-92316E2C8E4E}"/>
+                <a16:creationId xmlns:a16="http://schemas.microsoft.com/office/drawing/2014/main" id="{2A6F10D4-8D29-48C2-ADF0-92316E2C8E4E}"/>
               </a:ext>
             </a:extLst>
           </p:cNvPr>
@@ -2495,7 +2514,7 @@
           <p:cNvPr id="3" name="내용 개체 틀 2">
             <a:extLst>
               <a:ext uri="{FF2B5EF4-FFF2-40B4-BE49-F238E27FC236}">
-                <a16:creationId xmlns="" xmlns:a16="http://schemas.microsoft.com/office/drawing/2014/main" id="{BBBA3CD3-DE79-4260-873A-FEDE5C678F80}"/>
+                <a16:creationId xmlns:a16="http://schemas.microsoft.com/office/drawing/2014/main" id="{BBBA3CD3-DE79-4260-873A-FEDE5C678F80}"/>
               </a:ext>
             </a:extLst>
           </p:cNvPr>
@@ -2585,7 +2604,7 @@
           <p:cNvPr id="4" name="텍스트 개체 틀 3">
             <a:extLst>
               <a:ext uri="{FF2B5EF4-FFF2-40B4-BE49-F238E27FC236}">
-                <a16:creationId xmlns="" xmlns:a16="http://schemas.microsoft.com/office/drawing/2014/main" id="{319C6BD2-52A1-4155-9D55-1D847772EA8C}"/>
+                <a16:creationId xmlns:a16="http://schemas.microsoft.com/office/drawing/2014/main" id="{319C6BD2-52A1-4155-9D55-1D847772EA8C}"/>
               </a:ext>
             </a:extLst>
           </p:cNvPr>
@@ -2656,7 +2675,7 @@
           <p:cNvPr id="5" name="날짜 개체 틀 4">
             <a:extLst>
               <a:ext uri="{FF2B5EF4-FFF2-40B4-BE49-F238E27FC236}">
-                <a16:creationId xmlns="" xmlns:a16="http://schemas.microsoft.com/office/drawing/2014/main" id="{982A3511-0B13-4D97-937C-07365FBADAEA}"/>
+                <a16:creationId xmlns:a16="http://schemas.microsoft.com/office/drawing/2014/main" id="{982A3511-0B13-4D97-937C-07365FBADAEA}"/>
               </a:ext>
             </a:extLst>
           </p:cNvPr>
@@ -2681,7 +2700,7 @@
                 </a:solidFill>
               </a:rPr>
               <a:pPr/>
-              <a:t>2021-05-05</a:t>
+              <a:t>2021-05-06</a:t>
             </a:fld>
             <a:endParaRPr lang="ko-KR" altLang="en-US">
               <a:solidFill>
@@ -2698,7 +2717,7 @@
           <p:cNvPr id="6" name="바닥글 개체 틀 5">
             <a:extLst>
               <a:ext uri="{FF2B5EF4-FFF2-40B4-BE49-F238E27FC236}">
-                <a16:creationId xmlns="" xmlns:a16="http://schemas.microsoft.com/office/drawing/2014/main" id="{54C805B4-20AF-4A3C-B131-E1D9FFBB024D}"/>
+                <a16:creationId xmlns:a16="http://schemas.microsoft.com/office/drawing/2014/main" id="{54C805B4-20AF-4A3C-B131-E1D9FFBB024D}"/>
               </a:ext>
             </a:extLst>
           </p:cNvPr>
@@ -2729,7 +2748,7 @@
           <p:cNvPr id="7" name="슬라이드 번호 개체 틀 6">
             <a:extLst>
               <a:ext uri="{FF2B5EF4-FFF2-40B4-BE49-F238E27FC236}">
-                <a16:creationId xmlns="" xmlns:a16="http://schemas.microsoft.com/office/drawing/2014/main" id="{89C705FC-2895-472A-B6FD-C2434624BB3B}"/>
+                <a16:creationId xmlns:a16="http://schemas.microsoft.com/office/drawing/2014/main" id="{89C705FC-2895-472A-B6FD-C2434624BB3B}"/>
               </a:ext>
             </a:extLst>
           </p:cNvPr>
@@ -2801,7 +2820,7 @@
           <p:cNvPr id="2" name="제목 1">
             <a:extLst>
               <a:ext uri="{FF2B5EF4-FFF2-40B4-BE49-F238E27FC236}">
-                <a16:creationId xmlns="" xmlns:a16="http://schemas.microsoft.com/office/drawing/2014/main" id="{4C00D820-915B-4802-8C2E-FF7CA967E012}"/>
+                <a16:creationId xmlns:a16="http://schemas.microsoft.com/office/drawing/2014/main" id="{4C00D820-915B-4802-8C2E-FF7CA967E012}"/>
               </a:ext>
             </a:extLst>
           </p:cNvPr>
@@ -2838,7 +2857,7 @@
           <p:cNvPr id="3" name="그림 개체 틀 2">
             <a:extLst>
               <a:ext uri="{FF2B5EF4-FFF2-40B4-BE49-F238E27FC236}">
-                <a16:creationId xmlns="" xmlns:a16="http://schemas.microsoft.com/office/drawing/2014/main" id="{10CF9849-20D0-417A-99C8-099DF39939AC}"/>
+                <a16:creationId xmlns:a16="http://schemas.microsoft.com/office/drawing/2014/main" id="{10CF9849-20D0-417A-99C8-099DF39939AC}"/>
               </a:ext>
             </a:extLst>
           </p:cNvPr>
@@ -2905,7 +2924,7 @@
           <p:cNvPr id="4" name="텍스트 개체 틀 3">
             <a:extLst>
               <a:ext uri="{FF2B5EF4-FFF2-40B4-BE49-F238E27FC236}">
-                <a16:creationId xmlns="" xmlns:a16="http://schemas.microsoft.com/office/drawing/2014/main" id="{144A7754-54E7-4123-8C5E-1B05B517B5D4}"/>
+                <a16:creationId xmlns:a16="http://schemas.microsoft.com/office/drawing/2014/main" id="{144A7754-54E7-4123-8C5E-1B05B517B5D4}"/>
               </a:ext>
             </a:extLst>
           </p:cNvPr>
@@ -2976,7 +2995,7 @@
           <p:cNvPr id="5" name="날짜 개체 틀 4">
             <a:extLst>
               <a:ext uri="{FF2B5EF4-FFF2-40B4-BE49-F238E27FC236}">
-                <a16:creationId xmlns="" xmlns:a16="http://schemas.microsoft.com/office/drawing/2014/main" id="{3AFFF3F1-9632-4E06-BAB7-312343416AE9}"/>
+                <a16:creationId xmlns:a16="http://schemas.microsoft.com/office/drawing/2014/main" id="{3AFFF3F1-9632-4E06-BAB7-312343416AE9}"/>
               </a:ext>
             </a:extLst>
           </p:cNvPr>
@@ -3001,7 +3020,7 @@
                 </a:solidFill>
               </a:rPr>
               <a:pPr/>
-              <a:t>2021-05-05</a:t>
+              <a:t>2021-05-06</a:t>
             </a:fld>
             <a:endParaRPr lang="ko-KR" altLang="en-US">
               <a:solidFill>
@@ -3018,7 +3037,7 @@
           <p:cNvPr id="6" name="바닥글 개체 틀 5">
             <a:extLst>
               <a:ext uri="{FF2B5EF4-FFF2-40B4-BE49-F238E27FC236}">
-                <a16:creationId xmlns="" xmlns:a16="http://schemas.microsoft.com/office/drawing/2014/main" id="{5F23D6B1-934F-4B4D-9E4F-5AE9E873CB6E}"/>
+                <a16:creationId xmlns:a16="http://schemas.microsoft.com/office/drawing/2014/main" id="{5F23D6B1-934F-4B4D-9E4F-5AE9E873CB6E}"/>
               </a:ext>
             </a:extLst>
           </p:cNvPr>
@@ -3049,7 +3068,7 @@
           <p:cNvPr id="7" name="슬라이드 번호 개체 틀 6">
             <a:extLst>
               <a:ext uri="{FF2B5EF4-FFF2-40B4-BE49-F238E27FC236}">
-                <a16:creationId xmlns="" xmlns:a16="http://schemas.microsoft.com/office/drawing/2014/main" id="{B157FDD5-2092-4E16-8E7C-1CCA4719CF8A}"/>
+                <a16:creationId xmlns:a16="http://schemas.microsoft.com/office/drawing/2014/main" id="{B157FDD5-2092-4E16-8E7C-1CCA4719CF8A}"/>
               </a:ext>
             </a:extLst>
           </p:cNvPr>
@@ -3126,7 +3145,7 @@
           <p:cNvPr id="2" name="제목 개체 틀 1">
             <a:extLst>
               <a:ext uri="{FF2B5EF4-FFF2-40B4-BE49-F238E27FC236}">
-                <a16:creationId xmlns="" xmlns:a16="http://schemas.microsoft.com/office/drawing/2014/main" id="{84C8B562-0886-4274-876D-59EFAAAE2F3B}"/>
+                <a16:creationId xmlns:a16="http://schemas.microsoft.com/office/drawing/2014/main" id="{84C8B562-0886-4274-876D-59EFAAAE2F3B}"/>
               </a:ext>
             </a:extLst>
           </p:cNvPr>
@@ -3164,7 +3183,7 @@
           <p:cNvPr id="3" name="텍스트 개체 틀 2">
             <a:extLst>
               <a:ext uri="{FF2B5EF4-FFF2-40B4-BE49-F238E27FC236}">
-                <a16:creationId xmlns="" xmlns:a16="http://schemas.microsoft.com/office/drawing/2014/main" id="{61799B9E-1CD2-4A09-9ACC-2FA1C62D7AF6}"/>
+                <a16:creationId xmlns:a16="http://schemas.microsoft.com/office/drawing/2014/main" id="{61799B9E-1CD2-4A09-9ACC-2FA1C62D7AF6}"/>
               </a:ext>
             </a:extLst>
           </p:cNvPr>
@@ -3231,7 +3250,7 @@
           <p:cNvPr id="4" name="날짜 개체 틀 3">
             <a:extLst>
               <a:ext uri="{FF2B5EF4-FFF2-40B4-BE49-F238E27FC236}">
-                <a16:creationId xmlns="" xmlns:a16="http://schemas.microsoft.com/office/drawing/2014/main" id="{42A0C5B4-9399-4A5E-8DEE-54436B1EC85C}"/>
+                <a16:creationId xmlns:a16="http://schemas.microsoft.com/office/drawing/2014/main" id="{42A0C5B4-9399-4A5E-8DEE-54436B1EC85C}"/>
               </a:ext>
             </a:extLst>
           </p:cNvPr>
@@ -3274,7 +3293,7 @@
                 </a:solidFill>
               </a:rPr>
               <a:pPr/>
-              <a:t>2021-05-05</a:t>
+              <a:t>2021-05-06</a:t>
             </a:fld>
             <a:endParaRPr lang="ko-KR" altLang="en-US">
               <a:solidFill>
@@ -3291,7 +3310,7 @@
           <p:cNvPr id="5" name="바닥글 개체 틀 4">
             <a:extLst>
               <a:ext uri="{FF2B5EF4-FFF2-40B4-BE49-F238E27FC236}">
-                <a16:creationId xmlns="" xmlns:a16="http://schemas.microsoft.com/office/drawing/2014/main" id="{F5B2B9FF-C0C5-4E9E-A76A-AF0745E2D88E}"/>
+                <a16:creationId xmlns:a16="http://schemas.microsoft.com/office/drawing/2014/main" id="{F5B2B9FF-C0C5-4E9E-A76A-AF0745E2D88E}"/>
               </a:ext>
             </a:extLst>
           </p:cNvPr>
@@ -3340,7 +3359,7 @@
           <p:cNvPr id="6" name="슬라이드 번호 개체 틀 5">
             <a:extLst>
               <a:ext uri="{FF2B5EF4-FFF2-40B4-BE49-F238E27FC236}">
-                <a16:creationId xmlns="" xmlns:a16="http://schemas.microsoft.com/office/drawing/2014/main" id="{E8992FE0-2D01-4365-9F95-1FF838BCEF3A}"/>
+                <a16:creationId xmlns:a16="http://schemas.microsoft.com/office/drawing/2014/main" id="{E8992FE0-2D01-4365-9F95-1FF838BCEF3A}"/>
               </a:ext>
             </a:extLst>
           </p:cNvPr>
@@ -3835,18 +3854,7 @@
                   </a:prstClr>
                 </a:solidFill>
               </a:rPr>
-              <a:t>–</a:t>
-            </a:r>
-            <a:r>
-              <a:rPr lang="en-US" altLang="ko-KR" sz="1200" dirty="0" smtClean="0">
-                <a:solidFill>
-                  <a:prstClr val="black">
-                    <a:lumMod val="75000"/>
-                    <a:lumOff val="25000"/>
-                  </a:prstClr>
-                </a:solidFill>
-              </a:rPr>
-              <a:t> </a:t>
+              <a:t>– </a:t>
             </a:r>
             <a:r>
               <a:rPr lang="ko-KR" altLang="en-US" sz="1200" dirty="0" smtClean="0">
@@ -3964,15 +3972,15 @@
         </p:nvSpPr>
         <p:spPr>
           <a:xfrm>
-            <a:off x="6862760" y="4835327"/>
-            <a:ext cx="428322" cy="200055"/>
+            <a:off x="6862760" y="4835328"/>
+            <a:ext cx="604840" cy="200055"/>
           </a:xfrm>
           <a:prstGeom prst="rect">
             <a:avLst/>
           </a:prstGeom>
         </p:spPr>
         <p:txBody>
-          <a:bodyPr wrap="none">
+          <a:bodyPr wrap="square">
             <a:spAutoFit/>
           </a:bodyPr>
           <a:lstStyle/>
@@ -3983,7 +3991,15 @@
                   <a:srgbClr val="27AECB"/>
                 </a:solidFill>
               </a:rPr>
-              <a:t>●  ●</a:t>
+              <a:t>● ● </a:t>
+            </a:r>
+            <a:r>
+              <a:rPr lang="ko-KR" altLang="en-US" sz="700" dirty="0" smtClean="0">
+                <a:solidFill>
+                  <a:srgbClr val="27AECB"/>
+                </a:solidFill>
+              </a:rPr>
+              <a:t>●</a:t>
             </a:r>
             <a:endParaRPr lang="en-US" altLang="ko-KR" sz="800" dirty="0">
               <a:solidFill>
@@ -4048,7 +4064,7 @@
         </p:nvSpPr>
         <p:spPr>
           <a:xfrm>
-            <a:off x="342900" y="771525"/>
+            <a:off x="342000" y="770400"/>
             <a:ext cx="11506200" cy="5867400"/>
           </a:xfrm>
           <a:prstGeom prst="rect">
@@ -4157,1179 +4173,75 @@
           </a:p>
         </p:txBody>
       </p:sp>
-      <p:graphicFrame>
-        <p:nvGraphicFramePr>
-          <p:cNvPr id="16" name="표 15"/>
-          <p:cNvGraphicFramePr>
-            <a:graphicFrameLocks noGrp="1"/>
-          </p:cNvGraphicFramePr>
-          <p:nvPr>
-            <p:extLst/>
-          </p:nvPr>
-        </p:nvGraphicFramePr>
-        <p:xfrm>
-          <a:off x="1955800" y="3343181"/>
-          <a:ext cx="8128000" cy="213327"/>
-        </p:xfrm>
-        <a:graphic>
-          <a:graphicData uri="http://schemas.openxmlformats.org/drawingml/2006/table">
-            <a:tbl>
-              <a:tblPr firstRow="1" bandRow="1">
-                <a:tableStyleId>{5C22544A-7EE6-4342-B048-85BDC9FD1C3A}</a:tableStyleId>
-              </a:tblPr>
-              <a:tblGrid>
-                <a:gridCol w="812800"/>
-                <a:gridCol w="812800"/>
-                <a:gridCol w="812800"/>
-                <a:gridCol w="812800"/>
-                <a:gridCol w="812800"/>
-                <a:gridCol w="812800"/>
-                <a:gridCol w="812800"/>
-                <a:gridCol w="812800"/>
-                <a:gridCol w="812800"/>
-                <a:gridCol w="812800"/>
-              </a:tblGrid>
-              <a:tr h="213327">
-                <a:tc>
-                  <a:txBody>
-                    <a:bodyPr/>
-                    <a:lstStyle/>
-                    <a:p>
-                      <a:pPr algn="ctr" latinLnBrk="1"/>
-                      <a:endParaRPr lang="ko-KR" altLang="en-US" sz="100" dirty="0">
-                        <a:solidFill>
-                          <a:schemeClr val="tx1">
-                            <a:lumMod val="65000"/>
-                            <a:lumOff val="35000"/>
-                          </a:schemeClr>
-                        </a:solidFill>
-                      </a:endParaRPr>
-                    </a:p>
-                  </a:txBody>
-                  <a:tcPr anchor="ctr">
-                    <a:lnL w="12700" cap="flat" cmpd="sng" algn="ctr">
-                      <a:solidFill>
-                        <a:schemeClr val="tx1">
-                          <a:lumMod val="65000"/>
-                          <a:lumOff val="35000"/>
-                        </a:schemeClr>
-                      </a:solidFill>
-                      <a:prstDash val="solid"/>
-                      <a:round/>
-                      <a:headEnd type="none" w="med" len="med"/>
-                      <a:tailEnd type="none" w="med" len="med"/>
-                    </a:lnL>
-                    <a:lnR w="12700" cap="flat" cmpd="sng" algn="ctr">
-                      <a:solidFill>
-                        <a:schemeClr val="tx1">
-                          <a:lumMod val="65000"/>
-                          <a:lumOff val="35000"/>
-                        </a:schemeClr>
-                      </a:solidFill>
-                      <a:prstDash val="solid"/>
-                      <a:round/>
-                      <a:headEnd type="none" w="med" len="med"/>
-                      <a:tailEnd type="none" w="med" len="med"/>
-                    </a:lnR>
-                    <a:lnT w="28575" cap="flat" cmpd="sng" algn="ctr">
-                      <a:solidFill>
-                        <a:schemeClr val="tx1">
-                          <a:lumMod val="75000"/>
-                          <a:lumOff val="25000"/>
-                        </a:schemeClr>
-                      </a:solidFill>
-                      <a:prstDash val="solid"/>
-                      <a:round/>
-                      <a:headEnd type="none" w="med" len="med"/>
-                      <a:tailEnd type="none" w="med" len="med"/>
-                    </a:lnT>
-                    <a:lnB w="38100" cmpd="sng">
-                      <a:noFill/>
-                    </a:lnB>
-                    <a:lnTlToBr w="12700" cmpd="sng">
-                      <a:noFill/>
-                      <a:prstDash val="solid"/>
-                    </a:lnTlToBr>
-                    <a:lnBlToTr w="12700" cmpd="sng">
-                      <a:noFill/>
-                      <a:prstDash val="solid"/>
-                    </a:lnBlToTr>
-                    <a:noFill/>
-                  </a:tcPr>
-                </a:tc>
-                <a:tc>
-                  <a:txBody>
-                    <a:bodyPr/>
-                    <a:lstStyle/>
-                    <a:p>
-                      <a:pPr algn="ctr" latinLnBrk="1"/>
-                      <a:endParaRPr lang="ko-KR" altLang="en-US" sz="100" dirty="0">
-                        <a:solidFill>
-                          <a:schemeClr val="tx1">
-                            <a:lumMod val="65000"/>
-                            <a:lumOff val="35000"/>
-                          </a:schemeClr>
-                        </a:solidFill>
-                      </a:endParaRPr>
-                    </a:p>
-                  </a:txBody>
-                  <a:tcPr anchor="ctr">
-                    <a:lnL w="12700" cap="flat" cmpd="sng" algn="ctr">
-                      <a:solidFill>
-                        <a:schemeClr val="tx1">
-                          <a:lumMod val="65000"/>
-                          <a:lumOff val="35000"/>
-                        </a:schemeClr>
-                      </a:solidFill>
-                      <a:prstDash val="solid"/>
-                      <a:round/>
-                      <a:headEnd type="none" w="med" len="med"/>
-                      <a:tailEnd type="none" w="med" len="med"/>
-                    </a:lnL>
-                    <a:lnR w="12700" cap="flat" cmpd="sng" algn="ctr">
-                      <a:solidFill>
-                        <a:schemeClr val="tx1">
-                          <a:lumMod val="65000"/>
-                          <a:lumOff val="35000"/>
-                        </a:schemeClr>
-                      </a:solidFill>
-                      <a:prstDash val="solid"/>
-                      <a:round/>
-                      <a:headEnd type="none" w="med" len="med"/>
-                      <a:tailEnd type="none" w="med" len="med"/>
-                    </a:lnR>
-                    <a:lnT w="28575" cap="flat" cmpd="sng" algn="ctr">
-                      <a:solidFill>
-                        <a:schemeClr val="tx1">
-                          <a:lumMod val="75000"/>
-                          <a:lumOff val="25000"/>
-                        </a:schemeClr>
-                      </a:solidFill>
-                      <a:prstDash val="solid"/>
-                      <a:round/>
-                      <a:headEnd type="none" w="med" len="med"/>
-                      <a:tailEnd type="none" w="med" len="med"/>
-                    </a:lnT>
-                    <a:lnB w="38100" cmpd="sng">
-                      <a:noFill/>
-                    </a:lnB>
-                    <a:lnTlToBr w="12700" cmpd="sng">
-                      <a:noFill/>
-                      <a:prstDash val="solid"/>
-                    </a:lnTlToBr>
-                    <a:lnBlToTr w="12700" cmpd="sng">
-                      <a:noFill/>
-                      <a:prstDash val="solid"/>
-                    </a:lnBlToTr>
-                    <a:noFill/>
-                  </a:tcPr>
-                </a:tc>
-                <a:tc>
-                  <a:txBody>
-                    <a:bodyPr/>
-                    <a:lstStyle/>
-                    <a:p>
-                      <a:pPr algn="ctr" latinLnBrk="1"/>
-                      <a:endParaRPr lang="ko-KR" altLang="en-US" sz="100" dirty="0">
-                        <a:solidFill>
-                          <a:schemeClr val="tx1">
-                            <a:lumMod val="65000"/>
-                            <a:lumOff val="35000"/>
-                          </a:schemeClr>
-                        </a:solidFill>
-                      </a:endParaRPr>
-                    </a:p>
-                  </a:txBody>
-                  <a:tcPr anchor="ctr">
-                    <a:lnL w="12700" cap="flat" cmpd="sng" algn="ctr">
-                      <a:solidFill>
-                        <a:schemeClr val="tx1">
-                          <a:lumMod val="65000"/>
-                          <a:lumOff val="35000"/>
-                        </a:schemeClr>
-                      </a:solidFill>
-                      <a:prstDash val="solid"/>
-                      <a:round/>
-                      <a:headEnd type="none" w="med" len="med"/>
-                      <a:tailEnd type="none" w="med" len="med"/>
-                    </a:lnL>
-                    <a:lnR w="12700" cap="flat" cmpd="sng" algn="ctr">
-                      <a:solidFill>
-                        <a:schemeClr val="tx1">
-                          <a:lumMod val="65000"/>
-                          <a:lumOff val="35000"/>
-                        </a:schemeClr>
-                      </a:solidFill>
-                      <a:prstDash val="solid"/>
-                      <a:round/>
-                      <a:headEnd type="none" w="med" len="med"/>
-                      <a:tailEnd type="none" w="med" len="med"/>
-                    </a:lnR>
-                    <a:lnT w="28575" cap="flat" cmpd="sng" algn="ctr">
-                      <a:solidFill>
-                        <a:schemeClr val="tx1">
-                          <a:lumMod val="75000"/>
-                          <a:lumOff val="25000"/>
-                        </a:schemeClr>
-                      </a:solidFill>
-                      <a:prstDash val="solid"/>
-                      <a:round/>
-                      <a:headEnd type="none" w="med" len="med"/>
-                      <a:tailEnd type="none" w="med" len="med"/>
-                    </a:lnT>
-                    <a:lnB w="38100" cmpd="sng">
-                      <a:noFill/>
-                    </a:lnB>
-                    <a:lnTlToBr w="12700" cmpd="sng">
-                      <a:noFill/>
-                      <a:prstDash val="solid"/>
-                    </a:lnTlToBr>
-                    <a:lnBlToTr w="12700" cmpd="sng">
-                      <a:noFill/>
-                      <a:prstDash val="solid"/>
-                    </a:lnBlToTr>
-                    <a:noFill/>
-                  </a:tcPr>
-                </a:tc>
-                <a:tc>
-                  <a:txBody>
-                    <a:bodyPr/>
-                    <a:lstStyle/>
-                    <a:p>
-                      <a:pPr algn="ctr" latinLnBrk="1"/>
-                      <a:endParaRPr lang="ko-KR" altLang="en-US" sz="100" dirty="0">
-                        <a:solidFill>
-                          <a:schemeClr val="tx1">
-                            <a:lumMod val="65000"/>
-                            <a:lumOff val="35000"/>
-                          </a:schemeClr>
-                        </a:solidFill>
-                      </a:endParaRPr>
-                    </a:p>
-                  </a:txBody>
-                  <a:tcPr anchor="ctr">
-                    <a:lnL w="12700" cap="flat" cmpd="sng" algn="ctr">
-                      <a:solidFill>
-                        <a:schemeClr val="tx1">
-                          <a:lumMod val="65000"/>
-                          <a:lumOff val="35000"/>
-                        </a:schemeClr>
-                      </a:solidFill>
-                      <a:prstDash val="solid"/>
-                      <a:round/>
-                      <a:headEnd type="none" w="med" len="med"/>
-                      <a:tailEnd type="none" w="med" len="med"/>
-                    </a:lnL>
-                    <a:lnR w="12700" cap="flat" cmpd="sng" algn="ctr">
-                      <a:solidFill>
-                        <a:schemeClr val="tx1">
-                          <a:lumMod val="65000"/>
-                          <a:lumOff val="35000"/>
-                        </a:schemeClr>
-                      </a:solidFill>
-                      <a:prstDash val="solid"/>
-                      <a:round/>
-                      <a:headEnd type="none" w="med" len="med"/>
-                      <a:tailEnd type="none" w="med" len="med"/>
-                    </a:lnR>
-                    <a:lnT w="28575" cap="flat" cmpd="sng" algn="ctr">
-                      <a:solidFill>
-                        <a:schemeClr val="tx1">
-                          <a:lumMod val="75000"/>
-                          <a:lumOff val="25000"/>
-                        </a:schemeClr>
-                      </a:solidFill>
-                      <a:prstDash val="solid"/>
-                      <a:round/>
-                      <a:headEnd type="none" w="med" len="med"/>
-                      <a:tailEnd type="none" w="med" len="med"/>
-                    </a:lnT>
-                    <a:lnB w="38100" cmpd="sng">
-                      <a:noFill/>
-                    </a:lnB>
-                    <a:lnTlToBr w="12700" cmpd="sng">
-                      <a:noFill/>
-                      <a:prstDash val="solid"/>
-                    </a:lnTlToBr>
-                    <a:lnBlToTr w="12700" cmpd="sng">
-                      <a:noFill/>
-                      <a:prstDash val="solid"/>
-                    </a:lnBlToTr>
-                    <a:noFill/>
-                  </a:tcPr>
-                </a:tc>
-                <a:tc>
-                  <a:txBody>
-                    <a:bodyPr/>
-                    <a:lstStyle/>
-                    <a:p>
-                      <a:pPr algn="ctr" latinLnBrk="1"/>
-                      <a:endParaRPr lang="ko-KR" altLang="en-US" sz="100" dirty="0">
-                        <a:solidFill>
-                          <a:schemeClr val="tx1">
-                            <a:lumMod val="65000"/>
-                            <a:lumOff val="35000"/>
-                          </a:schemeClr>
-                        </a:solidFill>
-                      </a:endParaRPr>
-                    </a:p>
-                  </a:txBody>
-                  <a:tcPr anchor="ctr">
-                    <a:lnL w="12700" cap="flat" cmpd="sng" algn="ctr">
-                      <a:solidFill>
-                        <a:schemeClr val="tx1">
-                          <a:lumMod val="65000"/>
-                          <a:lumOff val="35000"/>
-                        </a:schemeClr>
-                      </a:solidFill>
-                      <a:prstDash val="solid"/>
-                      <a:round/>
-                      <a:headEnd type="none" w="med" len="med"/>
-                      <a:tailEnd type="none" w="med" len="med"/>
-                    </a:lnL>
-                    <a:lnR w="12700" cap="flat" cmpd="sng" algn="ctr">
-                      <a:solidFill>
-                        <a:schemeClr val="tx1">
-                          <a:lumMod val="65000"/>
-                          <a:lumOff val="35000"/>
-                        </a:schemeClr>
-                      </a:solidFill>
-                      <a:prstDash val="solid"/>
-                      <a:round/>
-                      <a:headEnd type="none" w="med" len="med"/>
-                      <a:tailEnd type="none" w="med" len="med"/>
-                    </a:lnR>
-                    <a:lnT w="28575" cap="flat" cmpd="sng" algn="ctr">
-                      <a:solidFill>
-                        <a:schemeClr val="tx1">
-                          <a:lumMod val="75000"/>
-                          <a:lumOff val="25000"/>
-                        </a:schemeClr>
-                      </a:solidFill>
-                      <a:prstDash val="solid"/>
-                      <a:round/>
-                      <a:headEnd type="none" w="med" len="med"/>
-                      <a:tailEnd type="none" w="med" len="med"/>
-                    </a:lnT>
-                    <a:lnB w="38100" cmpd="sng">
-                      <a:noFill/>
-                    </a:lnB>
-                    <a:lnTlToBr w="12700" cmpd="sng">
-                      <a:noFill/>
-                      <a:prstDash val="solid"/>
-                    </a:lnTlToBr>
-                    <a:lnBlToTr w="12700" cmpd="sng">
-                      <a:noFill/>
-                      <a:prstDash val="solid"/>
-                    </a:lnBlToTr>
-                    <a:noFill/>
-                  </a:tcPr>
-                </a:tc>
-                <a:tc>
-                  <a:txBody>
-                    <a:bodyPr/>
-                    <a:lstStyle/>
-                    <a:p>
-                      <a:pPr algn="ctr" latinLnBrk="1"/>
-                      <a:endParaRPr lang="ko-KR" altLang="en-US" sz="100" dirty="0">
-                        <a:solidFill>
-                          <a:schemeClr val="tx1">
-                            <a:lumMod val="65000"/>
-                            <a:lumOff val="35000"/>
-                          </a:schemeClr>
-                        </a:solidFill>
-                      </a:endParaRPr>
-                    </a:p>
-                  </a:txBody>
-                  <a:tcPr anchor="ctr">
-                    <a:lnL w="12700" cap="flat" cmpd="sng" algn="ctr">
-                      <a:solidFill>
-                        <a:schemeClr val="tx1">
-                          <a:lumMod val="65000"/>
-                          <a:lumOff val="35000"/>
-                        </a:schemeClr>
-                      </a:solidFill>
-                      <a:prstDash val="solid"/>
-                      <a:round/>
-                      <a:headEnd type="none" w="med" len="med"/>
-                      <a:tailEnd type="none" w="med" len="med"/>
-                    </a:lnL>
-                    <a:lnR w="12700" cap="flat" cmpd="sng" algn="ctr">
-                      <a:solidFill>
-                        <a:schemeClr val="tx1">
-                          <a:lumMod val="65000"/>
-                          <a:lumOff val="35000"/>
-                        </a:schemeClr>
-                      </a:solidFill>
-                      <a:prstDash val="solid"/>
-                      <a:round/>
-                      <a:headEnd type="none" w="med" len="med"/>
-                      <a:tailEnd type="none" w="med" len="med"/>
-                    </a:lnR>
-                    <a:lnT w="28575" cap="flat" cmpd="sng" algn="ctr">
-                      <a:solidFill>
-                        <a:schemeClr val="tx1">
-                          <a:lumMod val="75000"/>
-                          <a:lumOff val="25000"/>
-                        </a:schemeClr>
-                      </a:solidFill>
-                      <a:prstDash val="solid"/>
-                      <a:round/>
-                      <a:headEnd type="none" w="med" len="med"/>
-                      <a:tailEnd type="none" w="med" len="med"/>
-                    </a:lnT>
-                    <a:lnB w="38100" cmpd="sng">
-                      <a:noFill/>
-                    </a:lnB>
-                    <a:lnTlToBr w="12700" cmpd="sng">
-                      <a:noFill/>
-                      <a:prstDash val="solid"/>
-                    </a:lnTlToBr>
-                    <a:lnBlToTr w="12700" cmpd="sng">
-                      <a:noFill/>
-                      <a:prstDash val="solid"/>
-                    </a:lnBlToTr>
-                    <a:noFill/>
-                  </a:tcPr>
-                </a:tc>
-                <a:tc>
-                  <a:txBody>
-                    <a:bodyPr/>
-                    <a:lstStyle/>
-                    <a:p>
-                      <a:pPr algn="ctr" latinLnBrk="1"/>
-                      <a:endParaRPr lang="ko-KR" altLang="en-US" sz="100" dirty="0">
-                        <a:solidFill>
-                          <a:schemeClr val="tx1">
-                            <a:lumMod val="65000"/>
-                            <a:lumOff val="35000"/>
-                          </a:schemeClr>
-                        </a:solidFill>
-                      </a:endParaRPr>
-                    </a:p>
-                  </a:txBody>
-                  <a:tcPr anchor="ctr">
-                    <a:lnL w="12700" cap="flat" cmpd="sng" algn="ctr">
-                      <a:solidFill>
-                        <a:schemeClr val="tx1">
-                          <a:lumMod val="65000"/>
-                          <a:lumOff val="35000"/>
-                        </a:schemeClr>
-                      </a:solidFill>
-                      <a:prstDash val="solid"/>
-                      <a:round/>
-                      <a:headEnd type="none" w="med" len="med"/>
-                      <a:tailEnd type="none" w="med" len="med"/>
-                    </a:lnL>
-                    <a:lnR w="12700" cap="flat" cmpd="sng" algn="ctr">
-                      <a:solidFill>
-                        <a:schemeClr val="tx1">
-                          <a:lumMod val="65000"/>
-                          <a:lumOff val="35000"/>
-                        </a:schemeClr>
-                      </a:solidFill>
-                      <a:prstDash val="solid"/>
-                      <a:round/>
-                      <a:headEnd type="none" w="med" len="med"/>
-                      <a:tailEnd type="none" w="med" len="med"/>
-                    </a:lnR>
-                    <a:lnT w="28575" cap="flat" cmpd="sng" algn="ctr">
-                      <a:solidFill>
-                        <a:schemeClr val="tx1">
-                          <a:lumMod val="75000"/>
-                          <a:lumOff val="25000"/>
-                        </a:schemeClr>
-                      </a:solidFill>
-                      <a:prstDash val="solid"/>
-                      <a:round/>
-                      <a:headEnd type="none" w="med" len="med"/>
-                      <a:tailEnd type="none" w="med" len="med"/>
-                    </a:lnT>
-                    <a:lnB w="38100" cmpd="sng">
-                      <a:noFill/>
-                    </a:lnB>
-                    <a:lnTlToBr w="12700" cmpd="sng">
-                      <a:noFill/>
-                      <a:prstDash val="solid"/>
-                    </a:lnTlToBr>
-                    <a:lnBlToTr w="12700" cmpd="sng">
-                      <a:noFill/>
-                      <a:prstDash val="solid"/>
-                    </a:lnBlToTr>
-                    <a:noFill/>
-                  </a:tcPr>
-                </a:tc>
-                <a:tc>
-                  <a:txBody>
-                    <a:bodyPr/>
-                    <a:lstStyle/>
-                    <a:p>
-                      <a:pPr algn="ctr" latinLnBrk="1"/>
-                      <a:endParaRPr lang="ko-KR" altLang="en-US" sz="100" dirty="0">
-                        <a:solidFill>
-                          <a:schemeClr val="tx1">
-                            <a:lumMod val="65000"/>
-                            <a:lumOff val="35000"/>
-                          </a:schemeClr>
-                        </a:solidFill>
-                      </a:endParaRPr>
-                    </a:p>
-                  </a:txBody>
-                  <a:tcPr anchor="ctr">
-                    <a:lnL w="12700" cap="flat" cmpd="sng" algn="ctr">
-                      <a:solidFill>
-                        <a:schemeClr val="tx1">
-                          <a:lumMod val="65000"/>
-                          <a:lumOff val="35000"/>
-                        </a:schemeClr>
-                      </a:solidFill>
-                      <a:prstDash val="solid"/>
-                      <a:round/>
-                      <a:headEnd type="none" w="med" len="med"/>
-                      <a:tailEnd type="none" w="med" len="med"/>
-                    </a:lnL>
-                    <a:lnR w="12700" cap="flat" cmpd="sng" algn="ctr">
-                      <a:solidFill>
-                        <a:schemeClr val="tx1">
-                          <a:lumMod val="65000"/>
-                          <a:lumOff val="35000"/>
-                        </a:schemeClr>
-                      </a:solidFill>
-                      <a:prstDash val="solid"/>
-                      <a:round/>
-                      <a:headEnd type="none" w="med" len="med"/>
-                      <a:tailEnd type="none" w="med" len="med"/>
-                    </a:lnR>
-                    <a:lnT w="28575" cap="flat" cmpd="sng" algn="ctr">
-                      <a:solidFill>
-                        <a:schemeClr val="tx1">
-                          <a:lumMod val="75000"/>
-                          <a:lumOff val="25000"/>
-                        </a:schemeClr>
-                      </a:solidFill>
-                      <a:prstDash val="solid"/>
-                      <a:round/>
-                      <a:headEnd type="none" w="med" len="med"/>
-                      <a:tailEnd type="none" w="med" len="med"/>
-                    </a:lnT>
-                    <a:lnB w="38100" cmpd="sng">
-                      <a:noFill/>
-                    </a:lnB>
-                    <a:lnTlToBr w="12700" cmpd="sng">
-                      <a:noFill/>
-                      <a:prstDash val="solid"/>
-                    </a:lnTlToBr>
-                    <a:lnBlToTr w="12700" cmpd="sng">
-                      <a:noFill/>
-                      <a:prstDash val="solid"/>
-                    </a:lnBlToTr>
-                    <a:noFill/>
-                  </a:tcPr>
-                </a:tc>
-                <a:tc>
-                  <a:txBody>
-                    <a:bodyPr/>
-                    <a:lstStyle/>
-                    <a:p>
-                      <a:pPr algn="ctr" latinLnBrk="1"/>
-                      <a:endParaRPr lang="ko-KR" altLang="en-US" sz="100" dirty="0">
-                        <a:solidFill>
-                          <a:schemeClr val="tx1">
-                            <a:lumMod val="65000"/>
-                            <a:lumOff val="35000"/>
-                          </a:schemeClr>
-                        </a:solidFill>
-                      </a:endParaRPr>
-                    </a:p>
-                  </a:txBody>
-                  <a:tcPr anchor="ctr">
-                    <a:lnL w="12700" cap="flat" cmpd="sng" algn="ctr">
-                      <a:solidFill>
-                        <a:schemeClr val="tx1">
-                          <a:lumMod val="65000"/>
-                          <a:lumOff val="35000"/>
-                        </a:schemeClr>
-                      </a:solidFill>
-                      <a:prstDash val="solid"/>
-                      <a:round/>
-                      <a:headEnd type="none" w="med" len="med"/>
-                      <a:tailEnd type="none" w="med" len="med"/>
-                    </a:lnL>
-                    <a:lnR w="12700" cap="flat" cmpd="sng" algn="ctr">
-                      <a:solidFill>
-                        <a:schemeClr val="tx1">
-                          <a:lumMod val="65000"/>
-                          <a:lumOff val="35000"/>
-                        </a:schemeClr>
-                      </a:solidFill>
-                      <a:prstDash val="solid"/>
-                      <a:round/>
-                      <a:headEnd type="none" w="med" len="med"/>
-                      <a:tailEnd type="none" w="med" len="med"/>
-                    </a:lnR>
-                    <a:lnT w="28575" cap="flat" cmpd="sng" algn="ctr">
-                      <a:solidFill>
-                        <a:schemeClr val="tx1">
-                          <a:lumMod val="75000"/>
-                          <a:lumOff val="25000"/>
-                        </a:schemeClr>
-                      </a:solidFill>
-                      <a:prstDash val="solid"/>
-                      <a:round/>
-                      <a:headEnd type="none" w="med" len="med"/>
-                      <a:tailEnd type="none" w="med" len="med"/>
-                    </a:lnT>
-                    <a:lnB w="38100" cmpd="sng">
-                      <a:noFill/>
-                    </a:lnB>
-                    <a:lnTlToBr w="12700" cmpd="sng">
-                      <a:noFill/>
-                      <a:prstDash val="solid"/>
-                    </a:lnTlToBr>
-                    <a:lnBlToTr w="12700" cmpd="sng">
-                      <a:noFill/>
-                      <a:prstDash val="solid"/>
-                    </a:lnBlToTr>
-                    <a:noFill/>
-                  </a:tcPr>
-                </a:tc>
-                <a:tc>
-                  <a:txBody>
-                    <a:bodyPr/>
-                    <a:lstStyle/>
-                    <a:p>
-                      <a:pPr algn="ctr" latinLnBrk="1"/>
-                      <a:endParaRPr lang="ko-KR" altLang="en-US" sz="100" dirty="0">
-                        <a:solidFill>
-                          <a:schemeClr val="tx1">
-                            <a:lumMod val="65000"/>
-                            <a:lumOff val="35000"/>
-                          </a:schemeClr>
-                        </a:solidFill>
-                      </a:endParaRPr>
-                    </a:p>
-                  </a:txBody>
-                  <a:tcPr anchor="ctr">
-                    <a:lnL w="12700" cap="flat" cmpd="sng" algn="ctr">
-                      <a:solidFill>
-                        <a:schemeClr val="tx1">
-                          <a:lumMod val="65000"/>
-                          <a:lumOff val="35000"/>
-                        </a:schemeClr>
-                      </a:solidFill>
-                      <a:prstDash val="solid"/>
-                      <a:round/>
-                      <a:headEnd type="none" w="med" len="med"/>
-                      <a:tailEnd type="none" w="med" len="med"/>
-                    </a:lnL>
-                    <a:lnR w="12700" cap="flat" cmpd="sng" algn="ctr">
-                      <a:solidFill>
-                        <a:schemeClr val="tx1">
-                          <a:lumMod val="65000"/>
-                          <a:lumOff val="35000"/>
-                        </a:schemeClr>
-                      </a:solidFill>
-                      <a:prstDash val="solid"/>
-                      <a:round/>
-                      <a:headEnd type="none" w="med" len="med"/>
-                      <a:tailEnd type="none" w="med" len="med"/>
-                    </a:lnR>
-                    <a:lnT w="28575" cap="flat" cmpd="sng" algn="ctr">
-                      <a:solidFill>
-                        <a:schemeClr val="tx1">
-                          <a:lumMod val="75000"/>
-                          <a:lumOff val="25000"/>
-                        </a:schemeClr>
-                      </a:solidFill>
-                      <a:prstDash val="solid"/>
-                      <a:round/>
-                      <a:headEnd type="none" w="med" len="med"/>
-                      <a:tailEnd type="none" w="med" len="med"/>
-                    </a:lnT>
-                    <a:lnB w="38100" cmpd="sng">
-                      <a:noFill/>
-                    </a:lnB>
-                    <a:lnTlToBr w="12700" cmpd="sng">
-                      <a:noFill/>
-                      <a:prstDash val="solid"/>
-                    </a:lnTlToBr>
-                    <a:lnBlToTr w="12700" cmpd="sng">
-                      <a:noFill/>
-                      <a:prstDash val="solid"/>
-                    </a:lnBlToTr>
-                    <a:noFill/>
-                  </a:tcPr>
-                </a:tc>
-              </a:tr>
-            </a:tbl>
-          </a:graphicData>
-        </a:graphic>
-      </p:graphicFrame>
-      <p:grpSp>
-        <p:nvGrpSpPr>
-          <p:cNvPr id="17" name="그룹 16"/>
-          <p:cNvGrpSpPr/>
-          <p:nvPr/>
-        </p:nvGrpSpPr>
-        <p:grpSpPr>
-          <a:xfrm>
-            <a:off x="1841499" y="3642868"/>
-            <a:ext cx="8400417" cy="271780"/>
-            <a:chOff x="1930399" y="5395468"/>
-            <a:chExt cx="8400417" cy="271780"/>
-          </a:xfrm>
-        </p:grpSpPr>
-        <p:sp>
-          <p:nvSpPr>
-            <p:cNvPr id="18" name="TextBox 17"/>
-            <p:cNvSpPr txBox="1"/>
-            <p:nvPr/>
-          </p:nvSpPr>
-          <p:spPr>
-            <a:xfrm>
-              <a:off x="1930399" y="5395468"/>
-              <a:ext cx="254001" cy="271780"/>
-            </a:xfrm>
-            <a:prstGeom prst="rect">
-              <a:avLst/>
-            </a:prstGeom>
-            <a:noFill/>
-          </p:spPr>
-          <p:txBody>
-            <a:bodyPr wrap="square" rtlCol="0">
-              <a:spAutoFit/>
-            </a:bodyPr>
-            <a:lstStyle/>
-            <a:p>
-              <a:pPr algn="ctr"/>
-              <a:r>
-                <a:rPr lang="en-US" altLang="ko-KR" sz="1100" dirty="0">
-                  <a:solidFill>
-                    <a:prstClr val="black"/>
-                  </a:solidFill>
-                </a:rPr>
-                <a:t>1</a:t>
-              </a:r>
-              <a:endParaRPr lang="ko-KR" altLang="en-US" sz="1100" dirty="0">
-                <a:solidFill>
-                  <a:prstClr val="black"/>
-                </a:solidFill>
-              </a:endParaRPr>
-            </a:p>
-          </p:txBody>
-        </p:sp>
-        <p:sp>
-          <p:nvSpPr>
-            <p:cNvPr id="20" name="TextBox 19"/>
-            <p:cNvSpPr txBox="1"/>
-            <p:nvPr/>
-          </p:nvSpPr>
-          <p:spPr>
-            <a:xfrm>
-              <a:off x="2742183" y="5395468"/>
-              <a:ext cx="254001" cy="271780"/>
-            </a:xfrm>
-            <a:prstGeom prst="rect">
-              <a:avLst/>
-            </a:prstGeom>
-            <a:noFill/>
-          </p:spPr>
-          <p:txBody>
-            <a:bodyPr wrap="square" rtlCol="0">
-              <a:spAutoFit/>
-            </a:bodyPr>
-            <a:lstStyle/>
-            <a:p>
-              <a:pPr algn="ctr"/>
-              <a:r>
-                <a:rPr lang="en-US" altLang="ko-KR" sz="1100" dirty="0">
-                  <a:solidFill>
-                    <a:prstClr val="black"/>
-                  </a:solidFill>
-                </a:rPr>
-                <a:t>2</a:t>
-              </a:r>
-              <a:endParaRPr lang="ko-KR" altLang="en-US" sz="1100" dirty="0">
-                <a:solidFill>
-                  <a:prstClr val="black"/>
-                </a:solidFill>
-              </a:endParaRPr>
-            </a:p>
-          </p:txBody>
-        </p:sp>
-        <p:sp>
-          <p:nvSpPr>
-            <p:cNvPr id="21" name="TextBox 20"/>
-            <p:cNvSpPr txBox="1"/>
-            <p:nvPr/>
-          </p:nvSpPr>
-          <p:spPr>
-            <a:xfrm>
-              <a:off x="3553967" y="5395468"/>
-              <a:ext cx="254001" cy="271780"/>
-            </a:xfrm>
-            <a:prstGeom prst="rect">
-              <a:avLst/>
-            </a:prstGeom>
-            <a:noFill/>
-          </p:spPr>
-          <p:txBody>
-            <a:bodyPr wrap="square" rtlCol="0">
-              <a:spAutoFit/>
-            </a:bodyPr>
-            <a:lstStyle/>
-            <a:p>
-              <a:pPr algn="ctr"/>
-              <a:r>
-                <a:rPr lang="en-US" altLang="ko-KR" sz="1100" dirty="0">
-                  <a:solidFill>
-                    <a:prstClr val="black"/>
-                  </a:solidFill>
-                </a:rPr>
-                <a:t>3</a:t>
-              </a:r>
-              <a:endParaRPr lang="ko-KR" altLang="en-US" sz="1100" dirty="0">
-                <a:solidFill>
-                  <a:prstClr val="black"/>
-                </a:solidFill>
-              </a:endParaRPr>
-            </a:p>
-          </p:txBody>
-        </p:sp>
-        <p:sp>
-          <p:nvSpPr>
-            <p:cNvPr id="22" name="TextBox 21"/>
-            <p:cNvSpPr txBox="1"/>
-            <p:nvPr/>
-          </p:nvSpPr>
-          <p:spPr>
-            <a:xfrm>
-              <a:off x="4365751" y="5395468"/>
-              <a:ext cx="254001" cy="271780"/>
-            </a:xfrm>
-            <a:prstGeom prst="rect">
-              <a:avLst/>
-            </a:prstGeom>
-            <a:noFill/>
-          </p:spPr>
-          <p:txBody>
-            <a:bodyPr wrap="square" rtlCol="0">
-              <a:spAutoFit/>
-            </a:bodyPr>
-            <a:lstStyle/>
-            <a:p>
-              <a:pPr algn="ctr"/>
-              <a:r>
-                <a:rPr lang="en-US" altLang="ko-KR" sz="1100" dirty="0">
-                  <a:solidFill>
-                    <a:prstClr val="black"/>
-                  </a:solidFill>
-                </a:rPr>
-                <a:t>4</a:t>
-              </a:r>
-              <a:endParaRPr lang="ko-KR" altLang="en-US" sz="1100" dirty="0">
-                <a:solidFill>
-                  <a:prstClr val="black"/>
-                </a:solidFill>
-              </a:endParaRPr>
-            </a:p>
-          </p:txBody>
-        </p:sp>
-        <p:sp>
-          <p:nvSpPr>
-            <p:cNvPr id="24" name="TextBox 23"/>
-            <p:cNvSpPr txBox="1"/>
-            <p:nvPr/>
-          </p:nvSpPr>
-          <p:spPr>
-            <a:xfrm>
-              <a:off x="5177535" y="5395468"/>
-              <a:ext cx="254001" cy="271780"/>
-            </a:xfrm>
-            <a:prstGeom prst="rect">
-              <a:avLst/>
-            </a:prstGeom>
-            <a:noFill/>
-          </p:spPr>
-          <p:txBody>
-            <a:bodyPr wrap="square" rtlCol="0">
-              <a:spAutoFit/>
-            </a:bodyPr>
-            <a:lstStyle/>
-            <a:p>
-              <a:pPr algn="ctr"/>
-              <a:r>
-                <a:rPr lang="en-US" altLang="ko-KR" sz="1100" dirty="0">
-                  <a:solidFill>
-                    <a:prstClr val="black"/>
-                  </a:solidFill>
-                </a:rPr>
-                <a:t>5</a:t>
-              </a:r>
-              <a:endParaRPr lang="ko-KR" altLang="en-US" sz="1100" dirty="0">
-                <a:solidFill>
-                  <a:prstClr val="black"/>
-                </a:solidFill>
-              </a:endParaRPr>
-            </a:p>
-          </p:txBody>
-        </p:sp>
-        <p:sp>
-          <p:nvSpPr>
-            <p:cNvPr id="26" name="TextBox 25"/>
-            <p:cNvSpPr txBox="1"/>
-            <p:nvPr/>
-          </p:nvSpPr>
-          <p:spPr>
-            <a:xfrm>
-              <a:off x="5989319" y="5395468"/>
-              <a:ext cx="254001" cy="271780"/>
-            </a:xfrm>
-            <a:prstGeom prst="rect">
-              <a:avLst/>
-            </a:prstGeom>
-            <a:noFill/>
-          </p:spPr>
-          <p:txBody>
-            <a:bodyPr wrap="square" rtlCol="0">
-              <a:spAutoFit/>
-            </a:bodyPr>
-            <a:lstStyle/>
-            <a:p>
-              <a:pPr algn="ctr"/>
-              <a:r>
-                <a:rPr lang="en-US" altLang="ko-KR" sz="1100" dirty="0">
-                  <a:solidFill>
-                    <a:prstClr val="black"/>
-                  </a:solidFill>
-                </a:rPr>
-                <a:t>6</a:t>
-              </a:r>
-              <a:endParaRPr lang="ko-KR" altLang="en-US" sz="1100" dirty="0">
-                <a:solidFill>
-                  <a:prstClr val="black"/>
-                </a:solidFill>
-              </a:endParaRPr>
-            </a:p>
-          </p:txBody>
-        </p:sp>
-        <p:sp>
-          <p:nvSpPr>
-            <p:cNvPr id="27" name="TextBox 26"/>
-            <p:cNvSpPr txBox="1"/>
-            <p:nvPr/>
-          </p:nvSpPr>
-          <p:spPr>
-            <a:xfrm>
-              <a:off x="6801103" y="5395468"/>
-              <a:ext cx="254001" cy="271780"/>
-            </a:xfrm>
-            <a:prstGeom prst="rect">
-              <a:avLst/>
-            </a:prstGeom>
-            <a:noFill/>
-          </p:spPr>
-          <p:txBody>
-            <a:bodyPr wrap="square" rtlCol="0">
-              <a:spAutoFit/>
-            </a:bodyPr>
-            <a:lstStyle/>
-            <a:p>
-              <a:pPr algn="ctr"/>
-              <a:r>
-                <a:rPr lang="en-US" altLang="ko-KR" sz="1100" dirty="0">
-                  <a:solidFill>
-                    <a:prstClr val="black"/>
-                  </a:solidFill>
-                </a:rPr>
-                <a:t>7</a:t>
-              </a:r>
-              <a:endParaRPr lang="ko-KR" altLang="en-US" sz="1100" dirty="0">
-                <a:solidFill>
-                  <a:prstClr val="black"/>
-                </a:solidFill>
-              </a:endParaRPr>
-            </a:p>
-          </p:txBody>
-        </p:sp>
-        <p:sp>
-          <p:nvSpPr>
-            <p:cNvPr id="28" name="TextBox 27"/>
-            <p:cNvSpPr txBox="1"/>
-            <p:nvPr/>
-          </p:nvSpPr>
-          <p:spPr>
-            <a:xfrm>
-              <a:off x="7612887" y="5395468"/>
-              <a:ext cx="254001" cy="271780"/>
-            </a:xfrm>
-            <a:prstGeom prst="rect">
-              <a:avLst/>
-            </a:prstGeom>
-            <a:noFill/>
-          </p:spPr>
-          <p:txBody>
-            <a:bodyPr wrap="square" rtlCol="0">
-              <a:spAutoFit/>
-            </a:bodyPr>
-            <a:lstStyle/>
-            <a:p>
-              <a:pPr algn="ctr"/>
-              <a:r>
-                <a:rPr lang="en-US" altLang="ko-KR" sz="1100" dirty="0">
-                  <a:solidFill>
-                    <a:prstClr val="black"/>
-                  </a:solidFill>
-                </a:rPr>
-                <a:t>8</a:t>
-              </a:r>
-              <a:endParaRPr lang="ko-KR" altLang="en-US" sz="1100" dirty="0">
-                <a:solidFill>
-                  <a:prstClr val="black"/>
-                </a:solidFill>
-              </a:endParaRPr>
-            </a:p>
-          </p:txBody>
-        </p:sp>
-        <p:sp>
-          <p:nvSpPr>
-            <p:cNvPr id="30" name="TextBox 29"/>
-            <p:cNvSpPr txBox="1"/>
-            <p:nvPr/>
-          </p:nvSpPr>
-          <p:spPr>
-            <a:xfrm>
-              <a:off x="8424671" y="5395468"/>
-              <a:ext cx="254001" cy="271780"/>
-            </a:xfrm>
-            <a:prstGeom prst="rect">
-              <a:avLst/>
-            </a:prstGeom>
-            <a:noFill/>
-          </p:spPr>
-          <p:txBody>
-            <a:bodyPr wrap="square" rtlCol="0">
-              <a:spAutoFit/>
-            </a:bodyPr>
-            <a:lstStyle/>
-            <a:p>
-              <a:pPr algn="ctr"/>
-              <a:r>
-                <a:rPr lang="en-US" altLang="ko-KR" sz="1100" dirty="0">
-                  <a:solidFill>
-                    <a:prstClr val="black"/>
-                  </a:solidFill>
-                </a:rPr>
-                <a:t>9</a:t>
-              </a:r>
-              <a:endParaRPr lang="ko-KR" altLang="en-US" sz="1100" dirty="0">
-                <a:solidFill>
-                  <a:prstClr val="black"/>
-                </a:solidFill>
-              </a:endParaRPr>
-            </a:p>
-          </p:txBody>
-        </p:sp>
-        <p:sp>
-          <p:nvSpPr>
-            <p:cNvPr id="31" name="TextBox 30"/>
-            <p:cNvSpPr txBox="1"/>
-            <p:nvPr/>
-          </p:nvSpPr>
-          <p:spPr>
-            <a:xfrm>
-              <a:off x="9188830" y="5395468"/>
-              <a:ext cx="367920" cy="261610"/>
-            </a:xfrm>
-            <a:prstGeom prst="rect">
-              <a:avLst/>
-            </a:prstGeom>
-            <a:noFill/>
-          </p:spPr>
-          <p:txBody>
-            <a:bodyPr wrap="square" rtlCol="0">
-              <a:spAutoFit/>
-            </a:bodyPr>
-            <a:lstStyle/>
-            <a:p>
-              <a:pPr algn="ctr"/>
-              <a:r>
-                <a:rPr lang="en-US" altLang="ko-KR" sz="1100" dirty="0">
-                  <a:solidFill>
-                    <a:prstClr val="black"/>
-                  </a:solidFill>
-                </a:rPr>
-                <a:t>10</a:t>
-              </a:r>
-              <a:endParaRPr lang="ko-KR" altLang="en-US" sz="1100" dirty="0">
-                <a:solidFill>
-                  <a:prstClr val="black"/>
-                </a:solidFill>
-              </a:endParaRPr>
-            </a:p>
-          </p:txBody>
-        </p:sp>
-        <p:sp>
-          <p:nvSpPr>
-            <p:cNvPr id="32" name="TextBox 31"/>
-            <p:cNvSpPr txBox="1"/>
-            <p:nvPr/>
-          </p:nvSpPr>
-          <p:spPr>
-            <a:xfrm>
-              <a:off x="9985376" y="5395468"/>
-              <a:ext cx="345440" cy="261610"/>
-            </a:xfrm>
-            <a:prstGeom prst="rect">
-              <a:avLst/>
-            </a:prstGeom>
-            <a:noFill/>
-          </p:spPr>
-          <p:txBody>
-            <a:bodyPr wrap="square" rtlCol="0">
-              <a:spAutoFit/>
-            </a:bodyPr>
-            <a:lstStyle/>
-            <a:p>
-              <a:pPr algn="ctr"/>
-              <a:r>
-                <a:rPr lang="en-US" altLang="ko-KR" sz="1100" dirty="0">
-                  <a:solidFill>
-                    <a:prstClr val="black"/>
-                  </a:solidFill>
-                </a:rPr>
-                <a:t>11</a:t>
-              </a:r>
-              <a:endParaRPr lang="ko-KR" altLang="en-US" sz="1100" dirty="0">
-                <a:solidFill>
-                  <a:prstClr val="black"/>
-                </a:solidFill>
-              </a:endParaRPr>
-            </a:p>
-          </p:txBody>
-        </p:sp>
-      </p:grpSp>
-      <p:sp>
-        <p:nvSpPr>
-          <p:cNvPr id="33" name="직사각형 32"/>
-          <p:cNvSpPr/>
-          <p:nvPr/>
-        </p:nvSpPr>
-        <p:spPr>
-          <a:xfrm>
-            <a:off x="3576980" y="3368040"/>
-            <a:ext cx="3234792" cy="536438"/>
+      <p:pic>
+        <p:nvPicPr>
+          <p:cNvPr id="2" name="그림 1"/>
+          <p:cNvPicPr>
+            <a:picLocks noChangeAspect="1"/>
+          </p:cNvPicPr>
+          <p:nvPr/>
+        </p:nvPicPr>
+        <p:blipFill>
+          <a:blip r:embed="rId2"/>
+          <a:stretch>
+            <a:fillRect/>
+          </a:stretch>
+        </p:blipFill>
+        <p:spPr>
+          <a:xfrm>
+            <a:off x="1658042" y="1416979"/>
+            <a:ext cx="3532140" cy="2151394"/>
           </a:xfrm>
           <a:prstGeom prst="rect">
             <a:avLst/>
           </a:prstGeom>
+        </p:spPr>
+      </p:pic>
+      <p:pic>
+        <p:nvPicPr>
+          <p:cNvPr id="4" name="그림 3"/>
+          <p:cNvPicPr>
+            <a:picLocks noChangeAspect="1"/>
+          </p:cNvPicPr>
+          <p:nvPr/>
+        </p:nvPicPr>
+        <p:blipFill>
+          <a:blip r:embed="rId3"/>
+          <a:stretch>
+            <a:fillRect/>
+          </a:stretch>
+        </p:blipFill>
+        <p:spPr>
+          <a:xfrm>
+            <a:off x="1475317" y="4051902"/>
+            <a:ext cx="3714865" cy="2296547"/>
+          </a:xfrm>
+          <a:prstGeom prst="rect">
+            <a:avLst/>
+          </a:prstGeom>
+        </p:spPr>
+      </p:pic>
+      <p:sp>
+        <p:nvSpPr>
+          <p:cNvPr id="8" name="오른쪽 화살표 7"/>
+          <p:cNvSpPr/>
+          <p:nvPr/>
+        </p:nvSpPr>
+        <p:spPr>
+          <a:xfrm>
+            <a:off x="5761725" y="2163563"/>
+            <a:ext cx="666750" cy="609600"/>
+          </a:xfrm>
+          <a:prstGeom prst="rightArrow">
+            <a:avLst/>
+          </a:prstGeom>
           <a:solidFill>
-            <a:srgbClr val="27AECB">
-              <a:alpha val="31000"/>
-            </a:srgbClr>
+            <a:srgbClr val="27AECB"/>
           </a:solidFill>
-          <a:ln>
-            <a:noFill/>
+          <a:ln w="25400">
+            <a:solidFill>
+              <a:srgbClr val="27AECB"/>
+            </a:solidFill>
           </a:ln>
         </p:spPr>
         <p:style>
@@ -5353,100 +4265,28 @@
           <a:lstStyle/>
           <a:p>
             <a:pPr algn="ctr"/>
-            <a:endParaRPr lang="ko-KR" altLang="en-US">
-              <a:solidFill>
-                <a:prstClr val="white"/>
-              </a:solidFill>
-            </a:endParaRPr>
-          </a:p>
-        </p:txBody>
-      </p:sp>
-      <p:sp>
-        <p:nvSpPr>
-          <p:cNvPr id="34" name="직사각형 33"/>
+            <a:endParaRPr lang="ko-KR" altLang="en-US"/>
+          </a:p>
+        </p:txBody>
+      </p:sp>
+      <p:sp>
+        <p:nvSpPr>
+          <p:cNvPr id="9" name="오른쪽 화살표 8"/>
           <p:cNvSpPr/>
           <p:nvPr/>
         </p:nvSpPr>
         <p:spPr>
-          <a:xfrm>
-            <a:off x="5899214" y="1692352"/>
-            <a:ext cx="4041966" cy="1223412"/>
-          </a:xfrm>
-          <a:prstGeom prst="rect">
+          <a:xfrm rot="8952365">
+            <a:off x="5703548" y="3466928"/>
+            <a:ext cx="666750" cy="609600"/>
+          </a:xfrm>
+          <a:prstGeom prst="rightArrow">
             <a:avLst/>
           </a:prstGeom>
-        </p:spPr>
-        <p:txBody>
-          <a:bodyPr wrap="square">
-            <a:spAutoFit/>
-          </a:bodyPr>
-          <a:lstStyle/>
-          <a:p>
-            <a:pPr>
-              <a:lnSpc>
-                <a:spcPct val="150000"/>
-              </a:lnSpc>
-            </a:pPr>
-            <a:r>
-              <a:rPr lang="en-US" altLang="ko-KR" sz="1600" b="1" dirty="0">
-                <a:solidFill>
-                  <a:srgbClr val="8C8280"/>
-                </a:solidFill>
-              </a:rPr>
-              <a:t>CONTENTS A</a:t>
-            </a:r>
-            <a:endParaRPr lang="en-US" altLang="ko-KR" sz="1400" b="1" dirty="0">
-              <a:solidFill>
-                <a:srgbClr val="8C8280"/>
-              </a:solidFill>
-            </a:endParaRPr>
-          </a:p>
-          <a:p>
-            <a:pPr>
-              <a:lnSpc>
-                <a:spcPct val="150000"/>
-              </a:lnSpc>
-            </a:pPr>
-            <a:r>
-              <a:rPr lang="en-US" altLang="ko-KR" sz="1100" dirty="0">
-                <a:solidFill>
-                  <a:srgbClr val="8C8280"/>
-                </a:solidFill>
-              </a:rPr>
-              <a:t>You can use a software program such as Microsoft Power Point to provide the audience with slides that contains your major points or essential information</a:t>
-            </a:r>
-            <a:r>
-              <a:rPr lang="en-US" altLang="ko-KR" sz="1100" dirty="0">
-                <a:solidFill>
-                  <a:prstClr val="black">
-                    <a:lumMod val="65000"/>
-                    <a:lumOff val="35000"/>
-                  </a:prstClr>
-                </a:solidFill>
-              </a:rPr>
-              <a:t>.</a:t>
-            </a:r>
-          </a:p>
-        </p:txBody>
-      </p:sp>
-      <p:sp>
-        <p:nvSpPr>
-          <p:cNvPr id="40" name="타원 39"/>
-          <p:cNvSpPr/>
-          <p:nvPr/>
-        </p:nvSpPr>
-        <p:spPr>
-          <a:xfrm>
-            <a:off x="4432678" y="1856228"/>
-            <a:ext cx="1083168" cy="1083168"/>
-          </a:xfrm>
-          <a:prstGeom prst="ellipse">
-            <a:avLst/>
-          </a:prstGeom>
           <a:solidFill>
-            <a:schemeClr val="bg1"/>
+            <a:srgbClr val="27AECB"/>
           </a:solidFill>
-          <a:ln>
+          <a:ln w="25400">
             <a:solidFill>
               <a:srgbClr val="27AECB"/>
             </a:solidFill>
@@ -5473,7 +4313,364 @@
           <a:lstStyle/>
           <a:p>
             <a:pPr algn="ctr"/>
-            <a:endParaRPr lang="ko-KR" altLang="en-US" sz="1200" b="1">
+            <a:endParaRPr lang="ko-KR" altLang="en-US"/>
+          </a:p>
+        </p:txBody>
+      </p:sp>
+      <p:pic>
+        <p:nvPicPr>
+          <p:cNvPr id="7" name="그림 6"/>
+          <p:cNvPicPr>
+            <a:picLocks noChangeAspect="1"/>
+          </p:cNvPicPr>
+          <p:nvPr/>
+        </p:nvPicPr>
+        <p:blipFill>
+          <a:blip r:embed="rId4"/>
+          <a:stretch>
+            <a:fillRect/>
+          </a:stretch>
+        </p:blipFill>
+        <p:spPr>
+          <a:xfrm>
+            <a:off x="6552300" y="4643974"/>
+            <a:ext cx="4315725" cy="1000125"/>
+          </a:xfrm>
+          <a:prstGeom prst="rect">
+            <a:avLst/>
+          </a:prstGeom>
+        </p:spPr>
+      </p:pic>
+      <p:sp>
+        <p:nvSpPr>
+          <p:cNvPr id="13" name="오른쪽 화살표 12"/>
+          <p:cNvSpPr/>
+          <p:nvPr/>
+        </p:nvSpPr>
+        <p:spPr>
+          <a:xfrm>
+            <a:off x="5761725" y="4839237"/>
+            <a:ext cx="666750" cy="609600"/>
+          </a:xfrm>
+          <a:prstGeom prst="rightArrow">
+            <a:avLst/>
+          </a:prstGeom>
+          <a:solidFill>
+            <a:srgbClr val="27AECB"/>
+          </a:solidFill>
+          <a:ln w="25400">
+            <a:solidFill>
+              <a:srgbClr val="27AECB"/>
+            </a:solidFill>
+          </a:ln>
+        </p:spPr>
+        <p:style>
+          <a:lnRef idx="2">
+            <a:schemeClr val="accent1">
+              <a:shade val="50000"/>
+            </a:schemeClr>
+          </a:lnRef>
+          <a:fillRef idx="1">
+            <a:schemeClr val="accent1"/>
+          </a:fillRef>
+          <a:effectRef idx="0">
+            <a:schemeClr val="accent1"/>
+          </a:effectRef>
+          <a:fontRef idx="minor">
+            <a:schemeClr val="lt1"/>
+          </a:fontRef>
+        </p:style>
+        <p:txBody>
+          <a:bodyPr rtlCol="0" anchor="ctr"/>
+          <a:lstStyle/>
+          <a:p>
+            <a:pPr algn="ctr"/>
+            <a:endParaRPr lang="ko-KR" altLang="en-US"/>
+          </a:p>
+        </p:txBody>
+      </p:sp>
+      <p:sp>
+        <p:nvSpPr>
+          <p:cNvPr id="15" name="TextBox 14"/>
+          <p:cNvSpPr txBox="1"/>
+          <p:nvPr/>
+        </p:nvSpPr>
+        <p:spPr>
+          <a:xfrm>
+            <a:off x="8221005" y="5517702"/>
+            <a:ext cx="978314" cy="415498"/>
+          </a:xfrm>
+          <a:prstGeom prst="rect">
+            <a:avLst/>
+          </a:prstGeom>
+          <a:noFill/>
+        </p:spPr>
+        <p:txBody>
+          <a:bodyPr wrap="square" rtlCol="0">
+            <a:spAutoFit/>
+          </a:bodyPr>
+          <a:lstStyle/>
+          <a:p>
+            <a:pPr algn="ctr">
+              <a:lnSpc>
+                <a:spcPct val="150000"/>
+              </a:lnSpc>
+            </a:pPr>
+            <a:r>
+              <a:rPr lang="en-US" altLang="ko-KR" sz="1400" b="1" dirty="0" smtClean="0">
+                <a:solidFill>
+                  <a:prstClr val="black">
+                    <a:lumMod val="75000"/>
+                    <a:lumOff val="25000"/>
+                  </a:prstClr>
+                </a:solidFill>
+              </a:rPr>
+              <a:t>MSSQL</a:t>
+            </a:r>
+            <a:endParaRPr lang="ko-KR" altLang="en-US" sz="900" dirty="0">
+              <a:solidFill>
+                <a:prstClr val="black">
+                  <a:lumMod val="75000"/>
+                  <a:lumOff val="25000"/>
+                </a:prstClr>
+              </a:solidFill>
+            </a:endParaRPr>
+          </a:p>
+        </p:txBody>
+      </p:sp>
+      <p:pic>
+        <p:nvPicPr>
+          <p:cNvPr id="11" name="그림 10"/>
+          <p:cNvPicPr>
+            <a:picLocks noChangeAspect="1"/>
+          </p:cNvPicPr>
+          <p:nvPr/>
+        </p:nvPicPr>
+        <p:blipFill>
+          <a:blip r:embed="rId5"/>
+          <a:stretch>
+            <a:fillRect/>
+          </a:stretch>
+        </p:blipFill>
+        <p:spPr>
+          <a:xfrm>
+            <a:off x="6835762" y="1416979"/>
+            <a:ext cx="3532140" cy="2075466"/>
+          </a:xfrm>
+          <a:prstGeom prst="rect">
+            <a:avLst/>
+          </a:prstGeom>
+        </p:spPr>
+      </p:pic>
+      <p:sp>
+        <p:nvSpPr>
+          <p:cNvPr id="16" name="직사각형 15"/>
+          <p:cNvSpPr/>
+          <p:nvPr/>
+        </p:nvSpPr>
+        <p:spPr>
+          <a:xfrm>
+            <a:off x="342898" y="771525"/>
+            <a:ext cx="3162301" cy="507831"/>
+          </a:xfrm>
+          <a:prstGeom prst="rect">
+            <a:avLst/>
+          </a:prstGeom>
+        </p:spPr>
+        <p:txBody>
+          <a:bodyPr wrap="square">
+            <a:spAutoFit/>
+          </a:bodyPr>
+          <a:lstStyle/>
+          <a:p>
+            <a:pPr algn="ctr">
+              <a:lnSpc>
+                <a:spcPct val="150000"/>
+              </a:lnSpc>
+            </a:pPr>
+            <a:r>
+              <a:rPr lang="ko-KR" altLang="en-US" b="1" i="1" u="sng" dirty="0" smtClean="0">
+                <a:solidFill>
+                  <a:prstClr val="black">
+                    <a:lumMod val="75000"/>
+                    <a:lumOff val="25000"/>
+                  </a:prstClr>
+                </a:solidFill>
+              </a:rPr>
+              <a:t>프로그램 실행 흐름도 </a:t>
+            </a:r>
+            <a:r>
+              <a:rPr lang="en-US" altLang="ko-KR" b="1" i="1" u="sng" dirty="0" smtClean="0">
+                <a:solidFill>
+                  <a:prstClr val="black">
+                    <a:lumMod val="75000"/>
+                    <a:lumOff val="25000"/>
+                  </a:prstClr>
+                </a:solidFill>
+              </a:rPr>
+              <a:t>- </a:t>
+            </a:r>
+            <a:r>
+              <a:rPr lang="ko-KR" altLang="en-US" b="1" i="1" u="sng" dirty="0" smtClean="0">
+                <a:solidFill>
+                  <a:prstClr val="black">
+                    <a:lumMod val="75000"/>
+                    <a:lumOff val="25000"/>
+                  </a:prstClr>
+                </a:solidFill>
+              </a:rPr>
+              <a:t>추가</a:t>
+            </a:r>
+            <a:endParaRPr lang="en-US" altLang="ko-KR" b="1" i="1" u="sng" dirty="0">
+              <a:solidFill>
+                <a:prstClr val="black">
+                  <a:lumMod val="75000"/>
+                  <a:lumOff val="25000"/>
+                </a:prstClr>
+              </a:solidFill>
+            </a:endParaRPr>
+          </a:p>
+        </p:txBody>
+      </p:sp>
+      <p:sp>
+        <p:nvSpPr>
+          <p:cNvPr id="10" name="모서리가 둥근 직사각형 9"/>
+          <p:cNvSpPr/>
+          <p:nvPr/>
+        </p:nvSpPr>
+        <p:spPr>
+          <a:xfrm>
+            <a:off x="7991475" y="3087210"/>
+            <a:ext cx="591307" cy="277363"/>
+          </a:xfrm>
+          <a:prstGeom prst="roundRect">
+            <a:avLst/>
+          </a:prstGeom>
+          <a:noFill/>
+          <a:ln w="25400">
+            <a:solidFill>
+              <a:srgbClr val="27AECB"/>
+            </a:solidFill>
+          </a:ln>
+        </p:spPr>
+        <p:style>
+          <a:lnRef idx="2">
+            <a:schemeClr val="accent1">
+              <a:shade val="50000"/>
+            </a:schemeClr>
+          </a:lnRef>
+          <a:fillRef idx="1">
+            <a:schemeClr val="accent1"/>
+          </a:fillRef>
+          <a:effectRef idx="0">
+            <a:schemeClr val="accent1"/>
+          </a:effectRef>
+          <a:fontRef idx="minor">
+            <a:schemeClr val="lt1"/>
+          </a:fontRef>
+        </p:style>
+        <p:txBody>
+          <a:bodyPr rtlCol="0" anchor="ctr"/>
+          <a:lstStyle/>
+          <a:p>
+            <a:pPr algn="ctr"/>
+            <a:endParaRPr lang="ko-KR" altLang="en-US"/>
+          </a:p>
+        </p:txBody>
+      </p:sp>
+    </p:spTree>
+    <p:extLst>
+      <p:ext uri="{BB962C8B-B14F-4D97-AF65-F5344CB8AC3E}">
+        <p14:creationId xmlns:p14="http://schemas.microsoft.com/office/powerpoint/2010/main" val="892141837"/>
+      </p:ext>
+    </p:extLst>
+  </p:cSld>
+  <p:clrMapOvr>
+    <a:masterClrMapping/>
+  </p:clrMapOvr>
+  <p:timing>
+    <p:tnLst>
+      <p:par>
+        <p:cTn id="1" dur="indefinite" restart="never" nodeType="tmRoot"/>
+      </p:par>
+    </p:tnLst>
+  </p:timing>
+</p:sld>
+</file>
+
+<file path=ppt/slides/slide11.xml><?xml version="1.0" encoding="utf-8"?>
+<p:sld xmlns:a="http://schemas.openxmlformats.org/drawingml/2006/main" xmlns:r="http://schemas.openxmlformats.org/officeDocument/2006/relationships" xmlns:p="http://schemas.openxmlformats.org/presentationml/2006/main">
+  <p:cSld>
+    <p:bg>
+      <p:bgPr>
+        <a:solidFill>
+          <a:srgbClr val="576580"/>
+        </a:solidFill>
+        <a:effectLst/>
+      </p:bgPr>
+    </p:bg>
+    <p:spTree>
+      <p:nvGrpSpPr>
+        <p:cNvPr id="1" name=""/>
+        <p:cNvGrpSpPr/>
+        <p:nvPr/>
+      </p:nvGrpSpPr>
+      <p:grpSpPr>
+        <a:xfrm>
+          <a:off x="0" y="0"/>
+          <a:ext cx="0" cy="0"/>
+          <a:chOff x="0" y="0"/>
+          <a:chExt cx="0" cy="0"/>
+        </a:xfrm>
+      </p:grpSpPr>
+      <p:sp>
+        <p:nvSpPr>
+          <p:cNvPr id="5" name="직사각형 4"/>
+          <p:cNvSpPr/>
+          <p:nvPr/>
+        </p:nvSpPr>
+        <p:spPr>
+          <a:xfrm>
+            <a:off x="342000" y="770400"/>
+            <a:ext cx="11506200" cy="5867400"/>
+          </a:xfrm>
+          <a:prstGeom prst="rect">
+            <a:avLst/>
+          </a:prstGeom>
+          <a:solidFill>
+            <a:schemeClr val="bg1"/>
+          </a:solidFill>
+          <a:ln>
+            <a:noFill/>
+          </a:ln>
+          <a:effectLst>
+            <a:outerShdw dist="88900" dir="16200000" rotWithShape="0">
+              <a:srgbClr val="27AECB"/>
+            </a:outerShdw>
+          </a:effectLst>
+        </p:spPr>
+        <p:style>
+          <a:lnRef idx="2">
+            <a:schemeClr val="accent1">
+              <a:shade val="50000"/>
+            </a:schemeClr>
+          </a:lnRef>
+          <a:fillRef idx="1">
+            <a:schemeClr val="accent1"/>
+          </a:fillRef>
+          <a:effectRef idx="0">
+            <a:schemeClr val="accent1"/>
+          </a:effectRef>
+          <a:fontRef idx="minor">
+            <a:schemeClr val="lt1"/>
+          </a:fontRef>
+        </p:style>
+        <p:txBody>
+          <a:bodyPr rtlCol="0" anchor="ctr"/>
+          <a:lstStyle/>
+          <a:p>
+            <a:pPr algn="ctr"/>
+            <a:endParaRPr lang="ko-KR" altLang="en-US">
               <a:solidFill>
                 <a:prstClr val="white"/>
               </a:solidFill>
@@ -5481,36 +4678,1447 @@
           </a:p>
         </p:txBody>
       </p:sp>
+      <p:sp>
+        <p:nvSpPr>
+          <p:cNvPr id="6" name="직사각형 5"/>
+          <p:cNvSpPr/>
+          <p:nvPr/>
+        </p:nvSpPr>
+        <p:spPr>
+          <a:xfrm>
+            <a:off x="342900" y="95250"/>
+            <a:ext cx="7534275" cy="461665"/>
+          </a:xfrm>
+          <a:prstGeom prst="rect">
+            <a:avLst/>
+          </a:prstGeom>
+        </p:spPr>
+        <p:txBody>
+          <a:bodyPr wrap="square">
+            <a:spAutoFit/>
+          </a:bodyPr>
+          <a:lstStyle/>
+          <a:p>
+            <a:pPr latinLnBrk="0">
+              <a:defRPr/>
+            </a:pPr>
+            <a:r>
+              <a:rPr lang="ko-KR" altLang="en-US" sz="2400" b="1" i="1" kern="0" dirty="0" smtClean="0">
+                <a:solidFill>
+                  <a:prstClr val="white"/>
+                </a:solidFill>
+              </a:rPr>
+              <a:t>주소록 관리 프로그램 </a:t>
+            </a:r>
+            <a:r>
+              <a:rPr lang="ko-KR" altLang="en-US" sz="900" kern="0" dirty="0" smtClean="0">
+                <a:solidFill>
+                  <a:prstClr val="white">
+                    <a:lumMod val="65000"/>
+                  </a:prstClr>
+                </a:solidFill>
+              </a:rPr>
+              <a:t>당신의 주소록을 관리해드립니다</a:t>
+            </a:r>
+            <a:r>
+              <a:rPr lang="en-US" altLang="ko-KR" sz="900" kern="0" dirty="0" smtClean="0">
+                <a:solidFill>
+                  <a:prstClr val="white">
+                    <a:lumMod val="65000"/>
+                  </a:prstClr>
+                </a:solidFill>
+              </a:rPr>
+              <a:t>.</a:t>
+            </a:r>
+            <a:endParaRPr lang="ko-KR" altLang="en-US" sz="4800" kern="0" dirty="0">
+              <a:solidFill>
+                <a:prstClr val="white">
+                  <a:lumMod val="65000"/>
+                </a:prstClr>
+              </a:solidFill>
+            </a:endParaRPr>
+          </a:p>
+        </p:txBody>
+      </p:sp>
       <p:pic>
         <p:nvPicPr>
-          <p:cNvPr id="41" name="그림 40"/>
+          <p:cNvPr id="2" name="그림 1"/>
           <p:cNvPicPr>
             <a:picLocks noChangeAspect="1"/>
           </p:cNvPicPr>
           <p:nvPr/>
         </p:nvPicPr>
         <p:blipFill>
-          <a:blip r:embed="rId2" cstate="print">
-            <a:extLst>
-              <a:ext uri="{28A0092B-C50C-407E-A947-70E740481C1C}">
-                <a14:useLocalDpi xmlns:a14="http://schemas.microsoft.com/office/drawing/2010/main" val="0"/>
-              </a:ext>
-            </a:extLst>
-          </a:blip>
+          <a:blip r:embed="rId2"/>
           <a:stretch>
             <a:fillRect/>
           </a:stretch>
         </p:blipFill>
         <p:spPr>
           <a:xfrm>
-            <a:off x="4605887" y="2029437"/>
-            <a:ext cx="736749" cy="736749"/>
+            <a:off x="1151175" y="1815769"/>
+            <a:ext cx="5163900" cy="3776662"/>
           </a:xfrm>
           <a:prstGeom prst="rect">
             <a:avLst/>
           </a:prstGeom>
         </p:spPr>
       </p:pic>
+      <p:pic>
+        <p:nvPicPr>
+          <p:cNvPr id="7" name="그림 6"/>
+          <p:cNvPicPr>
+            <a:picLocks noChangeAspect="1"/>
+          </p:cNvPicPr>
+          <p:nvPr/>
+        </p:nvPicPr>
+        <p:blipFill>
+          <a:blip r:embed="rId3"/>
+          <a:stretch>
+            <a:fillRect/>
+          </a:stretch>
+        </p:blipFill>
+        <p:spPr>
+          <a:xfrm>
+            <a:off x="6733275" y="3062824"/>
+            <a:ext cx="4315725" cy="1000125"/>
+          </a:xfrm>
+          <a:prstGeom prst="rect">
+            <a:avLst/>
+          </a:prstGeom>
+        </p:spPr>
+      </p:pic>
+      <p:sp>
+        <p:nvSpPr>
+          <p:cNvPr id="8" name="TextBox 7"/>
+          <p:cNvSpPr txBox="1"/>
+          <p:nvPr/>
+        </p:nvSpPr>
+        <p:spPr>
+          <a:xfrm>
+            <a:off x="8592480" y="4062949"/>
+            <a:ext cx="978314" cy="415498"/>
+          </a:xfrm>
+          <a:prstGeom prst="rect">
+            <a:avLst/>
+          </a:prstGeom>
+          <a:noFill/>
+        </p:spPr>
+        <p:txBody>
+          <a:bodyPr wrap="square" rtlCol="0">
+            <a:spAutoFit/>
+          </a:bodyPr>
+          <a:lstStyle/>
+          <a:p>
+            <a:pPr algn="ctr">
+              <a:lnSpc>
+                <a:spcPct val="150000"/>
+              </a:lnSpc>
+            </a:pPr>
+            <a:r>
+              <a:rPr lang="en-US" altLang="ko-KR" sz="1400" b="1" dirty="0" smtClean="0">
+                <a:solidFill>
+                  <a:prstClr val="black">
+                    <a:lumMod val="75000"/>
+                    <a:lumOff val="25000"/>
+                  </a:prstClr>
+                </a:solidFill>
+              </a:rPr>
+              <a:t>MSSQL</a:t>
+            </a:r>
+            <a:endParaRPr lang="ko-KR" altLang="en-US" sz="900" dirty="0">
+              <a:solidFill>
+                <a:prstClr val="black">
+                  <a:lumMod val="75000"/>
+                  <a:lumOff val="25000"/>
+                </a:prstClr>
+              </a:solidFill>
+            </a:endParaRPr>
+          </a:p>
+        </p:txBody>
+      </p:sp>
+      <p:sp>
+        <p:nvSpPr>
+          <p:cNvPr id="9" name="직사각형 8"/>
+          <p:cNvSpPr/>
+          <p:nvPr/>
+        </p:nvSpPr>
+        <p:spPr>
+          <a:xfrm>
+            <a:off x="342898" y="771525"/>
+            <a:ext cx="3162301" cy="507831"/>
+          </a:xfrm>
+          <a:prstGeom prst="rect">
+            <a:avLst/>
+          </a:prstGeom>
+        </p:spPr>
+        <p:txBody>
+          <a:bodyPr wrap="square">
+            <a:spAutoFit/>
+          </a:bodyPr>
+          <a:lstStyle/>
+          <a:p>
+            <a:pPr algn="ctr">
+              <a:lnSpc>
+                <a:spcPct val="150000"/>
+              </a:lnSpc>
+            </a:pPr>
+            <a:r>
+              <a:rPr lang="ko-KR" altLang="en-US" b="1" i="1" u="sng" dirty="0" smtClean="0">
+                <a:solidFill>
+                  <a:prstClr val="black">
+                    <a:lumMod val="75000"/>
+                    <a:lumOff val="25000"/>
+                  </a:prstClr>
+                </a:solidFill>
+              </a:rPr>
+              <a:t>프로그램 실행 흐름도 </a:t>
+            </a:r>
+            <a:r>
+              <a:rPr lang="en-US" altLang="ko-KR" b="1" i="1" u="sng" dirty="0" smtClean="0">
+                <a:solidFill>
+                  <a:prstClr val="black">
+                    <a:lumMod val="75000"/>
+                    <a:lumOff val="25000"/>
+                  </a:prstClr>
+                </a:solidFill>
+              </a:rPr>
+              <a:t>- </a:t>
+            </a:r>
+            <a:r>
+              <a:rPr lang="ko-KR" altLang="en-US" b="1" i="1" u="sng" dirty="0" smtClean="0">
+                <a:solidFill>
+                  <a:prstClr val="black">
+                    <a:lumMod val="75000"/>
+                    <a:lumOff val="25000"/>
+                  </a:prstClr>
+                </a:solidFill>
+              </a:rPr>
+              <a:t>보기</a:t>
+            </a:r>
+            <a:endParaRPr lang="en-US" altLang="ko-KR" b="1" i="1" u="sng" dirty="0">
+              <a:solidFill>
+                <a:prstClr val="black">
+                  <a:lumMod val="75000"/>
+                  <a:lumOff val="25000"/>
+                </a:prstClr>
+              </a:solidFill>
+            </a:endParaRPr>
+          </a:p>
+        </p:txBody>
+      </p:sp>
+    </p:spTree>
+    <p:extLst>
+      <p:ext uri="{BB962C8B-B14F-4D97-AF65-F5344CB8AC3E}">
+        <p14:creationId xmlns:p14="http://schemas.microsoft.com/office/powerpoint/2010/main" val="197216155"/>
+      </p:ext>
+    </p:extLst>
+  </p:cSld>
+  <p:clrMapOvr>
+    <a:masterClrMapping/>
+  </p:clrMapOvr>
+  <p:timing>
+    <p:tnLst>
+      <p:par>
+        <p:cTn id="1" dur="indefinite" restart="never" nodeType="tmRoot"/>
+      </p:par>
+    </p:tnLst>
+  </p:timing>
+</p:sld>
+</file>
+
+<file path=ppt/slides/slide12.xml><?xml version="1.0" encoding="utf-8"?>
+<p:sld xmlns:a="http://schemas.openxmlformats.org/drawingml/2006/main" xmlns:r="http://schemas.openxmlformats.org/officeDocument/2006/relationships" xmlns:p="http://schemas.openxmlformats.org/presentationml/2006/main">
+  <p:cSld>
+    <p:bg>
+      <p:bgPr>
+        <a:solidFill>
+          <a:srgbClr val="576580"/>
+        </a:solidFill>
+        <a:effectLst/>
+      </p:bgPr>
+    </p:bg>
+    <p:spTree>
+      <p:nvGrpSpPr>
+        <p:cNvPr id="1" name=""/>
+        <p:cNvGrpSpPr/>
+        <p:nvPr/>
+      </p:nvGrpSpPr>
+      <p:grpSpPr>
+        <a:xfrm>
+          <a:off x="0" y="0"/>
+          <a:ext cx="0" cy="0"/>
+          <a:chOff x="0" y="0"/>
+          <a:chExt cx="0" cy="0"/>
+        </a:xfrm>
+      </p:grpSpPr>
+      <p:sp>
+        <p:nvSpPr>
+          <p:cNvPr id="5" name="직사각형 4"/>
+          <p:cNvSpPr/>
+          <p:nvPr/>
+        </p:nvSpPr>
+        <p:spPr>
+          <a:xfrm>
+            <a:off x="342000" y="770400"/>
+            <a:ext cx="11506200" cy="5867400"/>
+          </a:xfrm>
+          <a:prstGeom prst="rect">
+            <a:avLst/>
+          </a:prstGeom>
+          <a:solidFill>
+            <a:schemeClr val="bg1"/>
+          </a:solidFill>
+          <a:ln>
+            <a:noFill/>
+          </a:ln>
+          <a:effectLst>
+            <a:outerShdw dist="88900" dir="16200000" rotWithShape="0">
+              <a:srgbClr val="27AECB"/>
+            </a:outerShdw>
+          </a:effectLst>
+        </p:spPr>
+        <p:style>
+          <a:lnRef idx="2">
+            <a:schemeClr val="accent1">
+              <a:shade val="50000"/>
+            </a:schemeClr>
+          </a:lnRef>
+          <a:fillRef idx="1">
+            <a:schemeClr val="accent1"/>
+          </a:fillRef>
+          <a:effectRef idx="0">
+            <a:schemeClr val="accent1"/>
+          </a:effectRef>
+          <a:fontRef idx="minor">
+            <a:schemeClr val="lt1"/>
+          </a:fontRef>
+        </p:style>
+        <p:txBody>
+          <a:bodyPr rtlCol="0" anchor="ctr"/>
+          <a:lstStyle/>
+          <a:p>
+            <a:pPr algn="ctr"/>
+            <a:r>
+              <a:rPr lang="en-US" altLang="ko-KR" dirty="0" smtClean="0">
+                <a:solidFill>
+                  <a:prstClr val="white"/>
+                </a:solidFill>
+              </a:rPr>
+              <a:t> </a:t>
+            </a:r>
+            <a:endParaRPr lang="ko-KR" altLang="en-US" dirty="0">
+              <a:solidFill>
+                <a:prstClr val="white"/>
+              </a:solidFill>
+            </a:endParaRPr>
+          </a:p>
+        </p:txBody>
+      </p:sp>
+      <p:sp>
+        <p:nvSpPr>
+          <p:cNvPr id="6" name="직사각형 5"/>
+          <p:cNvSpPr/>
+          <p:nvPr/>
+        </p:nvSpPr>
+        <p:spPr>
+          <a:xfrm>
+            <a:off x="342900" y="95250"/>
+            <a:ext cx="7534275" cy="461665"/>
+          </a:xfrm>
+          <a:prstGeom prst="rect">
+            <a:avLst/>
+          </a:prstGeom>
+        </p:spPr>
+        <p:txBody>
+          <a:bodyPr wrap="square">
+            <a:spAutoFit/>
+          </a:bodyPr>
+          <a:lstStyle/>
+          <a:p>
+            <a:pPr latinLnBrk="0">
+              <a:defRPr/>
+            </a:pPr>
+            <a:r>
+              <a:rPr lang="ko-KR" altLang="en-US" sz="2400" b="1" i="1" kern="0" dirty="0" smtClean="0">
+                <a:solidFill>
+                  <a:prstClr val="white"/>
+                </a:solidFill>
+              </a:rPr>
+              <a:t>주소록 관리 프로그램 </a:t>
+            </a:r>
+            <a:r>
+              <a:rPr lang="ko-KR" altLang="en-US" sz="900" kern="0" dirty="0" smtClean="0">
+                <a:solidFill>
+                  <a:prstClr val="white">
+                    <a:lumMod val="65000"/>
+                  </a:prstClr>
+                </a:solidFill>
+              </a:rPr>
+              <a:t>당신의 주소록을 관리해드립니다</a:t>
+            </a:r>
+            <a:r>
+              <a:rPr lang="en-US" altLang="ko-KR" sz="900" kern="0" dirty="0" smtClean="0">
+                <a:solidFill>
+                  <a:prstClr val="white">
+                    <a:lumMod val="65000"/>
+                  </a:prstClr>
+                </a:solidFill>
+              </a:rPr>
+              <a:t>.</a:t>
+            </a:r>
+            <a:endParaRPr lang="ko-KR" altLang="en-US" sz="4800" kern="0" dirty="0">
+              <a:solidFill>
+                <a:prstClr val="white">
+                  <a:lumMod val="65000"/>
+                </a:prstClr>
+              </a:solidFill>
+            </a:endParaRPr>
+          </a:p>
+        </p:txBody>
+      </p:sp>
+      <p:sp>
+        <p:nvSpPr>
+          <p:cNvPr id="14" name="직사각형 13"/>
+          <p:cNvSpPr/>
+          <p:nvPr/>
+        </p:nvSpPr>
+        <p:spPr>
+          <a:xfrm>
+            <a:off x="342898" y="771525"/>
+            <a:ext cx="3162301" cy="507831"/>
+          </a:xfrm>
+          <a:prstGeom prst="rect">
+            <a:avLst/>
+          </a:prstGeom>
+        </p:spPr>
+        <p:txBody>
+          <a:bodyPr wrap="square">
+            <a:spAutoFit/>
+          </a:bodyPr>
+          <a:lstStyle/>
+          <a:p>
+            <a:pPr algn="ctr">
+              <a:lnSpc>
+                <a:spcPct val="150000"/>
+              </a:lnSpc>
+            </a:pPr>
+            <a:r>
+              <a:rPr lang="ko-KR" altLang="en-US" b="1" i="1" u="sng" dirty="0" smtClean="0">
+                <a:solidFill>
+                  <a:prstClr val="black">
+                    <a:lumMod val="75000"/>
+                    <a:lumOff val="25000"/>
+                  </a:prstClr>
+                </a:solidFill>
+              </a:rPr>
+              <a:t>프로그램 실행 흐름도 </a:t>
+            </a:r>
+            <a:r>
+              <a:rPr lang="en-US" altLang="ko-KR" b="1" i="1" u="sng" dirty="0" smtClean="0">
+                <a:solidFill>
+                  <a:prstClr val="black">
+                    <a:lumMod val="75000"/>
+                    <a:lumOff val="25000"/>
+                  </a:prstClr>
+                </a:solidFill>
+              </a:rPr>
+              <a:t>- </a:t>
+            </a:r>
+            <a:r>
+              <a:rPr lang="ko-KR" altLang="en-US" b="1" i="1" u="sng" dirty="0" smtClean="0">
+                <a:solidFill>
+                  <a:prstClr val="black">
+                    <a:lumMod val="75000"/>
+                    <a:lumOff val="25000"/>
+                  </a:prstClr>
+                </a:solidFill>
+              </a:rPr>
+              <a:t>수정</a:t>
+            </a:r>
+            <a:endParaRPr lang="en-US" altLang="ko-KR" b="1" i="1" u="sng" dirty="0">
+              <a:solidFill>
+                <a:prstClr val="black">
+                  <a:lumMod val="75000"/>
+                  <a:lumOff val="25000"/>
+                </a:prstClr>
+              </a:solidFill>
+            </a:endParaRPr>
+          </a:p>
+        </p:txBody>
+      </p:sp>
+      <p:pic>
+        <p:nvPicPr>
+          <p:cNvPr id="3" name="그림 2"/>
+          <p:cNvPicPr>
+            <a:picLocks noChangeAspect="1"/>
+          </p:cNvPicPr>
+          <p:nvPr/>
+        </p:nvPicPr>
+        <p:blipFill>
+          <a:blip r:embed="rId2"/>
+          <a:stretch>
+            <a:fillRect/>
+          </a:stretch>
+        </p:blipFill>
+        <p:spPr>
+          <a:xfrm>
+            <a:off x="1238250" y="1469625"/>
+            <a:ext cx="3981451" cy="2202638"/>
+          </a:xfrm>
+          <a:prstGeom prst="rect">
+            <a:avLst/>
+          </a:prstGeom>
+        </p:spPr>
+      </p:pic>
+      <p:pic>
+        <p:nvPicPr>
+          <p:cNvPr id="4" name="그림 3"/>
+          <p:cNvPicPr>
+            <a:picLocks noChangeAspect="1"/>
+          </p:cNvPicPr>
+          <p:nvPr/>
+        </p:nvPicPr>
+        <p:blipFill>
+          <a:blip r:embed="rId3"/>
+          <a:stretch>
+            <a:fillRect/>
+          </a:stretch>
+        </p:blipFill>
+        <p:spPr>
+          <a:xfrm>
+            <a:off x="6762750" y="1433621"/>
+            <a:ext cx="3981450" cy="2238642"/>
+          </a:xfrm>
+          <a:prstGeom prst="rect">
+            <a:avLst/>
+          </a:prstGeom>
+        </p:spPr>
+      </p:pic>
+      <p:pic>
+        <p:nvPicPr>
+          <p:cNvPr id="7" name="그림 6"/>
+          <p:cNvPicPr>
+            <a:picLocks noChangeAspect="1"/>
+          </p:cNvPicPr>
+          <p:nvPr/>
+        </p:nvPicPr>
+        <p:blipFill>
+          <a:blip r:embed="rId4"/>
+          <a:stretch>
+            <a:fillRect/>
+          </a:stretch>
+        </p:blipFill>
+        <p:spPr>
+          <a:xfrm>
+            <a:off x="1238249" y="4022326"/>
+            <a:ext cx="3981451" cy="2202638"/>
+          </a:xfrm>
+          <a:prstGeom prst="rect">
+            <a:avLst/>
+          </a:prstGeom>
+        </p:spPr>
+      </p:pic>
+      <p:pic>
+        <p:nvPicPr>
+          <p:cNvPr id="8" name="그림 7"/>
+          <p:cNvPicPr>
+            <a:picLocks noChangeAspect="1"/>
+          </p:cNvPicPr>
+          <p:nvPr/>
+        </p:nvPicPr>
+        <p:blipFill>
+          <a:blip r:embed="rId5"/>
+          <a:stretch>
+            <a:fillRect/>
+          </a:stretch>
+        </p:blipFill>
+        <p:spPr>
+          <a:xfrm>
+            <a:off x="6481762" y="4505325"/>
+            <a:ext cx="4371975" cy="971550"/>
+          </a:xfrm>
+          <a:prstGeom prst="rect">
+            <a:avLst/>
+          </a:prstGeom>
+        </p:spPr>
+      </p:pic>
+      <p:sp>
+        <p:nvSpPr>
+          <p:cNvPr id="10" name="TextBox 9"/>
+          <p:cNvSpPr txBox="1"/>
+          <p:nvPr/>
+        </p:nvSpPr>
+        <p:spPr>
+          <a:xfrm>
+            <a:off x="8259105" y="5463561"/>
+            <a:ext cx="978314" cy="415498"/>
+          </a:xfrm>
+          <a:prstGeom prst="rect">
+            <a:avLst/>
+          </a:prstGeom>
+          <a:noFill/>
+        </p:spPr>
+        <p:txBody>
+          <a:bodyPr wrap="square" rtlCol="0">
+            <a:spAutoFit/>
+          </a:bodyPr>
+          <a:lstStyle/>
+          <a:p>
+            <a:pPr algn="ctr">
+              <a:lnSpc>
+                <a:spcPct val="150000"/>
+              </a:lnSpc>
+            </a:pPr>
+            <a:r>
+              <a:rPr lang="en-US" altLang="ko-KR" sz="1400" b="1" dirty="0" smtClean="0">
+                <a:solidFill>
+                  <a:prstClr val="black">
+                    <a:lumMod val="75000"/>
+                    <a:lumOff val="25000"/>
+                  </a:prstClr>
+                </a:solidFill>
+              </a:rPr>
+              <a:t>MSSQL</a:t>
+            </a:r>
+            <a:endParaRPr lang="ko-KR" altLang="en-US" sz="900" dirty="0">
+              <a:solidFill>
+                <a:prstClr val="black">
+                  <a:lumMod val="75000"/>
+                  <a:lumOff val="25000"/>
+                </a:prstClr>
+              </a:solidFill>
+            </a:endParaRPr>
+          </a:p>
+        </p:txBody>
+      </p:sp>
+      <p:sp>
+        <p:nvSpPr>
+          <p:cNvPr id="11" name="오른쪽 화살표 10"/>
+          <p:cNvSpPr/>
+          <p:nvPr/>
+        </p:nvSpPr>
+        <p:spPr>
+          <a:xfrm>
+            <a:off x="5690751" y="4740320"/>
+            <a:ext cx="666750" cy="609600"/>
+          </a:xfrm>
+          <a:prstGeom prst="rightArrow">
+            <a:avLst/>
+          </a:prstGeom>
+          <a:solidFill>
+            <a:srgbClr val="27AECB"/>
+          </a:solidFill>
+          <a:ln w="25400">
+            <a:solidFill>
+              <a:srgbClr val="27AECB"/>
+            </a:solidFill>
+          </a:ln>
+        </p:spPr>
+        <p:style>
+          <a:lnRef idx="2">
+            <a:schemeClr val="accent1">
+              <a:shade val="50000"/>
+            </a:schemeClr>
+          </a:lnRef>
+          <a:fillRef idx="1">
+            <a:schemeClr val="accent1"/>
+          </a:fillRef>
+          <a:effectRef idx="0">
+            <a:schemeClr val="accent1"/>
+          </a:effectRef>
+          <a:fontRef idx="minor">
+            <a:schemeClr val="lt1"/>
+          </a:fontRef>
+        </p:style>
+        <p:txBody>
+          <a:bodyPr rtlCol="0" anchor="ctr"/>
+          <a:lstStyle/>
+          <a:p>
+            <a:pPr algn="ctr"/>
+            <a:endParaRPr lang="ko-KR" altLang="en-US"/>
+          </a:p>
+        </p:txBody>
+      </p:sp>
+      <p:sp>
+        <p:nvSpPr>
+          <p:cNvPr id="12" name="오른쪽 화살표 11"/>
+          <p:cNvSpPr/>
+          <p:nvPr/>
+        </p:nvSpPr>
+        <p:spPr>
+          <a:xfrm rot="8878300">
+            <a:off x="5657850" y="3582846"/>
+            <a:ext cx="666750" cy="609600"/>
+          </a:xfrm>
+          <a:prstGeom prst="rightArrow">
+            <a:avLst/>
+          </a:prstGeom>
+          <a:solidFill>
+            <a:srgbClr val="27AECB"/>
+          </a:solidFill>
+          <a:ln w="25400">
+            <a:solidFill>
+              <a:srgbClr val="27AECB"/>
+            </a:solidFill>
+          </a:ln>
+        </p:spPr>
+        <p:style>
+          <a:lnRef idx="2">
+            <a:schemeClr val="accent1">
+              <a:shade val="50000"/>
+            </a:schemeClr>
+          </a:lnRef>
+          <a:fillRef idx="1">
+            <a:schemeClr val="accent1"/>
+          </a:fillRef>
+          <a:effectRef idx="0">
+            <a:schemeClr val="accent1"/>
+          </a:effectRef>
+          <a:fontRef idx="minor">
+            <a:schemeClr val="lt1"/>
+          </a:fontRef>
+        </p:style>
+        <p:txBody>
+          <a:bodyPr rtlCol="0" anchor="ctr"/>
+          <a:lstStyle/>
+          <a:p>
+            <a:pPr algn="ctr"/>
+            <a:endParaRPr lang="ko-KR" altLang="en-US"/>
+          </a:p>
+        </p:txBody>
+      </p:sp>
+      <p:sp>
+        <p:nvSpPr>
+          <p:cNvPr id="13" name="오른쪽 화살표 12"/>
+          <p:cNvSpPr/>
+          <p:nvPr/>
+        </p:nvSpPr>
+        <p:spPr>
+          <a:xfrm>
+            <a:off x="5690751" y="2324342"/>
+            <a:ext cx="666750" cy="609600"/>
+          </a:xfrm>
+          <a:prstGeom prst="rightArrow">
+            <a:avLst/>
+          </a:prstGeom>
+          <a:solidFill>
+            <a:srgbClr val="27AECB"/>
+          </a:solidFill>
+          <a:ln w="25400">
+            <a:solidFill>
+              <a:srgbClr val="27AECB"/>
+            </a:solidFill>
+          </a:ln>
+        </p:spPr>
+        <p:style>
+          <a:lnRef idx="2">
+            <a:schemeClr val="accent1">
+              <a:shade val="50000"/>
+            </a:schemeClr>
+          </a:lnRef>
+          <a:fillRef idx="1">
+            <a:schemeClr val="accent1"/>
+          </a:fillRef>
+          <a:effectRef idx="0">
+            <a:schemeClr val="accent1"/>
+          </a:effectRef>
+          <a:fontRef idx="minor">
+            <a:schemeClr val="lt1"/>
+          </a:fontRef>
+        </p:style>
+        <p:txBody>
+          <a:bodyPr rtlCol="0" anchor="ctr"/>
+          <a:lstStyle/>
+          <a:p>
+            <a:pPr algn="ctr"/>
+            <a:endParaRPr lang="ko-KR" altLang="en-US"/>
+          </a:p>
+        </p:txBody>
+      </p:sp>
+    </p:spTree>
+    <p:extLst>
+      <p:ext uri="{BB962C8B-B14F-4D97-AF65-F5344CB8AC3E}">
+        <p14:creationId xmlns:p14="http://schemas.microsoft.com/office/powerpoint/2010/main" val="72377085"/>
+      </p:ext>
+    </p:extLst>
+  </p:cSld>
+  <p:clrMapOvr>
+    <a:masterClrMapping/>
+  </p:clrMapOvr>
+  <p:timing>
+    <p:tnLst>
+      <p:par>
+        <p:cTn id="1" dur="indefinite" restart="never" nodeType="tmRoot"/>
+      </p:par>
+    </p:tnLst>
+  </p:timing>
+</p:sld>
+</file>
+
+<file path=ppt/slides/slide13.xml><?xml version="1.0" encoding="utf-8"?>
+<p:sld xmlns:a="http://schemas.openxmlformats.org/drawingml/2006/main" xmlns:r="http://schemas.openxmlformats.org/officeDocument/2006/relationships" xmlns:p="http://schemas.openxmlformats.org/presentationml/2006/main">
+  <p:cSld>
+    <p:bg>
+      <p:bgPr>
+        <a:solidFill>
+          <a:srgbClr val="576580"/>
+        </a:solidFill>
+        <a:effectLst/>
+      </p:bgPr>
+    </p:bg>
+    <p:spTree>
+      <p:nvGrpSpPr>
+        <p:cNvPr id="1" name=""/>
+        <p:cNvGrpSpPr/>
+        <p:nvPr/>
+      </p:nvGrpSpPr>
+      <p:grpSpPr>
+        <a:xfrm>
+          <a:off x="0" y="0"/>
+          <a:ext cx="0" cy="0"/>
+          <a:chOff x="0" y="0"/>
+          <a:chExt cx="0" cy="0"/>
+        </a:xfrm>
+      </p:grpSpPr>
+      <p:sp>
+        <p:nvSpPr>
+          <p:cNvPr id="5" name="직사각형 4"/>
+          <p:cNvSpPr/>
+          <p:nvPr/>
+        </p:nvSpPr>
+        <p:spPr>
+          <a:xfrm>
+            <a:off x="342000" y="770400"/>
+            <a:ext cx="11506200" cy="5867400"/>
+          </a:xfrm>
+          <a:prstGeom prst="rect">
+            <a:avLst/>
+          </a:prstGeom>
+          <a:solidFill>
+            <a:schemeClr val="bg1"/>
+          </a:solidFill>
+          <a:ln>
+            <a:noFill/>
+          </a:ln>
+          <a:effectLst>
+            <a:outerShdw dist="88900" dir="16200000" rotWithShape="0">
+              <a:srgbClr val="27AECB"/>
+            </a:outerShdw>
+          </a:effectLst>
+        </p:spPr>
+        <p:style>
+          <a:lnRef idx="2">
+            <a:schemeClr val="accent1">
+              <a:shade val="50000"/>
+            </a:schemeClr>
+          </a:lnRef>
+          <a:fillRef idx="1">
+            <a:schemeClr val="accent1"/>
+          </a:fillRef>
+          <a:effectRef idx="0">
+            <a:schemeClr val="accent1"/>
+          </a:effectRef>
+          <a:fontRef idx="minor">
+            <a:schemeClr val="lt1"/>
+          </a:fontRef>
+        </p:style>
+        <p:txBody>
+          <a:bodyPr rtlCol="0" anchor="ctr"/>
+          <a:lstStyle/>
+          <a:p>
+            <a:pPr algn="ctr"/>
+            <a:endParaRPr lang="ko-KR" altLang="en-US">
+              <a:solidFill>
+                <a:prstClr val="white"/>
+              </a:solidFill>
+            </a:endParaRPr>
+          </a:p>
+        </p:txBody>
+      </p:sp>
+      <p:sp>
+        <p:nvSpPr>
+          <p:cNvPr id="6" name="직사각형 5"/>
+          <p:cNvSpPr/>
+          <p:nvPr/>
+        </p:nvSpPr>
+        <p:spPr>
+          <a:xfrm>
+            <a:off x="342900" y="95250"/>
+            <a:ext cx="7534275" cy="461665"/>
+          </a:xfrm>
+          <a:prstGeom prst="rect">
+            <a:avLst/>
+          </a:prstGeom>
+        </p:spPr>
+        <p:txBody>
+          <a:bodyPr wrap="square">
+            <a:spAutoFit/>
+          </a:bodyPr>
+          <a:lstStyle/>
+          <a:p>
+            <a:pPr latinLnBrk="0">
+              <a:defRPr/>
+            </a:pPr>
+            <a:r>
+              <a:rPr lang="ko-KR" altLang="en-US" sz="2400" b="1" i="1" kern="0" dirty="0" smtClean="0">
+                <a:solidFill>
+                  <a:prstClr val="white"/>
+                </a:solidFill>
+              </a:rPr>
+              <a:t>주소록 관리 프로그램 </a:t>
+            </a:r>
+            <a:r>
+              <a:rPr lang="ko-KR" altLang="en-US" sz="900" kern="0" dirty="0" smtClean="0">
+                <a:solidFill>
+                  <a:prstClr val="white">
+                    <a:lumMod val="65000"/>
+                  </a:prstClr>
+                </a:solidFill>
+              </a:rPr>
+              <a:t>당신의 주소록을 관리해드립니다</a:t>
+            </a:r>
+            <a:r>
+              <a:rPr lang="en-US" altLang="ko-KR" sz="900" kern="0" dirty="0" smtClean="0">
+                <a:solidFill>
+                  <a:prstClr val="white">
+                    <a:lumMod val="65000"/>
+                  </a:prstClr>
+                </a:solidFill>
+              </a:rPr>
+              <a:t>.</a:t>
+            </a:r>
+            <a:endParaRPr lang="ko-KR" altLang="en-US" sz="4800" kern="0" dirty="0">
+              <a:solidFill>
+                <a:prstClr val="white">
+                  <a:lumMod val="65000"/>
+                </a:prstClr>
+              </a:solidFill>
+            </a:endParaRPr>
+          </a:p>
+        </p:txBody>
+      </p:sp>
+      <p:pic>
+        <p:nvPicPr>
+          <p:cNvPr id="2" name="그림 1"/>
+          <p:cNvPicPr>
+            <a:picLocks noChangeAspect="1"/>
+          </p:cNvPicPr>
+          <p:nvPr/>
+        </p:nvPicPr>
+        <p:blipFill>
+          <a:blip r:embed="rId2"/>
+          <a:stretch>
+            <a:fillRect/>
+          </a:stretch>
+        </p:blipFill>
+        <p:spPr>
+          <a:xfrm>
+            <a:off x="1354930" y="1390650"/>
+            <a:ext cx="3902870" cy="2415833"/>
+          </a:xfrm>
+          <a:prstGeom prst="rect">
+            <a:avLst/>
+          </a:prstGeom>
+        </p:spPr>
+      </p:pic>
+      <p:pic>
+        <p:nvPicPr>
+          <p:cNvPr id="3" name="그림 2"/>
+          <p:cNvPicPr>
+            <a:picLocks noChangeAspect="1"/>
+          </p:cNvPicPr>
+          <p:nvPr/>
+        </p:nvPicPr>
+        <p:blipFill>
+          <a:blip r:embed="rId3"/>
+          <a:stretch>
+            <a:fillRect/>
+          </a:stretch>
+        </p:blipFill>
+        <p:spPr>
+          <a:xfrm>
+            <a:off x="6736555" y="1390649"/>
+            <a:ext cx="3902870" cy="2415833"/>
+          </a:xfrm>
+          <a:prstGeom prst="rect">
+            <a:avLst/>
+          </a:prstGeom>
+        </p:spPr>
+      </p:pic>
+      <p:pic>
+        <p:nvPicPr>
+          <p:cNvPr id="4" name="그림 3"/>
+          <p:cNvPicPr>
+            <a:picLocks noChangeAspect="1"/>
+          </p:cNvPicPr>
+          <p:nvPr/>
+        </p:nvPicPr>
+        <p:blipFill>
+          <a:blip r:embed="rId4"/>
+          <a:stretch>
+            <a:fillRect/>
+          </a:stretch>
+        </p:blipFill>
+        <p:spPr>
+          <a:xfrm>
+            <a:off x="1375640" y="4019968"/>
+            <a:ext cx="3882160" cy="2394158"/>
+          </a:xfrm>
+          <a:prstGeom prst="rect">
+            <a:avLst/>
+          </a:prstGeom>
+        </p:spPr>
+      </p:pic>
+      <p:pic>
+        <p:nvPicPr>
+          <p:cNvPr id="7" name="그림 6"/>
+          <p:cNvPicPr>
+            <a:picLocks noChangeAspect="1"/>
+          </p:cNvPicPr>
+          <p:nvPr/>
+        </p:nvPicPr>
+        <p:blipFill>
+          <a:blip r:embed="rId5"/>
+          <a:stretch>
+            <a:fillRect/>
+          </a:stretch>
+        </p:blipFill>
+        <p:spPr>
+          <a:xfrm>
+            <a:off x="6357501" y="4654508"/>
+            <a:ext cx="4733925" cy="1009650"/>
+          </a:xfrm>
+          <a:prstGeom prst="rect">
+            <a:avLst/>
+          </a:prstGeom>
+        </p:spPr>
+      </p:pic>
+      <p:sp>
+        <p:nvSpPr>
+          <p:cNvPr id="9" name="오른쪽 화살표 8"/>
+          <p:cNvSpPr/>
+          <p:nvPr/>
+        </p:nvSpPr>
+        <p:spPr>
+          <a:xfrm>
+            <a:off x="5690751" y="2324342"/>
+            <a:ext cx="666750" cy="609600"/>
+          </a:xfrm>
+          <a:prstGeom prst="rightArrow">
+            <a:avLst/>
+          </a:prstGeom>
+          <a:solidFill>
+            <a:srgbClr val="27AECB"/>
+          </a:solidFill>
+          <a:ln w="25400">
+            <a:solidFill>
+              <a:srgbClr val="27AECB"/>
+            </a:solidFill>
+          </a:ln>
+        </p:spPr>
+        <p:style>
+          <a:lnRef idx="2">
+            <a:schemeClr val="accent1">
+              <a:shade val="50000"/>
+            </a:schemeClr>
+          </a:lnRef>
+          <a:fillRef idx="1">
+            <a:schemeClr val="accent1"/>
+          </a:fillRef>
+          <a:effectRef idx="0">
+            <a:schemeClr val="accent1"/>
+          </a:effectRef>
+          <a:fontRef idx="minor">
+            <a:schemeClr val="lt1"/>
+          </a:fontRef>
+        </p:style>
+        <p:txBody>
+          <a:bodyPr rtlCol="0" anchor="ctr"/>
+          <a:lstStyle/>
+          <a:p>
+            <a:pPr algn="ctr"/>
+            <a:endParaRPr lang="ko-KR" altLang="en-US"/>
+          </a:p>
+        </p:txBody>
+      </p:sp>
+      <p:sp>
+        <p:nvSpPr>
+          <p:cNvPr id="10" name="오른쪽 화살표 9"/>
+          <p:cNvSpPr/>
+          <p:nvPr/>
+        </p:nvSpPr>
+        <p:spPr>
+          <a:xfrm rot="9235502">
+            <a:off x="5663802" y="3539781"/>
+            <a:ext cx="666750" cy="609600"/>
+          </a:xfrm>
+          <a:prstGeom prst="rightArrow">
+            <a:avLst/>
+          </a:prstGeom>
+          <a:solidFill>
+            <a:srgbClr val="27AECB"/>
+          </a:solidFill>
+          <a:ln w="25400">
+            <a:solidFill>
+              <a:srgbClr val="27AECB"/>
+            </a:solidFill>
+          </a:ln>
+        </p:spPr>
+        <p:style>
+          <a:lnRef idx="2">
+            <a:schemeClr val="accent1">
+              <a:shade val="50000"/>
+            </a:schemeClr>
+          </a:lnRef>
+          <a:fillRef idx="1">
+            <a:schemeClr val="accent1"/>
+          </a:fillRef>
+          <a:effectRef idx="0">
+            <a:schemeClr val="accent1"/>
+          </a:effectRef>
+          <a:fontRef idx="minor">
+            <a:schemeClr val="lt1"/>
+          </a:fontRef>
+        </p:style>
+        <p:txBody>
+          <a:bodyPr rtlCol="0" anchor="ctr"/>
+          <a:lstStyle/>
+          <a:p>
+            <a:pPr algn="ctr"/>
+            <a:endParaRPr lang="ko-KR" altLang="en-US"/>
+          </a:p>
+        </p:txBody>
+      </p:sp>
+      <p:sp>
+        <p:nvSpPr>
+          <p:cNvPr id="12" name="오른쪽 화살표 11"/>
+          <p:cNvSpPr/>
+          <p:nvPr/>
+        </p:nvSpPr>
+        <p:spPr>
+          <a:xfrm>
+            <a:off x="5714780" y="4770019"/>
+            <a:ext cx="666750" cy="609600"/>
+          </a:xfrm>
+          <a:prstGeom prst="rightArrow">
+            <a:avLst/>
+          </a:prstGeom>
+          <a:solidFill>
+            <a:srgbClr val="27AECB"/>
+          </a:solidFill>
+          <a:ln w="25400">
+            <a:solidFill>
+              <a:srgbClr val="27AECB"/>
+            </a:solidFill>
+          </a:ln>
+        </p:spPr>
+        <p:style>
+          <a:lnRef idx="2">
+            <a:schemeClr val="accent1">
+              <a:shade val="50000"/>
+            </a:schemeClr>
+          </a:lnRef>
+          <a:fillRef idx="1">
+            <a:schemeClr val="accent1"/>
+          </a:fillRef>
+          <a:effectRef idx="0">
+            <a:schemeClr val="accent1"/>
+          </a:effectRef>
+          <a:fontRef idx="minor">
+            <a:schemeClr val="lt1"/>
+          </a:fontRef>
+        </p:style>
+        <p:txBody>
+          <a:bodyPr rtlCol="0" anchor="ctr"/>
+          <a:lstStyle/>
+          <a:p>
+            <a:pPr algn="ctr"/>
+            <a:endParaRPr lang="ko-KR" altLang="en-US"/>
+          </a:p>
+        </p:txBody>
+      </p:sp>
+      <p:sp>
+        <p:nvSpPr>
+          <p:cNvPr id="13" name="TextBox 12"/>
+          <p:cNvSpPr txBox="1"/>
+          <p:nvPr/>
+        </p:nvSpPr>
+        <p:spPr>
+          <a:xfrm>
+            <a:off x="8198833" y="5669894"/>
+            <a:ext cx="978314" cy="415498"/>
+          </a:xfrm>
+          <a:prstGeom prst="rect">
+            <a:avLst/>
+          </a:prstGeom>
+          <a:noFill/>
+        </p:spPr>
+        <p:txBody>
+          <a:bodyPr wrap="square" rtlCol="0">
+            <a:spAutoFit/>
+          </a:bodyPr>
+          <a:lstStyle/>
+          <a:p>
+            <a:pPr algn="ctr">
+              <a:lnSpc>
+                <a:spcPct val="150000"/>
+              </a:lnSpc>
+            </a:pPr>
+            <a:r>
+              <a:rPr lang="en-US" altLang="ko-KR" sz="1400" b="1" dirty="0" smtClean="0">
+                <a:solidFill>
+                  <a:prstClr val="black">
+                    <a:lumMod val="75000"/>
+                    <a:lumOff val="25000"/>
+                  </a:prstClr>
+                </a:solidFill>
+              </a:rPr>
+              <a:t>MSSQL</a:t>
+            </a:r>
+            <a:endParaRPr lang="ko-KR" altLang="en-US" sz="900" dirty="0">
+              <a:solidFill>
+                <a:prstClr val="black">
+                  <a:lumMod val="75000"/>
+                  <a:lumOff val="25000"/>
+                </a:prstClr>
+              </a:solidFill>
+            </a:endParaRPr>
+          </a:p>
+        </p:txBody>
+      </p:sp>
+      <p:sp>
+        <p:nvSpPr>
+          <p:cNvPr id="15" name="직사각형 14"/>
+          <p:cNvSpPr/>
+          <p:nvPr/>
+        </p:nvSpPr>
+        <p:spPr>
+          <a:xfrm>
+            <a:off x="342898" y="771525"/>
+            <a:ext cx="3162301" cy="507831"/>
+          </a:xfrm>
+          <a:prstGeom prst="rect">
+            <a:avLst/>
+          </a:prstGeom>
+        </p:spPr>
+        <p:txBody>
+          <a:bodyPr wrap="square">
+            <a:spAutoFit/>
+          </a:bodyPr>
+          <a:lstStyle/>
+          <a:p>
+            <a:pPr algn="ctr">
+              <a:lnSpc>
+                <a:spcPct val="150000"/>
+              </a:lnSpc>
+            </a:pPr>
+            <a:r>
+              <a:rPr lang="ko-KR" altLang="en-US" b="1" i="1" u="sng" dirty="0" smtClean="0">
+                <a:solidFill>
+                  <a:prstClr val="black">
+                    <a:lumMod val="75000"/>
+                    <a:lumOff val="25000"/>
+                  </a:prstClr>
+                </a:solidFill>
+              </a:rPr>
+              <a:t>프로그램 실행 흐름도 </a:t>
+            </a:r>
+            <a:r>
+              <a:rPr lang="en-US" altLang="ko-KR" b="1" i="1" u="sng" dirty="0" smtClean="0">
+                <a:solidFill>
+                  <a:prstClr val="black">
+                    <a:lumMod val="75000"/>
+                    <a:lumOff val="25000"/>
+                  </a:prstClr>
+                </a:solidFill>
+              </a:rPr>
+              <a:t>- </a:t>
+            </a:r>
+            <a:r>
+              <a:rPr lang="ko-KR" altLang="en-US" b="1" i="1" u="sng" dirty="0" smtClean="0">
+                <a:solidFill>
+                  <a:prstClr val="black">
+                    <a:lumMod val="75000"/>
+                    <a:lumOff val="25000"/>
+                  </a:prstClr>
+                </a:solidFill>
+              </a:rPr>
+              <a:t>삭제</a:t>
+            </a:r>
+            <a:endParaRPr lang="en-US" altLang="ko-KR" b="1" i="1" u="sng" dirty="0">
+              <a:solidFill>
+                <a:prstClr val="black">
+                  <a:lumMod val="75000"/>
+                  <a:lumOff val="25000"/>
+                </a:prstClr>
+              </a:solidFill>
+            </a:endParaRPr>
+          </a:p>
+        </p:txBody>
+      </p:sp>
+    </p:spTree>
+    <p:extLst>
+      <p:ext uri="{BB962C8B-B14F-4D97-AF65-F5344CB8AC3E}">
+        <p14:creationId xmlns:p14="http://schemas.microsoft.com/office/powerpoint/2010/main" val="2735319123"/>
+      </p:ext>
+    </p:extLst>
+  </p:cSld>
+  <p:clrMapOvr>
+    <a:masterClrMapping/>
+  </p:clrMapOvr>
+  <p:timing>
+    <p:tnLst>
+      <p:par>
+        <p:cTn id="1" dur="indefinite" restart="never" nodeType="tmRoot"/>
+      </p:par>
+    </p:tnLst>
+  </p:timing>
+</p:sld>
+</file>
+
+<file path=ppt/slides/slide14.xml><?xml version="1.0" encoding="utf-8"?>
+<p:sld xmlns:a="http://schemas.openxmlformats.org/drawingml/2006/main" xmlns:r="http://schemas.openxmlformats.org/officeDocument/2006/relationships" xmlns:p="http://schemas.openxmlformats.org/presentationml/2006/main">
+  <p:cSld>
+    <p:bg>
+      <p:bgPr>
+        <a:solidFill>
+          <a:srgbClr val="576580"/>
+        </a:solidFill>
+        <a:effectLst/>
+      </p:bgPr>
+    </p:bg>
+    <p:spTree>
+      <p:nvGrpSpPr>
+        <p:cNvPr id="1" name=""/>
+        <p:cNvGrpSpPr/>
+        <p:nvPr/>
+      </p:nvGrpSpPr>
+      <p:grpSpPr>
+        <a:xfrm>
+          <a:off x="0" y="0"/>
+          <a:ext cx="0" cy="0"/>
+          <a:chOff x="0" y="0"/>
+          <a:chExt cx="0" cy="0"/>
+        </a:xfrm>
+      </p:grpSpPr>
+      <p:sp>
+        <p:nvSpPr>
+          <p:cNvPr id="5" name="직사각형 4"/>
+          <p:cNvSpPr/>
+          <p:nvPr/>
+        </p:nvSpPr>
+        <p:spPr>
+          <a:xfrm>
+            <a:off x="342900" y="771525"/>
+            <a:ext cx="11506200" cy="5867400"/>
+          </a:xfrm>
+          <a:prstGeom prst="rect">
+            <a:avLst/>
+          </a:prstGeom>
+          <a:solidFill>
+            <a:schemeClr val="bg1"/>
+          </a:solidFill>
+          <a:ln>
+            <a:noFill/>
+          </a:ln>
+          <a:effectLst>
+            <a:outerShdw dist="88900" dir="16200000" rotWithShape="0">
+              <a:srgbClr val="27AECB"/>
+            </a:outerShdw>
+          </a:effectLst>
+        </p:spPr>
+        <p:style>
+          <a:lnRef idx="2">
+            <a:schemeClr val="accent1">
+              <a:shade val="50000"/>
+            </a:schemeClr>
+          </a:lnRef>
+          <a:fillRef idx="1">
+            <a:schemeClr val="accent1"/>
+          </a:fillRef>
+          <a:effectRef idx="0">
+            <a:schemeClr val="accent1"/>
+          </a:effectRef>
+          <a:fontRef idx="minor">
+            <a:schemeClr val="lt1"/>
+          </a:fontRef>
+        </p:style>
+        <p:txBody>
+          <a:bodyPr rtlCol="0" anchor="ctr"/>
+          <a:lstStyle/>
+          <a:p>
+            <a:pPr algn="ctr"/>
+            <a:endParaRPr lang="ko-KR" altLang="en-US">
+              <a:solidFill>
+                <a:prstClr val="white"/>
+              </a:solidFill>
+            </a:endParaRPr>
+          </a:p>
+        </p:txBody>
+      </p:sp>
+      <p:sp>
+        <p:nvSpPr>
+          <p:cNvPr id="6" name="직사각형 5"/>
+          <p:cNvSpPr/>
+          <p:nvPr/>
+        </p:nvSpPr>
+        <p:spPr>
+          <a:xfrm>
+            <a:off x="342900" y="95250"/>
+            <a:ext cx="7534275" cy="461665"/>
+          </a:xfrm>
+          <a:prstGeom prst="rect">
+            <a:avLst/>
+          </a:prstGeom>
+        </p:spPr>
+        <p:txBody>
+          <a:bodyPr wrap="square">
+            <a:spAutoFit/>
+          </a:bodyPr>
+          <a:lstStyle/>
+          <a:p>
+            <a:pPr latinLnBrk="0">
+              <a:defRPr/>
+            </a:pPr>
+            <a:r>
+              <a:rPr lang="ko-KR" altLang="en-US" sz="2400" b="1" i="1" kern="0" dirty="0" smtClean="0">
+                <a:solidFill>
+                  <a:prstClr val="white"/>
+                </a:solidFill>
+              </a:rPr>
+              <a:t>주소록 관리 프로그램 </a:t>
+            </a:r>
+            <a:r>
+              <a:rPr lang="ko-KR" altLang="en-US" sz="900" kern="0" dirty="0" smtClean="0">
+                <a:solidFill>
+                  <a:prstClr val="white">
+                    <a:lumMod val="65000"/>
+                  </a:prstClr>
+                </a:solidFill>
+              </a:rPr>
+              <a:t>당신의 주소록을 관리해드립니다</a:t>
+            </a:r>
+            <a:r>
+              <a:rPr lang="en-US" altLang="ko-KR" sz="900" kern="0" dirty="0" smtClean="0">
+                <a:solidFill>
+                  <a:prstClr val="white">
+                    <a:lumMod val="65000"/>
+                  </a:prstClr>
+                </a:solidFill>
+              </a:rPr>
+              <a:t>.</a:t>
+            </a:r>
+            <a:endParaRPr lang="ko-KR" altLang="en-US" sz="4800" kern="0" dirty="0">
+              <a:solidFill>
+                <a:prstClr val="white">
+                  <a:lumMod val="65000"/>
+                </a:prstClr>
+              </a:solidFill>
+            </a:endParaRPr>
+          </a:p>
+        </p:txBody>
+      </p:sp>
       <p:graphicFrame>
         <p:nvGraphicFramePr>
           <p:cNvPr id="42" name="표 41"/>
@@ -5518,12 +6126,16 @@
             <a:graphicFrameLocks noGrp="1"/>
           </p:cNvGraphicFramePr>
           <p:nvPr>
-            <p:extLst/>
+            <p:extLst>
+              <p:ext uri="{D42A27DB-BD31-4B8C-83A1-F6EECF244321}">
+                <p14:modId xmlns:p14="http://schemas.microsoft.com/office/powerpoint/2010/main" val="4211752973"/>
+              </p:ext>
+            </p:extLst>
           </p:nvPr>
         </p:nvGraphicFramePr>
         <p:xfrm>
           <a:off x="1320801" y="4898213"/>
-          <a:ext cx="9448799" cy="1123950"/>
+          <a:ext cx="9448799" cy="1407795"/>
         </p:xfrm>
         <a:graphic>
           <a:graphicData uri="http://schemas.openxmlformats.org/drawingml/2006/table">
@@ -5532,9 +6144,27 @@
                 <a:tableStyleId>{5C22544A-7EE6-4342-B048-85BDC9FD1C3A}</a:tableStyleId>
               </a:tblPr>
               <a:tblGrid>
-                <a:gridCol w="3193274"/>
-                <a:gridCol w="3193274"/>
-                <a:gridCol w="3062251"/>
+                <a:gridCol w="3193274">
+                  <a:extLst>
+                    <a:ext uri="{9D8B030D-6E8A-4147-A177-3AD203B41FA5}">
+                      <a16:colId xmlns:a16="http://schemas.microsoft.com/office/drawing/2014/main" val="20000"/>
+                    </a:ext>
+                  </a:extLst>
+                </a:gridCol>
+                <a:gridCol w="3193274">
+                  <a:extLst>
+                    <a:ext uri="{9D8B030D-6E8A-4147-A177-3AD203B41FA5}">
+                      <a16:colId xmlns:a16="http://schemas.microsoft.com/office/drawing/2014/main" val="20001"/>
+                    </a:ext>
+                  </a:extLst>
+                </a:gridCol>
+                <a:gridCol w="3062251">
+                  <a:extLst>
+                    <a:ext uri="{9D8B030D-6E8A-4147-A177-3AD203B41FA5}">
+                      <a16:colId xmlns:a16="http://schemas.microsoft.com/office/drawing/2014/main" val="20002"/>
+                    </a:ext>
+                  </a:extLst>
+                </a:gridCol>
               </a:tblGrid>
               <a:tr h="561975">
                 <a:tc>
@@ -5576,7 +6206,7 @@
                           <a:ea typeface="+mn-ea"/>
                           <a:cs typeface="+mn-cs"/>
                         </a:rPr>
-                        <a:t>CONTENTS A</a:t>
+                        <a:t>A.</a:t>
                       </a:r>
                     </a:p>
                   </a:txBody>
@@ -5670,7 +6300,7 @@
                           <a:ea typeface="+mn-ea"/>
                           <a:cs typeface="+mn-cs"/>
                         </a:rPr>
-                        <a:t>CONTENTS A</a:t>
+                        <a:t>B.</a:t>
                       </a:r>
                     </a:p>
                   </a:txBody>
@@ -5772,7 +6402,7 @@
                           <a:ea typeface="+mn-ea"/>
                           <a:cs typeface="+mn-cs"/>
                         </a:rPr>
-                        <a:t>CONTENTS A</a:t>
+                        <a:t>C.</a:t>
                       </a:r>
                     </a:p>
                   </a:txBody>
@@ -5827,6 +6457,11 @@
                     </a:solidFill>
                   </a:tcPr>
                 </a:tc>
+                <a:extLst>
+                  <a:ext uri="{0D108BD9-81ED-4DB2-BD59-A6C34878D82A}">
+                    <a16:rowId xmlns:a16="http://schemas.microsoft.com/office/drawing/2014/main" val="10000"/>
+                  </a:ext>
+                </a:extLst>
               </a:tr>
               <a:tr h="561975">
                 <a:tc>
@@ -5852,7 +6487,7 @@
                         <a:defRPr/>
                       </a:pPr>
                       <a:r>
-                        <a:rPr kumimoji="0" lang="ko-KR" altLang="en-US" sz="1100" b="0" i="0" u="none" strike="noStrike" kern="1200" cap="none" spc="0" normalizeH="0" baseline="0" noProof="0" dirty="0" err="1" smtClean="0">
+                        <a:rPr kumimoji="0" lang="ko-KR" altLang="en-US" sz="1100" b="0" i="0" u="none" strike="noStrike" kern="1200" cap="none" spc="0" normalizeH="0" baseline="0" noProof="0" dirty="0" smtClean="0">
                           <a:ln>
                             <a:noFill/>
                           </a:ln>
@@ -5868,7 +6503,26 @@
                           <a:ea typeface="+mn-ea"/>
                           <a:cs typeface="+mn-cs"/>
                         </a:rPr>
-                        <a:t>컨텐츠에</a:t>
+                        <a:t>주소나 이메일을 </a:t>
+                      </a:r>
+                      <a:r>
+                        <a:rPr kumimoji="0" lang="en-US" altLang="ko-KR" sz="1100" b="0" i="0" u="none" strike="noStrike" kern="1200" cap="none" spc="0" normalizeH="0" baseline="0" noProof="0" dirty="0" smtClean="0">
+                          <a:ln>
+                            <a:noFill/>
+                          </a:ln>
+                          <a:solidFill>
+                            <a:schemeClr val="bg1">
+                              <a:lumMod val="50000"/>
+                            </a:schemeClr>
+                          </a:solidFill>
+                          <a:effectLst/>
+                          <a:uLnTx/>
+                          <a:uFillTx/>
+                          <a:latin typeface="+mn-lt"/>
+                          <a:ea typeface="+mn-ea"/>
+                          <a:cs typeface="+mn-cs"/>
+                        </a:rPr>
+                        <a:t>NULL</a:t>
                       </a:r>
                       <a:r>
                         <a:rPr kumimoji="0" lang="ko-KR" altLang="en-US" sz="1100" b="0" i="0" u="none" strike="noStrike" kern="1200" cap="none" spc="0" normalizeH="0" baseline="0" noProof="0" dirty="0" smtClean="0">
@@ -5887,7 +6541,7 @@
                           <a:ea typeface="+mn-ea"/>
                           <a:cs typeface="+mn-cs"/>
                         </a:rPr>
-                        <a:t> 대한 내용을 적어요</a:t>
+                        <a:t>로 하면</a:t>
                       </a:r>
                       <a:endParaRPr kumimoji="0" lang="en-US" altLang="ko-KR" sz="1100" b="0" i="0" u="none" strike="noStrike" kern="1200" cap="none" spc="0" normalizeH="0" baseline="0" noProof="0" dirty="0" smtClean="0">
                         <a:ln>
@@ -5905,6 +6559,63 @@
                         <a:ea typeface="+mn-ea"/>
                         <a:cs typeface="+mn-cs"/>
                       </a:endParaRPr>
+                    </a:p>
+                    <a:p>
+                      <a:pPr marL="0" marR="0" lvl="0" indent="0" algn="ctr" defTabSz="914400" rtl="0" eaLnBrk="1" fontAlgn="auto" latinLnBrk="1" hangingPunct="1">
+                        <a:lnSpc>
+                          <a:spcPct val="150000"/>
+                        </a:lnSpc>
+                        <a:spcBef>
+                          <a:spcPts val="0"/>
+                        </a:spcBef>
+                        <a:spcAft>
+                          <a:spcPts val="0"/>
+                        </a:spcAft>
+                        <a:buClrTx/>
+                        <a:buSzTx/>
+                        <a:buFontTx/>
+                        <a:buNone/>
+                        <a:tabLst/>
+                        <a:defRPr/>
+                      </a:pPr>
+                      <a:r>
+                        <a:rPr kumimoji="0" lang="ko-KR" altLang="en-US" sz="1100" b="0" i="0" u="none" strike="noStrike" kern="1200" cap="none" spc="0" normalizeH="0" baseline="0" noProof="0" dirty="0" smtClean="0">
+                          <a:ln>
+                            <a:noFill/>
+                          </a:ln>
+                          <a:solidFill>
+                            <a:schemeClr val="bg1">
+                              <a:lumMod val="50000"/>
+                            </a:schemeClr>
+                          </a:solidFill>
+                          <a:effectLst/>
+                          <a:uLnTx/>
+                          <a:uFillTx/>
+                          <a:latin typeface="+mn-lt"/>
+                          <a:ea typeface="+mn-ea"/>
+                          <a:cs typeface="+mn-cs"/>
+                        </a:rPr>
+                        <a:t>사용자가 더 사용하기 용이할 것으로 보입니다</a:t>
+                      </a:r>
+                      <a:r>
+                        <a:rPr kumimoji="0" lang="en-US" altLang="ko-KR" sz="1100" b="0" i="0" u="none" strike="noStrike" kern="1200" cap="none" spc="0" normalizeH="0" baseline="0" noProof="0" dirty="0" smtClean="0">
+                          <a:ln>
+                            <a:noFill/>
+                          </a:ln>
+                          <a:solidFill>
+                            <a:schemeClr val="bg1">
+                              <a:lumMod val="50000"/>
+                            </a:schemeClr>
+                          </a:solidFill>
+                          <a:effectLst/>
+                          <a:uLnTx/>
+                          <a:uFillTx/>
+                          <a:latin typeface="+mn-lt"/>
+                          <a:ea typeface="+mn-ea"/>
+                          <a:cs typeface="+mn-cs"/>
+                        </a:rPr>
+                        <a:t>.</a:t>
+                      </a:r>
                     </a:p>
                   </a:txBody>
                   <a:tcPr anchor="ctr">
@@ -5978,7 +6689,7 @@
                         <a:defRPr/>
                       </a:pPr>
                       <a:r>
-                        <a:rPr kumimoji="0" lang="ko-KR" altLang="en-US" sz="1100" b="0" i="0" u="none" strike="noStrike" kern="1200" cap="none" spc="0" normalizeH="0" baseline="0" noProof="0" dirty="0" err="1" smtClean="0">
+                        <a:rPr kumimoji="0" lang="ko-KR" altLang="en-US" sz="1100" b="0" i="0" u="none" strike="noStrike" kern="1200" cap="none" spc="0" normalizeH="0" baseline="0" noProof="0" dirty="0" smtClean="0">
                           <a:ln>
                             <a:noFill/>
                           </a:ln>
@@ -5994,7 +6705,26 @@
                           <a:ea typeface="+mn-ea"/>
                           <a:cs typeface="+mn-cs"/>
                         </a:rPr>
-                        <a:t>컨텐츠에</a:t>
+                        <a:t>주소록 추가</a:t>
+                      </a:r>
+                      <a:r>
+                        <a:rPr kumimoji="0" lang="en-US" altLang="ko-KR" sz="1100" b="0" i="0" u="none" strike="noStrike" kern="1200" cap="none" spc="0" normalizeH="0" baseline="0" noProof="0" dirty="0" smtClean="0">
+                          <a:ln>
+                            <a:noFill/>
+                          </a:ln>
+                          <a:solidFill>
+                            <a:schemeClr val="bg1">
+                              <a:lumMod val="50000"/>
+                            </a:schemeClr>
+                          </a:solidFill>
+                          <a:effectLst/>
+                          <a:uLnTx/>
+                          <a:uFillTx/>
+                          <a:latin typeface="+mn-lt"/>
+                          <a:ea typeface="+mn-ea"/>
+                          <a:cs typeface="+mn-cs"/>
+                        </a:rPr>
+                        <a:t> Form</a:t>
                       </a:r>
                       <a:r>
                         <a:rPr kumimoji="0" lang="ko-KR" altLang="en-US" sz="1100" b="0" i="0" u="none" strike="noStrike" kern="1200" cap="none" spc="0" normalizeH="0" baseline="0" noProof="0" dirty="0" smtClean="0">
@@ -6013,7 +6743,7 @@
                           <a:ea typeface="+mn-ea"/>
                           <a:cs typeface="+mn-cs"/>
                         </a:rPr>
-                        <a:t> 대한 내용을 적어요</a:t>
+                        <a:t>에도 주소록을 볼 수 있는</a:t>
                       </a:r>
                       <a:endParaRPr kumimoji="0" lang="en-US" altLang="ko-KR" sz="1100" b="0" i="0" u="none" strike="noStrike" kern="1200" cap="none" spc="0" normalizeH="0" baseline="0" noProof="0" dirty="0" smtClean="0">
                         <a:ln>
@@ -6031,6 +6761,174 @@
                         <a:ea typeface="+mn-ea"/>
                         <a:cs typeface="+mn-cs"/>
                       </a:endParaRPr>
+                    </a:p>
+                    <a:p>
+                      <a:pPr marL="0" marR="0" lvl="0" indent="0" algn="ctr" defTabSz="914400" rtl="0" eaLnBrk="1" fontAlgn="auto" latinLnBrk="1" hangingPunct="1">
+                        <a:lnSpc>
+                          <a:spcPct val="150000"/>
+                        </a:lnSpc>
+                        <a:spcBef>
+                          <a:spcPts val="0"/>
+                        </a:spcBef>
+                        <a:spcAft>
+                          <a:spcPts val="0"/>
+                        </a:spcAft>
+                        <a:buClrTx/>
+                        <a:buSzTx/>
+                        <a:buFontTx/>
+                        <a:buNone/>
+                        <a:tabLst/>
+                        <a:defRPr/>
+                      </a:pPr>
+                      <a:r>
+                        <a:rPr kumimoji="0" lang="en-US" altLang="ko-KR" sz="1100" b="0" i="0" u="none" strike="noStrike" kern="1200" cap="none" spc="0" normalizeH="0" baseline="0" noProof="0" dirty="0" err="1" smtClean="0">
+                          <a:ln>
+                            <a:noFill/>
+                          </a:ln>
+                          <a:solidFill>
+                            <a:schemeClr val="bg1">
+                              <a:lumMod val="50000"/>
+                            </a:schemeClr>
+                          </a:solidFill>
+                          <a:effectLst/>
+                          <a:uLnTx/>
+                          <a:uFillTx/>
+                          <a:latin typeface="+mn-lt"/>
+                          <a:ea typeface="+mn-ea"/>
+                          <a:cs typeface="+mn-cs"/>
+                        </a:rPr>
+                        <a:t>DataGridView</a:t>
+                      </a:r>
+                      <a:r>
+                        <a:rPr kumimoji="0" lang="ko-KR" altLang="en-US" sz="1100" b="0" i="0" u="none" strike="noStrike" kern="1200" cap="none" spc="0" normalizeH="0" baseline="0" noProof="0" dirty="0" smtClean="0">
+                          <a:ln>
+                            <a:noFill/>
+                          </a:ln>
+                          <a:solidFill>
+                            <a:schemeClr val="bg1">
+                              <a:lumMod val="50000"/>
+                            </a:schemeClr>
+                          </a:solidFill>
+                          <a:effectLst/>
+                          <a:uLnTx/>
+                          <a:uFillTx/>
+                          <a:latin typeface="+mn-lt"/>
+                          <a:ea typeface="+mn-ea"/>
+                          <a:cs typeface="+mn-cs"/>
+                        </a:rPr>
+                        <a:t>가 있으면 </a:t>
+                      </a:r>
+                      <a:r>
+                        <a:rPr kumimoji="0" lang="en-US" altLang="ko-KR" sz="1100" b="0" i="0" u="none" strike="noStrike" kern="1200" cap="none" spc="0" normalizeH="0" baseline="0" noProof="0" dirty="0" smtClean="0">
+                          <a:ln>
+                            <a:noFill/>
+                          </a:ln>
+                          <a:solidFill>
+                            <a:schemeClr val="bg1">
+                              <a:lumMod val="50000"/>
+                            </a:schemeClr>
+                          </a:solidFill>
+                          <a:effectLst/>
+                          <a:uLnTx/>
+                          <a:uFillTx/>
+                          <a:latin typeface="+mn-lt"/>
+                          <a:ea typeface="+mn-ea"/>
+                          <a:cs typeface="+mn-cs"/>
+                        </a:rPr>
+                        <a:t>Data</a:t>
+                      </a:r>
+                      <a:r>
+                        <a:rPr kumimoji="0" lang="ko-KR" altLang="en-US" sz="1100" b="0" i="0" u="none" strike="noStrike" kern="1200" cap="none" spc="0" normalizeH="0" baseline="0" noProof="0" dirty="0" smtClean="0">
+                          <a:ln>
+                            <a:noFill/>
+                          </a:ln>
+                          <a:solidFill>
+                            <a:schemeClr val="bg1">
+                              <a:lumMod val="50000"/>
+                            </a:schemeClr>
+                          </a:solidFill>
+                          <a:effectLst/>
+                          <a:uLnTx/>
+                          <a:uFillTx/>
+                          <a:latin typeface="+mn-lt"/>
+                          <a:ea typeface="+mn-ea"/>
+                          <a:cs typeface="+mn-cs"/>
+                        </a:rPr>
+                        <a:t>를</a:t>
+                      </a:r>
+                      <a:endParaRPr kumimoji="0" lang="en-US" altLang="ko-KR" sz="1100" b="0" i="0" u="none" strike="noStrike" kern="1200" cap="none" spc="0" normalizeH="0" baseline="0" noProof="0" dirty="0" smtClean="0">
+                        <a:ln>
+                          <a:noFill/>
+                        </a:ln>
+                        <a:solidFill>
+                          <a:schemeClr val="bg1">
+                            <a:lumMod val="50000"/>
+                          </a:schemeClr>
+                        </a:solidFill>
+                        <a:effectLst/>
+                        <a:uLnTx/>
+                        <a:uFillTx/>
+                        <a:latin typeface="+mn-lt"/>
+                        <a:ea typeface="+mn-ea"/>
+                        <a:cs typeface="+mn-cs"/>
+                      </a:endParaRPr>
+                    </a:p>
+                    <a:p>
+                      <a:pPr marL="0" marR="0" lvl="0" indent="0" algn="ctr" defTabSz="914400" rtl="0" eaLnBrk="1" fontAlgn="auto" latinLnBrk="1" hangingPunct="1">
+                        <a:lnSpc>
+                          <a:spcPct val="150000"/>
+                        </a:lnSpc>
+                        <a:spcBef>
+                          <a:spcPts val="0"/>
+                        </a:spcBef>
+                        <a:spcAft>
+                          <a:spcPts val="0"/>
+                        </a:spcAft>
+                        <a:buClrTx/>
+                        <a:buSzTx/>
+                        <a:buFontTx/>
+                        <a:buNone/>
+                        <a:tabLst/>
+                        <a:defRPr/>
+                      </a:pPr>
+                      <a:r>
+                        <a:rPr kumimoji="0" lang="ko-KR" altLang="en-US" sz="1100" b="0" i="0" u="none" strike="noStrike" kern="1200" cap="none" spc="0" normalizeH="0" baseline="0" noProof="0" dirty="0" smtClean="0">
+                          <a:ln>
+                            <a:noFill/>
+                          </a:ln>
+                          <a:solidFill>
+                            <a:schemeClr val="bg1">
+                              <a:lumMod val="50000"/>
+                            </a:schemeClr>
+                          </a:solidFill>
+                          <a:effectLst/>
+                          <a:uLnTx/>
+                          <a:uFillTx/>
+                          <a:latin typeface="+mn-lt"/>
+                          <a:ea typeface="+mn-ea"/>
+                          <a:cs typeface="+mn-cs"/>
+                        </a:rPr>
+                        <a:t>한 눈에 파악하기에 용이할 것으로 보입니다</a:t>
+                      </a:r>
+                      <a:r>
+                        <a:rPr kumimoji="0" lang="en-US" altLang="ko-KR" sz="1100" b="0" i="0" u="none" strike="noStrike" kern="1200" cap="none" spc="0" normalizeH="0" baseline="0" noProof="0" dirty="0" smtClean="0">
+                          <a:ln>
+                            <a:noFill/>
+                          </a:ln>
+                          <a:solidFill>
+                            <a:schemeClr val="bg1">
+                              <a:lumMod val="50000"/>
+                            </a:schemeClr>
+                          </a:solidFill>
+                          <a:effectLst/>
+                          <a:uLnTx/>
+                          <a:uFillTx/>
+                          <a:latin typeface="+mn-lt"/>
+                          <a:ea typeface="+mn-ea"/>
+                          <a:cs typeface="+mn-cs"/>
+                        </a:rPr>
+                        <a:t>.</a:t>
+                      </a:r>
                     </a:p>
                   </a:txBody>
                   <a:tcPr anchor="ctr">
@@ -6112,7 +7010,7 @@
                         <a:defRPr/>
                       </a:pPr>
                       <a:r>
-                        <a:rPr kumimoji="0" lang="ko-KR" altLang="en-US" sz="1100" b="0" i="0" u="none" strike="noStrike" kern="1200" cap="none" spc="0" normalizeH="0" baseline="0" noProof="0" dirty="0" err="1" smtClean="0">
+                        <a:rPr kumimoji="0" lang="ko-KR" altLang="en-US" sz="1100" b="0" i="0" u="none" strike="noStrike" kern="1200" cap="none" spc="0" normalizeH="0" baseline="0" noProof="0" dirty="0" smtClean="0">
                           <a:ln>
                             <a:noFill/>
                           </a:ln>
@@ -6128,7 +7026,26 @@
                           <a:ea typeface="+mn-ea"/>
                           <a:cs typeface="+mn-cs"/>
                         </a:rPr>
-                        <a:t>컨텐츠에</a:t>
+                        <a:t>수정 </a:t>
+                      </a:r>
+                      <a:r>
+                        <a:rPr kumimoji="0" lang="en-US" altLang="ko-KR" sz="1100" b="0" i="0" u="none" strike="noStrike" kern="1200" cap="none" spc="0" normalizeH="0" baseline="0" noProof="0" dirty="0" smtClean="0">
+                          <a:ln>
+                            <a:noFill/>
+                          </a:ln>
+                          <a:solidFill>
+                            <a:schemeClr val="bg1">
+                              <a:lumMod val="50000"/>
+                            </a:schemeClr>
+                          </a:solidFill>
+                          <a:effectLst/>
+                          <a:uLnTx/>
+                          <a:uFillTx/>
+                          <a:latin typeface="+mn-lt"/>
+                          <a:ea typeface="+mn-ea"/>
+                          <a:cs typeface="+mn-cs"/>
+                        </a:rPr>
+                        <a:t>/ </a:t>
                       </a:r>
                       <a:r>
                         <a:rPr kumimoji="0" lang="ko-KR" altLang="en-US" sz="1100" b="0" i="0" u="none" strike="noStrike" kern="1200" cap="none" spc="0" normalizeH="0" baseline="0" noProof="0" dirty="0" smtClean="0">
@@ -6147,7 +7064,64 @@
                           <a:ea typeface="+mn-ea"/>
                           <a:cs typeface="+mn-cs"/>
                         </a:rPr>
-                        <a:t> 대한 내용을 적어요</a:t>
+                        <a:t>삭제 </a:t>
+                      </a:r>
+                      <a:r>
+                        <a:rPr kumimoji="0" lang="en-US" altLang="ko-KR" sz="1100" b="0" i="0" u="none" strike="noStrike" kern="1200" cap="none" spc="0" normalizeH="0" baseline="0" noProof="0" dirty="0" smtClean="0">
+                          <a:ln>
+                            <a:noFill/>
+                          </a:ln>
+                          <a:solidFill>
+                            <a:schemeClr val="bg1">
+                              <a:lumMod val="50000"/>
+                            </a:schemeClr>
+                          </a:solidFill>
+                          <a:effectLst/>
+                          <a:uLnTx/>
+                          <a:uFillTx/>
+                          <a:latin typeface="+mn-lt"/>
+                          <a:ea typeface="+mn-ea"/>
+                          <a:cs typeface="+mn-cs"/>
+                        </a:rPr>
+                        <a:t>Form</a:t>
+                      </a:r>
+                      <a:r>
+                        <a:rPr kumimoji="0" lang="ko-KR" altLang="en-US" sz="1100" b="0" i="0" u="none" strike="noStrike" kern="1200" cap="none" spc="0" normalizeH="0" baseline="0" noProof="0" dirty="0" smtClean="0">
+                          <a:ln>
+                            <a:noFill/>
+                          </a:ln>
+                          <a:solidFill>
+                            <a:schemeClr val="bg1">
+                              <a:lumMod val="50000"/>
+                            </a:schemeClr>
+                          </a:solidFill>
+                          <a:effectLst/>
+                          <a:uLnTx/>
+                          <a:uFillTx/>
+                          <a:latin typeface="+mn-lt"/>
+                          <a:ea typeface="+mn-ea"/>
+                          <a:cs typeface="+mn-cs"/>
+                        </a:rPr>
+                        <a:t>을 사용하는데 </a:t>
+                      </a:r>
+                      <a:r>
+                        <a:rPr kumimoji="0" lang="ko-KR" altLang="en-US" sz="1100" b="0" i="0" u="none" strike="noStrike" kern="1200" cap="none" spc="0" normalizeH="0" baseline="0" noProof="0" dirty="0" err="1" smtClean="0">
+                          <a:ln>
+                            <a:noFill/>
+                          </a:ln>
+                          <a:solidFill>
+                            <a:schemeClr val="bg1">
+                              <a:lumMod val="50000"/>
+                            </a:schemeClr>
+                          </a:solidFill>
+                          <a:effectLst/>
+                          <a:uLnTx/>
+                          <a:uFillTx/>
+                          <a:latin typeface="+mn-lt"/>
+                          <a:ea typeface="+mn-ea"/>
+                          <a:cs typeface="+mn-cs"/>
+                        </a:rPr>
+                        <a:t>불친절해</a:t>
                       </a:r>
                       <a:endParaRPr kumimoji="0" lang="en-US" altLang="ko-KR" sz="1100" b="0" i="0" u="none" strike="noStrike" kern="1200" cap="none" spc="0" normalizeH="0" baseline="0" noProof="0" dirty="0" smtClean="0">
                         <a:ln>
@@ -6165,6 +7139,155 @@
                         <a:ea typeface="+mn-ea"/>
                         <a:cs typeface="+mn-cs"/>
                       </a:endParaRPr>
+                    </a:p>
+                    <a:p>
+                      <a:pPr marL="0" marR="0" lvl="0" indent="0" algn="ctr" defTabSz="914400" rtl="0" eaLnBrk="1" fontAlgn="auto" latinLnBrk="1" hangingPunct="1">
+                        <a:lnSpc>
+                          <a:spcPct val="150000"/>
+                        </a:lnSpc>
+                        <a:spcBef>
+                          <a:spcPts val="0"/>
+                        </a:spcBef>
+                        <a:spcAft>
+                          <a:spcPts val="0"/>
+                        </a:spcAft>
+                        <a:buClrTx/>
+                        <a:buSzTx/>
+                        <a:buFontTx/>
+                        <a:buNone/>
+                        <a:tabLst/>
+                        <a:defRPr/>
+                      </a:pPr>
+                      <a:r>
+                        <a:rPr kumimoji="0" lang="ko-KR" altLang="en-US" sz="1100" b="0" i="0" u="none" strike="noStrike" kern="1200" cap="none" spc="0" normalizeH="0" baseline="0" noProof="0" dirty="0" smtClean="0">
+                          <a:ln>
+                            <a:noFill/>
+                          </a:ln>
+                          <a:solidFill>
+                            <a:schemeClr val="bg1">
+                              <a:lumMod val="50000"/>
+                            </a:schemeClr>
+                          </a:solidFill>
+                          <a:effectLst/>
+                          <a:uLnTx/>
+                          <a:uFillTx/>
+                          <a:latin typeface="+mn-lt"/>
+                          <a:ea typeface="+mn-ea"/>
+                          <a:cs typeface="+mn-cs"/>
+                        </a:rPr>
+                        <a:t>보여 이 부분에 대한 </a:t>
+                      </a:r>
+                      <a:r>
+                        <a:rPr kumimoji="0" lang="en-US" altLang="ko-KR" sz="1100" b="0" i="0" u="none" strike="noStrike" kern="1200" cap="none" spc="0" normalizeH="0" baseline="0" noProof="0" dirty="0" smtClean="0">
+                          <a:ln>
+                            <a:noFill/>
+                          </a:ln>
+                          <a:solidFill>
+                            <a:schemeClr val="bg1">
+                              <a:lumMod val="50000"/>
+                            </a:schemeClr>
+                          </a:solidFill>
+                          <a:effectLst/>
+                          <a:uLnTx/>
+                          <a:uFillTx/>
+                          <a:latin typeface="+mn-lt"/>
+                          <a:ea typeface="+mn-ea"/>
+                          <a:cs typeface="+mn-cs"/>
+                        </a:rPr>
+                        <a:t>UI </a:t>
+                      </a:r>
+                      <a:r>
+                        <a:rPr kumimoji="0" lang="ko-KR" altLang="en-US" sz="1100" b="0" i="0" u="none" strike="noStrike" kern="1200" cap="none" spc="0" normalizeH="0" baseline="0" noProof="0" dirty="0" smtClean="0">
+                          <a:ln>
+                            <a:noFill/>
+                          </a:ln>
+                          <a:solidFill>
+                            <a:schemeClr val="bg1">
+                              <a:lumMod val="50000"/>
+                            </a:schemeClr>
+                          </a:solidFill>
+                          <a:effectLst/>
+                          <a:uLnTx/>
+                          <a:uFillTx/>
+                          <a:latin typeface="+mn-lt"/>
+                          <a:ea typeface="+mn-ea"/>
+                          <a:cs typeface="+mn-cs"/>
+                        </a:rPr>
+                        <a:t>디자인 수정이</a:t>
+                      </a:r>
+                      <a:endParaRPr kumimoji="0" lang="en-US" altLang="ko-KR" sz="1100" b="0" i="0" u="none" strike="noStrike" kern="1200" cap="none" spc="0" normalizeH="0" baseline="0" noProof="0" dirty="0" smtClean="0">
+                        <a:ln>
+                          <a:noFill/>
+                        </a:ln>
+                        <a:solidFill>
+                          <a:schemeClr val="bg1">
+                            <a:lumMod val="50000"/>
+                          </a:schemeClr>
+                        </a:solidFill>
+                        <a:effectLst/>
+                        <a:uLnTx/>
+                        <a:uFillTx/>
+                        <a:latin typeface="+mn-lt"/>
+                        <a:ea typeface="+mn-ea"/>
+                        <a:cs typeface="+mn-cs"/>
+                      </a:endParaRPr>
+                    </a:p>
+                    <a:p>
+                      <a:pPr marL="0" marR="0" lvl="0" indent="0" algn="ctr" defTabSz="914400" rtl="0" eaLnBrk="1" fontAlgn="auto" latinLnBrk="1" hangingPunct="1">
+                        <a:lnSpc>
+                          <a:spcPct val="150000"/>
+                        </a:lnSpc>
+                        <a:spcBef>
+                          <a:spcPts val="0"/>
+                        </a:spcBef>
+                        <a:spcAft>
+                          <a:spcPts val="0"/>
+                        </a:spcAft>
+                        <a:buClrTx/>
+                        <a:buSzTx/>
+                        <a:buFontTx/>
+                        <a:buNone/>
+                        <a:tabLst/>
+                        <a:defRPr/>
+                      </a:pPr>
+                      <a:r>
+                        <a:rPr kumimoji="0" lang="ko-KR" altLang="en-US" sz="1100" b="0" i="0" u="none" strike="noStrike" kern="1200" cap="none" spc="0" normalizeH="0" baseline="0" noProof="0" dirty="0" smtClean="0">
+                          <a:ln>
+                            <a:noFill/>
+                          </a:ln>
+                          <a:solidFill>
+                            <a:schemeClr val="bg1">
+                              <a:lumMod val="50000"/>
+                            </a:schemeClr>
+                          </a:solidFill>
+                          <a:effectLst/>
+                          <a:uLnTx/>
+                          <a:uFillTx/>
+                          <a:latin typeface="+mn-lt"/>
+                          <a:ea typeface="+mn-ea"/>
+                          <a:cs typeface="+mn-cs"/>
+                        </a:rPr>
+                        <a:t>필요해 보입니다</a:t>
+                      </a:r>
+                      <a:r>
+                        <a:rPr kumimoji="0" lang="en-US" altLang="ko-KR" sz="1100" b="0" i="0" u="none" strike="noStrike" kern="1200" cap="none" spc="0" normalizeH="0" baseline="0" noProof="0" dirty="0" smtClean="0">
+                          <a:ln>
+                            <a:noFill/>
+                          </a:ln>
+                          <a:solidFill>
+                            <a:schemeClr val="bg1">
+                              <a:lumMod val="50000"/>
+                            </a:schemeClr>
+                          </a:solidFill>
+                          <a:effectLst/>
+                          <a:uLnTx/>
+                          <a:uFillTx/>
+                          <a:latin typeface="+mn-lt"/>
+                          <a:ea typeface="+mn-ea"/>
+                          <a:cs typeface="+mn-cs"/>
+                        </a:rPr>
+                        <a:t>.</a:t>
+                      </a:r>
                     </a:p>
                   </a:txBody>
                   <a:tcPr anchor="ctr">
@@ -6215,11 +7338,88 @@
                     <a:noFill/>
                   </a:tcPr>
                 </a:tc>
+                <a:extLst>
+                  <a:ext uri="{0D108BD9-81ED-4DB2-BD59-A6C34878D82A}">
+                    <a16:rowId xmlns:a16="http://schemas.microsoft.com/office/drawing/2014/main" val="10001"/>
+                  </a:ext>
+                </a:extLst>
               </a:tr>
             </a:tbl>
           </a:graphicData>
         </a:graphic>
       </p:graphicFrame>
+      <p:pic>
+        <p:nvPicPr>
+          <p:cNvPr id="2" name="그림 1"/>
+          <p:cNvPicPr>
+            <a:picLocks noChangeAspect="1"/>
+          </p:cNvPicPr>
+          <p:nvPr/>
+        </p:nvPicPr>
+        <p:blipFill>
+          <a:blip r:embed="rId2"/>
+          <a:stretch>
+            <a:fillRect/>
+          </a:stretch>
+        </p:blipFill>
+        <p:spPr>
+          <a:xfrm>
+            <a:off x="3032521" y="1269936"/>
+            <a:ext cx="6025357" cy="3449939"/>
+          </a:xfrm>
+          <a:prstGeom prst="rect">
+            <a:avLst/>
+          </a:prstGeom>
+        </p:spPr>
+      </p:pic>
+      <p:sp>
+        <p:nvSpPr>
+          <p:cNvPr id="23" name="직사각형 22"/>
+          <p:cNvSpPr/>
+          <p:nvPr/>
+        </p:nvSpPr>
+        <p:spPr>
+          <a:xfrm>
+            <a:off x="342899" y="771525"/>
+            <a:ext cx="1828802" cy="507831"/>
+          </a:xfrm>
+          <a:prstGeom prst="rect">
+            <a:avLst/>
+          </a:prstGeom>
+        </p:spPr>
+        <p:txBody>
+          <a:bodyPr wrap="square">
+            <a:spAutoFit/>
+          </a:bodyPr>
+          <a:lstStyle/>
+          <a:p>
+            <a:pPr algn="ctr">
+              <a:lnSpc>
+                <a:spcPct val="150000"/>
+              </a:lnSpc>
+            </a:pPr>
+            <a:r>
+              <a:rPr lang="ko-KR" altLang="en-US" b="1" i="1" u="sng" dirty="0" smtClean="0">
+                <a:solidFill>
+                  <a:prstClr val="black">
+                    <a:lumMod val="75000"/>
+                    <a:lumOff val="25000"/>
+                  </a:prstClr>
+                </a:solidFill>
+              </a:rPr>
+              <a:t>프로그램 고찰</a:t>
+            </a:r>
+            <a:endParaRPr lang="en-US" altLang="ko-KR" b="1" i="1" u="sng" dirty="0">
+              <a:solidFill>
+                <a:prstClr val="black">
+                  <a:lumMod val="75000"/>
+                  <a:lumOff val="25000"/>
+                </a:prstClr>
+              </a:solidFill>
+            </a:endParaRPr>
+          </a:p>
+        </p:txBody>
+      </p:sp>
     </p:spTree>
     <p:extLst>
       <p:ext uri="{BB962C8B-B14F-4D97-AF65-F5344CB8AC3E}">
@@ -6240,1493 +7440,7 @@
 </p:sld>
 </file>
 
-<file path=ppt/slides/slide11.xml><?xml version="1.0" encoding="utf-8"?>
-<p:sld xmlns:a="http://schemas.openxmlformats.org/drawingml/2006/main" xmlns:r="http://schemas.openxmlformats.org/officeDocument/2006/relationships" xmlns:p="http://schemas.openxmlformats.org/presentationml/2006/main">
-  <p:cSld>
-    <p:bg>
-      <p:bgPr>
-        <a:solidFill>
-          <a:srgbClr val="576580"/>
-        </a:solidFill>
-        <a:effectLst/>
-      </p:bgPr>
-    </p:bg>
-    <p:spTree>
-      <p:nvGrpSpPr>
-        <p:cNvPr id="1" name=""/>
-        <p:cNvGrpSpPr/>
-        <p:nvPr/>
-      </p:nvGrpSpPr>
-      <p:grpSpPr>
-        <a:xfrm>
-          <a:off x="0" y="0"/>
-          <a:ext cx="0" cy="0"/>
-          <a:chOff x="0" y="0"/>
-          <a:chExt cx="0" cy="0"/>
-        </a:xfrm>
-      </p:grpSpPr>
-      <p:sp>
-        <p:nvSpPr>
-          <p:cNvPr id="5" name="직사각형 4"/>
-          <p:cNvSpPr/>
-          <p:nvPr/>
-        </p:nvSpPr>
-        <p:spPr>
-          <a:xfrm>
-            <a:off x="342900" y="771525"/>
-            <a:ext cx="11506200" cy="5867400"/>
-          </a:xfrm>
-          <a:prstGeom prst="rect">
-            <a:avLst/>
-          </a:prstGeom>
-          <a:solidFill>
-            <a:schemeClr val="bg1"/>
-          </a:solidFill>
-          <a:ln>
-            <a:noFill/>
-          </a:ln>
-          <a:effectLst>
-            <a:outerShdw dist="88900" dir="16200000" rotWithShape="0">
-              <a:srgbClr val="27AECB"/>
-            </a:outerShdw>
-          </a:effectLst>
-        </p:spPr>
-        <p:style>
-          <a:lnRef idx="2">
-            <a:schemeClr val="accent1">
-              <a:shade val="50000"/>
-            </a:schemeClr>
-          </a:lnRef>
-          <a:fillRef idx="1">
-            <a:schemeClr val="accent1"/>
-          </a:fillRef>
-          <a:effectRef idx="0">
-            <a:schemeClr val="accent1"/>
-          </a:effectRef>
-          <a:fontRef idx="minor">
-            <a:schemeClr val="lt1"/>
-          </a:fontRef>
-        </p:style>
-        <p:txBody>
-          <a:bodyPr rtlCol="0" anchor="ctr"/>
-          <a:lstStyle/>
-          <a:p>
-            <a:pPr algn="ctr"/>
-            <a:endParaRPr lang="ko-KR" altLang="en-US">
-              <a:solidFill>
-                <a:prstClr val="white"/>
-              </a:solidFill>
-            </a:endParaRPr>
-          </a:p>
-        </p:txBody>
-      </p:sp>
-      <p:sp>
-        <p:nvSpPr>
-          <p:cNvPr id="6" name="직사각형 5"/>
-          <p:cNvSpPr/>
-          <p:nvPr/>
-        </p:nvSpPr>
-        <p:spPr>
-          <a:xfrm>
-            <a:off x="342900" y="95250"/>
-            <a:ext cx="7534275" cy="461665"/>
-          </a:xfrm>
-          <a:prstGeom prst="rect">
-            <a:avLst/>
-          </a:prstGeom>
-        </p:spPr>
-        <p:txBody>
-          <a:bodyPr wrap="square">
-            <a:spAutoFit/>
-          </a:bodyPr>
-          <a:lstStyle/>
-          <a:p>
-            <a:pPr latinLnBrk="0">
-              <a:defRPr/>
-            </a:pPr>
-            <a:r>
-              <a:rPr lang="ko-KR" altLang="en-US" sz="2400" b="1" i="1" kern="0" dirty="0" smtClean="0">
-                <a:solidFill>
-                  <a:prstClr val="white"/>
-                </a:solidFill>
-              </a:rPr>
-              <a:t>주소록 관리 프로그램 </a:t>
-            </a:r>
-            <a:r>
-              <a:rPr lang="ko-KR" altLang="en-US" sz="800" kern="0" dirty="0" smtClean="0">
-                <a:solidFill>
-                  <a:prstClr val="white">
-                    <a:lumMod val="65000"/>
-                  </a:prstClr>
-                </a:solidFill>
-              </a:rPr>
-              <a:t>당신의 주소록을 관리해드립니다</a:t>
-            </a:r>
-            <a:r>
-              <a:rPr lang="en-US" altLang="ko-KR" sz="800" kern="0" dirty="0" smtClean="0">
-                <a:solidFill>
-                  <a:prstClr val="white">
-                    <a:lumMod val="65000"/>
-                  </a:prstClr>
-                </a:solidFill>
-              </a:rPr>
-              <a:t>.</a:t>
-            </a:r>
-            <a:endParaRPr lang="ko-KR" altLang="en-US" sz="4400" kern="0" dirty="0">
-              <a:solidFill>
-                <a:prstClr val="white">
-                  <a:lumMod val="65000"/>
-                </a:prstClr>
-              </a:solidFill>
-            </a:endParaRPr>
-          </a:p>
-        </p:txBody>
-      </p:sp>
-      <p:sp>
-        <p:nvSpPr>
-          <p:cNvPr id="23" name="자유형: 도형 5">
-            <a:extLst>
-              <a:ext uri="{FF2B5EF4-FFF2-40B4-BE49-F238E27FC236}">
-                <a16:creationId xmlns="" xmlns:a16="http://schemas.microsoft.com/office/drawing/2014/main" id="{6F5E1E4D-D295-4118-BFB8-E8492728E9E0}"/>
-              </a:ext>
-            </a:extLst>
-          </p:cNvPr>
-          <p:cNvSpPr/>
-          <p:nvPr/>
-        </p:nvSpPr>
-        <p:spPr>
-          <a:xfrm rot="5400000">
-            <a:off x="5254822" y="1718947"/>
-            <a:ext cx="1856063" cy="1842917"/>
-          </a:xfrm>
-          <a:custGeom>
-            <a:avLst/>
-            <a:gdLst>
-              <a:gd name="connsiteX0" fmla="*/ 1089061 w 2178122"/>
-              <a:gd name="connsiteY0" fmla="*/ 0 h 2162695"/>
-              <a:gd name="connsiteX1" fmla="*/ 2178122 w 2178122"/>
-              <a:gd name="connsiteY1" fmla="*/ 1089061 h 2162695"/>
-              <a:gd name="connsiteX2" fmla="*/ 2177343 w 2178122"/>
-              <a:gd name="connsiteY2" fmla="*/ 1104488 h 2162695"/>
-              <a:gd name="connsiteX3" fmla="*/ 2113098 w 2178122"/>
-              <a:gd name="connsiteY3" fmla="*/ 1094683 h 2162695"/>
-              <a:gd name="connsiteX4" fmla="*/ 2001748 w 2178122"/>
-              <a:gd name="connsiteY4" fmla="*/ 1089060 h 2162695"/>
-              <a:gd name="connsiteX5" fmla="*/ 918310 w 2178122"/>
-              <a:gd name="connsiteY5" fmla="*/ 2066771 h 2162695"/>
-              <a:gd name="connsiteX6" fmla="*/ 913466 w 2178122"/>
-              <a:gd name="connsiteY6" fmla="*/ 2162695 h 2162695"/>
-              <a:gd name="connsiteX7" fmla="*/ 869577 w 2178122"/>
-              <a:gd name="connsiteY7" fmla="*/ 2155996 h 2162695"/>
-              <a:gd name="connsiteX8" fmla="*/ 0 w 2178122"/>
-              <a:gd name="connsiteY8" fmla="*/ 1089061 h 2162695"/>
-              <a:gd name="connsiteX9" fmla="*/ 1089061 w 2178122"/>
-              <a:gd name="connsiteY9" fmla="*/ 0 h 2162695"/>
-            </a:gdLst>
-            <a:ahLst/>
-            <a:cxnLst>
-              <a:cxn ang="0">
-                <a:pos x="connsiteX0" y="connsiteY0"/>
-              </a:cxn>
-              <a:cxn ang="0">
-                <a:pos x="connsiteX1" y="connsiteY1"/>
-              </a:cxn>
-              <a:cxn ang="0">
-                <a:pos x="connsiteX2" y="connsiteY2"/>
-              </a:cxn>
-              <a:cxn ang="0">
-                <a:pos x="connsiteX3" y="connsiteY3"/>
-              </a:cxn>
-              <a:cxn ang="0">
-                <a:pos x="connsiteX4" y="connsiteY4"/>
-              </a:cxn>
-              <a:cxn ang="0">
-                <a:pos x="connsiteX5" y="connsiteY5"/>
-              </a:cxn>
-              <a:cxn ang="0">
-                <a:pos x="connsiteX6" y="connsiteY6"/>
-              </a:cxn>
-              <a:cxn ang="0">
-                <a:pos x="connsiteX7" y="connsiteY7"/>
-              </a:cxn>
-              <a:cxn ang="0">
-                <a:pos x="connsiteX8" y="connsiteY8"/>
-              </a:cxn>
-              <a:cxn ang="0">
-                <a:pos x="connsiteX9" y="connsiteY9"/>
-              </a:cxn>
-            </a:cxnLst>
-            <a:rect l="l" t="t" r="r" b="b"/>
-            <a:pathLst>
-              <a:path w="2178122" h="2162695">
-                <a:moveTo>
-                  <a:pt x="1089061" y="0"/>
-                </a:moveTo>
-                <a:cubicBezTo>
-                  <a:pt x="1690533" y="0"/>
-                  <a:pt x="2178122" y="487589"/>
-                  <a:pt x="2178122" y="1089061"/>
-                </a:cubicBezTo>
-                <a:lnTo>
-                  <a:pt x="2177343" y="1104488"/>
-                </a:lnTo>
-                <a:lnTo>
-                  <a:pt x="2113098" y="1094683"/>
-                </a:lnTo>
-                <a:cubicBezTo>
-                  <a:pt x="2076487" y="1090965"/>
-                  <a:pt x="2039340" y="1089060"/>
-                  <a:pt x="2001748" y="1089060"/>
-                </a:cubicBezTo>
-                <a:cubicBezTo>
-                  <a:pt x="1437868" y="1089060"/>
-                  <a:pt x="974081" y="1517605"/>
-                  <a:pt x="918310" y="2066771"/>
-                </a:cubicBezTo>
-                <a:lnTo>
-                  <a:pt x="913466" y="2162695"/>
-                </a:lnTo>
-                <a:lnTo>
-                  <a:pt x="869577" y="2155996"/>
-                </a:lnTo>
-                <a:cubicBezTo>
-                  <a:pt x="373311" y="2054445"/>
-                  <a:pt x="0" y="1615349"/>
-                  <a:pt x="0" y="1089061"/>
-                </a:cubicBezTo>
-                <a:cubicBezTo>
-                  <a:pt x="0" y="487589"/>
-                  <a:pt x="487589" y="0"/>
-                  <a:pt x="1089061" y="0"/>
-                </a:cubicBezTo>
-                <a:close/>
-              </a:path>
-            </a:pathLst>
-          </a:custGeom>
-          <a:noFill/>
-          <a:ln w="15875">
-            <a:solidFill>
-              <a:srgbClr val="27AECB"/>
-            </a:solidFill>
-          </a:ln>
-          <a:effectLst/>
-        </p:spPr>
-        <p:style>
-          <a:lnRef idx="2">
-            <a:schemeClr val="accent1">
-              <a:shade val="50000"/>
-            </a:schemeClr>
-          </a:lnRef>
-          <a:fillRef idx="1">
-            <a:schemeClr val="accent1"/>
-          </a:fillRef>
-          <a:effectRef idx="0">
-            <a:schemeClr val="accent1"/>
-          </a:effectRef>
-          <a:fontRef idx="minor">
-            <a:schemeClr val="lt1"/>
-          </a:fontRef>
-        </p:style>
-        <p:txBody>
-          <a:bodyPr rtlCol="0" anchor="ctr"/>
-          <a:lstStyle/>
-          <a:p>
-            <a:pPr algn="ctr"/>
-            <a:endParaRPr lang="ko-KR" altLang="en-US">
-              <a:solidFill>
-                <a:prstClr val="white"/>
-              </a:solidFill>
-            </a:endParaRPr>
-          </a:p>
-        </p:txBody>
-      </p:sp>
-      <p:sp>
-        <p:nvSpPr>
-          <p:cNvPr id="25" name="자유형: 도형 7">
-            <a:extLst>
-              <a:ext uri="{FF2B5EF4-FFF2-40B4-BE49-F238E27FC236}">
-                <a16:creationId xmlns="" xmlns:a16="http://schemas.microsoft.com/office/drawing/2014/main" id="{51ECDE33-A028-4647-BA7A-215C969F776E}"/>
-              </a:ext>
-            </a:extLst>
-          </p:cNvPr>
-          <p:cNvSpPr/>
-          <p:nvPr/>
-        </p:nvSpPr>
-        <p:spPr>
-          <a:xfrm>
-            <a:off x="4125424" y="2676128"/>
-            <a:ext cx="1856063" cy="1842917"/>
-          </a:xfrm>
-          <a:custGeom>
-            <a:avLst/>
-            <a:gdLst>
-              <a:gd name="connsiteX0" fmla="*/ 1089061 w 2178122"/>
-              <a:gd name="connsiteY0" fmla="*/ 0 h 2162695"/>
-              <a:gd name="connsiteX1" fmla="*/ 2178122 w 2178122"/>
-              <a:gd name="connsiteY1" fmla="*/ 1089061 h 2162695"/>
-              <a:gd name="connsiteX2" fmla="*/ 2177343 w 2178122"/>
-              <a:gd name="connsiteY2" fmla="*/ 1104488 h 2162695"/>
-              <a:gd name="connsiteX3" fmla="*/ 2113098 w 2178122"/>
-              <a:gd name="connsiteY3" fmla="*/ 1094683 h 2162695"/>
-              <a:gd name="connsiteX4" fmla="*/ 2001748 w 2178122"/>
-              <a:gd name="connsiteY4" fmla="*/ 1089060 h 2162695"/>
-              <a:gd name="connsiteX5" fmla="*/ 918310 w 2178122"/>
-              <a:gd name="connsiteY5" fmla="*/ 2066771 h 2162695"/>
-              <a:gd name="connsiteX6" fmla="*/ 913466 w 2178122"/>
-              <a:gd name="connsiteY6" fmla="*/ 2162695 h 2162695"/>
-              <a:gd name="connsiteX7" fmla="*/ 869577 w 2178122"/>
-              <a:gd name="connsiteY7" fmla="*/ 2155996 h 2162695"/>
-              <a:gd name="connsiteX8" fmla="*/ 0 w 2178122"/>
-              <a:gd name="connsiteY8" fmla="*/ 1089061 h 2162695"/>
-              <a:gd name="connsiteX9" fmla="*/ 1089061 w 2178122"/>
-              <a:gd name="connsiteY9" fmla="*/ 0 h 2162695"/>
-            </a:gdLst>
-            <a:ahLst/>
-            <a:cxnLst>
-              <a:cxn ang="0">
-                <a:pos x="connsiteX0" y="connsiteY0"/>
-              </a:cxn>
-              <a:cxn ang="0">
-                <a:pos x="connsiteX1" y="connsiteY1"/>
-              </a:cxn>
-              <a:cxn ang="0">
-                <a:pos x="connsiteX2" y="connsiteY2"/>
-              </a:cxn>
-              <a:cxn ang="0">
-                <a:pos x="connsiteX3" y="connsiteY3"/>
-              </a:cxn>
-              <a:cxn ang="0">
-                <a:pos x="connsiteX4" y="connsiteY4"/>
-              </a:cxn>
-              <a:cxn ang="0">
-                <a:pos x="connsiteX5" y="connsiteY5"/>
-              </a:cxn>
-              <a:cxn ang="0">
-                <a:pos x="connsiteX6" y="connsiteY6"/>
-              </a:cxn>
-              <a:cxn ang="0">
-                <a:pos x="connsiteX7" y="connsiteY7"/>
-              </a:cxn>
-              <a:cxn ang="0">
-                <a:pos x="connsiteX8" y="connsiteY8"/>
-              </a:cxn>
-              <a:cxn ang="0">
-                <a:pos x="connsiteX9" y="connsiteY9"/>
-              </a:cxn>
-            </a:cxnLst>
-            <a:rect l="l" t="t" r="r" b="b"/>
-            <a:pathLst>
-              <a:path w="2178122" h="2162695">
-                <a:moveTo>
-                  <a:pt x="1089061" y="0"/>
-                </a:moveTo>
-                <a:cubicBezTo>
-                  <a:pt x="1690533" y="0"/>
-                  <a:pt x="2178122" y="487589"/>
-                  <a:pt x="2178122" y="1089061"/>
-                </a:cubicBezTo>
-                <a:lnTo>
-                  <a:pt x="2177343" y="1104488"/>
-                </a:lnTo>
-                <a:lnTo>
-                  <a:pt x="2113098" y="1094683"/>
-                </a:lnTo>
-                <a:cubicBezTo>
-                  <a:pt x="2076487" y="1090965"/>
-                  <a:pt x="2039340" y="1089060"/>
-                  <a:pt x="2001748" y="1089060"/>
-                </a:cubicBezTo>
-                <a:cubicBezTo>
-                  <a:pt x="1437868" y="1089060"/>
-                  <a:pt x="974081" y="1517605"/>
-                  <a:pt x="918310" y="2066771"/>
-                </a:cubicBezTo>
-                <a:lnTo>
-                  <a:pt x="913466" y="2162695"/>
-                </a:lnTo>
-                <a:lnTo>
-                  <a:pt x="869577" y="2155996"/>
-                </a:lnTo>
-                <a:cubicBezTo>
-                  <a:pt x="373311" y="2054445"/>
-                  <a:pt x="0" y="1615349"/>
-                  <a:pt x="0" y="1089061"/>
-                </a:cubicBezTo>
-                <a:cubicBezTo>
-                  <a:pt x="0" y="487589"/>
-                  <a:pt x="487589" y="0"/>
-                  <a:pt x="1089061" y="0"/>
-                </a:cubicBezTo>
-                <a:close/>
-              </a:path>
-            </a:pathLst>
-          </a:custGeom>
-          <a:solidFill>
-            <a:srgbClr val="27AECB"/>
-          </a:solidFill>
-          <a:ln w="19050">
-            <a:solidFill>
-              <a:srgbClr val="27AECB"/>
-            </a:solidFill>
-          </a:ln>
-          <a:effectLst/>
-        </p:spPr>
-        <p:style>
-          <a:lnRef idx="2">
-            <a:schemeClr val="accent1">
-              <a:shade val="50000"/>
-            </a:schemeClr>
-          </a:lnRef>
-          <a:fillRef idx="1">
-            <a:schemeClr val="accent1"/>
-          </a:fillRef>
-          <a:effectRef idx="0">
-            <a:schemeClr val="accent1"/>
-          </a:effectRef>
-          <a:fontRef idx="minor">
-            <a:schemeClr val="lt1"/>
-          </a:fontRef>
-        </p:style>
-        <p:txBody>
-          <a:bodyPr rtlCol="0" anchor="ctr"/>
-          <a:lstStyle/>
-          <a:p>
-            <a:pPr algn="ctr"/>
-            <a:endParaRPr lang="ko-KR" altLang="en-US">
-              <a:solidFill>
-                <a:prstClr val="white"/>
-              </a:solidFill>
-            </a:endParaRPr>
-          </a:p>
-        </p:txBody>
-      </p:sp>
-      <p:sp>
-        <p:nvSpPr>
-          <p:cNvPr id="29" name="자유형: 도형 8">
-            <a:extLst>
-              <a:ext uri="{FF2B5EF4-FFF2-40B4-BE49-F238E27FC236}">
-                <a16:creationId xmlns="" xmlns:a16="http://schemas.microsoft.com/office/drawing/2014/main" id="{5A835530-96D1-40B4-923E-E6E4ECDE3CD8}"/>
-              </a:ext>
-            </a:extLst>
-          </p:cNvPr>
-          <p:cNvSpPr/>
-          <p:nvPr/>
-        </p:nvSpPr>
-        <p:spPr>
-          <a:xfrm rot="16200000">
-            <a:off x="5053456" y="3812820"/>
-            <a:ext cx="1856063" cy="1842917"/>
-          </a:xfrm>
-          <a:custGeom>
-            <a:avLst/>
-            <a:gdLst>
-              <a:gd name="connsiteX0" fmla="*/ 1089061 w 2178122"/>
-              <a:gd name="connsiteY0" fmla="*/ 0 h 2162695"/>
-              <a:gd name="connsiteX1" fmla="*/ 2178122 w 2178122"/>
-              <a:gd name="connsiteY1" fmla="*/ 1089061 h 2162695"/>
-              <a:gd name="connsiteX2" fmla="*/ 2177343 w 2178122"/>
-              <a:gd name="connsiteY2" fmla="*/ 1104488 h 2162695"/>
-              <a:gd name="connsiteX3" fmla="*/ 2113098 w 2178122"/>
-              <a:gd name="connsiteY3" fmla="*/ 1094683 h 2162695"/>
-              <a:gd name="connsiteX4" fmla="*/ 2001748 w 2178122"/>
-              <a:gd name="connsiteY4" fmla="*/ 1089060 h 2162695"/>
-              <a:gd name="connsiteX5" fmla="*/ 918310 w 2178122"/>
-              <a:gd name="connsiteY5" fmla="*/ 2066771 h 2162695"/>
-              <a:gd name="connsiteX6" fmla="*/ 913466 w 2178122"/>
-              <a:gd name="connsiteY6" fmla="*/ 2162695 h 2162695"/>
-              <a:gd name="connsiteX7" fmla="*/ 869577 w 2178122"/>
-              <a:gd name="connsiteY7" fmla="*/ 2155996 h 2162695"/>
-              <a:gd name="connsiteX8" fmla="*/ 0 w 2178122"/>
-              <a:gd name="connsiteY8" fmla="*/ 1089061 h 2162695"/>
-              <a:gd name="connsiteX9" fmla="*/ 1089061 w 2178122"/>
-              <a:gd name="connsiteY9" fmla="*/ 0 h 2162695"/>
-            </a:gdLst>
-            <a:ahLst/>
-            <a:cxnLst>
-              <a:cxn ang="0">
-                <a:pos x="connsiteX0" y="connsiteY0"/>
-              </a:cxn>
-              <a:cxn ang="0">
-                <a:pos x="connsiteX1" y="connsiteY1"/>
-              </a:cxn>
-              <a:cxn ang="0">
-                <a:pos x="connsiteX2" y="connsiteY2"/>
-              </a:cxn>
-              <a:cxn ang="0">
-                <a:pos x="connsiteX3" y="connsiteY3"/>
-              </a:cxn>
-              <a:cxn ang="0">
-                <a:pos x="connsiteX4" y="connsiteY4"/>
-              </a:cxn>
-              <a:cxn ang="0">
-                <a:pos x="connsiteX5" y="connsiteY5"/>
-              </a:cxn>
-              <a:cxn ang="0">
-                <a:pos x="connsiteX6" y="connsiteY6"/>
-              </a:cxn>
-              <a:cxn ang="0">
-                <a:pos x="connsiteX7" y="connsiteY7"/>
-              </a:cxn>
-              <a:cxn ang="0">
-                <a:pos x="connsiteX8" y="connsiteY8"/>
-              </a:cxn>
-              <a:cxn ang="0">
-                <a:pos x="connsiteX9" y="connsiteY9"/>
-              </a:cxn>
-            </a:cxnLst>
-            <a:rect l="l" t="t" r="r" b="b"/>
-            <a:pathLst>
-              <a:path w="2178122" h="2162695">
-                <a:moveTo>
-                  <a:pt x="1089061" y="0"/>
-                </a:moveTo>
-                <a:cubicBezTo>
-                  <a:pt x="1690533" y="0"/>
-                  <a:pt x="2178122" y="487589"/>
-                  <a:pt x="2178122" y="1089061"/>
-                </a:cubicBezTo>
-                <a:lnTo>
-                  <a:pt x="2177343" y="1104488"/>
-                </a:lnTo>
-                <a:lnTo>
-                  <a:pt x="2113098" y="1094683"/>
-                </a:lnTo>
-                <a:cubicBezTo>
-                  <a:pt x="2076487" y="1090965"/>
-                  <a:pt x="2039340" y="1089060"/>
-                  <a:pt x="2001748" y="1089060"/>
-                </a:cubicBezTo>
-                <a:cubicBezTo>
-                  <a:pt x="1437868" y="1089060"/>
-                  <a:pt x="974081" y="1517605"/>
-                  <a:pt x="918310" y="2066771"/>
-                </a:cubicBezTo>
-                <a:lnTo>
-                  <a:pt x="913466" y="2162695"/>
-                </a:lnTo>
-                <a:lnTo>
-                  <a:pt x="869577" y="2155996"/>
-                </a:lnTo>
-                <a:cubicBezTo>
-                  <a:pt x="373311" y="2054445"/>
-                  <a:pt x="0" y="1615349"/>
-                  <a:pt x="0" y="1089061"/>
-                </a:cubicBezTo>
-                <a:cubicBezTo>
-                  <a:pt x="0" y="487589"/>
-                  <a:pt x="487589" y="0"/>
-                  <a:pt x="1089061" y="0"/>
-                </a:cubicBezTo>
-                <a:close/>
-              </a:path>
-            </a:pathLst>
-          </a:custGeom>
-          <a:solidFill>
-            <a:srgbClr val="27AECB"/>
-          </a:solidFill>
-          <a:ln w="19050">
-            <a:solidFill>
-              <a:srgbClr val="27AECB"/>
-            </a:solidFill>
-          </a:ln>
-          <a:effectLst/>
-        </p:spPr>
-        <p:style>
-          <a:lnRef idx="2">
-            <a:schemeClr val="accent1">
-              <a:shade val="50000"/>
-            </a:schemeClr>
-          </a:lnRef>
-          <a:fillRef idx="1">
-            <a:schemeClr val="accent1"/>
-          </a:fillRef>
-          <a:effectRef idx="0">
-            <a:schemeClr val="accent1"/>
-          </a:effectRef>
-          <a:fontRef idx="minor">
-            <a:schemeClr val="lt1"/>
-          </a:fontRef>
-        </p:style>
-        <p:txBody>
-          <a:bodyPr rtlCol="0" anchor="ctr"/>
-          <a:lstStyle/>
-          <a:p>
-            <a:pPr algn="ctr"/>
-            <a:endParaRPr lang="ko-KR" altLang="en-US">
-              <a:solidFill>
-                <a:prstClr val="white"/>
-              </a:solidFill>
-            </a:endParaRPr>
-          </a:p>
-        </p:txBody>
-      </p:sp>
-      <p:sp>
-        <p:nvSpPr>
-          <p:cNvPr id="35" name="자유형: 도형 9">
-            <a:extLst>
-              <a:ext uri="{FF2B5EF4-FFF2-40B4-BE49-F238E27FC236}">
-                <a16:creationId xmlns="" xmlns:a16="http://schemas.microsoft.com/office/drawing/2014/main" id="{7C27CBAB-63B6-49BD-8C80-5424D04690A8}"/>
-              </a:ext>
-            </a:extLst>
-          </p:cNvPr>
-          <p:cNvSpPr/>
-          <p:nvPr/>
-        </p:nvSpPr>
-        <p:spPr>
-          <a:xfrm rot="10800000">
-            <a:off x="6195999" y="2884788"/>
-            <a:ext cx="1856063" cy="1842917"/>
-          </a:xfrm>
-          <a:custGeom>
-            <a:avLst/>
-            <a:gdLst>
-              <a:gd name="connsiteX0" fmla="*/ 1089061 w 2178122"/>
-              <a:gd name="connsiteY0" fmla="*/ 0 h 2162695"/>
-              <a:gd name="connsiteX1" fmla="*/ 2178122 w 2178122"/>
-              <a:gd name="connsiteY1" fmla="*/ 1089061 h 2162695"/>
-              <a:gd name="connsiteX2" fmla="*/ 2177343 w 2178122"/>
-              <a:gd name="connsiteY2" fmla="*/ 1104488 h 2162695"/>
-              <a:gd name="connsiteX3" fmla="*/ 2113098 w 2178122"/>
-              <a:gd name="connsiteY3" fmla="*/ 1094683 h 2162695"/>
-              <a:gd name="connsiteX4" fmla="*/ 2001748 w 2178122"/>
-              <a:gd name="connsiteY4" fmla="*/ 1089060 h 2162695"/>
-              <a:gd name="connsiteX5" fmla="*/ 918310 w 2178122"/>
-              <a:gd name="connsiteY5" fmla="*/ 2066771 h 2162695"/>
-              <a:gd name="connsiteX6" fmla="*/ 913466 w 2178122"/>
-              <a:gd name="connsiteY6" fmla="*/ 2162695 h 2162695"/>
-              <a:gd name="connsiteX7" fmla="*/ 869577 w 2178122"/>
-              <a:gd name="connsiteY7" fmla="*/ 2155996 h 2162695"/>
-              <a:gd name="connsiteX8" fmla="*/ 0 w 2178122"/>
-              <a:gd name="connsiteY8" fmla="*/ 1089061 h 2162695"/>
-              <a:gd name="connsiteX9" fmla="*/ 1089061 w 2178122"/>
-              <a:gd name="connsiteY9" fmla="*/ 0 h 2162695"/>
-            </a:gdLst>
-            <a:ahLst/>
-            <a:cxnLst>
-              <a:cxn ang="0">
-                <a:pos x="connsiteX0" y="connsiteY0"/>
-              </a:cxn>
-              <a:cxn ang="0">
-                <a:pos x="connsiteX1" y="connsiteY1"/>
-              </a:cxn>
-              <a:cxn ang="0">
-                <a:pos x="connsiteX2" y="connsiteY2"/>
-              </a:cxn>
-              <a:cxn ang="0">
-                <a:pos x="connsiteX3" y="connsiteY3"/>
-              </a:cxn>
-              <a:cxn ang="0">
-                <a:pos x="connsiteX4" y="connsiteY4"/>
-              </a:cxn>
-              <a:cxn ang="0">
-                <a:pos x="connsiteX5" y="connsiteY5"/>
-              </a:cxn>
-              <a:cxn ang="0">
-                <a:pos x="connsiteX6" y="connsiteY6"/>
-              </a:cxn>
-              <a:cxn ang="0">
-                <a:pos x="connsiteX7" y="connsiteY7"/>
-              </a:cxn>
-              <a:cxn ang="0">
-                <a:pos x="connsiteX8" y="connsiteY8"/>
-              </a:cxn>
-              <a:cxn ang="0">
-                <a:pos x="connsiteX9" y="connsiteY9"/>
-              </a:cxn>
-            </a:cxnLst>
-            <a:rect l="l" t="t" r="r" b="b"/>
-            <a:pathLst>
-              <a:path w="2178122" h="2162695">
-                <a:moveTo>
-                  <a:pt x="1089061" y="0"/>
-                </a:moveTo>
-                <a:cubicBezTo>
-                  <a:pt x="1690533" y="0"/>
-                  <a:pt x="2178122" y="487589"/>
-                  <a:pt x="2178122" y="1089061"/>
-                </a:cubicBezTo>
-                <a:lnTo>
-                  <a:pt x="2177343" y="1104488"/>
-                </a:lnTo>
-                <a:lnTo>
-                  <a:pt x="2113098" y="1094683"/>
-                </a:lnTo>
-                <a:cubicBezTo>
-                  <a:pt x="2076487" y="1090965"/>
-                  <a:pt x="2039340" y="1089060"/>
-                  <a:pt x="2001748" y="1089060"/>
-                </a:cubicBezTo>
-                <a:cubicBezTo>
-                  <a:pt x="1437868" y="1089060"/>
-                  <a:pt x="974081" y="1517605"/>
-                  <a:pt x="918310" y="2066771"/>
-                </a:cubicBezTo>
-                <a:lnTo>
-                  <a:pt x="913466" y="2162695"/>
-                </a:lnTo>
-                <a:lnTo>
-                  <a:pt x="869577" y="2155996"/>
-                </a:lnTo>
-                <a:cubicBezTo>
-                  <a:pt x="373311" y="2054445"/>
-                  <a:pt x="0" y="1615349"/>
-                  <a:pt x="0" y="1089061"/>
-                </a:cubicBezTo>
-                <a:cubicBezTo>
-                  <a:pt x="0" y="487589"/>
-                  <a:pt x="487589" y="0"/>
-                  <a:pt x="1089061" y="0"/>
-                </a:cubicBezTo>
-                <a:close/>
-              </a:path>
-            </a:pathLst>
-          </a:custGeom>
-          <a:noFill/>
-          <a:ln w="15875">
-            <a:solidFill>
-              <a:srgbClr val="27AECB"/>
-            </a:solidFill>
-          </a:ln>
-          <a:effectLst/>
-        </p:spPr>
-        <p:style>
-          <a:lnRef idx="2">
-            <a:schemeClr val="accent1">
-              <a:shade val="50000"/>
-            </a:schemeClr>
-          </a:lnRef>
-          <a:fillRef idx="1">
-            <a:schemeClr val="accent1"/>
-          </a:fillRef>
-          <a:effectRef idx="0">
-            <a:schemeClr val="accent1"/>
-          </a:effectRef>
-          <a:fontRef idx="minor">
-            <a:schemeClr val="lt1"/>
-          </a:fontRef>
-        </p:style>
-        <p:txBody>
-          <a:bodyPr rtlCol="0" anchor="ctr"/>
-          <a:lstStyle/>
-          <a:p>
-            <a:pPr algn="ctr"/>
-            <a:endParaRPr lang="ko-KR" altLang="en-US">
-              <a:solidFill>
-                <a:prstClr val="white"/>
-              </a:solidFill>
-            </a:endParaRPr>
-          </a:p>
-        </p:txBody>
-      </p:sp>
-      <p:sp>
-        <p:nvSpPr>
-          <p:cNvPr id="36" name="TextBox 35"/>
-          <p:cNvSpPr txBox="1"/>
-          <p:nvPr/>
-        </p:nvSpPr>
-        <p:spPr>
-          <a:xfrm>
-            <a:off x="4367505" y="2912659"/>
-            <a:ext cx="984634" cy="1107996"/>
-          </a:xfrm>
-          <a:prstGeom prst="rect">
-            <a:avLst/>
-          </a:prstGeom>
-          <a:noFill/>
-          <a:effectLst/>
-        </p:spPr>
-        <p:txBody>
-          <a:bodyPr wrap="square" rtlCol="0">
-            <a:spAutoFit/>
-          </a:bodyPr>
-          <a:lstStyle/>
-          <a:p>
-            <a:pPr algn="ctr"/>
-            <a:r>
-              <a:rPr lang="en-US" altLang="ko-KR" sz="4400" b="1" dirty="0">
-                <a:solidFill>
-                  <a:prstClr val="white"/>
-                </a:solidFill>
-              </a:rPr>
-              <a:t>S</a:t>
-            </a:r>
-          </a:p>
-          <a:p>
-            <a:pPr algn="ctr"/>
-            <a:r>
-              <a:rPr lang="en-US" altLang="ko-KR" sz="1000" dirty="0">
-                <a:solidFill>
-                  <a:prstClr val="white"/>
-                </a:solidFill>
-              </a:rPr>
-              <a:t>Strength</a:t>
-            </a:r>
-          </a:p>
-          <a:p>
-            <a:pPr algn="ctr">
-              <a:lnSpc>
-                <a:spcPct val="150000"/>
-              </a:lnSpc>
-            </a:pPr>
-            <a:r>
-              <a:rPr lang="ko-KR" altLang="en-US" sz="800" dirty="0">
-                <a:solidFill>
-                  <a:prstClr val="white"/>
-                </a:solidFill>
-              </a:rPr>
-              <a:t>강점</a:t>
-            </a:r>
-          </a:p>
-        </p:txBody>
-      </p:sp>
-      <p:sp>
-        <p:nvSpPr>
-          <p:cNvPr id="37" name="TextBox 36"/>
-          <p:cNvSpPr txBox="1"/>
-          <p:nvPr/>
-        </p:nvSpPr>
-        <p:spPr>
-          <a:xfrm>
-            <a:off x="5794426" y="2001278"/>
-            <a:ext cx="1205878" cy="1107996"/>
-          </a:xfrm>
-          <a:prstGeom prst="rect">
-            <a:avLst/>
-          </a:prstGeom>
-          <a:noFill/>
-          <a:effectLst/>
-        </p:spPr>
-        <p:txBody>
-          <a:bodyPr wrap="square" rtlCol="0">
-            <a:spAutoFit/>
-          </a:bodyPr>
-          <a:lstStyle/>
-          <a:p>
-            <a:pPr algn="ctr"/>
-            <a:r>
-              <a:rPr lang="en-US" altLang="ko-KR" sz="4400" b="1" dirty="0">
-                <a:solidFill>
-                  <a:srgbClr val="27AECB"/>
-                </a:solidFill>
-              </a:rPr>
-              <a:t>W</a:t>
-            </a:r>
-          </a:p>
-          <a:p>
-            <a:pPr algn="ctr"/>
-            <a:r>
-              <a:rPr lang="en-US" altLang="ko-KR" sz="1000" dirty="0">
-                <a:solidFill>
-                  <a:srgbClr val="27AECB"/>
-                </a:solidFill>
-              </a:rPr>
-              <a:t>Weakness</a:t>
-            </a:r>
-          </a:p>
-          <a:p>
-            <a:pPr algn="ctr">
-              <a:lnSpc>
-                <a:spcPct val="150000"/>
-              </a:lnSpc>
-            </a:pPr>
-            <a:r>
-              <a:rPr lang="ko-KR" altLang="en-US" sz="800" dirty="0">
-                <a:solidFill>
-                  <a:srgbClr val="27AECB"/>
-                </a:solidFill>
-              </a:rPr>
-              <a:t>약점</a:t>
-            </a:r>
-          </a:p>
-        </p:txBody>
-      </p:sp>
-      <p:sp>
-        <p:nvSpPr>
-          <p:cNvPr id="38" name="TextBox 37"/>
-          <p:cNvSpPr txBox="1"/>
-          <p:nvPr/>
-        </p:nvSpPr>
-        <p:spPr>
-          <a:xfrm>
-            <a:off x="5261395" y="4351845"/>
-            <a:ext cx="1168700" cy="1107996"/>
-          </a:xfrm>
-          <a:prstGeom prst="rect">
-            <a:avLst/>
-          </a:prstGeom>
-          <a:noFill/>
-          <a:effectLst/>
-        </p:spPr>
-        <p:txBody>
-          <a:bodyPr wrap="square" rtlCol="0">
-            <a:spAutoFit/>
-          </a:bodyPr>
-          <a:lstStyle/>
-          <a:p>
-            <a:pPr algn="ctr"/>
-            <a:r>
-              <a:rPr lang="en-US" altLang="ko-KR" sz="4400" b="1" dirty="0">
-                <a:solidFill>
-                  <a:prstClr val="white"/>
-                </a:solidFill>
-              </a:rPr>
-              <a:t>O</a:t>
-            </a:r>
-          </a:p>
-          <a:p>
-            <a:pPr algn="ctr"/>
-            <a:r>
-              <a:rPr lang="en-US" altLang="ko-KR" sz="1000" dirty="0">
-                <a:solidFill>
-                  <a:prstClr val="white"/>
-                </a:solidFill>
-              </a:rPr>
-              <a:t>Opportunity</a:t>
-            </a:r>
-          </a:p>
-          <a:p>
-            <a:pPr algn="ctr">
-              <a:lnSpc>
-                <a:spcPct val="150000"/>
-              </a:lnSpc>
-            </a:pPr>
-            <a:r>
-              <a:rPr lang="ko-KR" altLang="en-US" sz="800" dirty="0">
-                <a:solidFill>
-                  <a:prstClr val="white"/>
-                </a:solidFill>
-              </a:rPr>
-              <a:t>기회</a:t>
-            </a:r>
-          </a:p>
-        </p:txBody>
-      </p:sp>
-      <p:sp>
-        <p:nvSpPr>
-          <p:cNvPr id="39" name="TextBox 38"/>
-          <p:cNvSpPr txBox="1"/>
-          <p:nvPr/>
-        </p:nvSpPr>
-        <p:spPr>
-          <a:xfrm>
-            <a:off x="6734581" y="3485994"/>
-            <a:ext cx="1102970" cy="1107996"/>
-          </a:xfrm>
-          <a:prstGeom prst="rect">
-            <a:avLst/>
-          </a:prstGeom>
-          <a:noFill/>
-          <a:effectLst/>
-        </p:spPr>
-        <p:txBody>
-          <a:bodyPr wrap="square" rtlCol="0">
-            <a:spAutoFit/>
-          </a:bodyPr>
-          <a:lstStyle/>
-          <a:p>
-            <a:pPr algn="ctr"/>
-            <a:r>
-              <a:rPr lang="en-US" altLang="ko-KR" sz="4400" b="1" dirty="0">
-                <a:solidFill>
-                  <a:srgbClr val="27AECB"/>
-                </a:solidFill>
-              </a:rPr>
-              <a:t>T</a:t>
-            </a:r>
-          </a:p>
-          <a:p>
-            <a:pPr algn="ctr"/>
-            <a:r>
-              <a:rPr lang="en-US" altLang="ko-KR" sz="1000" dirty="0">
-                <a:solidFill>
-                  <a:srgbClr val="27AECB"/>
-                </a:solidFill>
-              </a:rPr>
-              <a:t>Threat</a:t>
-            </a:r>
-          </a:p>
-          <a:p>
-            <a:pPr algn="ctr">
-              <a:lnSpc>
-                <a:spcPct val="150000"/>
-              </a:lnSpc>
-            </a:pPr>
-            <a:r>
-              <a:rPr lang="ko-KR" altLang="en-US" sz="800" dirty="0">
-                <a:solidFill>
-                  <a:srgbClr val="27AECB"/>
-                </a:solidFill>
-              </a:rPr>
-              <a:t>위협</a:t>
-            </a:r>
-          </a:p>
-        </p:txBody>
-      </p:sp>
-      <p:sp>
-        <p:nvSpPr>
-          <p:cNvPr id="43" name="TextBox 42"/>
-          <p:cNvSpPr txBox="1"/>
-          <p:nvPr/>
-        </p:nvSpPr>
-        <p:spPr>
-          <a:xfrm>
-            <a:off x="1927937" y="4837041"/>
-            <a:ext cx="2931885" cy="923330"/>
-          </a:xfrm>
-          <a:prstGeom prst="rect">
-            <a:avLst/>
-          </a:prstGeom>
-          <a:noFill/>
-        </p:spPr>
-        <p:txBody>
-          <a:bodyPr wrap="square" rtlCol="0">
-            <a:spAutoFit/>
-          </a:bodyPr>
-          <a:lstStyle/>
-          <a:p>
-            <a:pPr algn="ctr">
-              <a:lnSpc>
-                <a:spcPct val="150000"/>
-              </a:lnSpc>
-            </a:pPr>
-            <a:r>
-              <a:rPr lang="ko-KR" altLang="en-US" sz="1200" dirty="0">
-                <a:solidFill>
-                  <a:prstClr val="black">
-                    <a:lumMod val="75000"/>
-                    <a:lumOff val="25000"/>
-                  </a:prstClr>
-                </a:solidFill>
-              </a:rPr>
-              <a:t>기업 내</a:t>
-            </a:r>
-            <a:r>
-              <a:rPr lang="en-US" altLang="ko-KR" sz="1200" dirty="0">
-                <a:solidFill>
-                  <a:prstClr val="black">
-                    <a:lumMod val="75000"/>
-                    <a:lumOff val="25000"/>
-                  </a:prstClr>
-                </a:solidFill>
-              </a:rPr>
-              <a:t>/</a:t>
-            </a:r>
-            <a:r>
-              <a:rPr lang="ko-KR" altLang="en-US" sz="1200" dirty="0">
-                <a:solidFill>
-                  <a:prstClr val="black">
-                    <a:lumMod val="75000"/>
-                    <a:lumOff val="25000"/>
-                  </a:prstClr>
-                </a:solidFill>
-              </a:rPr>
-              <a:t>외부 환경분석</a:t>
-            </a:r>
-            <a:endParaRPr lang="en-US" altLang="ko-KR" sz="1200" dirty="0">
-              <a:solidFill>
-                <a:prstClr val="black">
-                  <a:lumMod val="75000"/>
-                  <a:lumOff val="25000"/>
-                </a:prstClr>
-              </a:solidFill>
-            </a:endParaRPr>
-          </a:p>
-          <a:p>
-            <a:pPr algn="ctr">
-              <a:lnSpc>
-                <a:spcPct val="150000"/>
-              </a:lnSpc>
-            </a:pPr>
-            <a:r>
-              <a:rPr lang="ko-KR" altLang="en-US" sz="1200" dirty="0">
-                <a:solidFill>
-                  <a:prstClr val="black">
-                    <a:lumMod val="75000"/>
-                    <a:lumOff val="25000"/>
-                  </a:prstClr>
-                </a:solidFill>
-              </a:rPr>
-              <a:t>각 요인을 규정하고 이를 토대로 마케팅 전략을 수립하는 </a:t>
-            </a:r>
-            <a:r>
-              <a:rPr lang="en-US" altLang="ko-KR" sz="1200" dirty="0">
-                <a:solidFill>
-                  <a:prstClr val="black">
-                    <a:lumMod val="75000"/>
-                    <a:lumOff val="25000"/>
-                  </a:prstClr>
-                </a:solidFill>
-              </a:rPr>
-              <a:t>SWOT </a:t>
-            </a:r>
-            <a:r>
-              <a:rPr lang="ko-KR" altLang="en-US" sz="1200" dirty="0">
-                <a:solidFill>
-                  <a:prstClr val="black">
-                    <a:lumMod val="75000"/>
-                    <a:lumOff val="25000"/>
-                  </a:prstClr>
-                </a:solidFill>
-              </a:rPr>
-              <a:t>분석</a:t>
-            </a:r>
-          </a:p>
-        </p:txBody>
-      </p:sp>
-      <p:sp>
-        <p:nvSpPr>
-          <p:cNvPr id="44" name="TextBox 43"/>
-          <p:cNvSpPr txBox="1"/>
-          <p:nvPr/>
-        </p:nvSpPr>
-        <p:spPr>
-          <a:xfrm>
-            <a:off x="1003484" y="2912659"/>
-            <a:ext cx="2931885" cy="923330"/>
-          </a:xfrm>
-          <a:prstGeom prst="rect">
-            <a:avLst/>
-          </a:prstGeom>
-          <a:noFill/>
-        </p:spPr>
-        <p:txBody>
-          <a:bodyPr wrap="square" rtlCol="0">
-            <a:spAutoFit/>
-          </a:bodyPr>
-          <a:lstStyle/>
-          <a:p>
-            <a:pPr algn="ctr">
-              <a:lnSpc>
-                <a:spcPct val="150000"/>
-              </a:lnSpc>
-            </a:pPr>
-            <a:r>
-              <a:rPr lang="ko-KR" altLang="en-US" sz="1200" dirty="0">
-                <a:solidFill>
-                  <a:prstClr val="black">
-                    <a:lumMod val="75000"/>
-                    <a:lumOff val="25000"/>
-                  </a:prstClr>
-                </a:solidFill>
-              </a:rPr>
-              <a:t>기업 내</a:t>
-            </a:r>
-            <a:r>
-              <a:rPr lang="en-US" altLang="ko-KR" sz="1200" dirty="0">
-                <a:solidFill>
-                  <a:prstClr val="black">
-                    <a:lumMod val="75000"/>
-                    <a:lumOff val="25000"/>
-                  </a:prstClr>
-                </a:solidFill>
-              </a:rPr>
-              <a:t>/</a:t>
-            </a:r>
-            <a:r>
-              <a:rPr lang="ko-KR" altLang="en-US" sz="1200" dirty="0">
-                <a:solidFill>
-                  <a:prstClr val="black">
-                    <a:lumMod val="75000"/>
-                    <a:lumOff val="25000"/>
-                  </a:prstClr>
-                </a:solidFill>
-              </a:rPr>
-              <a:t>외부 환경분석</a:t>
-            </a:r>
-            <a:endParaRPr lang="en-US" altLang="ko-KR" sz="1200" dirty="0">
-              <a:solidFill>
-                <a:prstClr val="black">
-                  <a:lumMod val="75000"/>
-                  <a:lumOff val="25000"/>
-                </a:prstClr>
-              </a:solidFill>
-            </a:endParaRPr>
-          </a:p>
-          <a:p>
-            <a:pPr algn="ctr">
-              <a:lnSpc>
-                <a:spcPct val="150000"/>
-              </a:lnSpc>
-            </a:pPr>
-            <a:r>
-              <a:rPr lang="ko-KR" altLang="en-US" sz="1200" dirty="0">
-                <a:solidFill>
-                  <a:prstClr val="black">
-                    <a:lumMod val="75000"/>
-                    <a:lumOff val="25000"/>
-                  </a:prstClr>
-                </a:solidFill>
-              </a:rPr>
-              <a:t>각 요인을 규정하고 이를 토대로 마케팅 전략을 수립하는 </a:t>
-            </a:r>
-            <a:r>
-              <a:rPr lang="en-US" altLang="ko-KR" sz="1200" dirty="0">
-                <a:solidFill>
-                  <a:prstClr val="black">
-                    <a:lumMod val="75000"/>
-                    <a:lumOff val="25000"/>
-                  </a:prstClr>
-                </a:solidFill>
-              </a:rPr>
-              <a:t>SWOT </a:t>
-            </a:r>
-            <a:r>
-              <a:rPr lang="ko-KR" altLang="en-US" sz="1200" dirty="0">
-                <a:solidFill>
-                  <a:prstClr val="black">
-                    <a:lumMod val="75000"/>
-                    <a:lumOff val="25000"/>
-                  </a:prstClr>
-                </a:solidFill>
-              </a:rPr>
-              <a:t>분석</a:t>
-            </a:r>
-          </a:p>
-        </p:txBody>
-      </p:sp>
-      <p:sp>
-        <p:nvSpPr>
-          <p:cNvPr id="45" name="TextBox 44"/>
-          <p:cNvSpPr txBox="1"/>
-          <p:nvPr/>
-        </p:nvSpPr>
-        <p:spPr>
-          <a:xfrm>
-            <a:off x="7286066" y="1631946"/>
-            <a:ext cx="2931885" cy="923330"/>
-          </a:xfrm>
-          <a:prstGeom prst="rect">
-            <a:avLst/>
-          </a:prstGeom>
-          <a:noFill/>
-        </p:spPr>
-        <p:txBody>
-          <a:bodyPr wrap="square" rtlCol="0">
-            <a:spAutoFit/>
-          </a:bodyPr>
-          <a:lstStyle/>
-          <a:p>
-            <a:pPr algn="ctr">
-              <a:lnSpc>
-                <a:spcPct val="150000"/>
-              </a:lnSpc>
-            </a:pPr>
-            <a:r>
-              <a:rPr lang="ko-KR" altLang="en-US" sz="1200" dirty="0">
-                <a:solidFill>
-                  <a:prstClr val="black">
-                    <a:lumMod val="75000"/>
-                    <a:lumOff val="25000"/>
-                  </a:prstClr>
-                </a:solidFill>
-              </a:rPr>
-              <a:t>기업 내</a:t>
-            </a:r>
-            <a:r>
-              <a:rPr lang="en-US" altLang="ko-KR" sz="1200" dirty="0">
-                <a:solidFill>
-                  <a:prstClr val="black">
-                    <a:lumMod val="75000"/>
-                    <a:lumOff val="25000"/>
-                  </a:prstClr>
-                </a:solidFill>
-              </a:rPr>
-              <a:t>/</a:t>
-            </a:r>
-            <a:r>
-              <a:rPr lang="ko-KR" altLang="en-US" sz="1200" dirty="0">
-                <a:solidFill>
-                  <a:prstClr val="black">
-                    <a:lumMod val="75000"/>
-                    <a:lumOff val="25000"/>
-                  </a:prstClr>
-                </a:solidFill>
-              </a:rPr>
-              <a:t>외부 환경분석</a:t>
-            </a:r>
-            <a:endParaRPr lang="en-US" altLang="ko-KR" sz="1200" dirty="0">
-              <a:solidFill>
-                <a:prstClr val="black">
-                  <a:lumMod val="75000"/>
-                  <a:lumOff val="25000"/>
-                </a:prstClr>
-              </a:solidFill>
-            </a:endParaRPr>
-          </a:p>
-          <a:p>
-            <a:pPr algn="ctr">
-              <a:lnSpc>
-                <a:spcPct val="150000"/>
-              </a:lnSpc>
-            </a:pPr>
-            <a:r>
-              <a:rPr lang="ko-KR" altLang="en-US" sz="1200" dirty="0">
-                <a:solidFill>
-                  <a:prstClr val="black">
-                    <a:lumMod val="75000"/>
-                    <a:lumOff val="25000"/>
-                  </a:prstClr>
-                </a:solidFill>
-              </a:rPr>
-              <a:t>각 요인을 규정하고 이를 토대로 마케팅 전략을 수립하는 </a:t>
-            </a:r>
-            <a:r>
-              <a:rPr lang="en-US" altLang="ko-KR" sz="1200" dirty="0">
-                <a:solidFill>
-                  <a:prstClr val="black">
-                    <a:lumMod val="75000"/>
-                    <a:lumOff val="25000"/>
-                  </a:prstClr>
-                </a:solidFill>
-              </a:rPr>
-              <a:t>SWOT </a:t>
-            </a:r>
-            <a:r>
-              <a:rPr lang="ko-KR" altLang="en-US" sz="1200" dirty="0">
-                <a:solidFill>
-                  <a:prstClr val="black">
-                    <a:lumMod val="75000"/>
-                    <a:lumOff val="25000"/>
-                  </a:prstClr>
-                </a:solidFill>
-              </a:rPr>
-              <a:t>분석</a:t>
-            </a:r>
-          </a:p>
-        </p:txBody>
-      </p:sp>
-      <p:sp>
-        <p:nvSpPr>
-          <p:cNvPr id="46" name="TextBox 45"/>
-          <p:cNvSpPr txBox="1"/>
-          <p:nvPr/>
-        </p:nvSpPr>
-        <p:spPr>
-          <a:xfrm>
-            <a:off x="8159169" y="3397855"/>
-            <a:ext cx="2931885" cy="923330"/>
-          </a:xfrm>
-          <a:prstGeom prst="rect">
-            <a:avLst/>
-          </a:prstGeom>
-          <a:noFill/>
-        </p:spPr>
-        <p:txBody>
-          <a:bodyPr wrap="square" rtlCol="0">
-            <a:spAutoFit/>
-          </a:bodyPr>
-          <a:lstStyle/>
-          <a:p>
-            <a:pPr algn="ctr">
-              <a:lnSpc>
-                <a:spcPct val="150000"/>
-              </a:lnSpc>
-            </a:pPr>
-            <a:r>
-              <a:rPr lang="ko-KR" altLang="en-US" sz="1200" dirty="0">
-                <a:solidFill>
-                  <a:prstClr val="black">
-                    <a:lumMod val="75000"/>
-                    <a:lumOff val="25000"/>
-                  </a:prstClr>
-                </a:solidFill>
-              </a:rPr>
-              <a:t>기업 내</a:t>
-            </a:r>
-            <a:r>
-              <a:rPr lang="en-US" altLang="ko-KR" sz="1200" dirty="0">
-                <a:solidFill>
-                  <a:prstClr val="black">
-                    <a:lumMod val="75000"/>
-                    <a:lumOff val="25000"/>
-                  </a:prstClr>
-                </a:solidFill>
-              </a:rPr>
-              <a:t>/</a:t>
-            </a:r>
-            <a:r>
-              <a:rPr lang="ko-KR" altLang="en-US" sz="1200" dirty="0">
-                <a:solidFill>
-                  <a:prstClr val="black">
-                    <a:lumMod val="75000"/>
-                    <a:lumOff val="25000"/>
-                  </a:prstClr>
-                </a:solidFill>
-              </a:rPr>
-              <a:t>외부 환경분석</a:t>
-            </a:r>
-            <a:endParaRPr lang="en-US" altLang="ko-KR" sz="1200" dirty="0">
-              <a:solidFill>
-                <a:prstClr val="black">
-                  <a:lumMod val="75000"/>
-                  <a:lumOff val="25000"/>
-                </a:prstClr>
-              </a:solidFill>
-            </a:endParaRPr>
-          </a:p>
-          <a:p>
-            <a:pPr algn="ctr">
-              <a:lnSpc>
-                <a:spcPct val="150000"/>
-              </a:lnSpc>
-            </a:pPr>
-            <a:r>
-              <a:rPr lang="ko-KR" altLang="en-US" sz="1200" dirty="0">
-                <a:solidFill>
-                  <a:prstClr val="black">
-                    <a:lumMod val="75000"/>
-                    <a:lumOff val="25000"/>
-                  </a:prstClr>
-                </a:solidFill>
-              </a:rPr>
-              <a:t>각 요인을 규정하고 이를 토대로 마케팅 전략을 수립하는 </a:t>
-            </a:r>
-            <a:r>
-              <a:rPr lang="en-US" altLang="ko-KR" sz="1200" dirty="0">
-                <a:solidFill>
-                  <a:prstClr val="black">
-                    <a:lumMod val="75000"/>
-                    <a:lumOff val="25000"/>
-                  </a:prstClr>
-                </a:solidFill>
-              </a:rPr>
-              <a:t>SWOT </a:t>
-            </a:r>
-            <a:r>
-              <a:rPr lang="ko-KR" altLang="en-US" sz="1200" dirty="0">
-                <a:solidFill>
-                  <a:prstClr val="black">
-                    <a:lumMod val="75000"/>
-                    <a:lumOff val="25000"/>
-                  </a:prstClr>
-                </a:solidFill>
-              </a:rPr>
-              <a:t>분석</a:t>
-            </a:r>
-          </a:p>
-        </p:txBody>
-      </p:sp>
-    </p:spTree>
-    <p:extLst>
-      <p:ext uri="{BB962C8B-B14F-4D97-AF65-F5344CB8AC3E}">
-        <p14:creationId xmlns:p14="http://schemas.microsoft.com/office/powerpoint/2010/main" val="808548600"/>
-      </p:ext>
-    </p:extLst>
-  </p:cSld>
-  <p:clrMapOvr>
-    <a:masterClrMapping/>
-  </p:clrMapOvr>
-  <p:timing>
-    <p:tnLst>
-      <p:par>
-        <p:cTn id="1" dur="indefinite" restart="never" nodeType="tmRoot"/>
-      </p:par>
-    </p:tnLst>
-  </p:timing>
-</p:sld>
-</file>
-
-<file path=ppt/slides/slide12.xml><?xml version="1.0" encoding="utf-8"?>
+<file path=ppt/slides/slide15.xml><?xml version="1.0" encoding="utf-8"?>
 <p:sld xmlns:a="http://schemas.openxmlformats.org/drawingml/2006/main" xmlns:r="http://schemas.openxmlformats.org/officeDocument/2006/relationships" xmlns:p="http://schemas.openxmlformats.org/presentationml/2006/main">
   <p:cSld>
     <p:bg>
@@ -9416,8 +9130,8 @@
         </p:nvSpPr>
         <p:spPr>
           <a:xfrm>
-            <a:off x="342900" y="771525"/>
-            <a:ext cx="2000250" cy="414024"/>
+            <a:off x="342899" y="771525"/>
+            <a:ext cx="2371726" cy="507831"/>
           </a:xfrm>
           <a:prstGeom prst="rect">
             <a:avLst/>
@@ -9435,7 +9149,7 @@
               </a:lnSpc>
             </a:pPr>
             <a:r>
-              <a:rPr lang="ko-KR" altLang="en-US" sz="1600" b="1" i="1" u="sng" dirty="0" smtClean="0">
+              <a:rPr lang="ko-KR" altLang="en-US" b="1" i="1" u="sng" dirty="0" smtClean="0">
                 <a:solidFill>
                   <a:prstClr val="black">
                     <a:lumMod val="75000"/>
@@ -9445,7 +9159,7 @@
               </a:rPr>
               <a:t>프로그램 개발 환경</a:t>
             </a:r>
-            <a:endParaRPr lang="en-US" altLang="ko-KR" sz="1600" b="1" i="1" u="sng" dirty="0">
+            <a:endParaRPr lang="en-US" altLang="ko-KR" b="1" i="1" u="sng" dirty="0">
               <a:solidFill>
                 <a:prstClr val="black">
                   <a:lumMod val="75000"/>
@@ -9875,7 +9589,7 @@
         </p:nvSpPr>
         <p:spPr>
           <a:xfrm>
-            <a:off x="342000" y="770400"/>
+            <a:off x="342900" y="771525"/>
             <a:ext cx="11506200" cy="5867400"/>
           </a:xfrm>
           <a:prstGeom prst="rect">
@@ -10000,7 +9714,7 @@
         </p:nvSpPr>
         <p:spPr>
           <a:xfrm>
-            <a:off x="6449786" y="3111570"/>
+            <a:off x="6374971" y="2491325"/>
             <a:ext cx="3638577" cy="877163"/>
           </a:xfrm>
           <a:prstGeom prst="rect">
@@ -10158,7 +9872,7 @@
         </p:nvSpPr>
         <p:spPr>
           <a:xfrm>
-            <a:off x="6474278" y="3062972"/>
+            <a:off x="6399463" y="2442727"/>
             <a:ext cx="2160000" cy="45719"/>
           </a:xfrm>
           <a:prstGeom prst="rect">
@@ -10202,125 +9916,13 @@
       </p:sp>
       <p:sp>
         <p:nvSpPr>
-          <p:cNvPr id="18" name="직사각형 17"/>
-          <p:cNvSpPr/>
-          <p:nvPr/>
-        </p:nvSpPr>
-        <p:spPr>
-          <a:xfrm>
-            <a:off x="342900" y="771525"/>
-            <a:ext cx="2000250" cy="461665"/>
-          </a:xfrm>
-          <a:prstGeom prst="rect">
-            <a:avLst/>
-          </a:prstGeom>
-        </p:spPr>
-        <p:txBody>
-          <a:bodyPr wrap="square">
-            <a:spAutoFit/>
-          </a:bodyPr>
-          <a:lstStyle/>
-          <a:p>
-            <a:pPr algn="ctr">
-              <a:lnSpc>
-                <a:spcPct val="150000"/>
-              </a:lnSpc>
-            </a:pPr>
-            <a:r>
-              <a:rPr lang="ko-KR" altLang="en-US" sz="1600" b="1" i="1" u="sng" dirty="0" smtClean="0">
-                <a:solidFill>
-                  <a:prstClr val="black">
-                    <a:lumMod val="75000"/>
-                    <a:lumOff val="25000"/>
-                  </a:prstClr>
-                </a:solidFill>
-              </a:rPr>
-              <a:t>프로그램 제작 개요</a:t>
-            </a:r>
-            <a:endParaRPr lang="en-US" altLang="ko-KR" sz="1600" b="1" i="1" u="sng" dirty="0">
-              <a:solidFill>
-                <a:prstClr val="black">
-                  <a:lumMod val="75000"/>
-                  <a:lumOff val="25000"/>
-                </a:prstClr>
-              </a:solidFill>
-            </a:endParaRPr>
-          </a:p>
-        </p:txBody>
-      </p:sp>
-      <p:pic>
-        <p:nvPicPr>
-          <p:cNvPr id="1026" name="Picture 2"/>
-          <p:cNvPicPr>
-            <a:picLocks noChangeAspect="1" noChangeArrowheads="1"/>
-          </p:cNvPicPr>
-          <p:nvPr/>
-        </p:nvPicPr>
-        <p:blipFill>
-          <a:blip r:embed="rId2">
-            <a:extLst>
-              <a:ext uri="{28A0092B-C50C-407E-A947-70E740481C1C}">
-                <a14:useLocalDpi xmlns:a14="http://schemas.microsoft.com/office/drawing/2010/main" val="0"/>
-              </a:ext>
-            </a:extLst>
-          </a:blip>
-          <a:srcRect/>
-          <a:stretch>
-            <a:fillRect/>
-          </a:stretch>
-        </p:blipFill>
-        <p:spPr bwMode="auto">
-          <a:xfrm>
-            <a:off x="800100" y="1579293"/>
-            <a:ext cx="4710793" cy="3988569"/>
-          </a:xfrm>
-          <a:prstGeom prst="rect">
-            <a:avLst/>
-          </a:prstGeom>
-          <a:noFill/>
-          <a:ln>
-            <a:noFill/>
-          </a:ln>
-          <a:effectLst/>
-          <a:extLst>
-            <a:ext uri="{909E8E84-426E-40DD-AFC4-6F175D3DCCD1}">
-              <a14:hiddenFill xmlns:a14="http://schemas.microsoft.com/office/drawing/2010/main">
-                <a:solidFill>
-                  <a:schemeClr val="accent1"/>
-                </a:solidFill>
-              </a14:hiddenFill>
-            </a:ext>
-            <a:ext uri="{91240B29-F687-4F45-9708-019B960494DF}">
-              <a14:hiddenLine xmlns:a14="http://schemas.microsoft.com/office/drawing/2010/main" w="9525">
-                <a:solidFill>
-                  <a:schemeClr val="tx1"/>
-                </a:solidFill>
-                <a:miter lim="800000"/>
-                <a:headEnd/>
-                <a:tailEnd/>
-              </a14:hiddenLine>
-            </a:ext>
-            <a:ext uri="{AF507438-7753-43E0-B8FC-AC1667EBCBE1}">
-              <a14:hiddenEffects xmlns:a14="http://schemas.microsoft.com/office/drawing/2010/main">
-                <a:effectLst>
-                  <a:outerShdw dist="35921" dir="2700000" algn="ctr" rotWithShape="0">
-                    <a:schemeClr val="bg2"/>
-                  </a:outerShdw>
-                </a:effectLst>
-              </a14:hiddenEffects>
-            </a:ext>
-          </a:extLst>
-        </p:spPr>
-      </p:pic>
-      <p:sp>
-        <p:nvSpPr>
           <p:cNvPr id="23" name="직사각형 22"/>
           <p:cNvSpPr/>
           <p:nvPr/>
         </p:nvSpPr>
         <p:spPr>
           <a:xfrm>
-            <a:off x="6474278" y="4013340"/>
+            <a:off x="6399463" y="3393095"/>
             <a:ext cx="2160000" cy="45719"/>
           </a:xfrm>
           <a:prstGeom prst="rect">
@@ -10370,7 +9972,7 @@
         </p:nvSpPr>
         <p:spPr>
           <a:xfrm>
-            <a:off x="8376998" y="4012957"/>
+            <a:off x="8302183" y="3392712"/>
             <a:ext cx="2993654" cy="45719"/>
           </a:xfrm>
           <a:prstGeom prst="rect">
@@ -10422,7 +10024,7 @@
         </p:nvSpPr>
         <p:spPr>
           <a:xfrm>
-            <a:off x="8634278" y="3062971"/>
+            <a:off x="8559463" y="2442726"/>
             <a:ext cx="2736373" cy="45719"/>
           </a:xfrm>
           <a:prstGeom prst="rect">
@@ -10461,6 +10063,407 @@
             <a:endParaRPr lang="ko-KR" altLang="en-US">
               <a:solidFill>
                 <a:prstClr val="white"/>
+              </a:solidFill>
+            </a:endParaRPr>
+          </a:p>
+        </p:txBody>
+      </p:sp>
+      <p:pic>
+        <p:nvPicPr>
+          <p:cNvPr id="2" name="그림 1"/>
+          <p:cNvPicPr>
+            <a:picLocks noChangeAspect="1"/>
+          </p:cNvPicPr>
+          <p:nvPr/>
+        </p:nvPicPr>
+        <p:blipFill>
+          <a:blip r:embed="rId2"/>
+          <a:stretch>
+            <a:fillRect/>
+          </a:stretch>
+        </p:blipFill>
+        <p:spPr>
+          <a:xfrm>
+            <a:off x="791702" y="2092469"/>
+            <a:ext cx="5368030" cy="3066425"/>
+          </a:xfrm>
+          <a:prstGeom prst="rect">
+            <a:avLst/>
+          </a:prstGeom>
+        </p:spPr>
+      </p:pic>
+      <p:sp>
+        <p:nvSpPr>
+          <p:cNvPr id="12" name="직사각형 11"/>
+          <p:cNvSpPr/>
+          <p:nvPr/>
+        </p:nvSpPr>
+        <p:spPr>
+          <a:xfrm>
+            <a:off x="6374972" y="3948154"/>
+            <a:ext cx="3799806" cy="877163"/>
+          </a:xfrm>
+          <a:prstGeom prst="rect">
+            <a:avLst/>
+          </a:prstGeom>
+        </p:spPr>
+        <p:txBody>
+          <a:bodyPr wrap="square">
+            <a:spAutoFit/>
+          </a:bodyPr>
+          <a:lstStyle/>
+          <a:p>
+            <a:pPr>
+              <a:lnSpc>
+                <a:spcPct val="150000"/>
+              </a:lnSpc>
+            </a:pPr>
+            <a:r>
+              <a:rPr lang="en-US" altLang="ko-KR" sz="1200" b="1" dirty="0" smtClean="0">
+                <a:solidFill>
+                  <a:prstClr val="black">
+                    <a:lumMod val="75000"/>
+                    <a:lumOff val="25000"/>
+                  </a:prstClr>
+                </a:solidFill>
+              </a:rPr>
+              <a:t>B.</a:t>
+            </a:r>
+          </a:p>
+          <a:p>
+            <a:pPr>
+              <a:lnSpc>
+                <a:spcPct val="150000"/>
+              </a:lnSpc>
+            </a:pPr>
+            <a:r>
+              <a:rPr lang="en-US" altLang="ko-KR" sz="1100" dirty="0" smtClean="0">
+                <a:solidFill>
+                  <a:prstClr val="black">
+                    <a:lumMod val="75000"/>
+                    <a:lumOff val="25000"/>
+                  </a:prstClr>
+                </a:solidFill>
+              </a:rPr>
+              <a:t>MSSQL</a:t>
+            </a:r>
+            <a:r>
+              <a:rPr lang="ko-KR" altLang="en-US" sz="1100" dirty="0" smtClean="0">
+                <a:solidFill>
+                  <a:prstClr val="black">
+                    <a:lumMod val="75000"/>
+                    <a:lumOff val="25000"/>
+                  </a:prstClr>
+                </a:solidFill>
+              </a:rPr>
+              <a:t>로 </a:t>
+            </a:r>
+            <a:r>
+              <a:rPr lang="en-US" altLang="ko-KR" sz="1100" dirty="0" smtClean="0">
+                <a:solidFill>
+                  <a:prstClr val="black">
+                    <a:lumMod val="75000"/>
+                    <a:lumOff val="25000"/>
+                  </a:prstClr>
+                </a:solidFill>
+              </a:rPr>
+              <a:t>Data</a:t>
+            </a:r>
+            <a:r>
+              <a:rPr lang="ko-KR" altLang="en-US" sz="1100" dirty="0" smtClean="0">
+                <a:solidFill>
+                  <a:prstClr val="black">
+                    <a:lumMod val="75000"/>
+                    <a:lumOff val="25000"/>
+                  </a:prstClr>
+                </a:solidFill>
+              </a:rPr>
+              <a:t>를 관리함으로써 정보의 손실을 방지하는</a:t>
+            </a:r>
+            <a:endParaRPr lang="en-US" altLang="ko-KR" sz="1100" dirty="0" smtClean="0">
+              <a:solidFill>
+                <a:prstClr val="black">
+                  <a:lumMod val="75000"/>
+                  <a:lumOff val="25000"/>
+                </a:prstClr>
+              </a:solidFill>
+            </a:endParaRPr>
+          </a:p>
+          <a:p>
+            <a:pPr>
+              <a:lnSpc>
+                <a:spcPct val="150000"/>
+              </a:lnSpc>
+            </a:pPr>
+            <a:r>
+              <a:rPr lang="ko-KR" altLang="en-US" sz="1100" dirty="0" smtClean="0">
+                <a:solidFill>
+                  <a:prstClr val="black">
+                    <a:lumMod val="75000"/>
+                    <a:lumOff val="25000"/>
+                  </a:prstClr>
+                </a:solidFill>
+              </a:rPr>
+              <a:t>프로그램을 구상</a:t>
+            </a:r>
+            <a:endParaRPr lang="en-US" altLang="ko-KR" sz="1000" dirty="0">
+              <a:solidFill>
+                <a:prstClr val="black">
+                  <a:lumMod val="75000"/>
+                  <a:lumOff val="25000"/>
+                </a:prstClr>
+              </a:solidFill>
+            </a:endParaRPr>
+          </a:p>
+        </p:txBody>
+      </p:sp>
+      <p:sp>
+        <p:nvSpPr>
+          <p:cNvPr id="14" name="직사각형 13"/>
+          <p:cNvSpPr/>
+          <p:nvPr/>
+        </p:nvSpPr>
+        <p:spPr>
+          <a:xfrm>
+            <a:off x="6399464" y="4849924"/>
+            <a:ext cx="2160000" cy="45719"/>
+          </a:xfrm>
+          <a:prstGeom prst="rect">
+            <a:avLst/>
+          </a:prstGeom>
+          <a:solidFill>
+            <a:srgbClr val="27AECB"/>
+          </a:solidFill>
+          <a:ln>
+            <a:noFill/>
+          </a:ln>
+        </p:spPr>
+        <p:style>
+          <a:lnRef idx="2">
+            <a:schemeClr val="accent1">
+              <a:shade val="50000"/>
+            </a:schemeClr>
+          </a:lnRef>
+          <a:fillRef idx="1">
+            <a:schemeClr val="accent1"/>
+          </a:fillRef>
+          <a:effectRef idx="0">
+            <a:schemeClr val="accent1"/>
+          </a:effectRef>
+          <a:fontRef idx="minor">
+            <a:schemeClr val="lt1"/>
+          </a:fontRef>
+        </p:style>
+        <p:txBody>
+          <a:bodyPr rtlCol="0" anchor="ctr"/>
+          <a:lstStyle/>
+          <a:p>
+            <a:pPr algn="ctr"/>
+            <a:endParaRPr lang="ko-KR" altLang="en-US">
+              <a:solidFill>
+                <a:prstClr val="white"/>
+              </a:solidFill>
+            </a:endParaRPr>
+          </a:p>
+        </p:txBody>
+      </p:sp>
+      <p:sp>
+        <p:nvSpPr>
+          <p:cNvPr id="16" name="직사각형 15"/>
+          <p:cNvSpPr/>
+          <p:nvPr/>
+        </p:nvSpPr>
+        <p:spPr>
+          <a:xfrm>
+            <a:off x="8559464" y="3899555"/>
+            <a:ext cx="2736373" cy="45719"/>
+          </a:xfrm>
+          <a:prstGeom prst="rect">
+            <a:avLst/>
+          </a:prstGeom>
+          <a:solidFill>
+            <a:schemeClr val="bg1">
+              <a:lumMod val="75000"/>
+            </a:schemeClr>
+          </a:solidFill>
+          <a:ln>
+            <a:noFill/>
+          </a:ln>
+        </p:spPr>
+        <p:style>
+          <a:lnRef idx="2">
+            <a:schemeClr val="accent1">
+              <a:shade val="50000"/>
+            </a:schemeClr>
+          </a:lnRef>
+          <a:fillRef idx="1">
+            <a:schemeClr val="accent1"/>
+          </a:fillRef>
+          <a:effectRef idx="0">
+            <a:schemeClr val="accent1"/>
+          </a:effectRef>
+          <a:fontRef idx="minor">
+            <a:schemeClr val="lt1"/>
+          </a:fontRef>
+        </p:style>
+        <p:txBody>
+          <a:bodyPr rtlCol="0" anchor="ctr"/>
+          <a:lstStyle/>
+          <a:p>
+            <a:pPr algn="ctr"/>
+            <a:endParaRPr lang="ko-KR" altLang="en-US">
+              <a:solidFill>
+                <a:prstClr val="white"/>
+              </a:solidFill>
+            </a:endParaRPr>
+          </a:p>
+        </p:txBody>
+      </p:sp>
+      <p:sp>
+        <p:nvSpPr>
+          <p:cNvPr id="15" name="직사각형 14"/>
+          <p:cNvSpPr/>
+          <p:nvPr/>
+        </p:nvSpPr>
+        <p:spPr>
+          <a:xfrm>
+            <a:off x="7686675" y="4849541"/>
+            <a:ext cx="3609163" cy="45719"/>
+          </a:xfrm>
+          <a:prstGeom prst="rect">
+            <a:avLst/>
+          </a:prstGeom>
+          <a:solidFill>
+            <a:schemeClr val="bg1">
+              <a:lumMod val="75000"/>
+            </a:schemeClr>
+          </a:solidFill>
+          <a:ln>
+            <a:noFill/>
+          </a:ln>
+        </p:spPr>
+        <p:style>
+          <a:lnRef idx="2">
+            <a:schemeClr val="accent1">
+              <a:shade val="50000"/>
+            </a:schemeClr>
+          </a:lnRef>
+          <a:fillRef idx="1">
+            <a:schemeClr val="accent1"/>
+          </a:fillRef>
+          <a:effectRef idx="0">
+            <a:schemeClr val="accent1"/>
+          </a:effectRef>
+          <a:fontRef idx="minor">
+            <a:schemeClr val="lt1"/>
+          </a:fontRef>
+        </p:style>
+        <p:txBody>
+          <a:bodyPr rtlCol="0" anchor="ctr"/>
+          <a:lstStyle/>
+          <a:p>
+            <a:pPr algn="ctr"/>
+            <a:endParaRPr lang="ko-KR" altLang="en-US">
+              <a:solidFill>
+                <a:prstClr val="white"/>
+              </a:solidFill>
+            </a:endParaRPr>
+          </a:p>
+        </p:txBody>
+      </p:sp>
+      <p:sp>
+        <p:nvSpPr>
+          <p:cNvPr id="13" name="직사각형 12"/>
+          <p:cNvSpPr/>
+          <p:nvPr/>
+        </p:nvSpPr>
+        <p:spPr>
+          <a:xfrm>
+            <a:off x="6399463" y="3899556"/>
+            <a:ext cx="3268411" cy="45719"/>
+          </a:xfrm>
+          <a:prstGeom prst="rect">
+            <a:avLst/>
+          </a:prstGeom>
+          <a:solidFill>
+            <a:srgbClr val="27AECB"/>
+          </a:solidFill>
+          <a:ln>
+            <a:noFill/>
+          </a:ln>
+        </p:spPr>
+        <p:style>
+          <a:lnRef idx="2">
+            <a:schemeClr val="accent1">
+              <a:shade val="50000"/>
+            </a:schemeClr>
+          </a:lnRef>
+          <a:fillRef idx="1">
+            <a:schemeClr val="accent1"/>
+          </a:fillRef>
+          <a:effectRef idx="0">
+            <a:schemeClr val="accent1"/>
+          </a:effectRef>
+          <a:fontRef idx="minor">
+            <a:schemeClr val="lt1"/>
+          </a:fontRef>
+        </p:style>
+        <p:txBody>
+          <a:bodyPr rtlCol="0" anchor="ctr"/>
+          <a:lstStyle/>
+          <a:p>
+            <a:pPr algn="ctr"/>
+            <a:endParaRPr lang="ko-KR" altLang="en-US">
+              <a:solidFill>
+                <a:prstClr val="white"/>
+              </a:solidFill>
+            </a:endParaRPr>
+          </a:p>
+        </p:txBody>
+      </p:sp>
+      <p:sp>
+        <p:nvSpPr>
+          <p:cNvPr id="17" name="직사각형 16"/>
+          <p:cNvSpPr/>
+          <p:nvPr/>
+        </p:nvSpPr>
+        <p:spPr>
+          <a:xfrm>
+            <a:off x="342899" y="771525"/>
+            <a:ext cx="2371726" cy="507831"/>
+          </a:xfrm>
+          <a:prstGeom prst="rect">
+            <a:avLst/>
+          </a:prstGeom>
+        </p:spPr>
+        <p:txBody>
+          <a:bodyPr wrap="square">
+            <a:spAutoFit/>
+          </a:bodyPr>
+          <a:lstStyle/>
+          <a:p>
+            <a:pPr algn="ctr">
+              <a:lnSpc>
+                <a:spcPct val="150000"/>
+              </a:lnSpc>
+            </a:pPr>
+            <a:r>
+              <a:rPr lang="ko-KR" altLang="en-US" b="1" i="1" u="sng" dirty="0" smtClean="0">
+                <a:solidFill>
+                  <a:prstClr val="black">
+                    <a:lumMod val="75000"/>
+                    <a:lumOff val="25000"/>
+                  </a:prstClr>
+                </a:solidFill>
+              </a:rPr>
+              <a:t>프로그램 제작 개요</a:t>
+            </a:r>
+            <a:endParaRPr lang="en-US" altLang="ko-KR" b="1" i="1" u="sng" dirty="0">
+              <a:solidFill>
+                <a:prstClr val="black">
+                  <a:lumMod val="75000"/>
+                  <a:lumOff val="25000"/>
+                </a:prstClr>
               </a:solidFill>
             </a:endParaRPr>
           </a:p>
@@ -10663,7 +10666,7 @@
               </a:lnSpc>
             </a:pPr>
             <a:r>
-              <a:rPr lang="ko-KR" altLang="en-US" sz="1600" b="1" i="1" u="sng" dirty="0" smtClean="0">
+              <a:rPr lang="ko-KR" altLang="en-US" b="1" i="1" u="sng" dirty="0" smtClean="0">
                 <a:solidFill>
                   <a:prstClr val="black">
                     <a:lumMod val="75000"/>
@@ -10673,7 +10676,7 @@
               </a:rPr>
               <a:t>알고리즘</a:t>
             </a:r>
-            <a:endParaRPr lang="en-US" altLang="ko-KR" sz="1600" b="1" i="1" u="sng" dirty="0">
+            <a:endParaRPr lang="en-US" altLang="ko-KR" b="1" i="1" u="sng" dirty="0">
               <a:solidFill>
                 <a:prstClr val="black">
                   <a:lumMod val="75000"/>
@@ -10878,66 +10881,26 @@
       </p:sp>
       <p:pic>
         <p:nvPicPr>
-          <p:cNvPr id="2050" name="Picture 2"/>
+          <p:cNvPr id="7" name="그림 6"/>
           <p:cNvPicPr>
-            <a:picLocks noChangeAspect="1" noChangeArrowheads="1"/>
+            <a:picLocks noChangeAspect="1"/>
           </p:cNvPicPr>
           <p:nvPr/>
         </p:nvPicPr>
         <p:blipFill>
-          <a:blip r:embed="rId2">
-            <a:extLst>
-              <a:ext uri="{28A0092B-C50C-407E-A947-70E740481C1C}">
-                <a14:useLocalDpi xmlns:a14="http://schemas.microsoft.com/office/drawing/2010/main" val="0"/>
-              </a:ext>
-            </a:extLst>
-          </a:blip>
-          <a:srcRect/>
+          <a:blip r:embed="rId2"/>
           <a:stretch>
             <a:fillRect/>
           </a:stretch>
         </p:blipFill>
-        <p:spPr bwMode="auto">
-          <a:xfrm>
-            <a:off x="842282" y="1804647"/>
-            <a:ext cx="5733011" cy="3248706"/>
+        <p:spPr>
+          <a:xfrm>
+            <a:off x="1162645" y="1829360"/>
+            <a:ext cx="4735150" cy="3712881"/>
           </a:xfrm>
           <a:prstGeom prst="rect">
             <a:avLst/>
           </a:prstGeom>
-          <a:noFill/>
-          <a:ln>
-            <a:noFill/>
-          </a:ln>
-          <a:effectLst/>
-          <a:extLst>
-            <a:ext uri="{909E8E84-426E-40DD-AFC4-6F175D3DCCD1}">
-              <a14:hiddenFill xmlns:a14="http://schemas.microsoft.com/office/drawing/2010/main">
-                <a:solidFill>
-                  <a:schemeClr val="accent1"/>
-                </a:solidFill>
-              </a14:hiddenFill>
-            </a:ext>
-            <a:ext uri="{91240B29-F687-4F45-9708-019B960494DF}">
-              <a14:hiddenLine xmlns:a14="http://schemas.microsoft.com/office/drawing/2010/main" w="9525">
-                <a:solidFill>
-                  <a:schemeClr val="tx1"/>
-                </a:solidFill>
-                <a:miter lim="800000"/>
-                <a:headEnd/>
-                <a:tailEnd/>
-              </a14:hiddenLine>
-            </a:ext>
-            <a:ext uri="{AF507438-7753-43E0-B8FC-AC1667EBCBE1}">
-              <a14:hiddenEffects xmlns:a14="http://schemas.microsoft.com/office/drawing/2010/main">
-                <a:effectLst>
-                  <a:outerShdw dist="35921" dir="2700000" algn="ctr" rotWithShape="0">
-                    <a:schemeClr val="bg2"/>
-                  </a:outerShdw>
-                </a:effectLst>
-              </a14:hiddenEffects>
-            </a:ext>
-          </a:extLst>
         </p:spPr>
       </p:pic>
       <p:sp>
@@ -10948,8 +10911,8 @@
         </p:nvSpPr>
         <p:spPr>
           <a:xfrm>
-            <a:off x="6112328" y="2000249"/>
-            <a:ext cx="394607" cy="318407"/>
+            <a:off x="2413073" y="4857749"/>
+            <a:ext cx="1117147" cy="361951"/>
           </a:xfrm>
           <a:prstGeom prst="roundRect">
             <a:avLst/>
@@ -10986,6 +10949,54 @@
           </a:p>
         </p:txBody>
       </p:sp>
+      <p:sp>
+        <p:nvSpPr>
+          <p:cNvPr id="17" name="직사각형 16"/>
+          <p:cNvSpPr/>
+          <p:nvPr/>
+        </p:nvSpPr>
+        <p:spPr>
+          <a:xfrm>
+            <a:off x="342899" y="771525"/>
+            <a:ext cx="1304925" cy="507831"/>
+          </a:xfrm>
+          <a:prstGeom prst="rect">
+            <a:avLst/>
+          </a:prstGeom>
+        </p:spPr>
+        <p:txBody>
+          <a:bodyPr wrap="square">
+            <a:spAutoFit/>
+          </a:bodyPr>
+          <a:lstStyle/>
+          <a:p>
+            <a:pPr algn="ctr">
+              <a:lnSpc>
+                <a:spcPct val="150000"/>
+              </a:lnSpc>
+            </a:pPr>
+            <a:r>
+              <a:rPr lang="en-US" altLang="ko-KR" b="1" i="1" u="sng" dirty="0" err="1" smtClean="0">
+                <a:solidFill>
+                  <a:prstClr val="black">
+                    <a:lumMod val="75000"/>
+                    <a:lumOff val="25000"/>
+                  </a:prstClr>
+                </a:solidFill>
+              </a:rPr>
+              <a:t>Winform</a:t>
+            </a:r>
+            <a:endParaRPr lang="en-US" altLang="ko-KR" b="1" i="1" u="sng" dirty="0">
+              <a:solidFill>
+                <a:prstClr val="black">
+                  <a:lumMod val="75000"/>
+                  <a:lumOff val="25000"/>
+                </a:prstClr>
+              </a:solidFill>
+            </a:endParaRPr>
+          </a:p>
+        </p:txBody>
+      </p:sp>
       <p:cxnSp>
         <p:nvCxnSpPr>
           <p:cNvPr id="4" name="직선 연결선 3"/>
@@ -10996,9 +11007,9 @@
           <p:nvPr/>
         </p:nvCxnSpPr>
         <p:spPr>
-          <a:xfrm>
-            <a:off x="6506935" y="2159453"/>
-            <a:ext cx="1850266" cy="797311"/>
+          <a:xfrm flipV="1">
+            <a:off x="3530220" y="1476365"/>
+            <a:ext cx="4026881" cy="3562360"/>
           </a:xfrm>
           <a:prstGeom prst="line">
             <a:avLst/>
@@ -11026,14 +11037,14 @@
       </p:cxnSp>
       <p:sp>
         <p:nvSpPr>
-          <p:cNvPr id="23" name="모서리가 둥근 직사각형 22"/>
+          <p:cNvPr id="13" name="모서리가 둥근 직사각형 12"/>
           <p:cNvSpPr/>
           <p:nvPr/>
         </p:nvSpPr>
         <p:spPr>
           <a:xfrm>
-            <a:off x="4223656" y="2471056"/>
-            <a:ext cx="2085975" cy="2443844"/>
+            <a:off x="7557101" y="1238230"/>
+            <a:ext cx="2729899" cy="476269"/>
           </a:xfrm>
           <a:prstGeom prst="roundRect">
             <a:avLst/>
@@ -11062,52 +11073,6 @@
           </a:fontRef>
         </p:style>
         <p:txBody>
-          <a:bodyPr rtlCol="0" anchor="ctr"/>
-          <a:lstStyle/>
-          <a:p>
-            <a:pPr algn="ctr"/>
-            <a:endParaRPr lang="ko-KR" altLang="en-US"/>
-          </a:p>
-        </p:txBody>
-      </p:sp>
-      <p:sp>
-        <p:nvSpPr>
-          <p:cNvPr id="13" name="모서리가 둥근 직사각형 12"/>
-          <p:cNvSpPr/>
-          <p:nvPr/>
-        </p:nvSpPr>
-        <p:spPr>
-          <a:xfrm>
-            <a:off x="8357201" y="2619987"/>
-            <a:ext cx="1468543" cy="673553"/>
-          </a:xfrm>
-          <a:prstGeom prst="roundRect">
-            <a:avLst/>
-          </a:prstGeom>
-          <a:noFill/>
-          <a:ln w="25400">
-            <a:solidFill>
-              <a:srgbClr val="27AECB"/>
-            </a:solidFill>
-          </a:ln>
-        </p:spPr>
-        <p:style>
-          <a:lnRef idx="2">
-            <a:schemeClr val="accent1">
-              <a:shade val="50000"/>
-            </a:schemeClr>
-          </a:lnRef>
-          <a:fillRef idx="1">
-            <a:schemeClr val="accent1"/>
-          </a:fillRef>
-          <a:effectRef idx="0">
-            <a:schemeClr val="accent1"/>
-          </a:effectRef>
-          <a:fontRef idx="minor">
-            <a:schemeClr val="lt1"/>
-          </a:fontRef>
-        </p:style>
-        <p:txBody>
           <a:bodyPr rot="0" spcFirstLastPara="0" vertOverflow="overflow" horzOverflow="overflow" vert="horz" wrap="square" lIns="91440" tIns="45720" rIns="91440" bIns="45720" numCol="1" spcCol="0" rtlCol="0" fromWordArt="0" anchor="ctr" anchorCtr="0" forceAA="0" compatLnSpc="1">
             <a:prstTxWarp prst="textNoShape">
               <a:avLst/>
@@ -11123,93 +11088,182 @@
       </p:sp>
       <p:sp>
         <p:nvSpPr>
-          <p:cNvPr id="29" name="모서리가 둥근 직사각형 28"/>
-          <p:cNvSpPr/>
-          <p:nvPr/>
-        </p:nvSpPr>
-        <p:spPr>
-          <a:xfrm>
-            <a:off x="8117891" y="3685801"/>
-            <a:ext cx="2779411" cy="673553"/>
-          </a:xfrm>
-          <a:prstGeom prst="roundRect">
+          <p:cNvPr id="20" name="TextBox 19"/>
+          <p:cNvSpPr txBox="1"/>
+          <p:nvPr/>
+        </p:nvSpPr>
+        <p:spPr>
+          <a:xfrm>
+            <a:off x="7750475" y="1266193"/>
+            <a:ext cx="2343150" cy="415498"/>
+          </a:xfrm>
+          <a:prstGeom prst="rect">
             <a:avLst/>
           </a:prstGeom>
           <a:noFill/>
-          <a:ln w="25400">
-            <a:solidFill>
-              <a:srgbClr val="27AECB"/>
-            </a:solidFill>
-          </a:ln>
-        </p:spPr>
-        <p:style>
-          <a:lnRef idx="2">
-            <a:schemeClr val="accent1">
-              <a:shade val="50000"/>
-            </a:schemeClr>
-          </a:lnRef>
-          <a:fillRef idx="1">
-            <a:schemeClr val="accent1"/>
-          </a:fillRef>
-          <a:effectRef idx="0">
-            <a:schemeClr val="accent1"/>
-          </a:effectRef>
-          <a:fontRef idx="minor">
-            <a:schemeClr val="lt1"/>
-          </a:fontRef>
-        </p:style>
-        <p:txBody>
-          <a:bodyPr rot="0" spcFirstLastPara="0" vertOverflow="overflow" horzOverflow="overflow" vert="horz" wrap="square" lIns="91440" tIns="45720" rIns="91440" bIns="45720" numCol="1" spcCol="0" rtlCol="0" fromWordArt="0" anchor="ctr" anchorCtr="0" forceAA="0" compatLnSpc="1">
-            <a:prstTxWarp prst="textNoShape">
-              <a:avLst/>
-            </a:prstTxWarp>
-            <a:noAutofit/>
+        </p:spPr>
+        <p:txBody>
+          <a:bodyPr wrap="square" rtlCol="0">
+            <a:spAutoFit/>
           </a:bodyPr>
           <a:lstStyle/>
           <a:p>
-            <a:pPr algn="ctr"/>
-            <a:endParaRPr lang="ko-KR" altLang="en-US"/>
-          </a:p>
-        </p:txBody>
-      </p:sp>
-      <p:cxnSp>
-        <p:nvCxnSpPr>
-          <p:cNvPr id="31" name="직선 연결선 30"/>
-          <p:cNvCxnSpPr>
-            <a:stCxn id="23" idx="3"/>
-            <a:endCxn id="29" idx="1"/>
-          </p:cNvCxnSpPr>
-          <p:nvPr/>
-        </p:nvCxnSpPr>
-        <p:spPr>
-          <a:xfrm>
-            <a:off x="6309631" y="3692978"/>
-            <a:ext cx="1808260" cy="329600"/>
-          </a:xfrm>
-          <a:prstGeom prst="line">
+            <a:pPr algn="ctr">
+              <a:lnSpc>
+                <a:spcPct val="150000"/>
+              </a:lnSpc>
+            </a:pPr>
+            <a:r>
+              <a:rPr lang="en-US" altLang="ko-KR" sz="1400" b="1" dirty="0" smtClean="0">
+                <a:solidFill>
+                  <a:prstClr val="black">
+                    <a:lumMod val="75000"/>
+                    <a:lumOff val="25000"/>
+                  </a:prstClr>
+                </a:solidFill>
+              </a:rPr>
+              <a:t>MSSQL</a:t>
+            </a:r>
+            <a:r>
+              <a:rPr lang="ko-KR" altLang="en-US" sz="1400" b="1" dirty="0">
+                <a:solidFill>
+                  <a:prstClr val="black">
+                    <a:lumMod val="75000"/>
+                    <a:lumOff val="25000"/>
+                  </a:prstClr>
+                </a:solidFill>
+              </a:rPr>
+              <a:t> </a:t>
+            </a:r>
+            <a:r>
+              <a:rPr lang="en-US" altLang="ko-KR" sz="1400" b="1" dirty="0" smtClean="0">
+                <a:solidFill>
+                  <a:prstClr val="black">
+                    <a:lumMod val="75000"/>
+                    <a:lumOff val="25000"/>
+                  </a:prstClr>
+                </a:solidFill>
+              </a:rPr>
+              <a:t>DATA</a:t>
+            </a:r>
+            <a:r>
+              <a:rPr lang="ko-KR" altLang="en-US" sz="1400" b="1" dirty="0" smtClean="0">
+                <a:solidFill>
+                  <a:prstClr val="black">
+                    <a:lumMod val="75000"/>
+                    <a:lumOff val="25000"/>
+                  </a:prstClr>
+                </a:solidFill>
+              </a:rPr>
+              <a:t> 저장</a:t>
+            </a:r>
+            <a:endParaRPr lang="ko-KR" altLang="en-US" sz="900" dirty="0">
+              <a:solidFill>
+                <a:prstClr val="black">
+                  <a:lumMod val="75000"/>
+                  <a:lumOff val="25000"/>
+                </a:prstClr>
+              </a:solidFill>
+            </a:endParaRPr>
+          </a:p>
+        </p:txBody>
+      </p:sp>
+      <p:pic>
+        <p:nvPicPr>
+          <p:cNvPr id="19" name="그림 18"/>
+          <p:cNvPicPr>
+            <a:picLocks noChangeAspect="1"/>
+          </p:cNvPicPr>
+          <p:nvPr/>
+        </p:nvPicPr>
+        <p:blipFill>
+          <a:blip r:embed="rId3"/>
+          <a:stretch>
+            <a:fillRect/>
+          </a:stretch>
+        </p:blipFill>
+        <p:spPr>
+          <a:xfrm>
+            <a:off x="6463952" y="3413250"/>
+            <a:ext cx="3823048" cy="2933680"/>
+          </a:xfrm>
+          <a:prstGeom prst="rect">
             <a:avLst/>
           </a:prstGeom>
-          <a:ln w="15875">
-            <a:solidFill>
-              <a:srgbClr val="27AECB"/>
-            </a:solidFill>
-          </a:ln>
-        </p:spPr>
-        <p:style>
-          <a:lnRef idx="1">
-            <a:schemeClr val="accent1"/>
-          </a:lnRef>
-          <a:fillRef idx="0">
-            <a:schemeClr val="accent1"/>
-          </a:fillRef>
-          <a:effectRef idx="0">
-            <a:schemeClr val="accent1"/>
-          </a:effectRef>
-          <a:fontRef idx="minor">
-            <a:schemeClr val="tx1"/>
-          </a:fontRef>
-        </p:style>
-      </p:cxnSp>
+        </p:spPr>
+      </p:pic>
+      <p:sp>
+        <p:nvSpPr>
+          <p:cNvPr id="21" name="TextBox 20"/>
+          <p:cNvSpPr txBox="1"/>
+          <p:nvPr/>
+        </p:nvSpPr>
+        <p:spPr>
+          <a:xfrm>
+            <a:off x="342000" y="6376190"/>
+            <a:ext cx="3115575" cy="261610"/>
+          </a:xfrm>
+          <a:prstGeom prst="rect">
+            <a:avLst/>
+          </a:prstGeom>
+          <a:noFill/>
+        </p:spPr>
+        <p:txBody>
+          <a:bodyPr wrap="square" rtlCol="0">
+            <a:spAutoFit/>
+          </a:bodyPr>
+          <a:lstStyle/>
+          <a:p>
+            <a:r>
+              <a:rPr lang="ko-KR" altLang="en-US" sz="1100" dirty="0" smtClean="0">
+                <a:solidFill>
+                  <a:prstClr val="black">
+                    <a:lumMod val="75000"/>
+                    <a:lumOff val="25000"/>
+                  </a:prstClr>
+                </a:solidFill>
+              </a:rPr>
+              <a:t>코드가 긴 관계로 주요 코드만 적었습니다</a:t>
+            </a:r>
+            <a:r>
+              <a:rPr lang="en-US" altLang="ko-KR" sz="1100" dirty="0" smtClean="0">
+                <a:solidFill>
+                  <a:prstClr val="black">
+                    <a:lumMod val="75000"/>
+                    <a:lumOff val="25000"/>
+                  </a:prstClr>
+                </a:solidFill>
+              </a:rPr>
+              <a:t>.</a:t>
+            </a:r>
+            <a:endParaRPr lang="ko-KR" altLang="en-US" sz="1100" dirty="0"/>
+          </a:p>
+        </p:txBody>
+      </p:sp>
+      <p:pic>
+        <p:nvPicPr>
+          <p:cNvPr id="3" name="그림 2"/>
+          <p:cNvPicPr>
+            <a:picLocks noChangeAspect="1"/>
+          </p:cNvPicPr>
+          <p:nvPr/>
+        </p:nvPicPr>
+        <p:blipFill>
+          <a:blip r:embed="rId4"/>
+          <a:stretch>
+            <a:fillRect/>
+          </a:stretch>
+        </p:blipFill>
+        <p:spPr>
+          <a:xfrm>
+            <a:off x="6751592" y="2164462"/>
+            <a:ext cx="4755053" cy="1509961"/>
+          </a:xfrm>
+          <a:prstGeom prst="rect">
+            <a:avLst/>
+          </a:prstGeom>
+        </p:spPr>
+      </p:pic>
     </p:spTree>
     <p:extLst>
       <p:ext uri="{BB962C8B-B14F-4D97-AF65-F5344CB8AC3E}">
@@ -11374,14 +11428,14 @@
       </p:sp>
       <p:sp>
         <p:nvSpPr>
-          <p:cNvPr id="2" name="모서리가 둥근 직사각형 1"/>
+          <p:cNvPr id="29" name="모서리가 둥근 직사각형 28"/>
           <p:cNvSpPr/>
           <p:nvPr/>
         </p:nvSpPr>
         <p:spPr>
           <a:xfrm>
-            <a:off x="1654628" y="1926771"/>
-            <a:ext cx="394607" cy="318407"/>
+            <a:off x="7556400" y="1238400"/>
+            <a:ext cx="2822400" cy="475200"/>
           </a:xfrm>
           <a:prstGeom prst="roundRect">
             <a:avLst/>
@@ -11410,7 +11464,12 @@
           </a:fontRef>
         </p:style>
         <p:txBody>
-          <a:bodyPr rtlCol="0" anchor="ctr"/>
+          <a:bodyPr rot="0" spcFirstLastPara="0" vertOverflow="overflow" horzOverflow="overflow" vert="horz" wrap="square" lIns="91440" tIns="45720" rIns="91440" bIns="45720" numCol="1" spcCol="0" rtlCol="0" fromWordArt="0" anchor="ctr" anchorCtr="0" forceAA="0" compatLnSpc="1">
+            <a:prstTxWarp prst="textNoShape">
+              <a:avLst/>
+            </a:prstTxWarp>
+            <a:noAutofit/>
+          </a:bodyPr>
           <a:lstStyle/>
           <a:p>
             <a:pPr algn="ctr"/>
@@ -11418,44 +11477,112 @@
           </a:p>
         </p:txBody>
       </p:sp>
-      <p:cxnSp>
-        <p:nvCxnSpPr>
-          <p:cNvPr id="4" name="직선 연결선 3"/>
-          <p:cNvCxnSpPr>
-            <a:stCxn id="2" idx="3"/>
-            <a:endCxn id="13" idx="1"/>
-          </p:cNvCxnSpPr>
-          <p:nvPr/>
-        </p:nvCxnSpPr>
-        <p:spPr>
-          <a:xfrm>
-            <a:off x="2049235" y="2085975"/>
-            <a:ext cx="6363579" cy="660750"/>
-          </a:xfrm>
-          <a:prstGeom prst="line">
+      <p:sp>
+        <p:nvSpPr>
+          <p:cNvPr id="17" name="TextBox 16"/>
+          <p:cNvSpPr txBox="1"/>
+          <p:nvPr/>
+        </p:nvSpPr>
+        <p:spPr>
+          <a:xfrm>
+            <a:off x="7750800" y="1267200"/>
+            <a:ext cx="2343150" cy="415498"/>
+          </a:xfrm>
+          <a:prstGeom prst="rect">
             <a:avLst/>
           </a:prstGeom>
-          <a:ln w="15875">
-            <a:solidFill>
-              <a:srgbClr val="27AECB"/>
-            </a:solidFill>
-          </a:ln>
-        </p:spPr>
-        <p:style>
-          <a:lnRef idx="1">
-            <a:schemeClr val="accent1"/>
-          </a:lnRef>
-          <a:fillRef idx="0">
-            <a:schemeClr val="accent1"/>
-          </a:fillRef>
-          <a:effectRef idx="0">
-            <a:schemeClr val="accent1"/>
-          </a:effectRef>
-          <a:fontRef idx="minor">
-            <a:schemeClr val="tx1"/>
-          </a:fontRef>
-        </p:style>
-      </p:cxnSp>
+          <a:noFill/>
+        </p:spPr>
+        <p:txBody>
+          <a:bodyPr wrap="square" rtlCol="0">
+            <a:spAutoFit/>
+          </a:bodyPr>
+          <a:lstStyle/>
+          <a:p>
+            <a:pPr algn="ctr">
+              <a:lnSpc>
+                <a:spcPct val="150000"/>
+              </a:lnSpc>
+            </a:pPr>
+            <a:r>
+              <a:rPr lang="en-US" altLang="ko-KR" sz="1400" b="1" dirty="0" smtClean="0">
+                <a:solidFill>
+                  <a:prstClr val="black">
+                    <a:lumMod val="75000"/>
+                    <a:lumOff val="25000"/>
+                  </a:prstClr>
+                </a:solidFill>
+              </a:rPr>
+              <a:t>MSSQL</a:t>
+            </a:r>
+            <a:r>
+              <a:rPr lang="ko-KR" altLang="en-US" sz="1400" b="1" dirty="0" smtClean="0">
+                <a:solidFill>
+                  <a:prstClr val="black">
+                    <a:lumMod val="75000"/>
+                    <a:lumOff val="25000"/>
+                  </a:prstClr>
+                </a:solidFill>
+              </a:rPr>
+              <a:t> </a:t>
+            </a:r>
+            <a:r>
+              <a:rPr lang="en-US" altLang="ko-KR" sz="1400" b="1" dirty="0" smtClean="0">
+                <a:solidFill>
+                  <a:prstClr val="black">
+                    <a:lumMod val="75000"/>
+                    <a:lumOff val="25000"/>
+                  </a:prstClr>
+                </a:solidFill>
+              </a:rPr>
+              <a:t>DATA</a:t>
+            </a:r>
+            <a:r>
+              <a:rPr lang="ko-KR" altLang="en-US" sz="1400" b="1" dirty="0" smtClean="0">
+                <a:solidFill>
+                  <a:prstClr val="black">
+                    <a:lumMod val="75000"/>
+                    <a:lumOff val="25000"/>
+                  </a:prstClr>
+                </a:solidFill>
+              </a:rPr>
+              <a:t> 수정</a:t>
+            </a:r>
+            <a:endParaRPr lang="ko-KR" altLang="en-US" sz="900" dirty="0">
+              <a:solidFill>
+                <a:prstClr val="black">
+                  <a:lumMod val="75000"/>
+                  <a:lumOff val="25000"/>
+                </a:prstClr>
+              </a:solidFill>
+            </a:endParaRPr>
+          </a:p>
+        </p:txBody>
+      </p:sp>
+      <p:pic>
+        <p:nvPicPr>
+          <p:cNvPr id="3" name="그림 2"/>
+          <p:cNvPicPr>
+            <a:picLocks noChangeAspect="1"/>
+          </p:cNvPicPr>
+          <p:nvPr/>
+        </p:nvPicPr>
+        <p:blipFill>
+          <a:blip r:embed="rId2"/>
+          <a:stretch>
+            <a:fillRect/>
+          </a:stretch>
+        </p:blipFill>
+        <p:spPr>
+          <a:xfrm>
+            <a:off x="931158" y="1695030"/>
+            <a:ext cx="4919662" cy="3022339"/>
+          </a:xfrm>
+          <a:prstGeom prst="rect">
+            <a:avLst/>
+          </a:prstGeom>
+        </p:spPr>
+      </p:pic>
       <p:sp>
         <p:nvSpPr>
           <p:cNvPr id="23" name="모서리가 둥근 직사각형 22"/>
@@ -11464,8 +11591,8 @@
         </p:nvSpPr>
         <p:spPr>
           <a:xfrm>
-            <a:off x="2428013" y="4148137"/>
-            <a:ext cx="1082630" cy="569232"/>
+            <a:off x="2437538" y="4224791"/>
+            <a:ext cx="648562" cy="440644"/>
           </a:xfrm>
           <a:prstGeom prst="roundRect">
             <a:avLst/>
@@ -11502,157 +11629,6 @@
           </a:p>
         </p:txBody>
       </p:sp>
-      <p:sp>
-        <p:nvSpPr>
-          <p:cNvPr id="13" name="모서리가 둥근 직사각형 12"/>
-          <p:cNvSpPr/>
-          <p:nvPr/>
-        </p:nvSpPr>
-        <p:spPr>
-          <a:xfrm>
-            <a:off x="8412814" y="2409948"/>
-            <a:ext cx="1468543" cy="673553"/>
-          </a:xfrm>
-          <a:prstGeom prst="roundRect">
-            <a:avLst/>
-          </a:prstGeom>
-          <a:noFill/>
-          <a:ln w="25400">
-            <a:solidFill>
-              <a:srgbClr val="27AECB"/>
-            </a:solidFill>
-          </a:ln>
-        </p:spPr>
-        <p:style>
-          <a:lnRef idx="2">
-            <a:schemeClr val="accent1">
-              <a:shade val="50000"/>
-            </a:schemeClr>
-          </a:lnRef>
-          <a:fillRef idx="1">
-            <a:schemeClr val="accent1"/>
-          </a:fillRef>
-          <a:effectRef idx="0">
-            <a:schemeClr val="accent1"/>
-          </a:effectRef>
-          <a:fontRef idx="minor">
-            <a:schemeClr val="lt1"/>
-          </a:fontRef>
-        </p:style>
-        <p:txBody>
-          <a:bodyPr rot="0" spcFirstLastPara="0" vertOverflow="overflow" horzOverflow="overflow" vert="horz" wrap="square" lIns="91440" tIns="45720" rIns="91440" bIns="45720" numCol="1" spcCol="0" rtlCol="0" fromWordArt="0" anchor="ctr" anchorCtr="0" forceAA="0" compatLnSpc="1">
-            <a:prstTxWarp prst="textNoShape">
-              <a:avLst/>
-            </a:prstTxWarp>
-            <a:noAutofit/>
-          </a:bodyPr>
-          <a:lstStyle/>
-          <a:p>
-            <a:pPr algn="ctr"/>
-            <a:endParaRPr lang="ko-KR" altLang="en-US"/>
-          </a:p>
-        </p:txBody>
-      </p:sp>
-      <p:sp>
-        <p:nvSpPr>
-          <p:cNvPr id="29" name="모서리가 둥근 직사각형 28"/>
-          <p:cNvSpPr/>
-          <p:nvPr/>
-        </p:nvSpPr>
-        <p:spPr>
-          <a:xfrm>
-            <a:off x="8139070" y="3474968"/>
-            <a:ext cx="2779411" cy="673553"/>
-          </a:xfrm>
-          <a:prstGeom prst="roundRect">
-            <a:avLst/>
-          </a:prstGeom>
-          <a:noFill/>
-          <a:ln w="25400">
-            <a:solidFill>
-              <a:srgbClr val="27AECB"/>
-            </a:solidFill>
-          </a:ln>
-        </p:spPr>
-        <p:style>
-          <a:lnRef idx="2">
-            <a:schemeClr val="accent1">
-              <a:shade val="50000"/>
-            </a:schemeClr>
-          </a:lnRef>
-          <a:fillRef idx="1">
-            <a:schemeClr val="accent1"/>
-          </a:fillRef>
-          <a:effectRef idx="0">
-            <a:schemeClr val="accent1"/>
-          </a:effectRef>
-          <a:fontRef idx="minor">
-            <a:schemeClr val="lt1"/>
-          </a:fontRef>
-        </p:style>
-        <p:txBody>
-          <a:bodyPr rot="0" spcFirstLastPara="0" vertOverflow="overflow" horzOverflow="overflow" vert="horz" wrap="square" lIns="91440" tIns="45720" rIns="91440" bIns="45720" numCol="1" spcCol="0" rtlCol="0" fromWordArt="0" anchor="ctr" anchorCtr="0" forceAA="0" compatLnSpc="1">
-            <a:prstTxWarp prst="textNoShape">
-              <a:avLst/>
-            </a:prstTxWarp>
-            <a:noAutofit/>
-          </a:bodyPr>
-          <a:lstStyle/>
-          <a:p>
-            <a:pPr algn="ctr"/>
-            <a:endParaRPr lang="ko-KR" altLang="en-US"/>
-          </a:p>
-        </p:txBody>
-      </p:sp>
-      <p:sp>
-        <p:nvSpPr>
-          <p:cNvPr id="17" name="TextBox 16"/>
-          <p:cNvSpPr txBox="1"/>
-          <p:nvPr/>
-        </p:nvSpPr>
-        <p:spPr>
-          <a:xfrm>
-            <a:off x="8378379" y="3574156"/>
-            <a:ext cx="2343150" cy="454292"/>
-          </a:xfrm>
-          <a:prstGeom prst="rect">
-            <a:avLst/>
-          </a:prstGeom>
-          <a:noFill/>
-        </p:spPr>
-        <p:txBody>
-          <a:bodyPr wrap="square" rtlCol="0">
-            <a:spAutoFit/>
-          </a:bodyPr>
-          <a:lstStyle/>
-          <a:p>
-            <a:pPr algn="ctr">
-              <a:lnSpc>
-                <a:spcPct val="150000"/>
-              </a:lnSpc>
-            </a:pPr>
-            <a:r>
-              <a:rPr lang="ko-KR" altLang="en-US" b="1" dirty="0" smtClean="0">
-                <a:solidFill>
-                  <a:prstClr val="black">
-                    <a:lumMod val="75000"/>
-                    <a:lumOff val="25000"/>
-                  </a:prstClr>
-                </a:solidFill>
-              </a:rPr>
-              <a:t>텍스트 저장</a:t>
-            </a:r>
-            <a:endParaRPr lang="ko-KR" altLang="en-US" sz="1050" dirty="0">
-              <a:solidFill>
-                <a:prstClr val="black">
-                  <a:lumMod val="75000"/>
-                  <a:lumOff val="25000"/>
-                </a:prstClr>
-              </a:solidFill>
-            </a:endParaRPr>
-          </a:p>
-        </p:txBody>
-      </p:sp>
       <p:cxnSp>
         <p:nvCxnSpPr>
           <p:cNvPr id="31" name="직선 연결선 30"/>
@@ -11664,8 +11640,8 @@
         </p:nvCxnSpPr>
         <p:spPr>
           <a:xfrm flipV="1">
-            <a:off x="3510643" y="3811745"/>
-            <a:ext cx="4628427" cy="621008"/>
+            <a:off x="3086100" y="1476000"/>
+            <a:ext cx="4470300" cy="2969113"/>
           </a:xfrm>
           <a:prstGeom prst="line">
             <a:avLst/>
@@ -11691,6 +11667,150 @@
           </a:fontRef>
         </p:style>
       </p:cxnSp>
+      <p:pic>
+        <p:nvPicPr>
+          <p:cNvPr id="14" name="그림 13"/>
+          <p:cNvPicPr>
+            <a:picLocks noChangeAspect="1"/>
+          </p:cNvPicPr>
+          <p:nvPr/>
+        </p:nvPicPr>
+        <p:blipFill>
+          <a:blip r:embed="rId3"/>
+          <a:stretch>
+            <a:fillRect/>
+          </a:stretch>
+        </p:blipFill>
+        <p:spPr>
+          <a:xfrm>
+            <a:off x="7633813" y="1910436"/>
+            <a:ext cx="3713726" cy="2138362"/>
+          </a:xfrm>
+          <a:prstGeom prst="rect">
+            <a:avLst/>
+          </a:prstGeom>
+        </p:spPr>
+      </p:pic>
+      <p:pic>
+        <p:nvPicPr>
+          <p:cNvPr id="15" name="그림 14"/>
+          <p:cNvPicPr>
+            <a:picLocks noChangeAspect="1"/>
+          </p:cNvPicPr>
+          <p:nvPr/>
+        </p:nvPicPr>
+        <p:blipFill>
+          <a:blip r:embed="rId4"/>
+          <a:stretch>
+            <a:fillRect/>
+          </a:stretch>
+        </p:blipFill>
+        <p:spPr>
+          <a:xfrm>
+            <a:off x="6315893" y="3032181"/>
+            <a:ext cx="4143377" cy="3422507"/>
+          </a:xfrm>
+          <a:prstGeom prst="rect">
+            <a:avLst/>
+          </a:prstGeom>
+        </p:spPr>
+      </p:pic>
+      <p:sp>
+        <p:nvSpPr>
+          <p:cNvPr id="24" name="직사각형 23"/>
+          <p:cNvSpPr/>
+          <p:nvPr/>
+        </p:nvSpPr>
+        <p:spPr>
+          <a:xfrm>
+            <a:off x="342899" y="771525"/>
+            <a:ext cx="1304925" cy="507831"/>
+          </a:xfrm>
+          <a:prstGeom prst="rect">
+            <a:avLst/>
+          </a:prstGeom>
+        </p:spPr>
+        <p:txBody>
+          <a:bodyPr wrap="square">
+            <a:spAutoFit/>
+          </a:bodyPr>
+          <a:lstStyle/>
+          <a:p>
+            <a:pPr algn="ctr">
+              <a:lnSpc>
+                <a:spcPct val="150000"/>
+              </a:lnSpc>
+            </a:pPr>
+            <a:r>
+              <a:rPr lang="en-US" altLang="ko-KR" b="1" i="1" u="sng" dirty="0" err="1" smtClean="0">
+                <a:solidFill>
+                  <a:prstClr val="black">
+                    <a:lumMod val="75000"/>
+                    <a:lumOff val="25000"/>
+                  </a:prstClr>
+                </a:solidFill>
+              </a:rPr>
+              <a:t>Winform</a:t>
+            </a:r>
+            <a:endParaRPr lang="en-US" altLang="ko-KR" b="1" i="1" u="sng" dirty="0">
+              <a:solidFill>
+                <a:prstClr val="black">
+                  <a:lumMod val="75000"/>
+                  <a:lumOff val="25000"/>
+                </a:prstClr>
+              </a:solidFill>
+            </a:endParaRPr>
+          </a:p>
+        </p:txBody>
+      </p:sp>
+      <p:sp>
+        <p:nvSpPr>
+          <p:cNvPr id="25" name="TextBox 24"/>
+          <p:cNvSpPr txBox="1"/>
+          <p:nvPr/>
+        </p:nvSpPr>
+        <p:spPr>
+          <a:xfrm>
+            <a:off x="342000" y="6376190"/>
+            <a:ext cx="3115575" cy="261610"/>
+          </a:xfrm>
+          <a:prstGeom prst="rect">
+            <a:avLst/>
+          </a:prstGeom>
+          <a:noFill/>
+        </p:spPr>
+        <p:txBody>
+          <a:bodyPr wrap="square" rtlCol="0">
+            <a:spAutoFit/>
+          </a:bodyPr>
+          <a:lstStyle/>
+          <a:p>
+            <a:r>
+              <a:rPr lang="ko-KR" altLang="en-US" sz="1100" dirty="0" smtClean="0">
+                <a:solidFill>
+                  <a:prstClr val="black">
+                    <a:lumMod val="75000"/>
+                    <a:lumOff val="25000"/>
+                  </a:prstClr>
+                </a:solidFill>
+              </a:rPr>
+              <a:t>코드가 긴 관계로 주요 코드만 적었습니다</a:t>
+            </a:r>
+            <a:r>
+              <a:rPr lang="en-US" altLang="ko-KR" sz="1100" dirty="0" smtClean="0">
+                <a:solidFill>
+                  <a:prstClr val="black">
+                    <a:lumMod val="75000"/>
+                    <a:lumOff val="25000"/>
+                  </a:prstClr>
+                </a:solidFill>
+              </a:rPr>
+              <a:t>.</a:t>
+            </a:r>
+            <a:endParaRPr lang="ko-KR" altLang="en-US" sz="1100" dirty="0"/>
+          </a:p>
+        </p:txBody>
+      </p:sp>
     </p:spTree>
     <p:extLst>
       <p:ext uri="{BB962C8B-B14F-4D97-AF65-F5344CB8AC3E}">
@@ -11853,80 +11973,16 @@
           </a:p>
         </p:txBody>
       </p:sp>
-      <p:pic>
-        <p:nvPicPr>
-          <p:cNvPr id="3074" name="Picture 2"/>
-          <p:cNvPicPr>
-            <a:picLocks noChangeAspect="1" noChangeArrowheads="1"/>
-          </p:cNvPicPr>
-          <p:nvPr/>
-        </p:nvPicPr>
-        <p:blipFill>
-          <a:blip r:embed="rId2">
-            <a:extLst>
-              <a:ext uri="{28A0092B-C50C-407E-A947-70E740481C1C}">
-                <a14:useLocalDpi xmlns:a14="http://schemas.microsoft.com/office/drawing/2010/main" val="0"/>
-              </a:ext>
-            </a:extLst>
-          </a:blip>
-          <a:srcRect/>
-          <a:stretch>
-            <a:fillRect/>
-          </a:stretch>
-        </p:blipFill>
-        <p:spPr bwMode="auto">
-          <a:xfrm>
-            <a:off x="881238" y="1771650"/>
-            <a:ext cx="5508819" cy="3107191"/>
-          </a:xfrm>
-          <a:prstGeom prst="rect">
-            <a:avLst/>
-          </a:prstGeom>
-          <a:noFill/>
-          <a:ln>
-            <a:noFill/>
-          </a:ln>
-          <a:effectLst/>
-          <a:extLst>
-            <a:ext uri="{909E8E84-426E-40DD-AFC4-6F175D3DCCD1}">
-              <a14:hiddenFill xmlns:a14="http://schemas.microsoft.com/office/drawing/2010/main">
-                <a:solidFill>
-                  <a:schemeClr val="accent1"/>
-                </a:solidFill>
-              </a14:hiddenFill>
-            </a:ext>
-            <a:ext uri="{91240B29-F687-4F45-9708-019B960494DF}">
-              <a14:hiddenLine xmlns:a14="http://schemas.microsoft.com/office/drawing/2010/main" w="9525">
-                <a:solidFill>
-                  <a:schemeClr val="tx1"/>
-                </a:solidFill>
-                <a:miter lim="800000"/>
-                <a:headEnd/>
-                <a:tailEnd/>
-              </a14:hiddenLine>
-            </a:ext>
-            <a:ext uri="{AF507438-7753-43E0-B8FC-AC1667EBCBE1}">
-              <a14:hiddenEffects xmlns:a14="http://schemas.microsoft.com/office/drawing/2010/main">
-                <a:effectLst>
-                  <a:outerShdw dist="35921" dir="2700000" algn="ctr" rotWithShape="0">
-                    <a:schemeClr val="bg2"/>
-                  </a:outerShdw>
-                </a:effectLst>
-              </a14:hiddenEffects>
-            </a:ext>
-          </a:extLst>
-        </p:spPr>
-      </p:pic>
-      <p:sp>
-        <p:nvSpPr>
-          <p:cNvPr id="2" name="모서리가 둥근 직사각형 1"/>
+      <p:sp>
+        <p:nvSpPr>
+          <p:cNvPr id="29" name="모서리가 둥근 직사각형 28"/>
           <p:cNvSpPr/>
           <p:nvPr/>
         </p:nvSpPr>
         <p:spPr>
           <a:xfrm>
-            <a:off x="1654628" y="1926771"/>
-            <a:ext cx="394607" cy="318407"/>
+            <a:off x="7556400" y="1238400"/>
+            <a:ext cx="2822400" cy="475200"/>
           </a:xfrm>
           <a:prstGeom prst="roundRect">
             <a:avLst/>
@@ -11955,7 +12011,12 @@
           </a:fontRef>
         </p:style>
         <p:txBody>
-          <a:bodyPr rtlCol="0" anchor="ctr"/>
+          <a:bodyPr rot="0" spcFirstLastPara="0" vertOverflow="overflow" horzOverflow="overflow" vert="horz" wrap="square" lIns="91440" tIns="45720" rIns="91440" bIns="45720" numCol="1" spcCol="0" rtlCol="0" fromWordArt="0" anchor="ctr" anchorCtr="0" forceAA="0" compatLnSpc="1">
+            <a:prstTxWarp prst="textNoShape">
+              <a:avLst/>
+            </a:prstTxWarp>
+            <a:noAutofit/>
+          </a:bodyPr>
           <a:lstStyle/>
           <a:p>
             <a:pPr algn="ctr"/>
@@ -11963,44 +12024,30 @@
           </a:p>
         </p:txBody>
       </p:sp>
-      <p:cxnSp>
-        <p:nvCxnSpPr>
-          <p:cNvPr id="4" name="직선 연결선 3"/>
-          <p:cNvCxnSpPr>
-            <a:stCxn id="2" idx="3"/>
-            <a:endCxn id="13" idx="1"/>
-          </p:cNvCxnSpPr>
-          <p:nvPr/>
-        </p:nvCxnSpPr>
-        <p:spPr>
-          <a:xfrm>
-            <a:off x="2049235" y="2085975"/>
-            <a:ext cx="6363579" cy="660750"/>
-          </a:xfrm>
-          <a:prstGeom prst="line">
+      <p:pic>
+        <p:nvPicPr>
+          <p:cNvPr id="3" name="그림 2"/>
+          <p:cNvPicPr>
+            <a:picLocks noChangeAspect="1"/>
+          </p:cNvPicPr>
+          <p:nvPr/>
+        </p:nvPicPr>
+        <p:blipFill>
+          <a:blip r:embed="rId2"/>
+          <a:stretch>
+            <a:fillRect/>
+          </a:stretch>
+        </p:blipFill>
+        <p:spPr>
+          <a:xfrm>
+            <a:off x="931158" y="1695030"/>
+            <a:ext cx="4919662" cy="3022339"/>
+          </a:xfrm>
+          <a:prstGeom prst="rect">
             <a:avLst/>
           </a:prstGeom>
-          <a:ln w="15875">
-            <a:solidFill>
-              <a:srgbClr val="27AECB"/>
-            </a:solidFill>
-          </a:ln>
-        </p:spPr>
-        <p:style>
-          <a:lnRef idx="1">
-            <a:schemeClr val="accent1"/>
-          </a:lnRef>
-          <a:fillRef idx="0">
-            <a:schemeClr val="accent1"/>
-          </a:fillRef>
-          <a:effectRef idx="0">
-            <a:schemeClr val="accent1"/>
-          </a:effectRef>
-          <a:fontRef idx="minor">
-            <a:schemeClr val="tx1"/>
-          </a:fontRef>
-        </p:style>
-      </p:cxnSp>
+        </p:spPr>
+      </p:pic>
       <p:sp>
         <p:nvSpPr>
           <p:cNvPr id="23" name="모서리가 둥근 직사각형 22"/>
@@ -12009,8 +12056,8 @@
         </p:nvSpPr>
         <p:spPr>
           <a:xfrm>
-            <a:off x="2428013" y="4148137"/>
-            <a:ext cx="1082630" cy="569232"/>
+            <a:off x="3066708" y="4228482"/>
+            <a:ext cx="648562" cy="440644"/>
           </a:xfrm>
           <a:prstGeom prst="roundRect">
             <a:avLst/>
@@ -12047,108 +12094,6 @@
           </a:p>
         </p:txBody>
       </p:sp>
-      <p:sp>
-        <p:nvSpPr>
-          <p:cNvPr id="13" name="모서리가 둥근 직사각형 12"/>
-          <p:cNvSpPr/>
-          <p:nvPr/>
-        </p:nvSpPr>
-        <p:spPr>
-          <a:xfrm>
-            <a:off x="8412814" y="2409948"/>
-            <a:ext cx="1468543" cy="673553"/>
-          </a:xfrm>
-          <a:prstGeom prst="roundRect">
-            <a:avLst/>
-          </a:prstGeom>
-          <a:noFill/>
-          <a:ln w="25400">
-            <a:solidFill>
-              <a:srgbClr val="27AECB"/>
-            </a:solidFill>
-          </a:ln>
-        </p:spPr>
-        <p:style>
-          <a:lnRef idx="2">
-            <a:schemeClr val="accent1">
-              <a:shade val="50000"/>
-            </a:schemeClr>
-          </a:lnRef>
-          <a:fillRef idx="1">
-            <a:schemeClr val="accent1"/>
-          </a:fillRef>
-          <a:effectRef idx="0">
-            <a:schemeClr val="accent1"/>
-          </a:effectRef>
-          <a:fontRef idx="minor">
-            <a:schemeClr val="lt1"/>
-          </a:fontRef>
-        </p:style>
-        <p:txBody>
-          <a:bodyPr rot="0" spcFirstLastPara="0" vertOverflow="overflow" horzOverflow="overflow" vert="horz" wrap="square" lIns="91440" tIns="45720" rIns="91440" bIns="45720" numCol="1" spcCol="0" rtlCol="0" fromWordArt="0" anchor="ctr" anchorCtr="0" forceAA="0" compatLnSpc="1">
-            <a:prstTxWarp prst="textNoShape">
-              <a:avLst/>
-            </a:prstTxWarp>
-            <a:noAutofit/>
-          </a:bodyPr>
-          <a:lstStyle/>
-          <a:p>
-            <a:pPr algn="ctr"/>
-            <a:endParaRPr lang="ko-KR" altLang="en-US"/>
-          </a:p>
-        </p:txBody>
-      </p:sp>
-      <p:sp>
-        <p:nvSpPr>
-          <p:cNvPr id="29" name="모서리가 둥근 직사각형 28"/>
-          <p:cNvSpPr/>
-          <p:nvPr/>
-        </p:nvSpPr>
-        <p:spPr>
-          <a:xfrm>
-            <a:off x="8139070" y="3474968"/>
-            <a:ext cx="2779411" cy="673553"/>
-          </a:xfrm>
-          <a:prstGeom prst="roundRect">
-            <a:avLst/>
-          </a:prstGeom>
-          <a:noFill/>
-          <a:ln w="25400">
-            <a:solidFill>
-              <a:srgbClr val="27AECB"/>
-            </a:solidFill>
-          </a:ln>
-        </p:spPr>
-        <p:style>
-          <a:lnRef idx="2">
-            <a:schemeClr val="accent1">
-              <a:shade val="50000"/>
-            </a:schemeClr>
-          </a:lnRef>
-          <a:fillRef idx="1">
-            <a:schemeClr val="accent1"/>
-          </a:fillRef>
-          <a:effectRef idx="0">
-            <a:schemeClr val="accent1"/>
-          </a:effectRef>
-          <a:fontRef idx="minor">
-            <a:schemeClr val="lt1"/>
-          </a:fontRef>
-        </p:style>
-        <p:txBody>
-          <a:bodyPr rot="0" spcFirstLastPara="0" vertOverflow="overflow" horzOverflow="overflow" vert="horz" wrap="square" lIns="91440" tIns="45720" rIns="91440" bIns="45720" numCol="1" spcCol="0" rtlCol="0" fromWordArt="0" anchor="ctr" anchorCtr="0" forceAA="0" compatLnSpc="1">
-            <a:prstTxWarp prst="textNoShape">
-              <a:avLst/>
-            </a:prstTxWarp>
-            <a:noAutofit/>
-          </a:bodyPr>
-          <a:lstStyle/>
-          <a:p>
-            <a:pPr algn="ctr"/>
-            <a:endParaRPr lang="ko-KR" altLang="en-US"/>
-          </a:p>
-        </p:txBody>
-      </p:sp>
       <p:cxnSp>
         <p:nvCxnSpPr>
           <p:cNvPr id="31" name="직선 연결선 30"/>
@@ -12160,8 +12105,8 @@
         </p:nvCxnSpPr>
         <p:spPr>
           <a:xfrm flipV="1">
-            <a:off x="3510643" y="3811745"/>
-            <a:ext cx="4628427" cy="621008"/>
+            <a:off x="3715270" y="1476000"/>
+            <a:ext cx="3841130" cy="2972804"/>
           </a:xfrm>
           <a:prstGeom prst="line">
             <a:avLst/>
@@ -12187,10 +12132,236 @@
           </a:fontRef>
         </p:style>
       </p:cxnSp>
+      <p:sp>
+        <p:nvSpPr>
+          <p:cNvPr id="12" name="TextBox 11"/>
+          <p:cNvSpPr txBox="1"/>
+          <p:nvPr/>
+        </p:nvSpPr>
+        <p:spPr>
+          <a:xfrm>
+            <a:off x="7750800" y="1267200"/>
+            <a:ext cx="2343150" cy="415498"/>
+          </a:xfrm>
+          <a:prstGeom prst="rect">
+            <a:avLst/>
+          </a:prstGeom>
+          <a:noFill/>
+        </p:spPr>
+        <p:txBody>
+          <a:bodyPr wrap="square" rtlCol="0">
+            <a:spAutoFit/>
+          </a:bodyPr>
+          <a:lstStyle/>
+          <a:p>
+            <a:pPr algn="ctr">
+              <a:lnSpc>
+                <a:spcPct val="150000"/>
+              </a:lnSpc>
+            </a:pPr>
+            <a:r>
+              <a:rPr lang="en-US" altLang="ko-KR" sz="1400" b="1" dirty="0" smtClean="0">
+                <a:solidFill>
+                  <a:prstClr val="black">
+                    <a:lumMod val="75000"/>
+                    <a:lumOff val="25000"/>
+                  </a:prstClr>
+                </a:solidFill>
+              </a:rPr>
+              <a:t>MSSQL</a:t>
+            </a:r>
+            <a:r>
+              <a:rPr lang="ko-KR" altLang="en-US" sz="1400" b="1" dirty="0" smtClean="0">
+                <a:solidFill>
+                  <a:prstClr val="black">
+                    <a:lumMod val="75000"/>
+                    <a:lumOff val="25000"/>
+                  </a:prstClr>
+                </a:solidFill>
+              </a:rPr>
+              <a:t> </a:t>
+            </a:r>
+            <a:r>
+              <a:rPr lang="en-US" altLang="ko-KR" sz="1400" b="1" dirty="0" smtClean="0">
+                <a:solidFill>
+                  <a:prstClr val="black">
+                    <a:lumMod val="75000"/>
+                    <a:lumOff val="25000"/>
+                  </a:prstClr>
+                </a:solidFill>
+              </a:rPr>
+              <a:t>DATA</a:t>
+            </a:r>
+            <a:r>
+              <a:rPr lang="ko-KR" altLang="en-US" sz="1400" b="1" dirty="0" smtClean="0">
+                <a:solidFill>
+                  <a:prstClr val="black">
+                    <a:lumMod val="75000"/>
+                    <a:lumOff val="25000"/>
+                  </a:prstClr>
+                </a:solidFill>
+              </a:rPr>
+              <a:t> 삭제</a:t>
+            </a:r>
+            <a:endParaRPr lang="ko-KR" altLang="en-US" sz="900" dirty="0">
+              <a:solidFill>
+                <a:prstClr val="black">
+                  <a:lumMod val="75000"/>
+                  <a:lumOff val="25000"/>
+                </a:prstClr>
+              </a:solidFill>
+            </a:endParaRPr>
+          </a:p>
+        </p:txBody>
+      </p:sp>
+      <p:pic>
+        <p:nvPicPr>
+          <p:cNvPr id="7" name="그림 6"/>
+          <p:cNvPicPr>
+            <a:picLocks noChangeAspect="1"/>
+          </p:cNvPicPr>
+          <p:nvPr/>
+        </p:nvPicPr>
+        <p:blipFill>
+          <a:blip r:embed="rId3"/>
+          <a:stretch>
+            <a:fillRect/>
+          </a:stretch>
+        </p:blipFill>
+        <p:spPr>
+          <a:xfrm>
+            <a:off x="7310438" y="1902341"/>
+            <a:ext cx="4052888" cy="2215490"/>
+          </a:xfrm>
+          <a:prstGeom prst="rect">
+            <a:avLst/>
+          </a:prstGeom>
+        </p:spPr>
+      </p:pic>
+      <p:pic>
+        <p:nvPicPr>
+          <p:cNvPr id="8" name="그림 7"/>
+          <p:cNvPicPr>
+            <a:picLocks noChangeAspect="1"/>
+          </p:cNvPicPr>
+          <p:nvPr/>
+        </p:nvPicPr>
+        <p:blipFill>
+          <a:blip r:embed="rId4"/>
+          <a:stretch>
+            <a:fillRect/>
+          </a:stretch>
+        </p:blipFill>
+        <p:spPr>
+          <a:xfrm>
+            <a:off x="6499382" y="3029475"/>
+            <a:ext cx="3659969" cy="3372287"/>
+          </a:xfrm>
+          <a:prstGeom prst="rect">
+            <a:avLst/>
+          </a:prstGeom>
+        </p:spPr>
+      </p:pic>
+      <p:sp>
+        <p:nvSpPr>
+          <p:cNvPr id="18" name="직사각형 17"/>
+          <p:cNvSpPr/>
+          <p:nvPr/>
+        </p:nvSpPr>
+        <p:spPr>
+          <a:xfrm>
+            <a:off x="342899" y="771525"/>
+            <a:ext cx="1304925" cy="507831"/>
+          </a:xfrm>
+          <a:prstGeom prst="rect">
+            <a:avLst/>
+          </a:prstGeom>
+        </p:spPr>
+        <p:txBody>
+          <a:bodyPr wrap="square">
+            <a:spAutoFit/>
+          </a:bodyPr>
+          <a:lstStyle/>
+          <a:p>
+            <a:pPr algn="ctr">
+              <a:lnSpc>
+                <a:spcPct val="150000"/>
+              </a:lnSpc>
+            </a:pPr>
+            <a:r>
+              <a:rPr lang="en-US" altLang="ko-KR" b="1" i="1" u="sng" dirty="0" err="1" smtClean="0">
+                <a:solidFill>
+                  <a:prstClr val="black">
+                    <a:lumMod val="75000"/>
+                    <a:lumOff val="25000"/>
+                  </a:prstClr>
+                </a:solidFill>
+              </a:rPr>
+              <a:t>Winform</a:t>
+            </a:r>
+            <a:endParaRPr lang="en-US" altLang="ko-KR" b="1" i="1" u="sng" dirty="0">
+              <a:solidFill>
+                <a:prstClr val="black">
+                  <a:lumMod val="75000"/>
+                  <a:lumOff val="25000"/>
+                </a:prstClr>
+              </a:solidFill>
+            </a:endParaRPr>
+          </a:p>
+        </p:txBody>
+      </p:sp>
+      <p:sp>
+        <p:nvSpPr>
+          <p:cNvPr id="19" name="TextBox 18"/>
+          <p:cNvSpPr txBox="1"/>
+          <p:nvPr/>
+        </p:nvSpPr>
+        <p:spPr>
+          <a:xfrm>
+            <a:off x="342000" y="6376190"/>
+            <a:ext cx="3115575" cy="261610"/>
+          </a:xfrm>
+          <a:prstGeom prst="rect">
+            <a:avLst/>
+          </a:prstGeom>
+          <a:noFill/>
+        </p:spPr>
+        <p:txBody>
+          <a:bodyPr wrap="square" rtlCol="0">
+            <a:spAutoFit/>
+          </a:bodyPr>
+          <a:lstStyle/>
+          <a:p>
+            <a:r>
+              <a:rPr lang="ko-KR" altLang="en-US" sz="1100" dirty="0" smtClean="0">
+                <a:solidFill>
+                  <a:prstClr val="black">
+                    <a:lumMod val="75000"/>
+                    <a:lumOff val="25000"/>
+                  </a:prstClr>
+                </a:solidFill>
+              </a:rPr>
+              <a:t>코드가 긴 관계로 주요 코드만 적었습니다</a:t>
+            </a:r>
+            <a:r>
+              <a:rPr lang="en-US" altLang="ko-KR" sz="1100" dirty="0" smtClean="0">
+                <a:solidFill>
+                  <a:prstClr val="black">
+                    <a:lumMod val="75000"/>
+                    <a:lumOff val="25000"/>
+                  </a:prstClr>
+                </a:solidFill>
+              </a:rPr>
+              <a:t>.</a:t>
+            </a:r>
+            <a:endParaRPr lang="ko-KR" altLang="en-US" sz="1100" dirty="0"/>
+          </a:p>
+        </p:txBody>
+      </p:sp>
     </p:spTree>
     <p:extLst>
       <p:ext uri="{BB962C8B-B14F-4D97-AF65-F5344CB8AC3E}">
-        <p14:creationId xmlns:p14="http://schemas.microsoft.com/office/powerpoint/2010/main" val="3333952350"/>
+        <p14:creationId xmlns:p14="http://schemas.microsoft.com/office/powerpoint/2010/main" val="1864246383"/>
       </p:ext>
     </p:extLst>
   </p:cSld>
@@ -12240,7 +12411,7 @@
         </p:nvSpPr>
         <p:spPr>
           <a:xfrm>
-            <a:off x="342900" y="771525"/>
+            <a:off x="342000" y="770400"/>
             <a:ext cx="11506200" cy="5867400"/>
           </a:xfrm>
           <a:prstGeom prst="rect">
@@ -12349,37 +12520,76 @@
           </a:p>
         </p:txBody>
       </p:sp>
-      <p:sp>
-        <p:nvSpPr>
-          <p:cNvPr id="15" name="모서리가 둥근 직사각형 14"/>
+      <p:pic>
+        <p:nvPicPr>
+          <p:cNvPr id="2" name="그림 1"/>
+          <p:cNvPicPr>
+            <a:picLocks noChangeAspect="1"/>
+          </p:cNvPicPr>
+          <p:nvPr/>
+        </p:nvPicPr>
+        <p:blipFill>
+          <a:blip r:embed="rId2"/>
+          <a:stretch>
+            <a:fillRect/>
+          </a:stretch>
+        </p:blipFill>
+        <p:spPr>
+          <a:xfrm>
+            <a:off x="876300" y="2396792"/>
+            <a:ext cx="4571002" cy="2614613"/>
+          </a:xfrm>
+          <a:prstGeom prst="rect">
+            <a:avLst/>
+          </a:prstGeom>
+        </p:spPr>
+      </p:pic>
+      <p:pic>
+        <p:nvPicPr>
+          <p:cNvPr id="3" name="그림 2"/>
+          <p:cNvPicPr>
+            <a:picLocks noChangeAspect="1"/>
+          </p:cNvPicPr>
+          <p:nvPr/>
+        </p:nvPicPr>
+        <p:blipFill>
+          <a:blip r:embed="rId3"/>
+          <a:stretch>
+            <a:fillRect/>
+          </a:stretch>
+        </p:blipFill>
+        <p:spPr>
+          <a:xfrm>
+            <a:off x="6666600" y="2396793"/>
+            <a:ext cx="4571002" cy="2614613"/>
+          </a:xfrm>
+          <a:prstGeom prst="rect">
+            <a:avLst/>
+          </a:prstGeom>
+        </p:spPr>
+      </p:pic>
+      <p:sp>
+        <p:nvSpPr>
+          <p:cNvPr id="4" name="오른쪽 화살표 3"/>
           <p:cNvSpPr/>
           <p:nvPr/>
         </p:nvSpPr>
         <p:spPr>
           <a:xfrm>
-            <a:off x="4967866" y="1704798"/>
-            <a:ext cx="2244902" cy="2244902"/>
-          </a:xfrm>
-          <a:prstGeom prst="roundRect">
-            <a:avLst>
-              <a:gd name="adj" fmla="val 5033"/>
-            </a:avLst>
+            <a:off x="5761725" y="3399298"/>
+            <a:ext cx="666750" cy="609600"/>
+          </a:xfrm>
+          <a:prstGeom prst="rightArrow">
+            <a:avLst/>
           </a:prstGeom>
           <a:solidFill>
-            <a:schemeClr val="bg1"/>
+            <a:srgbClr val="27AECB"/>
           </a:solidFill>
-          <a:ln w="19050">
+          <a:ln w="25400">
             <a:solidFill>
               <a:srgbClr val="27AECB"/>
             </a:solidFill>
           </a:ln>
-          <a:effectLst>
-            <a:outerShdw blurRad="254000" dist="12700" dir="2700000" algn="tl" rotWithShape="0">
-              <a:prstClr val="black">
-                <a:alpha val="40000"/>
-              </a:prstClr>
-            </a:outerShdw>
-          </a:effectLst>
         </p:spPr>
         <p:style>
           <a:lnRef idx="2">
@@ -12401,114 +12611,27 @@
           <a:bodyPr rtlCol="0" anchor="ctr"/>
           <a:lstStyle/>
           <a:p>
-            <a:pPr algn="ctr">
-              <a:lnSpc>
-                <a:spcPct val="150000"/>
-              </a:lnSpc>
-            </a:pPr>
-            <a:r>
-              <a:rPr lang="en-US" altLang="ko-KR" sz="1200" b="1" dirty="0">
-                <a:solidFill>
-                  <a:prstClr val="black">
-                    <a:lumMod val="65000"/>
-                    <a:lumOff val="35000"/>
-                  </a:prstClr>
-                </a:solidFill>
-              </a:rPr>
-              <a:t>CONTENTS</a:t>
-            </a:r>
-          </a:p>
-          <a:p>
-            <a:pPr algn="ctr">
-              <a:lnSpc>
-                <a:spcPct val="150000"/>
-              </a:lnSpc>
-            </a:pPr>
-            <a:r>
-              <a:rPr lang="en-US" altLang="ko-KR" sz="1600" b="1" dirty="0">
-                <a:solidFill>
-                  <a:prstClr val="black">
-                    <a:lumMod val="65000"/>
-                    <a:lumOff val="35000"/>
-                  </a:prstClr>
-                </a:solidFill>
-              </a:rPr>
-              <a:t>02</a:t>
-            </a:r>
-          </a:p>
-        </p:txBody>
-      </p:sp>
-      <p:sp>
-        <p:nvSpPr>
-          <p:cNvPr id="19" name="자유형 18"/>
+            <a:pPr algn="ctr"/>
+            <a:endParaRPr lang="ko-KR" altLang="en-US"/>
+          </a:p>
+        </p:txBody>
+      </p:sp>
+      <p:sp>
+        <p:nvSpPr>
+          <p:cNvPr id="7" name="모서리가 둥근 직사각형 6"/>
           <p:cNvSpPr/>
           <p:nvPr/>
         </p:nvSpPr>
         <p:spPr>
           <a:xfrm>
-            <a:off x="4967865" y="1704797"/>
-            <a:ext cx="551033" cy="551033"/>
-          </a:xfrm>
-          <a:custGeom>
+            <a:off x="5005936" y="2514600"/>
+            <a:ext cx="399052" cy="361950"/>
+          </a:xfrm>
+          <a:prstGeom prst="roundRect">
             <a:avLst/>
-            <a:gdLst>
-              <a:gd name="connsiteX0" fmla="*/ 94648 w 344388"/>
-              <a:gd name="connsiteY0" fmla="*/ 0 h 344388"/>
-              <a:gd name="connsiteX1" fmla="*/ 344388 w 344388"/>
-              <a:gd name="connsiteY1" fmla="*/ 0 h 344388"/>
-              <a:gd name="connsiteX2" fmla="*/ 0 w 344388"/>
-              <a:gd name="connsiteY2" fmla="*/ 344388 h 344388"/>
-              <a:gd name="connsiteX3" fmla="*/ 0 w 344388"/>
-              <a:gd name="connsiteY3" fmla="*/ 94648 h 344388"/>
-              <a:gd name="connsiteX4" fmla="*/ 94648 w 344388"/>
-              <a:gd name="connsiteY4" fmla="*/ 0 h 344388"/>
-            </a:gdLst>
-            <a:ahLst/>
-            <a:cxnLst>
-              <a:cxn ang="0">
-                <a:pos x="connsiteX0" y="connsiteY0"/>
-              </a:cxn>
-              <a:cxn ang="0">
-                <a:pos x="connsiteX1" y="connsiteY1"/>
-              </a:cxn>
-              <a:cxn ang="0">
-                <a:pos x="connsiteX2" y="connsiteY2"/>
-              </a:cxn>
-              <a:cxn ang="0">
-                <a:pos x="connsiteX3" y="connsiteY3"/>
-              </a:cxn>
-              <a:cxn ang="0">
-                <a:pos x="connsiteX4" y="connsiteY4"/>
-              </a:cxn>
-            </a:cxnLst>
-            <a:rect l="l" t="t" r="r" b="b"/>
-            <a:pathLst>
-              <a:path w="344388" h="344388">
-                <a:moveTo>
-                  <a:pt x="94648" y="0"/>
-                </a:moveTo>
-                <a:lnTo>
-                  <a:pt x="344388" y="0"/>
-                </a:lnTo>
-                <a:lnTo>
-                  <a:pt x="0" y="344388"/>
-                </a:lnTo>
-                <a:lnTo>
-                  <a:pt x="0" y="94648"/>
-                </a:lnTo>
-                <a:cubicBezTo>
-                  <a:pt x="0" y="42375"/>
-                  <a:pt x="42375" y="0"/>
-                  <a:pt x="94648" y="0"/>
-                </a:cubicBezTo>
-                <a:close/>
-              </a:path>
-            </a:pathLst>
-          </a:custGeom>
-          <a:solidFill>
-            <a:srgbClr val="27AECB"/>
-          </a:solidFill>
-          <a:ln>
+          </a:prstGeom>
+          <a:noFill/>
+          <a:ln w="25400">
             <a:solidFill>
               <a:srgbClr val="27AECB"/>
             </a:solidFill>
@@ -12531,71 +12654,33 @@
           </a:fontRef>
         </p:style>
         <p:txBody>
-          <a:bodyPr lIns="0" rIns="180000" bIns="216000" rtlCol="0" anchor="ctr"/>
+          <a:bodyPr rtlCol="0" anchor="ctr"/>
           <a:lstStyle/>
           <a:p>
             <a:pPr algn="ctr"/>
-            <a:r>
-              <a:rPr lang="en-US" altLang="ko-KR" b="1" dirty="0">
-                <a:solidFill>
-                  <a:prstClr val="white"/>
-                </a:solidFill>
-              </a:rPr>
-              <a:t>+</a:t>
-            </a:r>
-            <a:endParaRPr lang="ko-KR" altLang="en-US" b="1" dirty="0">
-              <a:solidFill>
-                <a:prstClr val="white"/>
-              </a:solidFill>
-            </a:endParaRPr>
-          </a:p>
-        </p:txBody>
-      </p:sp>
-      <p:sp>
-        <p:nvSpPr>
-          <p:cNvPr id="23" name="모서리가 둥근 직사각형 22"/>
+            <a:endParaRPr lang="ko-KR" altLang="en-US"/>
+          </a:p>
+        </p:txBody>
+      </p:sp>
+      <p:sp>
+        <p:nvSpPr>
+          <p:cNvPr id="20" name="직사각형 19"/>
           <p:cNvSpPr/>
           <p:nvPr/>
         </p:nvSpPr>
         <p:spPr>
           <a:xfrm>
-            <a:off x="1532931" y="1704797"/>
-            <a:ext cx="2244902" cy="2244902"/>
-          </a:xfrm>
-          <a:prstGeom prst="roundRect">
-            <a:avLst>
-              <a:gd name="adj" fmla="val 5033"/>
-            </a:avLst>
-          </a:prstGeom>
-          <a:solidFill>
-            <a:schemeClr val="bg1"/>
-          </a:solidFill>
-          <a:ln>
-            <a:solidFill>
-              <a:schemeClr val="bg1">
-                <a:lumMod val="85000"/>
-              </a:schemeClr>
-            </a:solidFill>
-          </a:ln>
-        </p:spPr>
-        <p:style>
-          <a:lnRef idx="2">
-            <a:schemeClr val="accent1">
-              <a:shade val="50000"/>
-            </a:schemeClr>
-          </a:lnRef>
-          <a:fillRef idx="1">
-            <a:schemeClr val="accent1"/>
-          </a:fillRef>
-          <a:effectRef idx="0">
-            <a:schemeClr val="accent1"/>
-          </a:effectRef>
-          <a:fontRef idx="minor">
-            <a:schemeClr val="lt1"/>
-          </a:fontRef>
-        </p:style>
-        <p:txBody>
-          <a:bodyPr rtlCol="0" anchor="ctr"/>
+            <a:off x="342898" y="771525"/>
+            <a:ext cx="3162301" cy="507831"/>
+          </a:xfrm>
+          <a:prstGeom prst="rect">
+            <a:avLst/>
+          </a:prstGeom>
+        </p:spPr>
+        <p:txBody>
+          <a:bodyPr wrap="square">
+            <a:spAutoFit/>
+          </a:bodyPr>
           <a:lstStyle/>
           <a:p>
             <a:pPr algn="ctr">
@@ -12604,583 +12689,46 @@
               </a:lnSpc>
             </a:pPr>
             <a:r>
-              <a:rPr lang="en-US" altLang="ko-KR" sz="1200" b="1" dirty="0">
+              <a:rPr lang="ko-KR" altLang="en-US" b="1" i="1" u="sng" dirty="0" smtClean="0">
                 <a:solidFill>
                   <a:prstClr val="black">
-                    <a:lumMod val="65000"/>
-                    <a:lumOff val="35000"/>
-                  </a:prstClr>
-                </a:solidFill>
-              </a:rPr>
-              <a:t>CONTENTS</a:t>
-            </a:r>
-          </a:p>
-          <a:p>
-            <a:pPr algn="ctr">
-              <a:lnSpc>
-                <a:spcPct val="150000"/>
-              </a:lnSpc>
-            </a:pPr>
-            <a:r>
-              <a:rPr lang="en-US" altLang="ko-KR" sz="1600" b="1" dirty="0">
+                    <a:lumMod val="75000"/>
+                    <a:lumOff val="25000"/>
+                  </a:prstClr>
+                </a:solidFill>
+              </a:rPr>
+              <a:t>프로그램 실행 흐름도 </a:t>
+            </a:r>
+            <a:r>
+              <a:rPr lang="en-US" altLang="ko-KR" b="1" i="1" u="sng" dirty="0" smtClean="0">
                 <a:solidFill>
                   <a:prstClr val="black">
-                    <a:lumMod val="65000"/>
-                    <a:lumOff val="35000"/>
-                  </a:prstClr>
-                </a:solidFill>
-              </a:rPr>
-              <a:t>01</a:t>
-            </a:r>
-          </a:p>
-        </p:txBody>
-      </p:sp>
-      <p:sp>
-        <p:nvSpPr>
-          <p:cNvPr id="25" name="모서리가 둥근 직사각형 24"/>
-          <p:cNvSpPr/>
-          <p:nvPr/>
-        </p:nvSpPr>
-        <p:spPr>
-          <a:xfrm>
-            <a:off x="8408483" y="1704798"/>
-            <a:ext cx="2244902" cy="2244902"/>
-          </a:xfrm>
-          <a:prstGeom prst="roundRect">
-            <a:avLst>
-              <a:gd name="adj" fmla="val 5033"/>
-            </a:avLst>
-          </a:prstGeom>
-          <a:solidFill>
-            <a:schemeClr val="bg1"/>
-          </a:solidFill>
-          <a:ln>
-            <a:solidFill>
-              <a:schemeClr val="bg1">
-                <a:lumMod val="85000"/>
-              </a:schemeClr>
-            </a:solidFill>
-          </a:ln>
-        </p:spPr>
-        <p:style>
-          <a:lnRef idx="2">
-            <a:schemeClr val="accent1">
-              <a:shade val="50000"/>
-            </a:schemeClr>
-          </a:lnRef>
-          <a:fillRef idx="1">
-            <a:schemeClr val="accent1"/>
-          </a:fillRef>
-          <a:effectRef idx="0">
-            <a:schemeClr val="accent1"/>
-          </a:effectRef>
-          <a:fontRef idx="minor">
-            <a:schemeClr val="lt1"/>
-          </a:fontRef>
-        </p:style>
-        <p:txBody>
-          <a:bodyPr rtlCol="0" anchor="ctr"/>
-          <a:lstStyle/>
-          <a:p>
-            <a:pPr algn="ctr">
-              <a:lnSpc>
-                <a:spcPct val="150000"/>
-              </a:lnSpc>
-            </a:pPr>
-            <a:r>
-              <a:rPr lang="en-US" altLang="ko-KR" sz="1200" b="1" dirty="0">
+                    <a:lumMod val="75000"/>
+                    <a:lumOff val="25000"/>
+                  </a:prstClr>
+                </a:solidFill>
+              </a:rPr>
+              <a:t>- </a:t>
+            </a:r>
+            <a:r>
+              <a:rPr lang="ko-KR" altLang="en-US" b="1" i="1" u="sng" dirty="0" smtClean="0">
                 <a:solidFill>
                   <a:prstClr val="black">
-                    <a:lumMod val="65000"/>
-                    <a:lumOff val="35000"/>
-                  </a:prstClr>
-                </a:solidFill>
-              </a:rPr>
-              <a:t>CONTENTS</a:t>
-            </a:r>
-          </a:p>
-          <a:p>
-            <a:pPr algn="ctr">
-              <a:lnSpc>
-                <a:spcPct val="150000"/>
-              </a:lnSpc>
-            </a:pPr>
-            <a:r>
-              <a:rPr lang="en-US" altLang="ko-KR" sz="1600" b="1" dirty="0">
-                <a:solidFill>
-                  <a:prstClr val="black">
-                    <a:lumMod val="65000"/>
-                    <a:lumOff val="35000"/>
-                  </a:prstClr>
-                </a:solidFill>
-              </a:rPr>
-              <a:t>03</a:t>
-            </a:r>
-          </a:p>
-        </p:txBody>
-      </p:sp>
-      <p:sp>
-        <p:nvSpPr>
-          <p:cNvPr id="29" name="직사각형 28">
-            <a:extLst>
-              <a:ext uri="{FF2B5EF4-FFF2-40B4-BE49-F238E27FC236}">
-                <a16:creationId xmlns:a16="http://schemas.microsoft.com/office/drawing/2014/main" xmlns="" id="{6503CCA9-B9C1-449B-A41B-305CF103CE18}"/>
-              </a:ext>
-            </a:extLst>
-          </p:cNvPr>
-          <p:cNvSpPr/>
-          <p:nvPr/>
-        </p:nvSpPr>
-        <p:spPr>
-          <a:xfrm>
-            <a:off x="4737166" y="4895882"/>
-            <a:ext cx="2706302" cy="877163"/>
-          </a:xfrm>
-          <a:prstGeom prst="rect">
-            <a:avLst/>
-          </a:prstGeom>
-        </p:spPr>
-        <p:txBody>
-          <a:bodyPr wrap="square">
-            <a:spAutoFit/>
-          </a:bodyPr>
-          <a:lstStyle/>
-          <a:p>
-            <a:pPr algn="ctr">
-              <a:lnSpc>
-                <a:spcPct val="150000"/>
-              </a:lnSpc>
-            </a:pPr>
-            <a:r>
-              <a:rPr lang="ko-KR" altLang="en-US" sz="1400" dirty="0" err="1">
-                <a:solidFill>
-                  <a:prstClr val="black">
-                    <a:lumMod val="65000"/>
-                    <a:lumOff val="35000"/>
-                  </a:prstClr>
-                </a:solidFill>
-              </a:rPr>
-              <a:t>컨텐츠에</a:t>
-            </a:r>
-            <a:r>
-              <a:rPr lang="ko-KR" altLang="en-US" sz="1400" dirty="0">
-                <a:solidFill>
-                  <a:prstClr val="black">
-                    <a:lumMod val="65000"/>
-                    <a:lumOff val="35000"/>
-                  </a:prstClr>
-                </a:solidFill>
-              </a:rPr>
-              <a:t> 대한 내용을 적어요</a:t>
-            </a:r>
-            <a:endParaRPr lang="en-US" altLang="ko-KR" sz="1400" dirty="0">
+                    <a:lumMod val="75000"/>
+                    <a:lumOff val="25000"/>
+                  </a:prstClr>
+                </a:solidFill>
+              </a:rPr>
+              <a:t>메인</a:t>
+            </a:r>
+            <a:endParaRPr lang="en-US" altLang="ko-KR" b="1" i="1" u="sng" dirty="0">
               <a:solidFill>
                 <a:prstClr val="black">
-                  <a:lumMod val="65000"/>
-                  <a:lumOff val="35000"/>
+                  <a:lumMod val="75000"/>
+                  <a:lumOff val="25000"/>
                 </a:prstClr>
               </a:solidFill>
             </a:endParaRPr>
-          </a:p>
-          <a:p>
-            <a:pPr algn="ctr">
-              <a:lnSpc>
-                <a:spcPct val="150000"/>
-              </a:lnSpc>
-            </a:pPr>
-            <a:r>
-              <a:rPr lang="ko-KR" altLang="en-US" sz="1000" dirty="0">
-                <a:solidFill>
-                  <a:prstClr val="black">
-                    <a:lumMod val="65000"/>
-                    <a:lumOff val="35000"/>
-                  </a:prstClr>
-                </a:solidFill>
-              </a:rPr>
-              <a:t>Enjoy your stylish business and campus life with BIZCAM </a:t>
-            </a:r>
-          </a:p>
-        </p:txBody>
-      </p:sp>
-      <p:sp>
-        <p:nvSpPr>
-          <p:cNvPr id="35" name="직사각형 34"/>
-          <p:cNvSpPr/>
-          <p:nvPr/>
-        </p:nvSpPr>
-        <p:spPr>
-          <a:xfrm>
-            <a:off x="4967864" y="4273352"/>
-            <a:ext cx="2302233" cy="400110"/>
-          </a:xfrm>
-          <a:prstGeom prst="rect">
-            <a:avLst/>
-          </a:prstGeom>
-        </p:spPr>
-        <p:txBody>
-          <a:bodyPr wrap="none">
-            <a:spAutoFit/>
-          </a:bodyPr>
-          <a:lstStyle/>
-          <a:p>
-            <a:r>
-              <a:rPr lang="ko-KR" altLang="en-US" sz="1200" b="1" dirty="0">
-                <a:solidFill>
-                  <a:srgbClr val="27AECB"/>
-                </a:solidFill>
-              </a:rPr>
-              <a:t>●●●●●●●●</a:t>
-            </a:r>
-            <a:r>
-              <a:rPr lang="ko-KR" altLang="en-US" sz="1200" b="1" dirty="0">
-                <a:solidFill>
-                  <a:prstClr val="white">
-                    <a:lumMod val="85000"/>
-                  </a:prstClr>
-                </a:solidFill>
-              </a:rPr>
-              <a:t>●●</a:t>
-            </a:r>
-            <a:r>
-              <a:rPr lang="ko-KR" altLang="en-US" sz="1200" b="1" dirty="0">
-                <a:solidFill>
-                  <a:prstClr val="white">
-                    <a:lumMod val="50000"/>
-                  </a:prstClr>
-                </a:solidFill>
-              </a:rPr>
-              <a:t>  </a:t>
-            </a:r>
-            <a:r>
-              <a:rPr lang="en-US" altLang="ko-KR" sz="2000" b="1" dirty="0">
-                <a:solidFill>
-                  <a:prstClr val="white">
-                    <a:lumMod val="50000"/>
-                  </a:prstClr>
-                </a:solidFill>
-              </a:rPr>
-              <a:t>80</a:t>
-            </a:r>
-            <a:r>
-              <a:rPr lang="en-US" altLang="ko-KR" sz="1400" dirty="0">
-                <a:solidFill>
-                  <a:prstClr val="white">
-                    <a:lumMod val="50000"/>
-                  </a:prstClr>
-                </a:solidFill>
-              </a:rPr>
-              <a:t>%</a:t>
-            </a:r>
-          </a:p>
-        </p:txBody>
-      </p:sp>
-      <p:sp>
-        <p:nvSpPr>
-          <p:cNvPr id="36" name="직사각형 35">
-            <a:extLst>
-              <a:ext uri="{FF2B5EF4-FFF2-40B4-BE49-F238E27FC236}">
-                <a16:creationId xmlns:a16="http://schemas.microsoft.com/office/drawing/2014/main" xmlns="" id="{6503CCA9-B9C1-449B-A41B-305CF103CE18}"/>
-              </a:ext>
-            </a:extLst>
-          </p:cNvPr>
-          <p:cNvSpPr/>
-          <p:nvPr/>
-        </p:nvSpPr>
-        <p:spPr>
-          <a:xfrm>
-            <a:off x="1334648" y="4895882"/>
-            <a:ext cx="2706302" cy="877163"/>
-          </a:xfrm>
-          <a:prstGeom prst="rect">
-            <a:avLst/>
-          </a:prstGeom>
-        </p:spPr>
-        <p:txBody>
-          <a:bodyPr wrap="square">
-            <a:spAutoFit/>
-          </a:bodyPr>
-          <a:lstStyle/>
-          <a:p>
-            <a:pPr algn="ctr">
-              <a:lnSpc>
-                <a:spcPct val="150000"/>
-              </a:lnSpc>
-            </a:pPr>
-            <a:r>
-              <a:rPr lang="ko-KR" altLang="en-US" sz="1400" dirty="0" err="1">
-                <a:solidFill>
-                  <a:prstClr val="black">
-                    <a:lumMod val="65000"/>
-                    <a:lumOff val="35000"/>
-                  </a:prstClr>
-                </a:solidFill>
-              </a:rPr>
-              <a:t>컨텐츠에</a:t>
-            </a:r>
-            <a:r>
-              <a:rPr lang="ko-KR" altLang="en-US" sz="1400" dirty="0">
-                <a:solidFill>
-                  <a:prstClr val="black">
-                    <a:lumMod val="65000"/>
-                    <a:lumOff val="35000"/>
-                  </a:prstClr>
-                </a:solidFill>
-              </a:rPr>
-              <a:t> 대한 내용을 적어요</a:t>
-            </a:r>
-            <a:endParaRPr lang="en-US" altLang="ko-KR" sz="1400" dirty="0">
-              <a:solidFill>
-                <a:prstClr val="black">
-                  <a:lumMod val="65000"/>
-                  <a:lumOff val="35000"/>
-                </a:prstClr>
-              </a:solidFill>
-            </a:endParaRPr>
-          </a:p>
-          <a:p>
-            <a:pPr algn="ctr">
-              <a:lnSpc>
-                <a:spcPct val="150000"/>
-              </a:lnSpc>
-            </a:pPr>
-            <a:r>
-              <a:rPr lang="ko-KR" altLang="en-US" sz="1000" dirty="0">
-                <a:solidFill>
-                  <a:prstClr val="black">
-                    <a:lumMod val="65000"/>
-                    <a:lumOff val="35000"/>
-                  </a:prstClr>
-                </a:solidFill>
-              </a:rPr>
-              <a:t>Enjoy your stylish business and campus life with BIZCAM </a:t>
-            </a:r>
-          </a:p>
-        </p:txBody>
-      </p:sp>
-      <p:sp>
-        <p:nvSpPr>
-          <p:cNvPr id="37" name="직사각형 36"/>
-          <p:cNvSpPr/>
-          <p:nvPr/>
-        </p:nvSpPr>
-        <p:spPr>
-          <a:xfrm>
-            <a:off x="1565346" y="4273352"/>
-            <a:ext cx="2302233" cy="400110"/>
-          </a:xfrm>
-          <a:prstGeom prst="rect">
-            <a:avLst/>
-          </a:prstGeom>
-        </p:spPr>
-        <p:txBody>
-          <a:bodyPr wrap="none">
-            <a:spAutoFit/>
-          </a:bodyPr>
-          <a:lstStyle/>
-          <a:p>
-            <a:r>
-              <a:rPr lang="ko-KR" altLang="en-US" sz="1200" b="1" dirty="0">
-                <a:solidFill>
-                  <a:srgbClr val="27AECB"/>
-                </a:solidFill>
-              </a:rPr>
-              <a:t>●●●●●●●●</a:t>
-            </a:r>
-            <a:r>
-              <a:rPr lang="ko-KR" altLang="en-US" sz="1200" b="1" dirty="0">
-                <a:solidFill>
-                  <a:prstClr val="white">
-                    <a:lumMod val="85000"/>
-                  </a:prstClr>
-                </a:solidFill>
-              </a:rPr>
-              <a:t>●●</a:t>
-            </a:r>
-            <a:r>
-              <a:rPr lang="ko-KR" altLang="en-US" sz="1200" b="1" dirty="0">
-                <a:solidFill>
-                  <a:prstClr val="white">
-                    <a:lumMod val="50000"/>
-                  </a:prstClr>
-                </a:solidFill>
-              </a:rPr>
-              <a:t>  </a:t>
-            </a:r>
-            <a:r>
-              <a:rPr lang="en-US" altLang="ko-KR" sz="2000" b="1" dirty="0">
-                <a:solidFill>
-                  <a:prstClr val="white">
-                    <a:lumMod val="50000"/>
-                  </a:prstClr>
-                </a:solidFill>
-              </a:rPr>
-              <a:t>80</a:t>
-            </a:r>
-            <a:r>
-              <a:rPr lang="en-US" altLang="ko-KR" sz="1400" dirty="0">
-                <a:solidFill>
-                  <a:prstClr val="white">
-                    <a:lumMod val="50000"/>
-                  </a:prstClr>
-                </a:solidFill>
-              </a:rPr>
-              <a:t>%</a:t>
-            </a:r>
-          </a:p>
-        </p:txBody>
-      </p:sp>
-      <p:sp>
-        <p:nvSpPr>
-          <p:cNvPr id="38" name="직사각형 37">
-            <a:extLst>
-              <a:ext uri="{FF2B5EF4-FFF2-40B4-BE49-F238E27FC236}">
-                <a16:creationId xmlns:a16="http://schemas.microsoft.com/office/drawing/2014/main" xmlns="" id="{6503CCA9-B9C1-449B-A41B-305CF103CE18}"/>
-              </a:ext>
-            </a:extLst>
-          </p:cNvPr>
-          <p:cNvSpPr/>
-          <p:nvPr/>
-        </p:nvSpPr>
-        <p:spPr>
-          <a:xfrm>
-            <a:off x="8215884" y="4895882"/>
-            <a:ext cx="2706302" cy="877163"/>
-          </a:xfrm>
-          <a:prstGeom prst="rect">
-            <a:avLst/>
-          </a:prstGeom>
-        </p:spPr>
-        <p:txBody>
-          <a:bodyPr wrap="square">
-            <a:spAutoFit/>
-          </a:bodyPr>
-          <a:lstStyle/>
-          <a:p>
-            <a:pPr algn="ctr">
-              <a:lnSpc>
-                <a:spcPct val="150000"/>
-              </a:lnSpc>
-            </a:pPr>
-            <a:r>
-              <a:rPr lang="ko-KR" altLang="en-US" sz="1400" dirty="0" err="1">
-                <a:solidFill>
-                  <a:prstClr val="black">
-                    <a:lumMod val="65000"/>
-                    <a:lumOff val="35000"/>
-                  </a:prstClr>
-                </a:solidFill>
-              </a:rPr>
-              <a:t>컨텐츠에</a:t>
-            </a:r>
-            <a:r>
-              <a:rPr lang="ko-KR" altLang="en-US" sz="1400" dirty="0">
-                <a:solidFill>
-                  <a:prstClr val="black">
-                    <a:lumMod val="65000"/>
-                    <a:lumOff val="35000"/>
-                  </a:prstClr>
-                </a:solidFill>
-              </a:rPr>
-              <a:t> 대한 내용을 적어요</a:t>
-            </a:r>
-            <a:endParaRPr lang="en-US" altLang="ko-KR" sz="1400" dirty="0">
-              <a:solidFill>
-                <a:prstClr val="black">
-                  <a:lumMod val="65000"/>
-                  <a:lumOff val="35000"/>
-                </a:prstClr>
-              </a:solidFill>
-            </a:endParaRPr>
-          </a:p>
-          <a:p>
-            <a:pPr algn="ctr">
-              <a:lnSpc>
-                <a:spcPct val="150000"/>
-              </a:lnSpc>
-            </a:pPr>
-            <a:r>
-              <a:rPr lang="ko-KR" altLang="en-US" sz="1000" dirty="0">
-                <a:solidFill>
-                  <a:prstClr val="black">
-                    <a:lumMod val="65000"/>
-                    <a:lumOff val="35000"/>
-                  </a:prstClr>
-                </a:solidFill>
-              </a:rPr>
-              <a:t>Enjoy your stylish business and campus life with BIZCAM </a:t>
-            </a:r>
-          </a:p>
-        </p:txBody>
-      </p:sp>
-      <p:sp>
-        <p:nvSpPr>
-          <p:cNvPr id="39" name="직사각형 38"/>
-          <p:cNvSpPr/>
-          <p:nvPr/>
-        </p:nvSpPr>
-        <p:spPr>
-          <a:xfrm>
-            <a:off x="8446582" y="4273352"/>
-            <a:ext cx="2302233" cy="400110"/>
-          </a:xfrm>
-          <a:prstGeom prst="rect">
-            <a:avLst/>
-          </a:prstGeom>
-        </p:spPr>
-        <p:txBody>
-          <a:bodyPr wrap="none">
-            <a:spAutoFit/>
-          </a:bodyPr>
-          <a:lstStyle/>
-          <a:p>
-            <a:r>
-              <a:rPr lang="ko-KR" altLang="en-US" sz="1200" b="1" dirty="0">
-                <a:solidFill>
-                  <a:srgbClr val="27AECB"/>
-                </a:solidFill>
-              </a:rPr>
-              <a:t>●●●●●●●●</a:t>
-            </a:r>
-            <a:r>
-              <a:rPr lang="ko-KR" altLang="en-US" sz="1200" b="1" dirty="0">
-                <a:solidFill>
-                  <a:prstClr val="white">
-                    <a:lumMod val="85000"/>
-                  </a:prstClr>
-                </a:solidFill>
-              </a:rPr>
-              <a:t>●●</a:t>
-            </a:r>
-            <a:r>
-              <a:rPr lang="ko-KR" altLang="en-US" sz="1200" b="1" dirty="0">
-                <a:solidFill>
-                  <a:prstClr val="white">
-                    <a:lumMod val="50000"/>
-                  </a:prstClr>
-                </a:solidFill>
-              </a:rPr>
-              <a:t>  </a:t>
-            </a:r>
-            <a:r>
-              <a:rPr lang="en-US" altLang="ko-KR" sz="2000" b="1" dirty="0">
-                <a:solidFill>
-                  <a:prstClr val="white">
-                    <a:lumMod val="50000"/>
-                  </a:prstClr>
-                </a:solidFill>
-              </a:rPr>
-              <a:t>80</a:t>
-            </a:r>
-            <a:r>
-              <a:rPr lang="en-US" altLang="ko-KR" sz="1400" dirty="0">
-                <a:solidFill>
-                  <a:prstClr val="white">
-                    <a:lumMod val="50000"/>
-                  </a:prstClr>
-                </a:solidFill>
-              </a:rPr>
-              <a:t>%</a:t>
-            </a:r>
           </a:p>
         </p:txBody>
       </p:sp>
@@ -13551,7 +13099,7 @@
   <a:extraClrSchemeLst/>
   <a:extLst>
     <a:ext uri="{05A4C25C-085E-4340-85A3-A5531E510DB2}">
-      <thm15:themeFamily xmlns:thm15="http://schemas.microsoft.com/office/thememl/2012/main" xmlns="" name="Office Theme" id="{62F939B6-93AF-4DB8-9C6B-D6C7DFDC589F}" vid="{4A3C46E8-61CC-4603-A589-7422A47A8E4A}"/>
+      <thm15:themeFamily xmlns:thm15="http://schemas.microsoft.com/office/thememl/2012/main" name="Office Theme" id="{62F939B6-93AF-4DB8-9C6B-D6C7DFDC589F}" vid="{4A3C46E8-61CC-4603-A589-7422A47A8E4A}"/>
     </a:ext>
   </a:extLst>
 </a:theme>

--- a/포트폴리오/C#/주소록 관리 프로그램/주소록 관리 프로그램 - 양화영.pptx
+++ b/포트폴리오/C#/주소록 관리 프로그램/주소록 관리 프로그램 - 양화영.pptx
@@ -291,7 +291,7 @@
                 </a:solidFill>
               </a:rPr>
               <a:pPr/>
-              <a:t>2021-05-06</a:t>
+              <a:t>2021-05-12</a:t>
             </a:fld>
             <a:endParaRPr lang="ko-KR" altLang="en-US">
               <a:solidFill>
@@ -521,7 +521,7 @@
                 </a:solidFill>
               </a:rPr>
               <a:pPr/>
-              <a:t>2021-05-06</a:t>
+              <a:t>2021-05-12</a:t>
             </a:fld>
             <a:endParaRPr lang="ko-KR" altLang="en-US">
               <a:solidFill>
@@ -761,7 +761,7 @@
                 </a:solidFill>
               </a:rPr>
               <a:pPr/>
-              <a:t>2021-05-06</a:t>
+              <a:t>2021-05-12</a:t>
             </a:fld>
             <a:endParaRPr lang="ko-KR" altLang="en-US">
               <a:solidFill>
@@ -991,7 +991,7 @@
                 </a:solidFill>
               </a:rPr>
               <a:pPr/>
-              <a:t>2021-05-06</a:t>
+              <a:t>2021-05-12</a:t>
             </a:fld>
             <a:endParaRPr lang="ko-KR" altLang="en-US">
               <a:solidFill>
@@ -1298,7 +1298,7 @@
                 </a:solidFill>
               </a:rPr>
               <a:pPr/>
-              <a:t>2021-05-06</a:t>
+              <a:t>2021-05-12</a:t>
             </a:fld>
             <a:endParaRPr lang="ko-KR" altLang="en-US">
               <a:solidFill>
@@ -1595,7 +1595,7 @@
                 </a:solidFill>
               </a:rPr>
               <a:pPr/>
-              <a:t>2021-05-06</a:t>
+              <a:t>2021-05-12</a:t>
             </a:fld>
             <a:endParaRPr lang="ko-KR" altLang="en-US">
               <a:solidFill>
@@ -2039,7 +2039,7 @@
                 </a:solidFill>
               </a:rPr>
               <a:pPr/>
-              <a:t>2021-05-06</a:t>
+              <a:t>2021-05-12</a:t>
             </a:fld>
             <a:endParaRPr lang="ko-KR" altLang="en-US">
               <a:solidFill>
@@ -2212,7 +2212,7 @@
                 </a:solidFill>
               </a:rPr>
               <a:pPr/>
-              <a:t>2021-05-06</a:t>
+              <a:t>2021-05-12</a:t>
             </a:fld>
             <a:endParaRPr lang="ko-KR" altLang="en-US">
               <a:solidFill>
@@ -2357,7 +2357,7 @@
                 </a:solidFill>
               </a:rPr>
               <a:pPr/>
-              <a:t>2021-05-06</a:t>
+              <a:t>2021-05-12</a:t>
             </a:fld>
             <a:endParaRPr lang="ko-KR" altLang="en-US">
               <a:solidFill>
@@ -2700,7 +2700,7 @@
                 </a:solidFill>
               </a:rPr>
               <a:pPr/>
-              <a:t>2021-05-06</a:t>
+              <a:t>2021-05-12</a:t>
             </a:fld>
             <a:endParaRPr lang="ko-KR" altLang="en-US">
               <a:solidFill>
@@ -3020,7 +3020,7 @@
                 </a:solidFill>
               </a:rPr>
               <a:pPr/>
-              <a:t>2021-05-06</a:t>
+              <a:t>2021-05-12</a:t>
             </a:fld>
             <a:endParaRPr lang="ko-KR" altLang="en-US">
               <a:solidFill>
@@ -3293,7 +3293,7 @@
                 </a:solidFill>
               </a:rPr>
               <a:pPr/>
-              <a:t>2021-05-06</a:t>
+              <a:t>2021-05-12</a:t>
             </a:fld>
             <a:endParaRPr lang="ko-KR" altLang="en-US">
               <a:solidFill>
@@ -8596,7 +8596,7 @@
         </p:nvSpPr>
         <p:spPr>
           <a:xfrm>
-            <a:off x="342900" y="771525"/>
+            <a:off x="342000" y="770400"/>
             <a:ext cx="11506200" cy="5867400"/>
           </a:xfrm>
           <a:prstGeom prst="rect">
@@ -8713,8 +8713,8 @@
         </p:nvSpPr>
         <p:spPr>
           <a:xfrm flipH="1">
-            <a:off x="988441" y="1879867"/>
-            <a:ext cx="2859314" cy="2501420"/>
+            <a:off x="1105167" y="2187918"/>
+            <a:ext cx="2262874" cy="1885318"/>
           </a:xfrm>
           <a:prstGeom prst="snip1Rect">
             <a:avLst>
@@ -8767,7 +8767,7 @@
         </p:nvSpPr>
         <p:spPr>
           <a:xfrm>
-            <a:off x="1157527" y="4701946"/>
+            <a:off x="976032" y="4341218"/>
             <a:ext cx="2521142" cy="784830"/>
           </a:xfrm>
           <a:prstGeom prst="rect">
@@ -8835,67 +8835,13 @@
       </p:sp>
       <p:sp>
         <p:nvSpPr>
-          <p:cNvPr id="22" name="한쪽 모서리가 잘린 사각형 21"/>
-          <p:cNvSpPr/>
-          <p:nvPr/>
-        </p:nvSpPr>
-        <p:spPr>
-          <a:xfrm flipH="1">
-            <a:off x="4711944" y="1880561"/>
-            <a:ext cx="2859314" cy="2510251"/>
-          </a:xfrm>
-          <a:prstGeom prst="snip1Rect">
-            <a:avLst>
-              <a:gd name="adj" fmla="val 34813"/>
-            </a:avLst>
-          </a:prstGeom>
-          <a:solidFill>
-            <a:schemeClr val="bg1"/>
-          </a:solidFill>
-          <a:ln>
-            <a:solidFill>
-              <a:srgbClr val="27AECB"/>
-            </a:solidFill>
-          </a:ln>
-        </p:spPr>
-        <p:style>
-          <a:lnRef idx="2">
-            <a:schemeClr val="accent1">
-              <a:shade val="50000"/>
-            </a:schemeClr>
-          </a:lnRef>
-          <a:fillRef idx="1">
-            <a:schemeClr val="accent1"/>
-          </a:fillRef>
-          <a:effectRef idx="0">
-            <a:schemeClr val="accent1"/>
-          </a:effectRef>
-          <a:fontRef idx="minor">
-            <a:schemeClr val="lt1"/>
-          </a:fontRef>
-        </p:style>
-        <p:txBody>
-          <a:bodyPr rtlCol="0" anchor="ctr"/>
-          <a:lstStyle/>
-          <a:p>
-            <a:pPr algn="ctr"/>
-            <a:endParaRPr lang="ko-KR" altLang="en-US">
-              <a:solidFill>
-                <a:prstClr val="white"/>
-              </a:solidFill>
-            </a:endParaRPr>
-          </a:p>
-        </p:txBody>
-      </p:sp>
-      <p:sp>
-        <p:nvSpPr>
           <p:cNvPr id="24" name="직사각형 23"/>
           <p:cNvSpPr/>
           <p:nvPr/>
         </p:nvSpPr>
         <p:spPr>
           <a:xfrm>
-            <a:off x="4881030" y="4711472"/>
+            <a:off x="3497174" y="4351990"/>
             <a:ext cx="2521142" cy="784830"/>
           </a:xfrm>
           <a:prstGeom prst="rect">
@@ -8914,7 +8860,7 @@
               </a:lnSpc>
             </a:pPr>
             <a:r>
-              <a:rPr lang="en-US" altLang="ko-KR" sz="1600" b="1" dirty="0" smtClean="0">
+              <a:rPr lang="en-US" altLang="ko-KR" sz="1600" b="1" smtClean="0">
                 <a:solidFill>
                   <a:prstClr val="black">
                     <a:lumMod val="75000"/>
@@ -8925,7 +8871,7 @@
               <a:t>IDE </a:t>
             </a:r>
             <a:r>
-              <a:rPr lang="ko-KR" altLang="en-US" sz="1600" b="1" dirty="0" smtClean="0">
+              <a:rPr lang="ko-KR" altLang="en-US" sz="1600" b="1" smtClean="0">
                 <a:solidFill>
                   <a:prstClr val="black">
                     <a:lumMod val="75000"/>
@@ -8935,7 +8881,7 @@
               </a:rPr>
               <a:t>툴</a:t>
             </a:r>
-            <a:endParaRPr lang="en-US" altLang="ko-KR" sz="1400" dirty="0">
+            <a:endParaRPr lang="en-US" altLang="ko-KR" sz="1400" smtClean="0">
               <a:solidFill>
                 <a:prstClr val="black">
                   <a:lumMod val="75000"/>
@@ -8951,7 +8897,7 @@
               </a:lnSpc>
             </a:pPr>
             <a:r>
-              <a:rPr lang="en-US" altLang="ko-KR" sz="1400" dirty="0" smtClean="0">
+              <a:rPr lang="en-US" altLang="ko-KR" sz="1400" smtClean="0">
                 <a:solidFill>
                   <a:prstClr val="black">
                     <a:lumMod val="75000"/>
@@ -8974,67 +8920,13 @@
       </p:sp>
       <p:sp>
         <p:nvSpPr>
-          <p:cNvPr id="26" name="한쪽 모서리가 잘린 사각형 25"/>
-          <p:cNvSpPr/>
-          <p:nvPr/>
-        </p:nvSpPr>
-        <p:spPr>
-          <a:xfrm flipH="1">
-            <a:off x="8435447" y="1879867"/>
-            <a:ext cx="2859314" cy="2520471"/>
-          </a:xfrm>
-          <a:prstGeom prst="snip1Rect">
-            <a:avLst>
-              <a:gd name="adj" fmla="val 34246"/>
-            </a:avLst>
-          </a:prstGeom>
-          <a:solidFill>
-            <a:schemeClr val="bg1"/>
-          </a:solidFill>
-          <a:ln>
-            <a:solidFill>
-              <a:srgbClr val="27AECB"/>
-            </a:solidFill>
-          </a:ln>
-        </p:spPr>
-        <p:style>
-          <a:lnRef idx="2">
-            <a:schemeClr val="accent1">
-              <a:shade val="50000"/>
-            </a:schemeClr>
-          </a:lnRef>
-          <a:fillRef idx="1">
-            <a:schemeClr val="accent1"/>
-          </a:fillRef>
-          <a:effectRef idx="0">
-            <a:schemeClr val="accent1"/>
-          </a:effectRef>
-          <a:fontRef idx="minor">
-            <a:schemeClr val="lt1"/>
-          </a:fontRef>
-        </p:style>
-        <p:txBody>
-          <a:bodyPr rtlCol="0" anchor="ctr"/>
-          <a:lstStyle/>
-          <a:p>
-            <a:pPr algn="ctr"/>
-            <a:endParaRPr lang="ko-KR" altLang="en-US">
-              <a:solidFill>
-                <a:prstClr val="white"/>
-              </a:solidFill>
-            </a:endParaRPr>
-          </a:p>
-        </p:txBody>
-      </p:sp>
-      <p:sp>
-        <p:nvSpPr>
           <p:cNvPr id="28" name="직사각형 27"/>
           <p:cNvSpPr/>
           <p:nvPr/>
         </p:nvSpPr>
         <p:spPr>
           <a:xfrm>
-            <a:off x="8604533" y="4720998"/>
+            <a:off x="8636033" y="4350451"/>
             <a:ext cx="2521142" cy="784830"/>
           </a:xfrm>
           <a:prstGeom prst="rect">
@@ -9170,16 +9062,46 @@
           </a:p>
         </p:txBody>
       </p:sp>
-      <p:sp>
-        <p:nvSpPr>
-          <p:cNvPr id="33" name="자유형 32"/>
+      <p:pic>
+        <p:nvPicPr>
+          <p:cNvPr id="2" name="그림 1"/>
+          <p:cNvPicPr>
+            <a:picLocks noChangeAspect="1"/>
+          </p:cNvPicPr>
+          <p:nvPr/>
+        </p:nvPicPr>
+        <p:blipFill>
+          <a:blip r:embed="rId2">
+            <a:extLst>
+              <a:ext uri="{28A0092B-C50C-407E-A947-70E740481C1C}">
+                <a14:useLocalDpi xmlns:a14="http://schemas.microsoft.com/office/drawing/2010/main" val="0"/>
+              </a:ext>
+            </a:extLst>
+          </a:blip>
+          <a:stretch>
+            <a:fillRect/>
+          </a:stretch>
+        </p:blipFill>
+        <p:spPr>
+          <a:xfrm>
+            <a:off x="1624480" y="2455900"/>
+            <a:ext cx="1224247" cy="1349353"/>
+          </a:xfrm>
+          <a:prstGeom prst="rect">
+            <a:avLst/>
+          </a:prstGeom>
+        </p:spPr>
+      </p:pic>
+      <p:sp>
+        <p:nvSpPr>
+          <p:cNvPr id="17" name="자유형 16"/>
           <p:cNvSpPr/>
           <p:nvPr/>
         </p:nvSpPr>
         <p:spPr>
           <a:xfrm>
-            <a:off x="4711944" y="1879867"/>
-            <a:ext cx="807113" cy="773526"/>
+            <a:off x="1105166" y="2164397"/>
+            <a:ext cx="638754" cy="636992"/>
           </a:xfrm>
           <a:custGeom>
             <a:avLst/>
@@ -9252,7 +9174,7 @@
                   <a:prstClr val="white"/>
                 </a:solidFill>
               </a:rPr>
-              <a:t>B</a:t>
+              <a:t>A</a:t>
             </a:r>
             <a:endParaRPr lang="ko-KR" altLang="en-US" sz="1200" b="1" dirty="0">
               <a:solidFill>
@@ -9262,76 +9184,70 @@
           </a:p>
         </p:txBody>
       </p:sp>
-      <p:pic>
-        <p:nvPicPr>
-          <p:cNvPr id="2" name="그림 1"/>
-          <p:cNvPicPr>
-            <a:picLocks noChangeAspect="1"/>
-          </p:cNvPicPr>
-          <p:nvPr/>
-        </p:nvPicPr>
-        <p:blipFill>
-          <a:blip r:embed="rId2">
-            <a:extLst>
-              <a:ext uri="{28A0092B-C50C-407E-A947-70E740481C1C}">
-                <a14:useLocalDpi xmlns:a14="http://schemas.microsoft.com/office/drawing/2010/main" val="0"/>
-              </a:ext>
-            </a:extLst>
-          </a:blip>
-          <a:stretch>
-            <a:fillRect/>
-          </a:stretch>
-        </p:blipFill>
-        <p:spPr>
-          <a:xfrm>
-            <a:off x="1805974" y="2455900"/>
-            <a:ext cx="1224247" cy="1349353"/>
-          </a:xfrm>
-          <a:prstGeom prst="rect">
-            <a:avLst/>
-          </a:prstGeom>
-        </p:spPr>
-      </p:pic>
-      <p:pic>
-        <p:nvPicPr>
-          <p:cNvPr id="3" name="그림 2"/>
-          <p:cNvPicPr>
-            <a:picLocks noChangeAspect="1"/>
-          </p:cNvPicPr>
-          <p:nvPr/>
-        </p:nvPicPr>
-        <p:blipFill>
-          <a:blip r:embed="rId3">
-            <a:extLst>
-              <a:ext uri="{28A0092B-C50C-407E-A947-70E740481C1C}">
-                <a14:useLocalDpi xmlns:a14="http://schemas.microsoft.com/office/drawing/2010/main" val="0"/>
-              </a:ext>
-            </a:extLst>
-          </a:blip>
-          <a:stretch>
-            <a:fillRect/>
-          </a:stretch>
-        </p:blipFill>
-        <p:spPr>
-          <a:xfrm>
-            <a:off x="5060408" y="2300472"/>
-            <a:ext cx="2131466" cy="1670428"/>
-          </a:xfrm>
-          <a:prstGeom prst="rect">
-            <a:avLst/>
-          </a:prstGeom>
-        </p:spPr>
-      </p:pic>
-      <p:sp>
-        <p:nvSpPr>
-          <p:cNvPr id="17" name="자유형 16"/>
+      <p:sp>
+        <p:nvSpPr>
+          <p:cNvPr id="25" name="한쪽 모서리가 잘린 사각형 24"/>
           <p:cNvSpPr/>
           <p:nvPr/>
         </p:nvSpPr>
         <p:spPr>
-          <a:xfrm>
-            <a:off x="988441" y="1879867"/>
-            <a:ext cx="807113" cy="773526"/>
+          <a:xfrm flipH="1">
+            <a:off x="3635341" y="2187918"/>
+            <a:ext cx="2262874" cy="1885318"/>
+          </a:xfrm>
+          <a:prstGeom prst="snip1Rect">
+            <a:avLst>
+              <a:gd name="adj" fmla="val 34813"/>
+            </a:avLst>
+          </a:prstGeom>
+          <a:solidFill>
+            <a:schemeClr val="bg1"/>
+          </a:solidFill>
+          <a:ln>
+            <a:solidFill>
+              <a:srgbClr val="27AECB"/>
+            </a:solidFill>
+          </a:ln>
+        </p:spPr>
+        <p:style>
+          <a:lnRef idx="2">
+            <a:schemeClr val="accent1">
+              <a:shade val="50000"/>
+            </a:schemeClr>
+          </a:lnRef>
+          <a:fillRef idx="1">
+            <a:schemeClr val="accent1"/>
+          </a:fillRef>
+          <a:effectRef idx="0">
+            <a:schemeClr val="accent1"/>
+          </a:effectRef>
+          <a:fontRef idx="minor">
+            <a:schemeClr val="lt1"/>
+          </a:fontRef>
+        </p:style>
+        <p:txBody>
+          <a:bodyPr rtlCol="0" anchor="ctr"/>
+          <a:lstStyle/>
+          <a:p>
+            <a:pPr algn="ctr"/>
+            <a:endParaRPr lang="ko-KR" altLang="en-US">
+              <a:solidFill>
+                <a:prstClr val="white"/>
+              </a:solidFill>
+            </a:endParaRPr>
+          </a:p>
+        </p:txBody>
+      </p:sp>
+      <p:sp>
+        <p:nvSpPr>
+          <p:cNvPr id="27" name="자유형 26"/>
+          <p:cNvSpPr/>
+          <p:nvPr/>
+        </p:nvSpPr>
+        <p:spPr>
+          <a:xfrm>
+            <a:off x="3635340" y="2164397"/>
+            <a:ext cx="638754" cy="636992"/>
           </a:xfrm>
           <a:custGeom>
             <a:avLst/>
@@ -9399,12 +9315,12 @@
           <a:lstStyle/>
           <a:p>
             <a:r>
-              <a:rPr lang="en-US" altLang="ko-KR" sz="1200" b="1" dirty="0">
+              <a:rPr lang="en-US" altLang="ko-KR" sz="1200" b="1" dirty="0" smtClean="0">
                 <a:solidFill>
                   <a:prstClr val="white"/>
                 </a:solidFill>
               </a:rPr>
-              <a:t>A</a:t>
+              <a:t>B</a:t>
             </a:r>
             <a:endParaRPr lang="ko-KR" altLang="en-US" sz="1200" b="1" dirty="0">
               <a:solidFill>
@@ -9414,16 +9330,100 @@
           </a:p>
         </p:txBody>
       </p:sp>
-      <p:sp>
-        <p:nvSpPr>
-          <p:cNvPr id="19" name="자유형 18"/>
+      <p:pic>
+        <p:nvPicPr>
+          <p:cNvPr id="3" name="그림 2"/>
+          <p:cNvPicPr>
+            <a:picLocks noChangeAspect="1"/>
+          </p:cNvPicPr>
+          <p:nvPr/>
+        </p:nvPicPr>
+        <p:blipFill>
+          <a:blip r:embed="rId3">
+            <a:extLst>
+              <a:ext uri="{28A0092B-C50C-407E-A947-70E740481C1C}">
+                <a14:useLocalDpi xmlns:a14="http://schemas.microsoft.com/office/drawing/2010/main" val="0"/>
+              </a:ext>
+            </a:extLst>
+          </a:blip>
+          <a:stretch>
+            <a:fillRect/>
+          </a:stretch>
+        </p:blipFill>
+        <p:spPr>
+          <a:xfrm>
+            <a:off x="3701045" y="2188543"/>
+            <a:ext cx="2131466" cy="1949962"/>
+          </a:xfrm>
+          <a:prstGeom prst="rect">
+            <a:avLst/>
+          </a:prstGeom>
+        </p:spPr>
+      </p:pic>
+      <p:sp>
+        <p:nvSpPr>
+          <p:cNvPr id="35" name="한쪽 모서리가 잘린 사각형 34"/>
           <p:cNvSpPr/>
           <p:nvPr/>
         </p:nvSpPr>
         <p:spPr>
-          <a:xfrm>
-            <a:off x="8431940" y="1874104"/>
-            <a:ext cx="807113" cy="773526"/>
+          <a:xfrm flipH="1">
+            <a:off x="6176573" y="2200944"/>
+            <a:ext cx="2262874" cy="1885318"/>
+          </a:xfrm>
+          <a:prstGeom prst="snip1Rect">
+            <a:avLst>
+              <a:gd name="adj" fmla="val 34813"/>
+            </a:avLst>
+          </a:prstGeom>
+          <a:solidFill>
+            <a:schemeClr val="bg1"/>
+          </a:solidFill>
+          <a:ln>
+            <a:solidFill>
+              <a:srgbClr val="27AECB"/>
+            </a:solidFill>
+          </a:ln>
+        </p:spPr>
+        <p:style>
+          <a:lnRef idx="2">
+            <a:schemeClr val="accent1">
+              <a:shade val="50000"/>
+            </a:schemeClr>
+          </a:lnRef>
+          <a:fillRef idx="1">
+            <a:schemeClr val="accent1"/>
+          </a:fillRef>
+          <a:effectRef idx="0">
+            <a:schemeClr val="accent1"/>
+          </a:effectRef>
+          <a:fontRef idx="minor">
+            <a:schemeClr val="lt1"/>
+          </a:fontRef>
+        </p:style>
+        <p:txBody>
+          <a:bodyPr rtlCol="0" anchor="ctr"/>
+          <a:lstStyle/>
+          <a:p>
+            <a:pPr algn="ctr"/>
+            <a:endParaRPr lang="ko-KR" altLang="en-US">
+              <a:solidFill>
+                <a:prstClr val="white"/>
+              </a:solidFill>
+            </a:endParaRPr>
+          </a:p>
+        </p:txBody>
+      </p:sp>
+      <p:sp>
+        <p:nvSpPr>
+          <p:cNvPr id="36" name="자유형 35"/>
+          <p:cNvSpPr/>
+          <p:nvPr/>
+        </p:nvSpPr>
+        <p:spPr>
+          <a:xfrm>
+            <a:off x="6176572" y="2177423"/>
+            <a:ext cx="638754" cy="636992"/>
           </a:xfrm>
           <a:custGeom>
             <a:avLst/>
@@ -9491,12 +9491,158 @@
           <a:lstStyle/>
           <a:p>
             <a:r>
+              <a:rPr lang="en-US" altLang="ko-KR" sz="1200" b="1" dirty="0" smtClean="0">
+                <a:solidFill>
+                  <a:prstClr val="white"/>
+                </a:solidFill>
+              </a:rPr>
+              <a:t>C</a:t>
+            </a:r>
+            <a:endParaRPr lang="ko-KR" altLang="en-US" sz="1200" b="1" dirty="0">
+              <a:solidFill>
+                <a:prstClr val="white"/>
+              </a:solidFill>
+            </a:endParaRPr>
+          </a:p>
+        </p:txBody>
+      </p:sp>
+      <p:sp>
+        <p:nvSpPr>
+          <p:cNvPr id="37" name="한쪽 모서리가 잘린 사각형 36"/>
+          <p:cNvSpPr/>
+          <p:nvPr/>
+        </p:nvSpPr>
+        <p:spPr>
+          <a:xfrm flipH="1">
+            <a:off x="8765167" y="2220865"/>
+            <a:ext cx="2262874" cy="1885318"/>
+          </a:xfrm>
+          <a:prstGeom prst="snip1Rect">
+            <a:avLst>
+              <a:gd name="adj" fmla="val 34813"/>
+            </a:avLst>
+          </a:prstGeom>
+          <a:solidFill>
+            <a:schemeClr val="bg1"/>
+          </a:solidFill>
+          <a:ln>
+            <a:solidFill>
+              <a:srgbClr val="27AECB"/>
+            </a:solidFill>
+          </a:ln>
+        </p:spPr>
+        <p:style>
+          <a:lnRef idx="2">
+            <a:schemeClr val="accent1">
+              <a:shade val="50000"/>
+            </a:schemeClr>
+          </a:lnRef>
+          <a:fillRef idx="1">
+            <a:schemeClr val="accent1"/>
+          </a:fillRef>
+          <a:effectRef idx="0">
+            <a:schemeClr val="accent1"/>
+          </a:effectRef>
+          <a:fontRef idx="minor">
+            <a:schemeClr val="lt1"/>
+          </a:fontRef>
+        </p:style>
+        <p:txBody>
+          <a:bodyPr rtlCol="0" anchor="ctr"/>
+          <a:lstStyle/>
+          <a:p>
+            <a:pPr algn="ctr"/>
+            <a:endParaRPr lang="ko-KR" altLang="en-US">
+              <a:solidFill>
+                <a:prstClr val="white"/>
+              </a:solidFill>
+            </a:endParaRPr>
+          </a:p>
+        </p:txBody>
+      </p:sp>
+      <p:sp>
+        <p:nvSpPr>
+          <p:cNvPr id="38" name="자유형 37"/>
+          <p:cNvSpPr/>
+          <p:nvPr/>
+        </p:nvSpPr>
+        <p:spPr>
+          <a:xfrm>
+            <a:off x="8765166" y="2197344"/>
+            <a:ext cx="638754" cy="636992"/>
+          </a:xfrm>
+          <a:custGeom>
+            <a:avLst/>
+            <a:gdLst>
+              <a:gd name="connsiteX0" fmla="*/ 0 w 468085"/>
+              <a:gd name="connsiteY0" fmla="*/ 0 h 468085"/>
+              <a:gd name="connsiteX1" fmla="*/ 468085 w 468085"/>
+              <a:gd name="connsiteY1" fmla="*/ 0 h 468085"/>
+              <a:gd name="connsiteX2" fmla="*/ 0 w 468085"/>
+              <a:gd name="connsiteY2" fmla="*/ 468085 h 468085"/>
+            </a:gdLst>
+            <a:ahLst/>
+            <a:cxnLst>
+              <a:cxn ang="0">
+                <a:pos x="connsiteX0" y="connsiteY0"/>
+              </a:cxn>
+              <a:cxn ang="0">
+                <a:pos x="connsiteX1" y="connsiteY1"/>
+              </a:cxn>
+              <a:cxn ang="0">
+                <a:pos x="connsiteX2" y="connsiteY2"/>
+              </a:cxn>
+            </a:cxnLst>
+            <a:rect l="l" t="t" r="r" b="b"/>
+            <a:pathLst>
+              <a:path w="468085" h="468085">
+                <a:moveTo>
+                  <a:pt x="0" y="0"/>
+                </a:moveTo>
+                <a:lnTo>
+                  <a:pt x="468085" y="0"/>
+                </a:lnTo>
+                <a:lnTo>
+                  <a:pt x="0" y="468085"/>
+                </a:lnTo>
+                <a:close/>
+              </a:path>
+            </a:pathLst>
+          </a:custGeom>
+          <a:solidFill>
+            <a:srgbClr val="27AECB"/>
+          </a:solidFill>
+          <a:ln>
+            <a:noFill/>
+          </a:ln>
+        </p:spPr>
+        <p:style>
+          <a:lnRef idx="2">
+            <a:schemeClr val="accent1">
+              <a:shade val="50000"/>
+            </a:schemeClr>
+          </a:lnRef>
+          <a:fillRef idx="1">
+            <a:schemeClr val="accent1"/>
+          </a:fillRef>
+          <a:effectRef idx="0">
+            <a:schemeClr val="accent1"/>
+          </a:effectRef>
+          <a:fontRef idx="minor">
+            <a:schemeClr val="lt1"/>
+          </a:fontRef>
+        </p:style>
+        <p:txBody>
+          <a:bodyPr lIns="72000" tIns="36000" rIns="216000" bIns="288000" rtlCol="0" anchor="t"/>
+          <a:lstStyle/>
+          <a:p>
+            <a:r>
               <a:rPr lang="en-US" altLang="ko-KR" sz="1200" b="1" dirty="0">
                 <a:solidFill>
                   <a:prstClr val="white"/>
                 </a:solidFill>
               </a:rPr>
-              <a:t>C</a:t>
+              <a:t>D</a:t>
             </a:r>
             <a:endParaRPr lang="ko-KR" altLang="en-US" sz="1200" b="1" dirty="0">
               <a:solidFill>
@@ -9515,7 +9661,7 @@
           <p:nvPr/>
         </p:nvPicPr>
         <p:blipFill>
-          <a:blip r:embed="rId4">
+          <a:blip r:embed="rId4" cstate="print">
             <a:extLst>
               <a:ext uri="{28A0092B-C50C-407E-A947-70E740481C1C}">
                 <a14:useLocalDpi xmlns:a14="http://schemas.microsoft.com/office/drawing/2010/main" val="0"/>
@@ -9528,14 +9674,118 @@
         </p:blipFill>
         <p:spPr>
           <a:xfrm>
-            <a:off x="8898888" y="2300472"/>
-            <a:ext cx="1932432" cy="1833257"/>
+            <a:off x="9205503" y="2455900"/>
+            <a:ext cx="1314706" cy="1493708"/>
           </a:xfrm>
           <a:prstGeom prst="rect">
             <a:avLst/>
           </a:prstGeom>
         </p:spPr>
       </p:pic>
+      <p:pic>
+        <p:nvPicPr>
+          <p:cNvPr id="4" name="그림 3"/>
+          <p:cNvPicPr>
+            <a:picLocks noChangeAspect="1"/>
+          </p:cNvPicPr>
+          <p:nvPr/>
+        </p:nvPicPr>
+        <p:blipFill>
+          <a:blip r:embed="rId5" cstate="print">
+            <a:extLst>
+              <a:ext uri="{28A0092B-C50C-407E-A947-70E740481C1C}">
+                <a14:useLocalDpi xmlns:a14="http://schemas.microsoft.com/office/drawing/2010/main" val="0"/>
+              </a:ext>
+            </a:extLst>
+          </a:blip>
+          <a:stretch>
+            <a:fillRect/>
+          </a:stretch>
+        </p:blipFill>
+        <p:spPr>
+          <a:xfrm>
+            <a:off x="6309790" y="2076796"/>
+            <a:ext cx="1996440" cy="1996440"/>
+          </a:xfrm>
+          <a:prstGeom prst="rect">
+            <a:avLst/>
+          </a:prstGeom>
+        </p:spPr>
+      </p:pic>
+      <p:sp>
+        <p:nvSpPr>
+          <p:cNvPr id="39" name="직사각형 38"/>
+          <p:cNvSpPr/>
+          <p:nvPr/>
+        </p:nvSpPr>
+        <p:spPr>
+          <a:xfrm>
+            <a:off x="6066603" y="4341706"/>
+            <a:ext cx="2521142" cy="784830"/>
+          </a:xfrm>
+          <a:prstGeom prst="rect">
+            <a:avLst/>
+          </a:prstGeom>
+        </p:spPr>
+        <p:txBody>
+          <a:bodyPr wrap="square">
+            <a:spAutoFit/>
+          </a:bodyPr>
+          <a:lstStyle/>
+          <a:p>
+            <a:pPr algn="ctr">
+              <a:lnSpc>
+                <a:spcPct val="150000"/>
+              </a:lnSpc>
+            </a:pPr>
+            <a:r>
+              <a:rPr lang="en-US" altLang="ko-KR" sz="1600" b="1" dirty="0" smtClean="0">
+                <a:solidFill>
+                  <a:prstClr val="black">
+                    <a:lumMod val="75000"/>
+                    <a:lumOff val="25000"/>
+                  </a:prstClr>
+                </a:solidFill>
+              </a:rPr>
+              <a:t>DBMS</a:t>
+            </a:r>
+            <a:endParaRPr lang="en-US" altLang="ko-KR" sz="1400" dirty="0" smtClean="0">
+              <a:solidFill>
+                <a:prstClr val="black">
+                  <a:lumMod val="75000"/>
+                  <a:lumOff val="25000"/>
+                </a:prstClr>
+              </a:solidFill>
+            </a:endParaRPr>
+          </a:p>
+          <a:p>
+            <a:pPr algn="ctr">
+              <a:lnSpc>
+                <a:spcPct val="150000"/>
+              </a:lnSpc>
+            </a:pPr>
+            <a:r>
+              <a:rPr lang="en-US" altLang="ko-KR" sz="1400" dirty="0" smtClean="0">
+                <a:solidFill>
+                  <a:prstClr val="black">
+                    <a:lumMod val="75000"/>
+                    <a:lumOff val="25000"/>
+                  </a:prstClr>
+                </a:solidFill>
+              </a:rPr>
+              <a:t>MSSQL</a:t>
+            </a:r>
+            <a:endParaRPr lang="ko-KR" altLang="en-US" sz="1000" dirty="0">
+              <a:solidFill>
+                <a:prstClr val="black">
+                  <a:lumMod val="75000"/>
+                  <a:lumOff val="25000"/>
+                </a:prstClr>
+              </a:solidFill>
+            </a:endParaRPr>
+          </a:p>
+        </p:txBody>
+      </p:sp>
     </p:spTree>
     <p:extLst>
       <p:ext uri="{BB962C8B-B14F-4D97-AF65-F5344CB8AC3E}">
